--- a/Android/Lesson15/ContextIntent.pptx
+++ b/Android/Lesson15/ContextIntent.pptx
@@ -6,20 +6,25 @@
   </p:sldMasterIdLst>
   <p:sldIdLst>
     <p:sldId id="257" r:id="rId2"/>
-    <p:sldId id="345" r:id="rId3"/>
-    <p:sldId id="342" r:id="rId4"/>
-    <p:sldId id="344" r:id="rId5"/>
-    <p:sldId id="346" r:id="rId6"/>
-    <p:sldId id="347" r:id="rId7"/>
-    <p:sldId id="343" r:id="rId8"/>
-    <p:sldId id="348" r:id="rId9"/>
-    <p:sldId id="350" r:id="rId10"/>
-    <p:sldId id="351" r:id="rId11"/>
-    <p:sldId id="336" r:id="rId12"/>
-    <p:sldId id="337" r:id="rId13"/>
-    <p:sldId id="305" r:id="rId14"/>
-    <p:sldId id="341" r:id="rId15"/>
-    <p:sldId id="340" r:id="rId16"/>
+    <p:sldId id="352" r:id="rId3"/>
+    <p:sldId id="305" r:id="rId4"/>
+    <p:sldId id="341" r:id="rId5"/>
+    <p:sldId id="345" r:id="rId6"/>
+    <p:sldId id="356" r:id="rId7"/>
+    <p:sldId id="353" r:id="rId8"/>
+    <p:sldId id="344" r:id="rId9"/>
+    <p:sldId id="347" r:id="rId10"/>
+    <p:sldId id="346" r:id="rId11"/>
+    <p:sldId id="348" r:id="rId12"/>
+    <p:sldId id="350" r:id="rId13"/>
+    <p:sldId id="351" r:id="rId14"/>
+    <p:sldId id="340" r:id="rId15"/>
+    <p:sldId id="358" r:id="rId16"/>
+    <p:sldId id="362" r:id="rId17"/>
+    <p:sldId id="359" r:id="rId18"/>
+    <p:sldId id="360" r:id="rId19"/>
+    <p:sldId id="354" r:id="rId20"/>
+    <p:sldId id="343" r:id="rId21"/>
   </p:sldIdLst>
   <p:sldSz cx="12192000" cy="6858000"/>
   <p:notesSz cx="6858000" cy="9144000"/>
@@ -126,6 +131,86 @@
 </p:presentation>
 </file>
 
+<file path=ppt/commentAuthors.xml><?xml version="1.0" encoding="utf-8"?>
+<p:cmAuthorLst xmlns:a="http://schemas.openxmlformats.org/drawingml/2006/main" xmlns:r="http://schemas.openxmlformats.org/officeDocument/2006/relationships" xmlns:p="http://schemas.openxmlformats.org/presentationml/2006/main">
+  <p:cmAuthor id="1" name=" " initials="" lastIdx="6" clrIdx="0">
+    <p:extLst>
+      <p:ext uri="{19B8F6BF-5375-455C-9EA6-DF929625EA0E}">
+        <p15:presenceInfo xmlns:p15="http://schemas.microsoft.com/office/powerpoint/2012/main" userId="478e54c2027d6035" providerId="Windows Live"/>
+      </p:ext>
+    </p:extLst>
+  </p:cmAuthor>
+</p:cmAuthorLst>
+</file>
+
+<file path=ppt/comments/comment1.xml><?xml version="1.0" encoding="utf-8"?>
+<p:cmLst xmlns:a="http://schemas.openxmlformats.org/drawingml/2006/main" xmlns:r="http://schemas.openxmlformats.org/officeDocument/2006/relationships" xmlns:p="http://schemas.openxmlformats.org/presentationml/2006/main">
+  <p:cm authorId="1" dt="2020-11-11T16:55:39.396" idx="1">
+    <p:pos x="10" y="10"/>
+    <p:text>Созжаем активность для логина и пароля</p:text>
+    <p:extLst>
+      <p:ext uri="{C676402C-5697-4E1C-873F-D02D1690AC5C}">
+        <p15:threadingInfo xmlns:p15="http://schemas.microsoft.com/office/powerpoint/2012/main" timeZoneBias="-300"/>
+      </p:ext>
+    </p:extLst>
+  </p:cm>
+  <p:cm authorId="1" dt="2020-11-11T17:06:10.634" idx="2">
+    <p:pos x="10" y="146"/>
+    <p:text>Intent intent = new Intent(getApplicationContext(), LoginActivity.class);
+        startActivity(intent);</p:text>
+    <p:extLst>
+      <p:ext uri="{C676402C-5697-4E1C-873F-D02D1690AC5C}">
+        <p15:threadingInfo xmlns:p15="http://schemas.microsoft.com/office/powerpoint/2012/main" timeZoneBias="-300">
+          <p15:parentCm authorId="1" idx="1"/>
+        </p15:threadingInfo>
+      </p:ext>
+    </p:extLst>
+  </p:cm>
+</p:cmLst>
+</file>
+
+<file path=ppt/comments/comment2.xml><?xml version="1.0" encoding="utf-8"?>
+<p:cmLst xmlns:a="http://schemas.openxmlformats.org/drawingml/2006/main" xmlns:r="http://schemas.openxmlformats.org/officeDocument/2006/relationships" xmlns:p="http://schemas.openxmlformats.org/presentationml/2006/main">
+  <p:cm authorId="1" dt="2020-11-11T17:06:53.072" idx="3">
+    <p:pos x="10" y="10"/>
+    <p:text>Intent intent = new Intent(this, SecondActivity.class);
+String eText = "information to send";
+i.putExtra("MyData", eText);
+startActivity(intent);</p:text>
+    <p:extLst>
+      <p:ext uri="{C676402C-5697-4E1C-873F-D02D1690AC5C}">
+        <p15:threadingInfo xmlns:p15="http://schemas.microsoft.com/office/powerpoint/2012/main" timeZoneBias="-300"/>
+      </p:ext>
+    </p:extLst>
+  </p:cm>
+  <p:cm authorId="1" dt="2020-11-11T18:09:52.220" idx="5">
+    <p:pos x="10" y="146"/>
+    <p:text>String str = getIntent().getStringExtra("Login");</p:text>
+    <p:extLst>
+      <p:ext uri="{C676402C-5697-4E1C-873F-D02D1690AC5C}">
+        <p15:threadingInfo xmlns:p15="http://schemas.microsoft.com/office/powerpoint/2012/main" timeZoneBias="-300">
+          <p15:parentCm authorId="1" idx="3"/>
+        </p15:threadingInfo>
+      </p:ext>
+    </p:extLst>
+  </p:cm>
+</p:cmLst>
+</file>
+
+<file path=ppt/comments/comment3.xml><?xml version="1.0" encoding="utf-8"?>
+<p:cmLst xmlns:a="http://schemas.openxmlformats.org/drawingml/2006/main" xmlns:r="http://schemas.openxmlformats.org/officeDocument/2006/relationships" xmlns:p="http://schemas.openxmlformats.org/presentationml/2006/main">
+  <p:cm authorId="1" dt="2020-11-11T18:28:10.831" idx="6">
+    <p:pos x="10" y="10"/>
+    <p:text>int REQEST_LOGIN = 101;</p:text>
+    <p:extLst>
+      <p:ext uri="{C676402C-5697-4E1C-873F-D02D1690AC5C}">
+        <p15:threadingInfo xmlns:p15="http://schemas.microsoft.com/office/powerpoint/2012/main" timeZoneBias="-300"/>
+      </p:ext>
+    </p:extLst>
+  </p:cm>
+</p:cmLst>
+</file>
+
 <file path=ppt/slideLayouts/slideLayout1.xml><?xml version="1.0" encoding="utf-8"?>
 <p:sldLayout xmlns:a="http://schemas.openxmlformats.org/drawingml/2006/main" xmlns:r="http://schemas.openxmlformats.org/officeDocument/2006/relationships" xmlns:p="http://schemas.openxmlformats.org/presentationml/2006/main" showMasterSp="0" type="title" preserve="1">
   <p:cSld name="Титульный слайд">
@@ -351,7 +436,7 @@
             <a:fld id="{5586B75A-687E-405C-8A0B-8D00578BA2C3}" type="datetimeFigureOut">
               <a:rPr lang="en-US" dirty="0"/>
               <a:pPr/>
-              <a:t>11/10/2020</a:t>
+              <a:t>11/12/2020</a:t>
             </a:fld>
             <a:endParaRPr lang="en-US" dirty="0"/>
           </a:p>
@@ -518,7 +603,7 @@
             <a:fld id="{5586B75A-687E-405C-8A0B-8D00578BA2C3}" type="datetimeFigureOut">
               <a:rPr lang="en-US" dirty="0"/>
               <a:pPr/>
-              <a:t>11/10/2020</a:t>
+              <a:t>11/12/2020</a:t>
             </a:fld>
             <a:endParaRPr lang="en-US" dirty="0"/>
           </a:p>
@@ -695,7 +780,7 @@
             <a:fld id="{5586B75A-687E-405C-8A0B-8D00578BA2C3}" type="datetimeFigureOut">
               <a:rPr lang="en-US" dirty="0"/>
               <a:pPr/>
-              <a:t>11/10/2020</a:t>
+              <a:t>11/12/2020</a:t>
             </a:fld>
             <a:endParaRPr lang="en-US" dirty="0"/>
           </a:p>
@@ -862,7 +947,7 @@
             <a:fld id="{5586B75A-687E-405C-8A0B-8D00578BA2C3}" type="datetimeFigureOut">
               <a:rPr lang="en-US" dirty="0"/>
               <a:pPr/>
-              <a:t>11/10/2020</a:t>
+              <a:t>11/12/2020</a:t>
             </a:fld>
             <a:endParaRPr lang="en-US" dirty="0"/>
           </a:p>
@@ -1117,7 +1202,7 @@
             <a:fld id="{5586B75A-687E-405C-8A0B-8D00578BA2C3}" type="datetimeFigureOut">
               <a:rPr lang="en-US" dirty="0"/>
               <a:pPr/>
-              <a:t>11/10/2020</a:t>
+              <a:t>11/12/2020</a:t>
             </a:fld>
             <a:endParaRPr lang="en-US" dirty="0"/>
           </a:p>
@@ -1402,7 +1487,7 @@
             <a:fld id="{5586B75A-687E-405C-8A0B-8D00578BA2C3}" type="datetimeFigureOut">
               <a:rPr lang="en-US" dirty="0"/>
               <a:pPr/>
-              <a:t>11/10/2020</a:t>
+              <a:t>11/12/2020</a:t>
             </a:fld>
             <a:endParaRPr lang="en-US" dirty="0"/>
           </a:p>
@@ -1841,7 +1926,7 @@
             <a:fld id="{5586B75A-687E-405C-8A0B-8D00578BA2C3}" type="datetimeFigureOut">
               <a:rPr lang="en-US" dirty="0"/>
               <a:pPr/>
-              <a:t>11/10/2020</a:t>
+              <a:t>11/12/2020</a:t>
             </a:fld>
             <a:endParaRPr lang="en-US" dirty="0"/>
           </a:p>
@@ -1956,7 +2041,7 @@
             <a:fld id="{5586B75A-687E-405C-8A0B-8D00578BA2C3}" type="datetimeFigureOut">
               <a:rPr lang="en-US" dirty="0"/>
               <a:pPr/>
-              <a:t>11/10/2020</a:t>
+              <a:t>11/12/2020</a:t>
             </a:fld>
             <a:endParaRPr lang="en-US" dirty="0"/>
           </a:p>
@@ -2048,7 +2133,7 @@
             <a:fld id="{5586B75A-687E-405C-8A0B-8D00578BA2C3}" type="datetimeFigureOut">
               <a:rPr lang="en-US" dirty="0"/>
               <a:pPr/>
-              <a:t>11/10/2020</a:t>
+              <a:t>11/12/2020</a:t>
             </a:fld>
             <a:endParaRPr lang="en-US" dirty="0"/>
           </a:p>
@@ -2333,7 +2418,7 @@
             <a:fld id="{5586B75A-687E-405C-8A0B-8D00578BA2C3}" type="datetimeFigureOut">
               <a:rPr lang="en-US" dirty="0"/>
               <a:pPr/>
-              <a:t>11/10/2020</a:t>
+              <a:t>11/12/2020</a:t>
             </a:fld>
             <a:endParaRPr lang="en-US" dirty="0"/>
           </a:p>
@@ -2603,7 +2688,7 @@
             <a:fld id="{5586B75A-687E-405C-8A0B-8D00578BA2C3}" type="datetimeFigureOut">
               <a:rPr lang="en-US" dirty="0"/>
               <a:pPr/>
-              <a:t>11/10/2020</a:t>
+              <a:t>11/12/2020</a:t>
             </a:fld>
             <a:endParaRPr lang="en-US" dirty="0"/>
           </a:p>
@@ -2897,7 +2982,7 @@
             <a:fld id="{5586B75A-687E-405C-8A0B-8D00578BA2C3}" type="datetimeFigureOut">
               <a:rPr lang="en-US" dirty="0"/>
               <a:pPr/>
-              <a:t>11/10/2020</a:t>
+              <a:t>11/12/2020</a:t>
             </a:fld>
             <a:endParaRPr lang="en-US" dirty="0"/>
           </a:p>
@@ -3721,9 +3806,121 @@
           <a:chExt cx="0" cy="0"/>
         </a:xfrm>
       </p:grpSpPr>
+      <p:sp>
+        <p:nvSpPr>
+          <p:cNvPr id="71" name="Rectangle 70">
+            <a:extLst>
+              <a:ext uri="{FF2B5EF4-FFF2-40B4-BE49-F238E27FC236}">
+                <a16:creationId xmlns:a16="http://schemas.microsoft.com/office/drawing/2014/main" id="{DB8424AB-D56B-4256-866A-5B54DE93C20F}"/>
+              </a:ext>
+              <a:ext uri="{C183D7F6-B498-43B3-948B-1728B52AA6E4}">
+                <adec:decorative xmlns:adec="http://schemas.microsoft.com/office/drawing/2017/decorative" val="1"/>
+              </a:ext>
+            </a:extLst>
+          </p:cNvPr>
+          <p:cNvSpPr>
+            <a:spLocks noGrp="1" noRot="1" noChangeAspect="1" noMove="1" noResize="1" noEditPoints="1" noAdjustHandles="1" noChangeArrowheads="1" noChangeShapeType="1" noTextEdit="1"/>
+          </p:cNvSpPr>
+          <p:nvPr>
+            <p:extLst>
+              <p:ext uri="{386F3935-93C4-4BCD-93E2-E3B085C9AB24}">
+                <p16:designElem xmlns:p16="http://schemas.microsoft.com/office/powerpoint/2015/main" val="1"/>
+              </p:ext>
+            </p:extLst>
+          </p:nvPr>
+        </p:nvSpPr>
+        <p:spPr>
+          <a:xfrm>
+            <a:off x="0" y="761999"/>
+            <a:ext cx="9141619" cy="5334001"/>
+          </a:xfrm>
+          <a:prstGeom prst="rect">
+            <a:avLst/>
+          </a:prstGeom>
+          <a:solidFill>
+            <a:schemeClr val="accent1"/>
+          </a:solidFill>
+          <a:ln>
+            <a:noFill/>
+          </a:ln>
+        </p:spPr>
+        <p:style>
+          <a:lnRef idx="2">
+            <a:schemeClr val="accent1">
+              <a:shade val="50000"/>
+            </a:schemeClr>
+          </a:lnRef>
+          <a:fillRef idx="1">
+            <a:schemeClr val="accent1"/>
+          </a:fillRef>
+          <a:effectRef idx="0">
+            <a:schemeClr val="accent1"/>
+          </a:effectRef>
+          <a:fontRef idx="minor">
+            <a:schemeClr val="lt1"/>
+          </a:fontRef>
+        </p:style>
+      </p:sp>
+      <p:sp>
+        <p:nvSpPr>
+          <p:cNvPr id="73" name="Rectangle 72">
+            <a:extLst>
+              <a:ext uri="{FF2B5EF4-FFF2-40B4-BE49-F238E27FC236}">
+                <a16:creationId xmlns:a16="http://schemas.microsoft.com/office/drawing/2014/main" id="{FC999C28-AD33-4EB7-A5F1-C06D10A5FDF7}"/>
+              </a:ext>
+              <a:ext uri="{C183D7F6-B498-43B3-948B-1728B52AA6E4}">
+                <adec:decorative xmlns:adec="http://schemas.microsoft.com/office/drawing/2017/decorative" val="1"/>
+              </a:ext>
+            </a:extLst>
+          </p:cNvPr>
+          <p:cNvSpPr>
+            <a:spLocks noGrp="1" noRot="1" noChangeAspect="1" noMove="1" noResize="1" noEditPoints="1" noAdjustHandles="1" noChangeArrowheads="1" noChangeShapeType="1" noTextEdit="1"/>
+          </p:cNvSpPr>
+          <p:nvPr>
+            <p:extLst>
+              <p:ext uri="{386F3935-93C4-4BCD-93E2-E3B085C9AB24}">
+                <p16:designElem xmlns:p16="http://schemas.microsoft.com/office/powerpoint/2015/main" val="1"/>
+              </p:ext>
+            </p:extLst>
+          </p:nvPr>
+        </p:nvSpPr>
+        <p:spPr>
+          <a:xfrm>
+            <a:off x="9270263" y="761999"/>
+            <a:ext cx="2925318" cy="5334001"/>
+          </a:xfrm>
+          <a:prstGeom prst="rect">
+            <a:avLst/>
+          </a:prstGeom>
+          <a:solidFill>
+            <a:srgbClr val="C8C8C8">
+              <a:alpha val="49804"/>
+            </a:srgbClr>
+          </a:solidFill>
+          <a:ln>
+            <a:noFill/>
+          </a:ln>
+        </p:spPr>
+        <p:style>
+          <a:lnRef idx="2">
+            <a:schemeClr val="accent1">
+              <a:shade val="50000"/>
+            </a:schemeClr>
+          </a:lnRef>
+          <a:fillRef idx="1">
+            <a:schemeClr val="accent1"/>
+          </a:fillRef>
+          <a:effectRef idx="0">
+            <a:schemeClr val="accent1"/>
+          </a:effectRef>
+          <a:fontRef idx="minor">
+            <a:schemeClr val="lt1"/>
+          </a:fontRef>
+        </p:style>
+      </p:sp>
       <p:sp useBgFill="1">
         <p:nvSpPr>
-          <p:cNvPr id="77" name="Rectangle 76">
+          <p:cNvPr id="75" name="Rectangle 74">
             <a:extLst>
               <a:ext uri="{FF2B5EF4-FFF2-40B4-BE49-F238E27FC236}">
                 <a16:creationId xmlns:a16="http://schemas.microsoft.com/office/drawing/2014/main" id="{9203ABB4-7E2A-4248-9FE7-4A419AFF2F17}"/>
@@ -3783,7 +3980,7 @@
       </p:sp>
       <p:sp>
         <p:nvSpPr>
-          <p:cNvPr id="79" name="Rectangle 78">
+          <p:cNvPr id="77" name="Rectangle 76">
             <a:extLst>
               <a:ext uri="{FF2B5EF4-FFF2-40B4-BE49-F238E27FC236}">
                 <a16:creationId xmlns:a16="http://schemas.microsoft.com/office/drawing/2014/main" id="{3126970D-C1E5-4FB1-84E8-86CB9CED1C80}"/>
@@ -3838,462 +4035,74 @@
       </p:sp>
       <p:sp>
         <p:nvSpPr>
-          <p:cNvPr id="28" name="Заголовок 1">
+          <p:cNvPr id="5" name="Заголовок 1">
             <a:extLst>
               <a:ext uri="{FF2B5EF4-FFF2-40B4-BE49-F238E27FC236}">
-                <a16:creationId xmlns:a16="http://schemas.microsoft.com/office/drawing/2014/main" id="{A1800B60-BA5D-4BD9-AAE0-43620F882506}"/>
+                <a16:creationId xmlns:a16="http://schemas.microsoft.com/office/drawing/2014/main" id="{0AE9A5B2-4DA6-4505-916C-20351ECFD07D}"/>
               </a:ext>
             </a:extLst>
           </p:cNvPr>
-          <p:cNvSpPr txBox="1">
-            <a:spLocks/>
-          </p:cNvSpPr>
-          <p:nvPr/>
+          <p:cNvSpPr>
+            <a:spLocks noGrp="1"/>
+          </p:cNvSpPr>
+          <p:nvPr>
+            <p:ph type="title"/>
+          </p:nvPr>
         </p:nvSpPr>
         <p:spPr>
           <a:xfrm>
             <a:off x="1069848" y="4590661"/>
             <a:ext cx="10210862" cy="1065690"/>
           </a:xfrm>
-          <a:prstGeom prst="rect">
-            <a:avLst/>
-          </a:prstGeom>
         </p:spPr>
         <p:txBody>
           <a:bodyPr vert="horz" lIns="91440" tIns="45720" rIns="91440" bIns="45720" rtlCol="0" anchor="b">
             <a:normAutofit/>
           </a:bodyPr>
-          <a:lstStyle>
-            <a:lvl1pPr algn="l" defTabSz="914400" rtl="0" eaLnBrk="1" latinLnBrk="0" hangingPunct="1">
-              <a:lnSpc>
-                <a:spcPct val="90000"/>
-              </a:lnSpc>
-              <a:spcBef>
-                <a:spcPct val="0"/>
-              </a:spcBef>
-              <a:buNone/>
-              <a:defRPr sz="5900" kern="1200" spc="-100" baseline="0">
-                <a:solidFill>
-                  <a:srgbClr val="FFFFFF"/>
-                </a:solidFill>
-                <a:latin typeface="+mj-lt"/>
-                <a:ea typeface="+mj-ea"/>
-                <a:cs typeface="+mj-cs"/>
-              </a:defRPr>
-            </a:lvl1pPr>
-          </a:lstStyle>
-          <a:p>
-            <a:pPr lvl="0">
-              <a:spcAft>
-                <a:spcPts val="600"/>
-              </a:spcAft>
-              <a:buClr>
-                <a:srgbClr val="40BAD2"/>
-              </a:buClr>
-              <a:defRPr/>
-            </a:pPr>
-            <a:r>
-              <a:rPr lang="ru-RU" sz="3200" b="1" dirty="0"/>
-              <a:t>Ссылки</a:t>
-            </a:r>
-            <a:br>
-              <a:rPr kumimoji="0" lang="en-US" sz="3200" b="1" i="0" u="none" strike="noStrike" cap="none" normalizeH="0" noProof="0" dirty="0">
-                <a:ln>
-                  <a:noFill/>
-                </a:ln>
-                <a:effectLst/>
-                <a:uLnTx/>
-                <a:uFillTx/>
-              </a:rPr>
-            </a:br>
-            <a:endParaRPr kumimoji="0" lang="en-US" sz="3200" b="1" i="0" u="none" strike="noStrike" cap="none" normalizeH="0" noProof="0" dirty="0">
-              <a:ln>
-                <a:noFill/>
-              </a:ln>
-              <a:effectLst/>
-              <a:uLnTx/>
-              <a:uFillTx/>
-            </a:endParaRPr>
+          <a:lstStyle/>
+          <a:p>
+            <a:r>
+              <a:rPr lang="ru-RU" sz="5900" b="1" spc="-100" dirty="0"/>
+              <a:t>Намерения</a:t>
+            </a:r>
+            <a:endParaRPr lang="en-US" sz="5900" b="1" spc="-100" dirty="0"/>
           </a:p>
         </p:txBody>
       </p:sp>
-      <p:sp>
-        <p:nvSpPr>
-          <p:cNvPr id="8" name="Прямоугольник 7">
+      <p:pic>
+        <p:nvPicPr>
+          <p:cNvPr id="3" name="Рисунок 2">
             <a:extLst>
               <a:ext uri="{FF2B5EF4-FFF2-40B4-BE49-F238E27FC236}">
-                <a16:creationId xmlns:a16="http://schemas.microsoft.com/office/drawing/2014/main" id="{D4AE6460-2CC3-4E6F-9D94-31D86E5BA982}"/>
+                <a16:creationId xmlns:a16="http://schemas.microsoft.com/office/drawing/2014/main" id="{4E594754-F21E-4A31-887C-4C7F90FDBCC3}"/>
               </a:ext>
             </a:extLst>
           </p:cNvPr>
-          <p:cNvSpPr/>
+          <p:cNvPicPr>
+            <a:picLocks noChangeAspect="1"/>
+          </p:cNvPicPr>
           <p:nvPr/>
-        </p:nvSpPr>
+        </p:nvPicPr>
+        <p:blipFill>
+          <a:blip r:embed="rId2"/>
+          <a:stretch>
+            <a:fillRect/>
+          </a:stretch>
+        </p:blipFill>
         <p:spPr>
           <a:xfrm>
-            <a:off x="639193" y="314760"/>
-            <a:ext cx="10528916" cy="3347840"/>
+            <a:off x="3391127" y="502445"/>
+            <a:ext cx="4925112" cy="3524742"/>
           </a:xfrm>
           <a:prstGeom prst="rect">
             <a:avLst/>
           </a:prstGeom>
         </p:spPr>
-        <p:txBody>
-          <a:bodyPr wrap="square">
-            <a:spAutoFit/>
-          </a:bodyPr>
-          <a:lstStyle/>
-          <a:p>
-            <a:pPr>
-              <a:lnSpc>
-                <a:spcPct val="150000"/>
-              </a:lnSpc>
-            </a:pPr>
-            <a:r>
-              <a:rPr lang="en-US" sz="2400" dirty="0">
-                <a:latin typeface="Arial" panose="020B0604020202020204" pitchFamily="34" charset="0"/>
-                <a:cs typeface="Arial" panose="020B0604020202020204" pitchFamily="34" charset="0"/>
-              </a:rPr>
-              <a:t>Uri </a:t>
-            </a:r>
-            <a:r>
-              <a:rPr lang="en-US" sz="2400" dirty="0" err="1">
-                <a:latin typeface="Arial" panose="020B0604020202020204" pitchFamily="34" charset="0"/>
-                <a:cs typeface="Arial" panose="020B0604020202020204" pitchFamily="34" charset="0"/>
-              </a:rPr>
-              <a:t>uri</a:t>
-            </a:r>
-            <a:r>
-              <a:rPr lang="en-US" sz="2400" dirty="0">
-                <a:latin typeface="Arial" panose="020B0604020202020204" pitchFamily="34" charset="0"/>
-                <a:cs typeface="Arial" panose="020B0604020202020204" pitchFamily="34" charset="0"/>
-              </a:rPr>
-              <a:t> = </a:t>
-            </a:r>
-            <a:r>
-              <a:rPr lang="en-US" sz="2400" dirty="0" err="1">
-                <a:latin typeface="Arial" panose="020B0604020202020204" pitchFamily="34" charset="0"/>
-                <a:cs typeface="Arial" panose="020B0604020202020204" pitchFamily="34" charset="0"/>
-              </a:rPr>
-              <a:t>Uri.parse</a:t>
-            </a:r>
-            <a:r>
-              <a:rPr lang="en-US" sz="2400" dirty="0">
-                <a:latin typeface="Arial" panose="020B0604020202020204" pitchFamily="34" charset="0"/>
-                <a:cs typeface="Arial" panose="020B0604020202020204" pitchFamily="34" charset="0"/>
-              </a:rPr>
-              <a:t>("</a:t>
-            </a:r>
-            <a:r>
-              <a:rPr lang="en-US" sz="2400" dirty="0" err="1">
-                <a:latin typeface="Arial" panose="020B0604020202020204" pitchFamily="34" charset="0"/>
-                <a:cs typeface="Arial" panose="020B0604020202020204" pitchFamily="34" charset="0"/>
-              </a:rPr>
-              <a:t>android.resource</a:t>
-            </a:r>
-            <a:r>
-              <a:rPr lang="en-US" sz="2400" dirty="0">
-                <a:latin typeface="Arial" panose="020B0604020202020204" pitchFamily="34" charset="0"/>
-                <a:cs typeface="Arial" panose="020B0604020202020204" pitchFamily="34" charset="0"/>
-              </a:rPr>
-              <a:t>://</a:t>
-            </a:r>
-            <a:r>
-              <a:rPr lang="en-US" sz="2400" dirty="0" err="1">
-                <a:latin typeface="Arial" panose="020B0604020202020204" pitchFamily="34" charset="0"/>
-                <a:cs typeface="Arial" panose="020B0604020202020204" pitchFamily="34" charset="0"/>
-              </a:rPr>
-              <a:t>your.app.package</a:t>
-            </a:r>
-            <a:r>
-              <a:rPr lang="en-US" sz="2400" dirty="0">
-                <a:latin typeface="Arial" panose="020B0604020202020204" pitchFamily="34" charset="0"/>
-                <a:cs typeface="Arial" panose="020B0604020202020204" pitchFamily="34" charset="0"/>
-              </a:rPr>
-              <a:t>/" + </a:t>
-            </a:r>
-            <a:r>
-              <a:rPr lang="en-US" sz="2400" dirty="0" err="1">
-                <a:latin typeface="Arial" panose="020B0604020202020204" pitchFamily="34" charset="0"/>
-                <a:cs typeface="Arial" panose="020B0604020202020204" pitchFamily="34" charset="0"/>
-              </a:rPr>
-              <a:t>R.raw.play</a:t>
-            </a:r>
-            <a:r>
-              <a:rPr lang="en-US" sz="2400" dirty="0">
-                <a:latin typeface="Arial" panose="020B0604020202020204" pitchFamily="34" charset="0"/>
-                <a:cs typeface="Arial" panose="020B0604020202020204" pitchFamily="34" charset="0"/>
-              </a:rPr>
-              <a:t>);</a:t>
-            </a:r>
-            <a:endParaRPr lang="ru-RU" sz="2400" dirty="0">
-              <a:latin typeface="Arial" panose="020B0604020202020204" pitchFamily="34" charset="0"/>
-              <a:cs typeface="Arial" panose="020B0604020202020204" pitchFamily="34" charset="0"/>
-            </a:endParaRPr>
-          </a:p>
-          <a:p>
-            <a:pPr algn="just">
-              <a:lnSpc>
-                <a:spcPct val="150000"/>
-              </a:lnSpc>
-              <a:spcAft>
-                <a:spcPts val="0"/>
-              </a:spcAft>
-            </a:pPr>
-            <a:r>
-              <a:rPr lang="en-US" sz="2400" dirty="0">
-                <a:highlight>
-                  <a:srgbClr val="FFFFFF"/>
-                </a:highlight>
-                <a:latin typeface="Arial" panose="020B0604020202020204" pitchFamily="34" charset="0"/>
-                <a:cs typeface="Arial" panose="020B0604020202020204" pitchFamily="34" charset="0"/>
-              </a:rPr>
-              <a:t>Uri </a:t>
-            </a:r>
-            <a:r>
-              <a:rPr lang="en-US" sz="2400" dirty="0" err="1">
-                <a:highlight>
-                  <a:srgbClr val="FFFFFF"/>
-                </a:highlight>
-                <a:latin typeface="Arial" panose="020B0604020202020204" pitchFamily="34" charset="0"/>
-                <a:cs typeface="Arial" panose="020B0604020202020204" pitchFamily="34" charset="0"/>
-              </a:rPr>
-              <a:t>uri</a:t>
-            </a:r>
-            <a:r>
-              <a:rPr lang="en-US" sz="2400" dirty="0">
-                <a:highlight>
-                  <a:srgbClr val="FFFFFF"/>
-                </a:highlight>
-                <a:latin typeface="Arial" panose="020B0604020202020204" pitchFamily="34" charset="0"/>
-                <a:cs typeface="Arial" panose="020B0604020202020204" pitchFamily="34" charset="0"/>
-              </a:rPr>
-              <a:t> = </a:t>
-            </a:r>
-            <a:r>
-              <a:rPr lang="en-US" sz="2400" dirty="0" err="1">
-                <a:highlight>
-                  <a:srgbClr val="FFFFFF"/>
-                </a:highlight>
-                <a:latin typeface="Arial" panose="020B0604020202020204" pitchFamily="34" charset="0"/>
-                <a:cs typeface="Arial" panose="020B0604020202020204" pitchFamily="34" charset="0"/>
-              </a:rPr>
-              <a:t>Uri.parse</a:t>
-            </a:r>
-            <a:r>
-              <a:rPr lang="en-US" sz="2400" dirty="0">
-                <a:highlight>
-                  <a:srgbClr val="FFFFFF"/>
-                </a:highlight>
-                <a:latin typeface="Arial" panose="020B0604020202020204" pitchFamily="34" charset="0"/>
-                <a:cs typeface="Arial" panose="020B0604020202020204" pitchFamily="34" charset="0"/>
-              </a:rPr>
-              <a:t>("geo:54.354183,37.34011");</a:t>
-            </a:r>
-            <a:endParaRPr lang="ru-RU" sz="2400" dirty="0">
-              <a:highlight>
-                <a:srgbClr val="FFFFFF"/>
-              </a:highlight>
-              <a:latin typeface="Arial" panose="020B0604020202020204" pitchFamily="34" charset="0"/>
-              <a:cs typeface="Arial" panose="020B0604020202020204" pitchFamily="34" charset="0"/>
-            </a:endParaRPr>
-          </a:p>
-          <a:p>
-            <a:pPr>
-              <a:lnSpc>
-                <a:spcPct val="150000"/>
-              </a:lnSpc>
-            </a:pPr>
-            <a:endParaRPr lang="ru-RU" sz="2400" dirty="0">
-              <a:highlight>
-                <a:srgbClr val="FFFFFF"/>
-              </a:highlight>
-              <a:latin typeface="Arial" panose="020B0604020202020204" pitchFamily="34" charset="0"/>
-              <a:cs typeface="Arial" panose="020B0604020202020204" pitchFamily="34" charset="0"/>
-            </a:endParaRPr>
-          </a:p>
-          <a:p>
-            <a:pPr>
-              <a:lnSpc>
-                <a:spcPct val="150000"/>
-              </a:lnSpc>
-            </a:pPr>
-            <a:r>
-              <a:rPr lang="ru-RU" sz="2400" dirty="0" err="1">
-                <a:highlight>
-                  <a:srgbClr val="FFFFFF"/>
-                </a:highlight>
-                <a:latin typeface="Arial" panose="020B0604020202020204" pitchFamily="34" charset="0"/>
-                <a:cs typeface="Arial" panose="020B0604020202020204" pitchFamily="34" charset="0"/>
-              </a:rPr>
-              <a:t>U</a:t>
-            </a:r>
-            <a:r>
-              <a:rPr lang="ru-RU" sz="2400" i="1" dirty="0" err="1">
-                <a:highlight>
-                  <a:srgbClr val="FFFFFF"/>
-                </a:highlight>
-                <a:latin typeface="Arial" panose="020B0604020202020204" pitchFamily="34" charset="0"/>
-                <a:cs typeface="Arial" panose="020B0604020202020204" pitchFamily="34" charset="0"/>
-              </a:rPr>
-              <a:t>ri</a:t>
-            </a:r>
-            <a:r>
-              <a:rPr lang="ru-RU" sz="2400" i="1" dirty="0">
-                <a:highlight>
-                  <a:srgbClr val="FFFFFF"/>
-                </a:highlight>
-                <a:latin typeface="Arial" panose="020B0604020202020204" pitchFamily="34" charset="0"/>
-                <a:cs typeface="Arial" panose="020B0604020202020204" pitchFamily="34" charset="0"/>
-              </a:rPr>
-              <a:t> </a:t>
-            </a:r>
-            <a:r>
-              <a:rPr lang="ru-RU" sz="2400" i="1" dirty="0" err="1">
-                <a:highlight>
-                  <a:srgbClr val="FFFFFF"/>
-                </a:highlight>
-                <a:latin typeface="Arial" panose="020B0604020202020204" pitchFamily="34" charset="0"/>
-                <a:cs typeface="Arial" panose="020B0604020202020204" pitchFamily="34" charset="0"/>
-              </a:rPr>
-              <a:t>uri</a:t>
-            </a:r>
-            <a:r>
-              <a:rPr lang="ru-RU" sz="2400" i="1" dirty="0">
-                <a:highlight>
-                  <a:srgbClr val="FFFFFF"/>
-                </a:highlight>
-                <a:latin typeface="Arial" panose="020B0604020202020204" pitchFamily="34" charset="0"/>
-                <a:cs typeface="Arial" panose="020B0604020202020204" pitchFamily="34" charset="0"/>
-              </a:rPr>
-              <a:t> = </a:t>
-            </a:r>
-            <a:r>
-              <a:rPr lang="ru-RU" sz="2400" i="1" dirty="0" err="1">
-                <a:highlight>
-                  <a:srgbClr val="FFFFFF"/>
-                </a:highlight>
-                <a:latin typeface="Arial" panose="020B0604020202020204" pitchFamily="34" charset="0"/>
-                <a:cs typeface="Arial" panose="020B0604020202020204" pitchFamily="34" charset="0"/>
-              </a:rPr>
-              <a:t>Uri.parse</a:t>
-            </a:r>
-            <a:r>
-              <a:rPr lang="ru-RU" sz="2400" i="1" dirty="0">
-                <a:highlight>
-                  <a:srgbClr val="FFFFFF"/>
-                </a:highlight>
-                <a:latin typeface="Arial" panose="020B0604020202020204" pitchFamily="34" charset="0"/>
-                <a:cs typeface="Arial" panose="020B0604020202020204" pitchFamily="34" charset="0"/>
-              </a:rPr>
-              <a:t>("tel:12345");</a:t>
-            </a:r>
-            <a:endParaRPr lang="ru-RU" sz="2400" dirty="0">
-              <a:highlight>
-                <a:srgbClr val="FFFFFF"/>
-              </a:highlight>
-              <a:latin typeface="Arial" panose="020B0604020202020204" pitchFamily="34" charset="0"/>
-              <a:cs typeface="Arial" panose="020B0604020202020204" pitchFamily="34" charset="0"/>
-            </a:endParaRPr>
-          </a:p>
-          <a:p>
-            <a:pPr>
-              <a:lnSpc>
-                <a:spcPct val="150000"/>
-              </a:lnSpc>
-            </a:pPr>
-            <a:r>
-              <a:rPr lang="en-US" sz="2400" i="1" dirty="0" err="1">
-                <a:highlight>
-                  <a:srgbClr val="FFFFFF"/>
-                </a:highlight>
-                <a:latin typeface="Arial" panose="020B0604020202020204" pitchFamily="34" charset="0"/>
-                <a:cs typeface="Arial" panose="020B0604020202020204" pitchFamily="34" charset="0"/>
-              </a:rPr>
-              <a:t>uri.getScheme</a:t>
-            </a:r>
-            <a:r>
-              <a:rPr lang="en-US" sz="2400" i="1" dirty="0">
-                <a:highlight>
-                  <a:srgbClr val="FFFFFF"/>
-                </a:highlight>
-                <a:latin typeface="Arial" panose="020B0604020202020204" pitchFamily="34" charset="0"/>
-                <a:cs typeface="Arial" panose="020B0604020202020204" pitchFamily="34" charset="0"/>
-              </a:rPr>
-              <a:t>(): </a:t>
-            </a:r>
-            <a:r>
-              <a:rPr lang="en-US" sz="2400" i="1" dirty="0" err="1">
-                <a:solidFill>
-                  <a:srgbClr val="0070C0"/>
-                </a:solidFill>
-                <a:highlight>
-                  <a:srgbClr val="FFFFFF"/>
-                </a:highlight>
-                <a:latin typeface="Arial" panose="020B0604020202020204" pitchFamily="34" charset="0"/>
-                <a:cs typeface="Arial" panose="020B0604020202020204" pitchFamily="34" charset="0"/>
-              </a:rPr>
-              <a:t>tel</a:t>
-            </a:r>
-            <a:br>
-              <a:rPr lang="en-US" sz="2400" i="1" dirty="0">
-                <a:highlight>
-                  <a:srgbClr val="FFFFFF"/>
-                </a:highlight>
-                <a:latin typeface="Arial" panose="020B0604020202020204" pitchFamily="34" charset="0"/>
-                <a:cs typeface="Arial" panose="020B0604020202020204" pitchFamily="34" charset="0"/>
-              </a:rPr>
-            </a:br>
-            <a:r>
-              <a:rPr lang="en-US" sz="2400" i="1" dirty="0" err="1">
-                <a:highlight>
-                  <a:srgbClr val="FFFFFF"/>
-                </a:highlight>
-                <a:latin typeface="Arial" panose="020B0604020202020204" pitchFamily="34" charset="0"/>
-                <a:cs typeface="Arial" panose="020B0604020202020204" pitchFamily="34" charset="0"/>
-              </a:rPr>
-              <a:t>uri.getSchemeSpecificPart</a:t>
-            </a:r>
-            <a:r>
-              <a:rPr lang="en-US" sz="2400" i="1" dirty="0">
-                <a:highlight>
-                  <a:srgbClr val="FFFFFF"/>
-                </a:highlight>
-                <a:latin typeface="Arial" panose="020B0604020202020204" pitchFamily="34" charset="0"/>
-                <a:cs typeface="Arial" panose="020B0604020202020204" pitchFamily="34" charset="0"/>
-              </a:rPr>
-              <a:t>():</a:t>
-            </a:r>
-            <a:r>
-              <a:rPr lang="en-US" sz="2400" i="1" dirty="0">
-                <a:solidFill>
-                  <a:srgbClr val="0070C0"/>
-                </a:solidFill>
-                <a:highlight>
-                  <a:srgbClr val="FFFFFF"/>
-                </a:highlight>
-                <a:latin typeface="Arial" panose="020B0604020202020204" pitchFamily="34" charset="0"/>
-                <a:cs typeface="Arial" panose="020B0604020202020204" pitchFamily="34" charset="0"/>
-              </a:rPr>
-              <a:t>12345</a:t>
-            </a:r>
-            <a:endParaRPr lang="ru-RU" sz="2400" dirty="0">
-              <a:solidFill>
-                <a:srgbClr val="0070C0"/>
-              </a:solidFill>
-              <a:highlight>
-                <a:srgbClr val="FFFFFF"/>
-              </a:highlight>
-              <a:latin typeface="Arial" panose="020B0604020202020204" pitchFamily="34" charset="0"/>
-              <a:cs typeface="Arial" panose="020B0604020202020204" pitchFamily="34" charset="0"/>
-            </a:endParaRPr>
-          </a:p>
-        </p:txBody>
-      </p:sp>
+      </p:pic>
     </p:spTree>
     <p:extLst>
       <p:ext uri="{BB962C8B-B14F-4D97-AF65-F5344CB8AC3E}">
-        <p14:creationId xmlns:p14="http://schemas.microsoft.com/office/powerpoint/2010/main" val="1590250184"/>
+        <p14:creationId xmlns:p14="http://schemas.microsoft.com/office/powerpoint/2010/main" val="1740255578"/>
       </p:ext>
     </p:extLst>
   </p:cSld>
@@ -4330,10 +4139,10 @@
       </p:grpSpPr>
       <p:sp>
         <p:nvSpPr>
-          <p:cNvPr id="71" name="Rectangle 70">
+          <p:cNvPr id="82" name="Rectangle 81">
             <a:extLst>
               <a:ext uri="{FF2B5EF4-FFF2-40B4-BE49-F238E27FC236}">
-                <a16:creationId xmlns:a16="http://schemas.microsoft.com/office/drawing/2014/main" id="{A5CF2FC8-D184-4B10-83A5-61FC2148BE2B}"/>
+                <a16:creationId xmlns:a16="http://schemas.microsoft.com/office/drawing/2014/main" id="{DB8424AB-D56B-4256-866A-5B54DE93C20F}"/>
               </a:ext>
               <a:ext uri="{C183D7F6-B498-43B3-948B-1728B52AA6E4}">
                 <adec:decorative xmlns:adec="http://schemas.microsoft.com/office/drawing/2017/decorative" val="1"/>
@@ -4353,8 +4162,8 @@
         </p:nvSpPr>
         <p:spPr>
           <a:xfrm>
-            <a:off x="0" y="753848"/>
-            <a:ext cx="5608255" cy="5330952"/>
+            <a:off x="0" y="761999"/>
+            <a:ext cx="9141619" cy="5334001"/>
           </a:xfrm>
           <a:prstGeom prst="rect">
             <a:avLst/>
@@ -4385,6 +4194,178 @@
       </p:sp>
       <p:sp>
         <p:nvSpPr>
+          <p:cNvPr id="84" name="Rectangle 83">
+            <a:extLst>
+              <a:ext uri="{FF2B5EF4-FFF2-40B4-BE49-F238E27FC236}">
+                <a16:creationId xmlns:a16="http://schemas.microsoft.com/office/drawing/2014/main" id="{FC999C28-AD33-4EB7-A5F1-C06D10A5FDF7}"/>
+              </a:ext>
+              <a:ext uri="{C183D7F6-B498-43B3-948B-1728B52AA6E4}">
+                <adec:decorative xmlns:adec="http://schemas.microsoft.com/office/drawing/2017/decorative" val="1"/>
+              </a:ext>
+            </a:extLst>
+          </p:cNvPr>
+          <p:cNvSpPr>
+            <a:spLocks noGrp="1" noRot="1" noChangeAspect="1" noMove="1" noResize="1" noEditPoints="1" noAdjustHandles="1" noChangeArrowheads="1" noChangeShapeType="1" noTextEdit="1"/>
+          </p:cNvSpPr>
+          <p:nvPr>
+            <p:extLst>
+              <p:ext uri="{386F3935-93C4-4BCD-93E2-E3B085C9AB24}">
+                <p16:designElem xmlns:p16="http://schemas.microsoft.com/office/powerpoint/2015/main" val="1"/>
+              </p:ext>
+            </p:extLst>
+          </p:nvPr>
+        </p:nvSpPr>
+        <p:spPr>
+          <a:xfrm>
+            <a:off x="9270263" y="761999"/>
+            <a:ext cx="2925318" cy="5334001"/>
+          </a:xfrm>
+          <a:prstGeom prst="rect">
+            <a:avLst/>
+          </a:prstGeom>
+          <a:solidFill>
+            <a:srgbClr val="C8C8C8">
+              <a:alpha val="49804"/>
+            </a:srgbClr>
+          </a:solidFill>
+          <a:ln>
+            <a:noFill/>
+          </a:ln>
+        </p:spPr>
+        <p:style>
+          <a:lnRef idx="2">
+            <a:schemeClr val="accent1">
+              <a:shade val="50000"/>
+            </a:schemeClr>
+          </a:lnRef>
+          <a:fillRef idx="1">
+            <a:schemeClr val="accent1"/>
+          </a:fillRef>
+          <a:effectRef idx="0">
+            <a:schemeClr val="accent1"/>
+          </a:effectRef>
+          <a:fontRef idx="minor">
+            <a:schemeClr val="lt1"/>
+          </a:fontRef>
+        </p:style>
+      </p:sp>
+      <p:sp useBgFill="1">
+        <p:nvSpPr>
+          <p:cNvPr id="86" name="Rectangle 85">
+            <a:extLst>
+              <a:ext uri="{FF2B5EF4-FFF2-40B4-BE49-F238E27FC236}">
+                <a16:creationId xmlns:a16="http://schemas.microsoft.com/office/drawing/2014/main" id="{0864E5C9-52C9-4572-AC75-548B9B9C2648}"/>
+              </a:ext>
+              <a:ext uri="{C183D7F6-B498-43B3-948B-1728B52AA6E4}">
+                <adec:decorative xmlns:adec="http://schemas.microsoft.com/office/drawing/2017/decorative" val="1"/>
+              </a:ext>
+            </a:extLst>
+          </p:cNvPr>
+          <p:cNvSpPr>
+            <a:spLocks noGrp="1" noRot="1" noChangeAspect="1" noMove="1" noResize="1" noEditPoints="1" noAdjustHandles="1" noChangeArrowheads="1" noChangeShapeType="1" noTextEdit="1"/>
+          </p:cNvSpPr>
+          <p:nvPr>
+            <p:extLst>
+              <p:ext uri="{386F3935-93C4-4BCD-93E2-E3B085C9AB24}">
+                <p16:designElem xmlns:p16="http://schemas.microsoft.com/office/powerpoint/2015/main" val="1"/>
+              </p:ext>
+            </p:extLst>
+          </p:nvPr>
+        </p:nvSpPr>
+        <p:spPr>
+          <a:xfrm>
+            <a:off x="0" y="0"/>
+            <a:ext cx="12191999" cy="6858000"/>
+          </a:xfrm>
+          <a:prstGeom prst="rect">
+            <a:avLst/>
+          </a:prstGeom>
+          <a:ln>
+            <a:noFill/>
+          </a:ln>
+        </p:spPr>
+        <p:style>
+          <a:lnRef idx="2">
+            <a:schemeClr val="accent1">
+              <a:shade val="50000"/>
+            </a:schemeClr>
+          </a:lnRef>
+          <a:fillRef idx="1">
+            <a:schemeClr val="accent1"/>
+          </a:fillRef>
+          <a:effectRef idx="0">
+            <a:schemeClr val="accent1"/>
+          </a:effectRef>
+          <a:fontRef idx="minor">
+            <a:schemeClr val="lt1"/>
+          </a:fontRef>
+        </p:style>
+        <p:txBody>
+          <a:bodyPr rtlCol="0" anchor="ctr"/>
+          <a:lstStyle/>
+          <a:p>
+            <a:pPr algn="ctr"/>
+            <a:endParaRPr lang="en-US"/>
+          </a:p>
+        </p:txBody>
+      </p:sp>
+      <p:sp>
+        <p:nvSpPr>
+          <p:cNvPr id="88" name="Rectangle 87">
+            <a:extLst>
+              <a:ext uri="{FF2B5EF4-FFF2-40B4-BE49-F238E27FC236}">
+                <a16:creationId xmlns:a16="http://schemas.microsoft.com/office/drawing/2014/main" id="{45CC6500-4DBD-4C34-BC14-2387FB483BEB}"/>
+              </a:ext>
+              <a:ext uri="{C183D7F6-B498-43B3-948B-1728B52AA6E4}">
+                <adec:decorative xmlns:adec="http://schemas.microsoft.com/office/drawing/2017/decorative" val="1"/>
+              </a:ext>
+            </a:extLst>
+          </p:cNvPr>
+          <p:cNvSpPr>
+            <a:spLocks noGrp="1" noRot="1" noChangeAspect="1" noMove="1" noResize="1" noEditPoints="1" noAdjustHandles="1" noChangeArrowheads="1" noChangeShapeType="1" noTextEdit="1"/>
+          </p:cNvSpPr>
+          <p:nvPr>
+            <p:extLst>
+              <p:ext uri="{386F3935-93C4-4BCD-93E2-E3B085C9AB24}">
+                <p16:designElem xmlns:p16="http://schemas.microsoft.com/office/powerpoint/2015/main" val="1"/>
+              </p:ext>
+            </p:extLst>
+          </p:nvPr>
+        </p:nvSpPr>
+        <p:spPr>
+          <a:xfrm>
+            <a:off x="1" y="761999"/>
+            <a:ext cx="4642228" cy="5334001"/>
+          </a:xfrm>
+          <a:prstGeom prst="rect">
+            <a:avLst/>
+          </a:prstGeom>
+          <a:solidFill>
+            <a:schemeClr val="accent1"/>
+          </a:solidFill>
+          <a:ln>
+            <a:noFill/>
+          </a:ln>
+        </p:spPr>
+        <p:style>
+          <a:lnRef idx="2">
+            <a:schemeClr val="accent1">
+              <a:shade val="50000"/>
+            </a:schemeClr>
+          </a:lnRef>
+          <a:fillRef idx="1">
+            <a:schemeClr val="accent1"/>
+          </a:fillRef>
+          <a:effectRef idx="0">
+            <a:schemeClr val="accent1"/>
+          </a:effectRef>
+          <a:fontRef idx="minor">
+            <a:schemeClr val="lt1"/>
+          </a:fontRef>
+        </p:style>
+      </p:sp>
+      <p:sp>
+        <p:nvSpPr>
           <p:cNvPr id="5" name="Заголовок 1">
             <a:extLst>
               <a:ext uri="{FF2B5EF4-FFF2-40B4-BE49-F238E27FC236}">
@@ -4401,237 +4382,94 @@
         </p:nvSpPr>
         <p:spPr>
           <a:xfrm>
-            <a:off x="289248" y="1123837"/>
-            <a:ext cx="4998963" cy="1255469"/>
+            <a:off x="1069849" y="1298448"/>
+            <a:ext cx="3258688" cy="3255264"/>
           </a:xfrm>
         </p:spPr>
         <p:txBody>
-          <a:bodyPr vert="horz" lIns="91440" tIns="45720" rIns="91440" bIns="45720" rtlCol="0" anchor="ctr">
+          <a:bodyPr vert="horz" lIns="91440" tIns="45720" rIns="91440" bIns="45720" rtlCol="0" anchor="b">
             <a:normAutofit/>
           </a:bodyPr>
           <a:lstStyle/>
           <a:p>
             <a:r>
-              <a:rPr lang="en-US" b="1" dirty="0" err="1"/>
-              <a:t>Тосты</a:t>
+              <a:rPr lang="ru-RU" sz="4600" b="1" spc="-100" dirty="0"/>
+              <a:t>Ссылка</a:t>
             </a:r>
             <a:br>
-              <a:rPr lang="ru-RU" b="1" dirty="0"/>
+              <a:rPr lang="ru-RU" sz="4600" b="1" spc="-100" dirty="0"/>
             </a:br>
             <a:r>
-              <a:rPr lang="en-US" b="1" dirty="0"/>
-              <a:t>(с </a:t>
-            </a:r>
-            <a:r>
-              <a:rPr lang="en-US" b="1" dirty="0" err="1"/>
-              <a:t>маслом</a:t>
-            </a:r>
-            <a:r>
-              <a:rPr lang="en-US" b="1" dirty="0"/>
-              <a:t> </a:t>
-            </a:r>
-            <a:r>
-              <a:rPr lang="en-US" b="1" dirty="0" err="1"/>
-              <a:t>или</a:t>
-            </a:r>
-            <a:r>
-              <a:rPr lang="en-US" b="1" dirty="0"/>
-              <a:t> </a:t>
-            </a:r>
-            <a:r>
-              <a:rPr lang="en-US" b="1" dirty="0" err="1"/>
-              <a:t>без</a:t>
-            </a:r>
-            <a:r>
-              <a:rPr lang="en-US" b="1" dirty="0"/>
-              <a:t>?)</a:t>
-            </a:r>
+              <a:rPr lang="ru-RU" sz="4600" b="1" spc="-100" dirty="0"/>
+              <a:t>как пример данных</a:t>
+            </a:r>
+            <a:endParaRPr lang="en-US" sz="4600" b="1" spc="-100" dirty="0"/>
           </a:p>
         </p:txBody>
       </p:sp>
       <p:sp>
         <p:nvSpPr>
-          <p:cNvPr id="3" name="TextBox 2">
+          <p:cNvPr id="90" name="Rectangle 89">
             <a:extLst>
               <a:ext uri="{FF2B5EF4-FFF2-40B4-BE49-F238E27FC236}">
-                <a16:creationId xmlns:a16="http://schemas.microsoft.com/office/drawing/2014/main" id="{7D36A63C-B082-4B6B-ADBB-34F1E3E83BF4}"/>
+                <a16:creationId xmlns:a16="http://schemas.microsoft.com/office/drawing/2014/main" id="{4E34A3B6-BAD2-4156-BDC6-4736248BFDE0}"/>
+              </a:ext>
+              <a:ext uri="{C183D7F6-B498-43B3-948B-1728B52AA6E4}">
+                <adec:decorative xmlns:adec="http://schemas.microsoft.com/office/drawing/2017/decorative" val="1"/>
               </a:ext>
             </a:extLst>
           </p:cNvPr>
-          <p:cNvSpPr txBox="1"/>
-          <p:nvPr/>
+          <p:cNvSpPr>
+            <a:spLocks noGrp="1" noRot="1" noChangeAspect="1" noMove="1" noResize="1" noEditPoints="1" noAdjustHandles="1" noChangeArrowheads="1" noChangeShapeType="1" noTextEdit="1"/>
+          </p:cNvSpPr>
+          <p:nvPr>
+            <p:extLst>
+              <p:ext uri="{386F3935-93C4-4BCD-93E2-E3B085C9AB24}">
+                <p16:designElem xmlns:p16="http://schemas.microsoft.com/office/powerpoint/2015/main" val="1"/>
+              </p:ext>
+            </p:extLst>
+          </p:nvPr>
         </p:nvSpPr>
         <p:spPr>
           <a:xfrm>
-            <a:off x="289248" y="2749295"/>
-            <a:ext cx="5152763" cy="3274586"/>
+            <a:off x="11815864" y="758952"/>
+            <a:ext cx="384048" cy="5330952"/>
           </a:xfrm>
           <a:prstGeom prst="rect">
             <a:avLst/>
           </a:prstGeom>
-        </p:spPr>
-        <p:txBody>
-          <a:bodyPr vert="horz" lIns="91440" tIns="45720" rIns="91440" bIns="45720" rtlCol="0" anchor="t">
-            <a:normAutofit/>
-          </a:bodyPr>
-          <a:lstStyle/>
-          <a:p>
-            <a:pPr indent="-182880" defTabSz="914400">
-              <a:lnSpc>
-                <a:spcPct val="90000"/>
-              </a:lnSpc>
-              <a:spcAft>
-                <a:spcPts val="600"/>
-              </a:spcAft>
-              <a:buClr>
-                <a:schemeClr val="accent1"/>
-              </a:buClr>
-              <a:buFont typeface="Wingdings 2" pitchFamily="18" charset="2"/>
-              <a:buChar char=""/>
-            </a:pPr>
-            <a:r>
-              <a:rPr lang="en-US" sz="2400" dirty="0" err="1">
-                <a:solidFill>
-                  <a:schemeClr val="tx1">
-                    <a:lumMod val="95000"/>
-                    <a:lumOff val="5000"/>
-                  </a:schemeClr>
-                </a:solidFill>
-              </a:rPr>
-              <a:t>Toast.makeText</a:t>
-            </a:r>
-            <a:r>
-              <a:rPr lang="en-US" sz="2400" dirty="0">
-                <a:solidFill>
-                  <a:schemeClr val="tx1">
-                    <a:lumMod val="95000"/>
-                    <a:lumOff val="5000"/>
-                  </a:schemeClr>
-                </a:solidFill>
-              </a:rPr>
-              <a:t>(</a:t>
-            </a:r>
-          </a:p>
-          <a:p>
-            <a:pPr indent="-182880" defTabSz="914400">
-              <a:lnSpc>
-                <a:spcPct val="90000"/>
-              </a:lnSpc>
-              <a:spcAft>
-                <a:spcPts val="600"/>
-              </a:spcAft>
-              <a:buClr>
-                <a:schemeClr val="accent1"/>
-              </a:buClr>
-              <a:buFont typeface="Wingdings 2" pitchFamily="18" charset="2"/>
-              <a:buChar char=""/>
-            </a:pPr>
-            <a:r>
-              <a:rPr lang="en-US" sz="2400" dirty="0">
-                <a:solidFill>
-                  <a:schemeClr val="tx1">
-                    <a:lumMod val="95000"/>
-                    <a:lumOff val="5000"/>
-                  </a:schemeClr>
-                </a:solidFill>
-              </a:rPr>
-              <a:t>context,</a:t>
-            </a:r>
-          </a:p>
-          <a:p>
-            <a:pPr indent="-182880" defTabSz="914400">
-              <a:lnSpc>
-                <a:spcPct val="90000"/>
-              </a:lnSpc>
-              <a:spcAft>
-                <a:spcPts val="600"/>
-              </a:spcAft>
-              <a:buClr>
-                <a:schemeClr val="accent1"/>
-              </a:buClr>
-              <a:buFont typeface="Wingdings 2" pitchFamily="18" charset="2"/>
-              <a:buChar char=""/>
-            </a:pPr>
-            <a:r>
-              <a:rPr lang="en-US" sz="2400" dirty="0">
-                <a:solidFill>
-                  <a:schemeClr val="tx1">
-                    <a:lumMod val="95000"/>
-                    <a:lumOff val="5000"/>
-                  </a:schemeClr>
-                </a:solidFill>
-              </a:rPr>
-              <a:t>“Sending message…”,</a:t>
-            </a:r>
-          </a:p>
-          <a:p>
-            <a:pPr indent="-182880" defTabSz="914400">
-              <a:lnSpc>
-                <a:spcPct val="90000"/>
-              </a:lnSpc>
-              <a:spcAft>
-                <a:spcPts val="600"/>
-              </a:spcAft>
-              <a:buClr>
-                <a:schemeClr val="accent1"/>
-              </a:buClr>
-              <a:buFont typeface="Wingdings 2" pitchFamily="18" charset="2"/>
-              <a:buChar char=""/>
-            </a:pPr>
-            <a:r>
-              <a:rPr lang="en-US" sz="2400" dirty="0" err="1">
-                <a:solidFill>
-                  <a:schemeClr val="tx1">
-                    <a:lumMod val="95000"/>
-                    <a:lumOff val="5000"/>
-                  </a:schemeClr>
-                </a:solidFill>
-              </a:rPr>
-              <a:t>Toast.LENGTH_LONG</a:t>
-            </a:r>
-            <a:endParaRPr lang="en-US" sz="2400" dirty="0">
-              <a:solidFill>
-                <a:schemeClr val="tx1">
-                  <a:lumMod val="95000"/>
-                  <a:lumOff val="5000"/>
-                </a:schemeClr>
-              </a:solidFill>
-            </a:endParaRPr>
-          </a:p>
-          <a:p>
-            <a:pPr indent="-182880" defTabSz="914400">
-              <a:lnSpc>
-                <a:spcPct val="90000"/>
-              </a:lnSpc>
-              <a:spcAft>
-                <a:spcPts val="600"/>
-              </a:spcAft>
-              <a:buClr>
-                <a:schemeClr val="accent1"/>
-              </a:buClr>
-              <a:buFont typeface="Wingdings 2" pitchFamily="18" charset="2"/>
-              <a:buChar char=""/>
-            </a:pPr>
-            <a:r>
-              <a:rPr lang="en-US" sz="2400" dirty="0">
-                <a:solidFill>
-                  <a:schemeClr val="tx1">
-                    <a:lumMod val="95000"/>
-                    <a:lumOff val="5000"/>
-                  </a:schemeClr>
-                </a:solidFill>
-              </a:rPr>
-              <a:t>).show();</a:t>
-            </a:r>
-          </a:p>
-        </p:txBody>
+          <a:solidFill>
+            <a:srgbClr val="C8C8C8">
+              <a:alpha val="49804"/>
+            </a:srgbClr>
+          </a:solidFill>
+          <a:ln>
+            <a:noFill/>
+          </a:ln>
+        </p:spPr>
+        <p:style>
+          <a:lnRef idx="2">
+            <a:schemeClr val="accent1">
+              <a:shade val="50000"/>
+            </a:schemeClr>
+          </a:lnRef>
+          <a:fillRef idx="1">
+            <a:schemeClr val="accent1"/>
+          </a:fillRef>
+          <a:effectRef idx="0">
+            <a:schemeClr val="accent1"/>
+          </a:effectRef>
+          <a:fontRef idx="minor">
+            <a:schemeClr val="lt1"/>
+          </a:fontRef>
+        </p:style>
       </p:sp>
       <p:pic>
         <p:nvPicPr>
-          <p:cNvPr id="5122" name="Picture 2" descr="Toast. Всплывающее сообщение. Andoid Studio | Maryone">
+          <p:cNvPr id="4098" name="Picture 2" descr="TechnoEG: Difference between URI,URN and URL">
             <a:extLst>
               <a:ext uri="{FF2B5EF4-FFF2-40B4-BE49-F238E27FC236}">
-                <a16:creationId xmlns:a16="http://schemas.microsoft.com/office/drawing/2014/main" id="{D13CE716-E0D1-4C7A-824F-0C1BF86CB880}"/>
+                <a16:creationId xmlns:a16="http://schemas.microsoft.com/office/drawing/2014/main" id="{D81DB47F-1B20-47C0-B5CA-A55E4A17C7D5}"/>
               </a:ext>
             </a:extLst>
           </p:cNvPr>
@@ -4648,14 +4486,15 @@
               </a:ext>
             </a:extLst>
           </a:blip>
+          <a:srcRect/>
           <a:stretch>
             <a:fillRect/>
           </a:stretch>
         </p:blipFill>
         <p:spPr bwMode="auto">
           <a:xfrm>
-            <a:off x="6092890" y="1742904"/>
-            <a:ext cx="5238340" cy="3352537"/>
+            <a:off x="4866721" y="926400"/>
+            <a:ext cx="6724650" cy="2686050"/>
           </a:xfrm>
           <a:prstGeom prst="rect">
             <a:avLst/>
@@ -4672,10 +4511,85 @@
           </a:extLst>
         </p:spPr>
       </p:pic>
+      <p:pic>
+        <p:nvPicPr>
+          <p:cNvPr id="1026" name="Picture 2" descr="Pin on working">
+            <a:extLst>
+              <a:ext uri="{FF2B5EF4-FFF2-40B4-BE49-F238E27FC236}">
+                <a16:creationId xmlns:a16="http://schemas.microsoft.com/office/drawing/2014/main" id="{76957B5A-8BC6-4575-AB85-008CF76AC2C1}"/>
+              </a:ext>
+            </a:extLst>
+          </p:cNvPr>
+          <p:cNvPicPr>
+            <a:picLocks noChangeAspect="1" noChangeArrowheads="1"/>
+          </p:cNvPicPr>
+          <p:nvPr/>
+        </p:nvPicPr>
+        <p:blipFill rotWithShape="1">
+          <a:blip r:embed="rId3">
+            <a:extLst>
+              <a:ext uri="{28A0092B-C50C-407E-A947-70E740481C1C}">
+                <a14:useLocalDpi xmlns:a14="http://schemas.microsoft.com/office/drawing/2010/main" val="0"/>
+              </a:ext>
+            </a:extLst>
+          </a:blip>
+          <a:srcRect t="71119"/>
+          <a:stretch/>
+        </p:blipFill>
+        <p:spPr bwMode="auto">
+          <a:xfrm>
+            <a:off x="4866721" y="5362575"/>
+            <a:ext cx="6291234" cy="1114425"/>
+          </a:xfrm>
+          <a:prstGeom prst="rect">
+            <a:avLst/>
+          </a:prstGeom>
+          <a:noFill/>
+          <a:extLst>
+            <a:ext uri="{909E8E84-426E-40DD-AFC4-6F175D3DCCD1}">
+              <a14:hiddenFill xmlns:a14="http://schemas.microsoft.com/office/drawing/2010/main">
+                <a:solidFill>
+                  <a:srgbClr val="FFFFFF"/>
+                </a:solidFill>
+              </a14:hiddenFill>
+            </a:ext>
+          </a:extLst>
+        </p:spPr>
+      </p:pic>
+      <p:pic>
+        <p:nvPicPr>
+          <p:cNvPr id="2" name="Рисунок 1">
+            <a:extLst>
+              <a:ext uri="{FF2B5EF4-FFF2-40B4-BE49-F238E27FC236}">
+                <a16:creationId xmlns:a16="http://schemas.microsoft.com/office/drawing/2014/main" id="{632EA999-232D-490D-AD9D-DCCC38AC24E2}"/>
+              </a:ext>
+            </a:extLst>
+          </p:cNvPr>
+          <p:cNvPicPr>
+            <a:picLocks noChangeAspect="1"/>
+          </p:cNvPicPr>
+          <p:nvPr/>
+        </p:nvPicPr>
+        <p:blipFill>
+          <a:blip r:embed="rId4"/>
+          <a:stretch>
+            <a:fillRect/>
+          </a:stretch>
+        </p:blipFill>
+        <p:spPr>
+          <a:xfrm>
+            <a:off x="4454349" y="4538850"/>
+            <a:ext cx="7549395" cy="249725"/>
+          </a:xfrm>
+          <a:prstGeom prst="rect">
+            <a:avLst/>
+          </a:prstGeom>
+        </p:spPr>
+      </p:pic>
     </p:spTree>
     <p:extLst>
       <p:ext uri="{BB962C8B-B14F-4D97-AF65-F5344CB8AC3E}">
-        <p14:creationId xmlns:p14="http://schemas.microsoft.com/office/powerpoint/2010/main" val="4048328092"/>
+        <p14:creationId xmlns:p14="http://schemas.microsoft.com/office/powerpoint/2010/main" val="3020221342"/>
       </p:ext>
     </p:extLst>
   </p:cSld>
@@ -4712,10 +4626,10 @@
       </p:grpSpPr>
       <p:sp useBgFill="1">
         <p:nvSpPr>
-          <p:cNvPr id="12" name="Rectangle 11">
+          <p:cNvPr id="77" name="Rectangle 76">
             <a:extLst>
               <a:ext uri="{FF2B5EF4-FFF2-40B4-BE49-F238E27FC236}">
-                <a16:creationId xmlns:a16="http://schemas.microsoft.com/office/drawing/2014/main" id="{EE9F5D7F-1BBC-4096-ADA7-AA9C9E4D2868}"/>
+                <a16:creationId xmlns:a16="http://schemas.microsoft.com/office/drawing/2014/main" id="{9203ABB4-7E2A-4248-9FE7-4A419AFF2F17}"/>
               </a:ext>
               <a:ext uri="{C183D7F6-B498-43B3-948B-1728B52AA6E4}">
                 <adec:decorative xmlns:adec="http://schemas.microsoft.com/office/drawing/2017/decorative" val="1"/>
@@ -4736,7 +4650,7 @@
         <p:spPr>
           <a:xfrm>
             <a:off x="0" y="0"/>
-            <a:ext cx="12192000" cy="6858000"/>
+            <a:ext cx="12191999" cy="6858000"/>
           </a:xfrm>
           <a:prstGeom prst="rect">
             <a:avLst/>
@@ -4772,10 +4686,10 @@
       </p:sp>
       <p:sp>
         <p:nvSpPr>
-          <p:cNvPr id="18" name="Rectangle 13">
+          <p:cNvPr id="79" name="Rectangle 78">
             <a:extLst>
               <a:ext uri="{FF2B5EF4-FFF2-40B4-BE49-F238E27FC236}">
-                <a16:creationId xmlns:a16="http://schemas.microsoft.com/office/drawing/2014/main" id="{06D370DD-716B-4528-B475-331F84CEA5A1}"/>
+                <a16:creationId xmlns:a16="http://schemas.microsoft.com/office/drawing/2014/main" id="{3126970D-C1E5-4FB1-84E8-86CB9CED1C80}"/>
               </a:ext>
               <a:ext uri="{C183D7F6-B498-43B3-948B-1728B52AA6E4}">
                 <adec:decorative xmlns:adec="http://schemas.microsoft.com/office/drawing/2017/decorative" val="1"/>
@@ -4795,8 +4709,8 @@
         </p:nvSpPr>
         <p:spPr>
           <a:xfrm>
-            <a:off x="5139514" y="758953"/>
-            <a:ext cx="7052486" cy="5330952"/>
+            <a:off x="0" y="4367639"/>
+            <a:ext cx="11707367" cy="1852186"/>
           </a:xfrm>
           <a:prstGeom prst="rect">
             <a:avLst/>
@@ -4827,419 +4741,593 @@
       </p:sp>
       <p:sp>
         <p:nvSpPr>
-          <p:cNvPr id="5" name="Заголовок 1">
+          <p:cNvPr id="28" name="Заголовок 1">
             <a:extLst>
               <a:ext uri="{FF2B5EF4-FFF2-40B4-BE49-F238E27FC236}">
-                <a16:creationId xmlns:a16="http://schemas.microsoft.com/office/drawing/2014/main" id="{0AE9A5B2-4DA6-4505-916C-20351ECFD07D}"/>
+                <a16:creationId xmlns:a16="http://schemas.microsoft.com/office/drawing/2014/main" id="{A1800B60-BA5D-4BD9-AAE0-43620F882506}"/>
               </a:ext>
             </a:extLst>
           </p:cNvPr>
-          <p:cNvSpPr>
-            <a:spLocks noGrp="1"/>
-          </p:cNvSpPr>
-          <p:nvPr>
-            <p:ph type="title"/>
-          </p:nvPr>
+          <p:cNvSpPr txBox="1">
+            <a:spLocks/>
+          </p:cNvSpPr>
+          <p:nvPr/>
         </p:nvSpPr>
         <p:spPr>
           <a:xfrm>
-            <a:off x="5451642" y="1123837"/>
-            <a:ext cx="6451110" cy="1255469"/>
-          </a:xfrm>
-        </p:spPr>
-        <p:txBody>
-          <a:bodyPr vert="horz" lIns="91440" tIns="45720" rIns="91440" bIns="45720" rtlCol="0" anchor="ctr">
-            <a:normAutofit/>
-          </a:bodyPr>
-          <a:lstStyle/>
-          <a:p>
-            <a:r>
-              <a:rPr lang="en-US" b="1" dirty="0" err="1"/>
-              <a:t>Тосты</a:t>
-            </a:r>
-            <a:r>
-              <a:rPr lang="en-US" b="1" dirty="0"/>
-              <a:t> </a:t>
-            </a:r>
-            <a:r>
-              <a:rPr lang="ru-RU" b="1" dirty="0"/>
-              <a:t>в нужном месте</a:t>
-            </a:r>
-            <a:endParaRPr lang="en-US" b="1" dirty="0"/>
-          </a:p>
-        </p:txBody>
-      </p:sp>
-      <p:sp>
-        <p:nvSpPr>
-          <p:cNvPr id="19" name="Rectangle 15">
-            <a:extLst>
-              <a:ext uri="{FF2B5EF4-FFF2-40B4-BE49-F238E27FC236}">
-                <a16:creationId xmlns:a16="http://schemas.microsoft.com/office/drawing/2014/main" id="{E79D076F-656A-4CD9-83AD-AF8F4B28CA49}"/>
-              </a:ext>
-              <a:ext uri="{C183D7F6-B498-43B3-948B-1728B52AA6E4}">
-                <adec:decorative xmlns:adec="http://schemas.microsoft.com/office/drawing/2017/decorative" val="1"/>
-              </a:ext>
-            </a:extLst>
-          </p:cNvPr>
-          <p:cNvSpPr>
-            <a:spLocks noGrp="1" noRot="1" noChangeAspect="1" noMove="1" noResize="1" noEditPoints="1" noAdjustHandles="1" noChangeArrowheads="1" noChangeShapeType="1" noTextEdit="1"/>
-          </p:cNvSpPr>
-          <p:nvPr>
-            <p:extLst>
-              <p:ext uri="{386F3935-93C4-4BCD-93E2-E3B085C9AB24}">
-                <p16:designElem xmlns:p16="http://schemas.microsoft.com/office/powerpoint/2015/main" val="1"/>
-              </p:ext>
-            </p:extLst>
-          </p:nvPr>
-        </p:nvSpPr>
-        <p:spPr>
-          <a:xfrm>
-            <a:off x="-7912" y="758952"/>
-            <a:ext cx="384048" cy="5330952"/>
+            <a:off x="648071" y="4760887"/>
+            <a:ext cx="10210862" cy="1065690"/>
           </a:xfrm>
           <a:prstGeom prst="rect">
             <a:avLst/>
           </a:prstGeom>
-          <a:solidFill>
-            <a:srgbClr val="C8C8C8">
-              <a:alpha val="49804"/>
-            </a:srgbClr>
-          </a:solidFill>
-          <a:ln>
-            <a:noFill/>
-          </a:ln>
-        </p:spPr>
-        <p:style>
-          <a:lnRef idx="2">
-            <a:schemeClr val="accent1">
-              <a:shade val="50000"/>
-            </a:schemeClr>
-          </a:lnRef>
-          <a:fillRef idx="1">
-            <a:schemeClr val="accent1"/>
-          </a:fillRef>
-          <a:effectRef idx="0">
-            <a:schemeClr val="accent1"/>
-          </a:effectRef>
-          <a:fontRef idx="minor">
-            <a:schemeClr val="lt1"/>
-          </a:fontRef>
-        </p:style>
-      </p:sp>
-      <p:pic>
-        <p:nvPicPr>
-          <p:cNvPr id="7" name="Рисунок 6">
-            <a:extLst>
-              <a:ext uri="{FF2B5EF4-FFF2-40B4-BE49-F238E27FC236}">
-                <a16:creationId xmlns:a16="http://schemas.microsoft.com/office/drawing/2014/main" id="{F5BEB72D-CA90-4205-B4F1-4801468F5761}"/>
-              </a:ext>
-            </a:extLst>
-          </p:cNvPr>
-          <p:cNvPicPr>
-            <a:picLocks noChangeAspect="1"/>
-          </p:cNvPicPr>
-          <p:nvPr/>
-        </p:nvPicPr>
-        <p:blipFill>
-          <a:blip r:embed="rId2"/>
-          <a:stretch>
-            <a:fillRect/>
-          </a:stretch>
-        </p:blipFill>
-        <p:spPr>
-          <a:xfrm>
-            <a:off x="860771" y="2380526"/>
-            <a:ext cx="3778286" cy="2087503"/>
-          </a:xfrm>
-          <a:prstGeom prst="rect">
-            <a:avLst/>
-          </a:prstGeom>
-        </p:spPr>
-      </p:pic>
-      <p:sp>
-        <p:nvSpPr>
-          <p:cNvPr id="3" name="TextBox 2">
-            <a:extLst>
-              <a:ext uri="{FF2B5EF4-FFF2-40B4-BE49-F238E27FC236}">
-                <a16:creationId xmlns:a16="http://schemas.microsoft.com/office/drawing/2014/main" id="{7D36A63C-B082-4B6B-ADBB-34F1E3E83BF4}"/>
-              </a:ext>
-            </a:extLst>
-          </p:cNvPr>
-          <p:cNvSpPr txBox="1"/>
-          <p:nvPr/>
-        </p:nvSpPr>
-        <p:spPr>
-          <a:xfrm>
-            <a:off x="5451644" y="2510395"/>
-            <a:ext cx="6451109" cy="3274586"/>
-          </a:xfrm>
-          <a:prstGeom prst="rect">
-            <a:avLst/>
-          </a:prstGeom>
         </p:spPr>
         <p:txBody>
-          <a:bodyPr vert="horz" lIns="91440" tIns="45720" rIns="91440" bIns="45720" rtlCol="0" anchor="t">
+          <a:bodyPr vert="horz" lIns="91440" tIns="45720" rIns="91440" bIns="45720" rtlCol="0" anchor="b">
             <a:normAutofit/>
           </a:bodyPr>
-          <a:lstStyle/>
-          <a:p>
-            <a:pPr indent="-182880" defTabSz="914400">
+          <a:lstStyle>
+            <a:lvl1pPr algn="l" defTabSz="914400" rtl="0" eaLnBrk="1" latinLnBrk="0" hangingPunct="1">
               <a:lnSpc>
                 <a:spcPct val="90000"/>
               </a:lnSpc>
+              <a:spcBef>
+                <a:spcPct val="0"/>
+              </a:spcBef>
+              <a:buNone/>
+              <a:defRPr sz="5900" kern="1200" spc="-100" baseline="0">
+                <a:solidFill>
+                  <a:srgbClr val="FFFFFF"/>
+                </a:solidFill>
+                <a:latin typeface="+mj-lt"/>
+                <a:ea typeface="+mj-ea"/>
+                <a:cs typeface="+mj-cs"/>
+              </a:defRPr>
+            </a:lvl1pPr>
+          </a:lstStyle>
+          <a:p>
+            <a:pPr lvl="0">
               <a:spcAft>
                 <a:spcPts val="600"/>
               </a:spcAft>
               <a:buClr>
-                <a:schemeClr val="accent1"/>
+                <a:srgbClr val="40BAD2"/>
               </a:buClr>
-              <a:buFont typeface="Wingdings 2" pitchFamily="18" charset="2"/>
-              <a:buChar char=""/>
+              <a:defRPr/>
             </a:pPr>
             <a:r>
-              <a:rPr lang="en-US" sz="2400" dirty="0">
+              <a:rPr lang="en-US" sz="3200" b="1" dirty="0"/>
+              <a:t>Uri </a:t>
+            </a:r>
+            <a:r>
+              <a:rPr lang="ru-RU" sz="3200" b="1" dirty="0"/>
+              <a:t>объект</a:t>
+            </a:r>
+            <a:br>
+              <a:rPr kumimoji="0" lang="en-US" sz="3200" b="1" i="0" u="none" strike="noStrike" cap="none" normalizeH="0" noProof="0" dirty="0">
+                <a:ln>
+                  <a:noFill/>
+                </a:ln>
+                <a:effectLst/>
+                <a:uLnTx/>
+                <a:uFillTx/>
+              </a:rPr>
+            </a:br>
+            <a:endParaRPr kumimoji="0" lang="en-US" sz="3200" b="1" i="0" u="none" strike="noStrike" cap="none" normalizeH="0" noProof="0" dirty="0">
+              <a:ln>
+                <a:noFill/>
+              </a:ln>
+              <a:effectLst/>
+              <a:uLnTx/>
+              <a:uFillTx/>
+            </a:endParaRPr>
+          </a:p>
+        </p:txBody>
+      </p:sp>
+      <p:sp>
+        <p:nvSpPr>
+          <p:cNvPr id="8" name="Прямоугольник 7">
+            <a:extLst>
+              <a:ext uri="{FF2B5EF4-FFF2-40B4-BE49-F238E27FC236}">
+                <a16:creationId xmlns:a16="http://schemas.microsoft.com/office/drawing/2014/main" id="{D4AE6460-2CC3-4E6F-9D94-31D86E5BA982}"/>
+              </a:ext>
+            </a:extLst>
+          </p:cNvPr>
+          <p:cNvSpPr/>
+          <p:nvPr/>
+        </p:nvSpPr>
+        <p:spPr>
+          <a:xfrm>
+            <a:off x="648071" y="314760"/>
+            <a:ext cx="10528916" cy="3513206"/>
+          </a:xfrm>
+          <a:prstGeom prst="rect">
+            <a:avLst/>
+          </a:prstGeom>
+        </p:spPr>
+        <p:txBody>
+          <a:bodyPr wrap="square">
+            <a:spAutoFit/>
+          </a:bodyPr>
+          <a:lstStyle/>
+          <a:p>
+            <a:pPr>
+              <a:lnSpc>
+                <a:spcPct val="115000"/>
+              </a:lnSpc>
+              <a:spcAft>
+                <a:spcPts val="0"/>
+              </a:spcAft>
+            </a:pPr>
+            <a:r>
+              <a:rPr lang="ru-RU" sz="2000" kern="100" dirty="0" err="1">
                 <a:solidFill>
-                  <a:schemeClr val="tx1">
-                    <a:lumMod val="95000"/>
-                    <a:lumOff val="5000"/>
-                  </a:schemeClr>
+                  <a:srgbClr val="444444"/>
                 </a:solidFill>
+                <a:latin typeface="Arial" panose="020B0604020202020204" pitchFamily="34" charset="0"/>
+                <a:ea typeface="Liberation Mono"/>
+                <a:cs typeface="Arial" panose="020B0604020202020204" pitchFamily="34" charset="0"/>
               </a:rPr>
-              <a:t>Toast </a:t>
-            </a:r>
-            <a:r>
-              <a:rPr lang="en-US" sz="2400" dirty="0" err="1">
+              <a:t>U</a:t>
+            </a:r>
+            <a:r>
+              <a:rPr lang="ru-RU" sz="2000" kern="100" dirty="0" err="1">
                 <a:solidFill>
-                  <a:schemeClr val="tx1">
-                    <a:lumMod val="95000"/>
-                    <a:lumOff val="5000"/>
-                  </a:schemeClr>
+                  <a:srgbClr val="000000"/>
                 </a:solidFill>
+                <a:highlight>
+                  <a:srgbClr val="FFFFFF"/>
+                </a:highlight>
+                <a:latin typeface="Arial" panose="020B0604020202020204" pitchFamily="34" charset="0"/>
+                <a:ea typeface="Liberation Mono"/>
+                <a:cs typeface="Arial" panose="020B0604020202020204" pitchFamily="34" charset="0"/>
               </a:rPr>
-              <a:t>toast</a:t>
-            </a:r>
-            <a:r>
-              <a:rPr lang="en-US" sz="2400" dirty="0">
+              <a:t>ri</a:t>
+            </a:r>
+            <a:r>
+              <a:rPr lang="ru-RU" sz="2000" kern="100" dirty="0">
                 <a:solidFill>
-                  <a:schemeClr val="tx1">
-                    <a:lumMod val="95000"/>
-                    <a:lumOff val="5000"/>
-                  </a:schemeClr>
+                  <a:srgbClr val="000000"/>
                 </a:solidFill>
+                <a:highlight>
+                  <a:srgbClr val="FFFFFF"/>
+                </a:highlight>
+                <a:latin typeface="Arial" panose="020B0604020202020204" pitchFamily="34" charset="0"/>
+                <a:ea typeface="Liberation Mono"/>
+                <a:cs typeface="Arial" panose="020B0604020202020204" pitchFamily="34" charset="0"/>
+              </a:rPr>
+              <a:t> </a:t>
+            </a:r>
+            <a:r>
+              <a:rPr lang="ru-RU" sz="2000" kern="100" dirty="0" err="1">
+                <a:solidFill>
+                  <a:srgbClr val="000000"/>
+                </a:solidFill>
+                <a:highlight>
+                  <a:srgbClr val="FFFFFF"/>
+                </a:highlight>
+                <a:latin typeface="Arial" panose="020B0604020202020204" pitchFamily="34" charset="0"/>
+                <a:ea typeface="Liberation Mono"/>
+                <a:cs typeface="Arial" panose="020B0604020202020204" pitchFamily="34" charset="0"/>
+              </a:rPr>
+              <a:t>uri</a:t>
+            </a:r>
+            <a:r>
+              <a:rPr lang="ru-RU" sz="2000" kern="100" dirty="0">
+                <a:solidFill>
+                  <a:srgbClr val="000000"/>
+                </a:solidFill>
+                <a:highlight>
+                  <a:srgbClr val="FFFFFF"/>
+                </a:highlight>
+                <a:latin typeface="Arial" panose="020B0604020202020204" pitchFamily="34" charset="0"/>
+                <a:ea typeface="Liberation Mono"/>
+                <a:cs typeface="Arial" panose="020B0604020202020204" pitchFamily="34" charset="0"/>
               </a:rPr>
               <a:t> = </a:t>
             </a:r>
             <a:r>
-              <a:rPr lang="en-US" sz="2400" dirty="0" err="1">
+              <a:rPr lang="ru-RU" sz="2000" kern="100" dirty="0" err="1">
                 <a:solidFill>
-                  <a:schemeClr val="tx1">
-                    <a:lumMod val="95000"/>
-                    <a:lumOff val="5000"/>
-                  </a:schemeClr>
+                  <a:srgbClr val="000000"/>
                 </a:solidFill>
+                <a:highlight>
+                  <a:srgbClr val="FFFFFF"/>
+                </a:highlight>
+                <a:latin typeface="Arial" panose="020B0604020202020204" pitchFamily="34" charset="0"/>
+                <a:ea typeface="Liberation Mono"/>
+                <a:cs typeface="Arial" panose="020B0604020202020204" pitchFamily="34" charset="0"/>
               </a:rPr>
-              <a:t>Toast.makeText</a:t>
-            </a:r>
-            <a:r>
-              <a:rPr lang="en-US" sz="2400" dirty="0">
+              <a:t>Uri.parse</a:t>
+            </a:r>
+            <a:r>
+              <a:rPr lang="ru-RU" sz="2000" kern="100" dirty="0">
                 <a:solidFill>
-                  <a:schemeClr val="tx1">
-                    <a:lumMod val="95000"/>
-                    <a:lumOff val="5000"/>
-                  </a:schemeClr>
+                  <a:srgbClr val="000000"/>
                 </a:solidFill>
+                <a:highlight>
+                  <a:srgbClr val="FFFFFF"/>
+                </a:highlight>
+                <a:latin typeface="Arial" panose="020B0604020202020204" pitchFamily="34" charset="0"/>
+                <a:ea typeface="Liberation Mono"/>
+                <a:cs typeface="Arial" panose="020B0604020202020204" pitchFamily="34" charset="0"/>
               </a:rPr>
-              <a:t>(</a:t>
-            </a:r>
-          </a:p>
-          <a:p>
-            <a:pPr indent="-182880" defTabSz="914400">
+              <a:t>("http://developer.android.com/reference/android/net/Uri.html");</a:t>
+            </a:r>
+            <a:endParaRPr lang="ru-RU" sz="2000" kern="100" dirty="0">
+              <a:latin typeface="Arial" panose="020B0604020202020204" pitchFamily="34" charset="0"/>
+              <a:ea typeface="Arial Unicode MS"/>
+              <a:cs typeface="Arial" panose="020B0604020202020204" pitchFamily="34" charset="0"/>
+            </a:endParaRPr>
+          </a:p>
+          <a:p>
+            <a:pPr algn="just">
               <a:lnSpc>
-                <a:spcPct val="90000"/>
+                <a:spcPct val="115000"/>
               </a:lnSpc>
               <a:spcAft>
-                <a:spcPts val="600"/>
+                <a:spcPts val="0"/>
               </a:spcAft>
-              <a:buClr>
-                <a:schemeClr val="accent1"/>
-              </a:buClr>
-              <a:buFont typeface="Wingdings 2" pitchFamily="18" charset="2"/>
-              <a:buChar char=""/>
             </a:pPr>
             <a:r>
-              <a:rPr lang="en-US" sz="2400" dirty="0">
+              <a:rPr lang="ru-RU" sz="2000" kern="100" dirty="0">
                 <a:solidFill>
-                  <a:schemeClr val="tx1">
-                    <a:lumMod val="95000"/>
-                    <a:lumOff val="5000"/>
-                  </a:schemeClr>
+                  <a:srgbClr val="000000"/>
                 </a:solidFill>
+                <a:highlight>
+                  <a:srgbClr val="FFFFFF"/>
+                </a:highlight>
+                <a:latin typeface="Arial" panose="020B0604020202020204" pitchFamily="34" charset="0"/>
+                <a:ea typeface="Arial Unicode MS"/>
+                <a:cs typeface="Arial" panose="020B0604020202020204" pitchFamily="34" charset="0"/>
               </a:rPr>
-              <a:t>context, “Sending message…”,</a:t>
-            </a:r>
-          </a:p>
-          <a:p>
-            <a:pPr indent="-182880" defTabSz="914400">
+              <a:t> </a:t>
+            </a:r>
+            <a:endParaRPr lang="ru-RU" sz="2000" kern="100" dirty="0">
+              <a:latin typeface="Arial" panose="020B0604020202020204" pitchFamily="34" charset="0"/>
+              <a:ea typeface="Arial Unicode MS"/>
+              <a:cs typeface="Arial" panose="020B0604020202020204" pitchFamily="34" charset="0"/>
+            </a:endParaRPr>
+          </a:p>
+          <a:p>
+            <a:pPr>
               <a:lnSpc>
-                <a:spcPct val="90000"/>
+                <a:spcPct val="150000"/>
               </a:lnSpc>
               <a:spcAft>
-                <a:spcPts val="600"/>
+                <a:spcPts val="750"/>
               </a:spcAft>
-              <a:buClr>
-                <a:schemeClr val="accent1"/>
-              </a:buClr>
-              <a:buFont typeface="Wingdings 2" pitchFamily="18" charset="2"/>
-              <a:buChar char=""/>
             </a:pPr>
             <a:r>
-              <a:rPr lang="en-US" sz="2400" dirty="0" err="1">
+              <a:rPr lang="en-US" sz="2000" i="1" kern="100" dirty="0" err="1">
                 <a:solidFill>
-                  <a:schemeClr val="tx1">
-                    <a:lumMod val="95000"/>
-                    <a:lumOff val="5000"/>
-                  </a:schemeClr>
+                  <a:srgbClr val="000000"/>
                 </a:solidFill>
+                <a:highlight>
+                  <a:srgbClr val="FFFFFF"/>
+                </a:highlight>
+                <a:latin typeface="Arial" panose="020B0604020202020204" pitchFamily="34" charset="0"/>
+                <a:ea typeface="Arial Unicode MS"/>
+                <a:cs typeface="Arial" panose="020B0604020202020204" pitchFamily="34" charset="0"/>
               </a:rPr>
-              <a:t>Toast.LENGTH_LONG</a:t>
-            </a:r>
-            <a:r>
-              <a:rPr lang="en-US" sz="2400" dirty="0">
+              <a:t>uri.getScheme</a:t>
+            </a:r>
+            <a:r>
+              <a:rPr lang="en-US" sz="2000" i="1" kern="100" dirty="0">
                 <a:solidFill>
-                  <a:schemeClr val="tx1">
-                    <a:lumMod val="95000"/>
-                    <a:lumOff val="5000"/>
-                  </a:schemeClr>
+                  <a:srgbClr val="000000"/>
                 </a:solidFill>
+                <a:highlight>
+                  <a:srgbClr val="FFFFFF"/>
+                </a:highlight>
+                <a:latin typeface="Arial" panose="020B0604020202020204" pitchFamily="34" charset="0"/>
+                <a:ea typeface="Arial Unicode MS"/>
+                <a:cs typeface="Arial" panose="020B0604020202020204" pitchFamily="34" charset="0"/>
               </a:rPr>
-              <a:t>);</a:t>
-            </a:r>
-          </a:p>
-          <a:p>
-            <a:pPr indent="-182880" defTabSz="914400">
-              <a:lnSpc>
-                <a:spcPct val="90000"/>
-              </a:lnSpc>
-              <a:spcAft>
-                <a:spcPts val="600"/>
-              </a:spcAft>
-              <a:buClr>
-                <a:schemeClr val="accent1"/>
-              </a:buClr>
-              <a:buFont typeface="Wingdings 2" pitchFamily="18" charset="2"/>
-              <a:buChar char=""/>
-            </a:pPr>
-            <a:endParaRPr lang="en-US" sz="2400" dirty="0">
+              <a:t>() - </a:t>
+            </a:r>
+            <a:r>
+              <a:rPr lang="en-US" sz="2000" i="1" kern="100" dirty="0">
+                <a:solidFill>
+                  <a:srgbClr val="0070C0"/>
+                </a:solidFill>
+                <a:highlight>
+                  <a:srgbClr val="FFFFFF"/>
+                </a:highlight>
+                <a:latin typeface="Arial" panose="020B0604020202020204" pitchFamily="34" charset="0"/>
+                <a:ea typeface="Arial Unicode MS"/>
+                <a:cs typeface="Arial" panose="020B0604020202020204" pitchFamily="34" charset="0"/>
+              </a:rPr>
+              <a:t>http</a:t>
+            </a:r>
+            <a:br>
+              <a:rPr lang="en-US" sz="2000" i="1" kern="100" dirty="0">
+                <a:solidFill>
+                  <a:srgbClr val="000000"/>
+                </a:solidFill>
+                <a:highlight>
+                  <a:srgbClr val="FFFFFF"/>
+                </a:highlight>
+                <a:latin typeface="Arial" panose="020B0604020202020204" pitchFamily="34" charset="0"/>
+                <a:ea typeface="Arial Unicode MS"/>
+                <a:cs typeface="Arial" panose="020B0604020202020204" pitchFamily="34" charset="0"/>
+              </a:rPr>
+            </a:br>
+            <a:r>
+              <a:rPr lang="en-US" sz="2000" i="1" kern="100" dirty="0" err="1">
+                <a:solidFill>
+                  <a:srgbClr val="000000"/>
+                </a:solidFill>
+                <a:highlight>
+                  <a:srgbClr val="FFFFFF"/>
+                </a:highlight>
+                <a:latin typeface="Arial" panose="020B0604020202020204" pitchFamily="34" charset="0"/>
+                <a:ea typeface="Arial Unicode MS"/>
+                <a:cs typeface="Arial" panose="020B0604020202020204" pitchFamily="34" charset="0"/>
+              </a:rPr>
+              <a:t>uri.getSchemeSpecificPart</a:t>
+            </a:r>
+            <a:r>
+              <a:rPr lang="en-US" sz="2000" i="1" kern="100" dirty="0">
+                <a:solidFill>
+                  <a:srgbClr val="000000"/>
+                </a:solidFill>
+                <a:highlight>
+                  <a:srgbClr val="FFFFFF"/>
+                </a:highlight>
+                <a:latin typeface="Arial" panose="020B0604020202020204" pitchFamily="34" charset="0"/>
+                <a:ea typeface="Arial Unicode MS"/>
+                <a:cs typeface="Arial" panose="020B0604020202020204" pitchFamily="34" charset="0"/>
+              </a:rPr>
+              <a:t>() - </a:t>
+            </a:r>
+            <a:r>
+              <a:rPr lang="en-US" sz="2000" i="1" kern="100" dirty="0">
+                <a:solidFill>
+                  <a:srgbClr val="0070C0"/>
+                </a:solidFill>
+                <a:highlight>
+                  <a:srgbClr val="FFFFFF"/>
+                </a:highlight>
+                <a:latin typeface="Arial" panose="020B0604020202020204" pitchFamily="34" charset="0"/>
+                <a:cs typeface="Arial" panose="020B0604020202020204" pitchFamily="34" charset="0"/>
+              </a:rPr>
+              <a:t>//developer.android.com/reference/android/net/Uri.html</a:t>
+            </a:r>
+            <a:br>
+              <a:rPr lang="en-US" sz="2000" i="1" kern="100" dirty="0">
+                <a:solidFill>
+                  <a:srgbClr val="0070C0"/>
+                </a:solidFill>
+                <a:highlight>
+                  <a:srgbClr val="FFFFFF"/>
+                </a:highlight>
+                <a:latin typeface="Arial" panose="020B0604020202020204" pitchFamily="34" charset="0"/>
+                <a:cs typeface="Arial" panose="020B0604020202020204" pitchFamily="34" charset="0"/>
+              </a:rPr>
+            </a:br>
+            <a:r>
+              <a:rPr lang="en-US" sz="2000" i="1" kern="100" dirty="0" err="1">
+                <a:solidFill>
+                  <a:srgbClr val="000000"/>
+                </a:solidFill>
+                <a:highlight>
+                  <a:srgbClr val="FFFFFF"/>
+                </a:highlight>
+                <a:latin typeface="Arial" panose="020B0604020202020204" pitchFamily="34" charset="0"/>
+                <a:ea typeface="Arial Unicode MS"/>
+                <a:cs typeface="Arial" panose="020B0604020202020204" pitchFamily="34" charset="0"/>
+              </a:rPr>
+              <a:t>uri.getAuthority</a:t>
+            </a:r>
+            <a:r>
+              <a:rPr lang="en-US" sz="2000" i="1" kern="100" dirty="0">
+                <a:solidFill>
+                  <a:srgbClr val="000000"/>
+                </a:solidFill>
+                <a:highlight>
+                  <a:srgbClr val="FFFFFF"/>
+                </a:highlight>
+                <a:latin typeface="Arial" panose="020B0604020202020204" pitchFamily="34" charset="0"/>
+                <a:ea typeface="Arial Unicode MS"/>
+                <a:cs typeface="Arial" panose="020B0604020202020204" pitchFamily="34" charset="0"/>
+              </a:rPr>
+              <a:t>() - </a:t>
+            </a:r>
+            <a:r>
+              <a:rPr lang="en-US" sz="2000" i="1" kern="100" dirty="0">
+                <a:solidFill>
+                  <a:srgbClr val="0070C0"/>
+                </a:solidFill>
+                <a:highlight>
+                  <a:srgbClr val="FFFFFF"/>
+                </a:highlight>
+                <a:latin typeface="Arial" panose="020B0604020202020204" pitchFamily="34" charset="0"/>
+                <a:ea typeface="Arial Unicode MS"/>
+                <a:cs typeface="Arial" panose="020B0604020202020204" pitchFamily="34" charset="0"/>
+              </a:rPr>
+              <a:t>developer.android.com</a:t>
+            </a:r>
+            <a:br>
+              <a:rPr lang="en-US" sz="2000" i="1" kern="100" dirty="0">
+                <a:solidFill>
+                  <a:srgbClr val="0070C0"/>
+                </a:solidFill>
+                <a:highlight>
+                  <a:srgbClr val="FFFFFF"/>
+                </a:highlight>
+                <a:latin typeface="Arial" panose="020B0604020202020204" pitchFamily="34" charset="0"/>
+                <a:ea typeface="Arial Unicode MS"/>
+                <a:cs typeface="Arial" panose="020B0604020202020204" pitchFamily="34" charset="0"/>
+              </a:rPr>
+            </a:br>
+            <a:r>
+              <a:rPr lang="en-US" sz="2000" i="1" kern="100" dirty="0" err="1">
+                <a:solidFill>
+                  <a:srgbClr val="000000"/>
+                </a:solidFill>
+                <a:highlight>
+                  <a:srgbClr val="FFFFFF"/>
+                </a:highlight>
+                <a:latin typeface="Arial" panose="020B0604020202020204" pitchFamily="34" charset="0"/>
+                <a:ea typeface="Arial Unicode MS"/>
+                <a:cs typeface="Arial" panose="020B0604020202020204" pitchFamily="34" charset="0"/>
+              </a:rPr>
+              <a:t>uri.getHost</a:t>
+            </a:r>
+            <a:r>
+              <a:rPr lang="en-US" sz="2000" i="1" kern="100" dirty="0">
+                <a:solidFill>
+                  <a:srgbClr val="000000"/>
+                </a:solidFill>
+                <a:highlight>
+                  <a:srgbClr val="FFFFFF"/>
+                </a:highlight>
+                <a:latin typeface="Arial" panose="020B0604020202020204" pitchFamily="34" charset="0"/>
+                <a:ea typeface="Arial Unicode MS"/>
+                <a:cs typeface="Arial" panose="020B0604020202020204" pitchFamily="34" charset="0"/>
+              </a:rPr>
+              <a:t>() - </a:t>
+            </a:r>
+            <a:r>
+              <a:rPr lang="en-US" sz="2000" i="1" kern="100" dirty="0">
+                <a:solidFill>
+                  <a:srgbClr val="0070C0"/>
+                </a:solidFill>
+                <a:highlight>
+                  <a:srgbClr val="FFFFFF"/>
+                </a:highlight>
+                <a:latin typeface="Arial" panose="020B0604020202020204" pitchFamily="34" charset="0"/>
+                <a:ea typeface="Arial Unicode MS"/>
+                <a:cs typeface="Arial" panose="020B0604020202020204" pitchFamily="34" charset="0"/>
+              </a:rPr>
+              <a:t>developer.android.com</a:t>
+            </a:r>
+            <a:br>
+              <a:rPr lang="en-US" sz="2000" i="1" kern="100" dirty="0">
+                <a:solidFill>
+                  <a:srgbClr val="000000"/>
+                </a:solidFill>
+                <a:highlight>
+                  <a:srgbClr val="FFFFFF"/>
+                </a:highlight>
+                <a:latin typeface="Arial" panose="020B0604020202020204" pitchFamily="34" charset="0"/>
+                <a:ea typeface="Arial Unicode MS"/>
+                <a:cs typeface="Arial" panose="020B0604020202020204" pitchFamily="34" charset="0"/>
+              </a:rPr>
+            </a:br>
+            <a:r>
+              <a:rPr lang="en-US" sz="2000" i="1" kern="100" dirty="0" err="1">
+                <a:solidFill>
+                  <a:srgbClr val="000000"/>
+                </a:solidFill>
+                <a:highlight>
+                  <a:srgbClr val="FFFFFF"/>
+                </a:highlight>
+                <a:latin typeface="Arial" panose="020B0604020202020204" pitchFamily="34" charset="0"/>
+                <a:ea typeface="Arial Unicode MS"/>
+                <a:cs typeface="Arial" panose="020B0604020202020204" pitchFamily="34" charset="0"/>
+              </a:rPr>
+              <a:t>uri.getPath</a:t>
+            </a:r>
+            <a:r>
+              <a:rPr lang="en-US" sz="2000" i="1" kern="100" dirty="0">
+                <a:solidFill>
+                  <a:srgbClr val="000000"/>
+                </a:solidFill>
+                <a:highlight>
+                  <a:srgbClr val="FFFFFF"/>
+                </a:highlight>
+                <a:latin typeface="Arial" panose="020B0604020202020204" pitchFamily="34" charset="0"/>
+                <a:ea typeface="Arial Unicode MS"/>
+                <a:cs typeface="Arial" panose="020B0604020202020204" pitchFamily="34" charset="0"/>
+              </a:rPr>
+              <a:t>() - </a:t>
+            </a:r>
+            <a:r>
+              <a:rPr lang="en-US" sz="2000" i="1" kern="100" dirty="0">
+                <a:solidFill>
+                  <a:srgbClr val="0070C0"/>
+                </a:solidFill>
+                <a:highlight>
+                  <a:srgbClr val="FFFFFF"/>
+                </a:highlight>
+                <a:latin typeface="Arial" panose="020B0604020202020204" pitchFamily="34" charset="0"/>
+                <a:ea typeface="Arial Unicode MS"/>
+                <a:cs typeface="Arial" panose="020B0604020202020204" pitchFamily="34" charset="0"/>
+              </a:rPr>
+              <a:t>reference/android/net/Uri.html</a:t>
+            </a:r>
+            <a:br>
+              <a:rPr lang="en-US" sz="2000" i="1" kern="100" dirty="0">
+                <a:solidFill>
+                  <a:srgbClr val="000000"/>
+                </a:solidFill>
+                <a:highlight>
+                  <a:srgbClr val="FFFFFF"/>
+                </a:highlight>
+                <a:latin typeface="Arial" panose="020B0604020202020204" pitchFamily="34" charset="0"/>
+                <a:ea typeface="Arial Unicode MS"/>
+                <a:cs typeface="Arial" panose="020B0604020202020204" pitchFamily="34" charset="0"/>
+              </a:rPr>
+            </a:br>
+            <a:r>
+              <a:rPr lang="en-US" sz="2000" i="1" kern="100" dirty="0" err="1">
+                <a:solidFill>
+                  <a:srgbClr val="000000"/>
+                </a:solidFill>
+                <a:highlight>
+                  <a:srgbClr val="FFFFFF"/>
+                </a:highlight>
+                <a:latin typeface="Arial" panose="020B0604020202020204" pitchFamily="34" charset="0"/>
+                <a:ea typeface="Arial Unicode MS"/>
+                <a:cs typeface="Arial" panose="020B0604020202020204" pitchFamily="34" charset="0"/>
+              </a:rPr>
+              <a:t>uri.getLastPathSegment</a:t>
+            </a:r>
+            <a:r>
+              <a:rPr lang="en-US" sz="2000" i="1" kern="100" dirty="0">
+                <a:solidFill>
+                  <a:srgbClr val="000000"/>
+                </a:solidFill>
+                <a:highlight>
+                  <a:srgbClr val="FFFFFF"/>
+                </a:highlight>
+                <a:latin typeface="Arial" panose="020B0604020202020204" pitchFamily="34" charset="0"/>
+                <a:ea typeface="Arial Unicode MS"/>
+                <a:cs typeface="Arial" panose="020B0604020202020204" pitchFamily="34" charset="0"/>
+              </a:rPr>
+              <a:t>() - </a:t>
+            </a:r>
+            <a:r>
+              <a:rPr lang="en-US" sz="2000" i="1" kern="100" dirty="0">
+                <a:solidFill>
+                  <a:srgbClr val="0070C0"/>
+                </a:solidFill>
+                <a:highlight>
+                  <a:srgbClr val="FFFFFF"/>
+                </a:highlight>
+                <a:latin typeface="Arial" panose="020B0604020202020204" pitchFamily="34" charset="0"/>
+                <a:ea typeface="Arial Unicode MS"/>
+                <a:cs typeface="Arial" panose="020B0604020202020204" pitchFamily="34" charset="0"/>
+              </a:rPr>
+              <a:t>Uri.html</a:t>
+            </a:r>
+            <a:endParaRPr lang="ru-RU" sz="2000" kern="100" dirty="0">
               <a:solidFill>
-                <a:schemeClr val="tx1">
-                  <a:lumMod val="95000"/>
-                  <a:lumOff val="5000"/>
-                </a:schemeClr>
+                <a:srgbClr val="0070C0"/>
               </a:solidFill>
+              <a:latin typeface="Arial" panose="020B0604020202020204" pitchFamily="34" charset="0"/>
+              <a:ea typeface="Arial Unicode MS"/>
+              <a:cs typeface="Arial" panose="020B0604020202020204" pitchFamily="34" charset="0"/>
             </a:endParaRPr>
-          </a:p>
-          <a:p>
-            <a:pPr indent="-182880" defTabSz="914400">
-              <a:lnSpc>
-                <a:spcPct val="90000"/>
-              </a:lnSpc>
-              <a:spcAft>
-                <a:spcPts val="600"/>
-              </a:spcAft>
-              <a:buClr>
-                <a:schemeClr val="accent1"/>
-              </a:buClr>
-              <a:buFont typeface="Wingdings 2" pitchFamily="18" charset="2"/>
-              <a:buChar char=""/>
-            </a:pPr>
-            <a:r>
-              <a:rPr lang="en-US" sz="2400" dirty="0" err="1">
-                <a:solidFill>
-                  <a:schemeClr val="tx1">
-                    <a:lumMod val="95000"/>
-                    <a:lumOff val="5000"/>
-                  </a:schemeClr>
-                </a:solidFill>
-              </a:rPr>
-              <a:t>toast.setGravity</a:t>
-            </a:r>
-            <a:r>
-              <a:rPr lang="en-US" sz="2400" dirty="0">
-                <a:solidFill>
-                  <a:schemeClr val="tx1">
-                    <a:lumMod val="95000"/>
-                    <a:lumOff val="5000"/>
-                  </a:schemeClr>
-                </a:solidFill>
-              </a:rPr>
-              <a:t>(</a:t>
-            </a:r>
-            <a:r>
-              <a:rPr lang="en-US" sz="2400" dirty="0" err="1">
-                <a:solidFill>
-                  <a:schemeClr val="tx1">
-                    <a:lumMod val="95000"/>
-                    <a:lumOff val="5000"/>
-                  </a:schemeClr>
-                </a:solidFill>
-              </a:rPr>
-              <a:t>Gravity.TOP</a:t>
-            </a:r>
-            <a:r>
-              <a:rPr lang="en-US" sz="2400" dirty="0">
-                <a:solidFill>
-                  <a:schemeClr val="tx1">
-                    <a:lumMod val="95000"/>
-                    <a:lumOff val="5000"/>
-                  </a:schemeClr>
-                </a:solidFill>
-              </a:rPr>
-              <a:t>, 0,0);</a:t>
-            </a:r>
-          </a:p>
-          <a:p>
-            <a:pPr indent="-182880" defTabSz="914400">
-              <a:lnSpc>
-                <a:spcPct val="90000"/>
-              </a:lnSpc>
-              <a:spcAft>
-                <a:spcPts val="600"/>
-              </a:spcAft>
-              <a:buClr>
-                <a:schemeClr val="accent1"/>
-              </a:buClr>
-              <a:buFont typeface="Wingdings 2" pitchFamily="18" charset="2"/>
-              <a:buChar char=""/>
-            </a:pPr>
-            <a:r>
-              <a:rPr lang="en-US" sz="2400" dirty="0" err="1">
-                <a:solidFill>
-                  <a:schemeClr val="tx1">
-                    <a:lumMod val="95000"/>
-                    <a:lumOff val="5000"/>
-                  </a:schemeClr>
-                </a:solidFill>
-              </a:rPr>
-              <a:t>toast.show</a:t>
-            </a:r>
-            <a:r>
-              <a:rPr lang="en-US" sz="2400" dirty="0">
-                <a:solidFill>
-                  <a:schemeClr val="tx1">
-                    <a:lumMod val="95000"/>
-                    <a:lumOff val="5000"/>
-                  </a:schemeClr>
-                </a:solidFill>
-              </a:rPr>
-              <a:t>();</a:t>
-            </a:r>
           </a:p>
         </p:txBody>
       </p:sp>
     </p:spTree>
     <p:extLst>
       <p:ext uri="{BB962C8B-B14F-4D97-AF65-F5344CB8AC3E}">
-        <p14:creationId xmlns:p14="http://schemas.microsoft.com/office/powerpoint/2010/main" val="3577551690"/>
+        <p14:creationId xmlns:p14="http://schemas.microsoft.com/office/powerpoint/2010/main" val="2905839063"/>
       </p:ext>
     </p:extLst>
   </p:cSld>
@@ -5436,23 +5524,25 @@
             </a:lvl1pPr>
           </a:lstStyle>
           <a:p>
-            <a:pPr marL="0" marR="0" lvl="0" indent="0" fontAlgn="auto">
+            <a:pPr lvl="0">
               <a:spcAft>
                 <a:spcPts val="600"/>
               </a:spcAft>
               <a:buClr>
                 <a:srgbClr val="40BAD2"/>
               </a:buClr>
-              <a:buSzTx/>
-              <a:tabLst/>
               <a:defRPr/>
             </a:pPr>
             <a:r>
-              <a:rPr lang="en-US" sz="3200" b="1"/>
-              <a:t>Контекст</a:t>
+              <a:rPr lang="ru-RU" sz="3200" b="1" dirty="0"/>
+              <a:t>Различные типы данных в </a:t>
+            </a:r>
+            <a:r>
+              <a:rPr lang="en-US" sz="3200" b="1" dirty="0"/>
+              <a:t>Uri</a:t>
             </a:r>
             <a:br>
-              <a:rPr kumimoji="0" lang="en-US" sz="3200" b="1" i="0" u="none" strike="noStrike" cap="none" normalizeH="0" noProof="0">
+              <a:rPr kumimoji="0" lang="en-US" sz="3200" b="1" i="0" u="none" strike="noStrike" cap="none" normalizeH="0" noProof="0" dirty="0">
                 <a:ln>
                   <a:noFill/>
                 </a:ln>
@@ -5461,7 +5551,7 @@
                 <a:uFillTx/>
               </a:rPr>
             </a:br>
-            <a:endParaRPr kumimoji="0" lang="en-US" sz="3200" b="1" i="0" u="none" strike="noStrike" cap="none" normalizeH="0" noProof="0">
+            <a:endParaRPr kumimoji="0" lang="en-US" sz="3200" b="1" i="0" u="none" strike="noStrike" cap="none" normalizeH="0" noProof="0" dirty="0">
               <a:ln>
                 <a:noFill/>
               </a:ln>
@@ -5472,42 +5562,12 @@
           </a:p>
         </p:txBody>
       </p:sp>
-      <p:pic>
-        <p:nvPicPr>
-          <p:cNvPr id="3" name="Рисунок 2">
+      <p:sp>
+        <p:nvSpPr>
+          <p:cNvPr id="8" name="Прямоугольник 7">
             <a:extLst>
               <a:ext uri="{FF2B5EF4-FFF2-40B4-BE49-F238E27FC236}">
-                <a16:creationId xmlns:a16="http://schemas.microsoft.com/office/drawing/2014/main" id="{F8C589EA-2F9A-424E-AE75-447A3086D9A5}"/>
-              </a:ext>
-            </a:extLst>
-          </p:cNvPr>
-          <p:cNvPicPr>
-            <a:picLocks noChangeAspect="1"/>
-          </p:cNvPicPr>
-          <p:nvPr/>
-        </p:nvPicPr>
-        <p:blipFill>
-          <a:blip r:embed="rId2"/>
-          <a:stretch>
-            <a:fillRect/>
-          </a:stretch>
-        </p:blipFill>
-        <p:spPr>
-          <a:xfrm>
-            <a:off x="1379093" y="484632"/>
-            <a:ext cx="10019027" cy="3556755"/>
-          </a:xfrm>
-          <a:prstGeom prst="rect">
-            <a:avLst/>
-          </a:prstGeom>
-        </p:spPr>
-      </p:pic>
-      <p:sp>
-        <p:nvSpPr>
-          <p:cNvPr id="4" name="Стрелка: влево 3">
-            <a:extLst>
-              <a:ext uri="{FF2B5EF4-FFF2-40B4-BE49-F238E27FC236}">
-                <a16:creationId xmlns:a16="http://schemas.microsoft.com/office/drawing/2014/main" id="{2FD59C6F-AB91-4624-9387-646579184E9C}"/>
+                <a16:creationId xmlns:a16="http://schemas.microsoft.com/office/drawing/2014/main" id="{D4AE6460-2CC3-4E6F-9D94-31D86E5BA982}"/>
               </a:ext>
             </a:extLst>
           </p:cNvPr>
@@ -5516,77 +5576,369 @@
         </p:nvSpPr>
         <p:spPr>
           <a:xfrm>
-            <a:off x="7131637" y="1139424"/>
-            <a:ext cx="1595113" cy="502416"/>
-          </a:xfrm>
-          <a:prstGeom prst="leftArrow">
-            <a:avLst/>
-          </a:prstGeom>
-        </p:spPr>
-        <p:style>
-          <a:lnRef idx="2">
-            <a:schemeClr val="accent1">
-              <a:shade val="50000"/>
-            </a:schemeClr>
-          </a:lnRef>
-          <a:fillRef idx="1">
-            <a:schemeClr val="accent1"/>
-          </a:fillRef>
-          <a:effectRef idx="0">
-            <a:schemeClr val="accent1"/>
-          </a:effectRef>
-          <a:fontRef idx="minor">
-            <a:schemeClr val="lt1"/>
-          </a:fontRef>
-        </p:style>
-        <p:txBody>
-          <a:bodyPr rtlCol="0" anchor="ctr"/>
-          <a:lstStyle/>
-          <a:p>
-            <a:pPr algn="ctr"/>
-            <a:endParaRPr lang="ru-RU"/>
-          </a:p>
-        </p:txBody>
-      </p:sp>
-      <p:sp>
-        <p:nvSpPr>
-          <p:cNvPr id="5" name="TextBox 4">
-            <a:extLst>
-              <a:ext uri="{FF2B5EF4-FFF2-40B4-BE49-F238E27FC236}">
-                <a16:creationId xmlns:a16="http://schemas.microsoft.com/office/drawing/2014/main" id="{9244A9E1-84B2-4FD0-9AD2-1352288983CA}"/>
-              </a:ext>
-            </a:extLst>
-          </p:cNvPr>
-          <p:cNvSpPr txBox="1"/>
-          <p:nvPr/>
-        </p:nvSpPr>
-        <p:spPr>
-          <a:xfrm>
-            <a:off x="7403015" y="1180649"/>
-            <a:ext cx="1171283" cy="369332"/>
+            <a:off x="639193" y="314760"/>
+            <a:ext cx="10528916" cy="3347840"/>
           </a:xfrm>
           <a:prstGeom prst="rect">
             <a:avLst/>
           </a:prstGeom>
-          <a:noFill/>
         </p:spPr>
         <p:txBody>
-          <a:bodyPr wrap="none" rtlCol="0">
+          <a:bodyPr wrap="square">
             <a:spAutoFit/>
           </a:bodyPr>
           <a:lstStyle/>
           <a:p>
-            <a:r>
-              <a:rPr lang="ru-RU" b="1" dirty="0"/>
-              <a:t>Создание</a:t>
-            </a:r>
+            <a:pPr>
+              <a:lnSpc>
+                <a:spcPct val="150000"/>
+              </a:lnSpc>
+            </a:pPr>
+            <a:r>
+              <a:rPr lang="en-US" sz="2400" dirty="0">
+                <a:latin typeface="Arial" panose="020B0604020202020204" pitchFamily="34" charset="0"/>
+                <a:cs typeface="Arial" panose="020B0604020202020204" pitchFamily="34" charset="0"/>
+              </a:rPr>
+              <a:t>Uri </a:t>
+            </a:r>
+            <a:r>
+              <a:rPr lang="en-US" sz="2400" dirty="0" err="1">
+                <a:latin typeface="Arial" panose="020B0604020202020204" pitchFamily="34" charset="0"/>
+                <a:cs typeface="Arial" panose="020B0604020202020204" pitchFamily="34" charset="0"/>
+              </a:rPr>
+              <a:t>uri</a:t>
+            </a:r>
+            <a:r>
+              <a:rPr lang="en-US" sz="2400" dirty="0">
+                <a:latin typeface="Arial" panose="020B0604020202020204" pitchFamily="34" charset="0"/>
+                <a:cs typeface="Arial" panose="020B0604020202020204" pitchFamily="34" charset="0"/>
+              </a:rPr>
+              <a:t> = </a:t>
+            </a:r>
+            <a:r>
+              <a:rPr lang="en-US" sz="2400" dirty="0" err="1">
+                <a:latin typeface="Arial" panose="020B0604020202020204" pitchFamily="34" charset="0"/>
+                <a:cs typeface="Arial" panose="020B0604020202020204" pitchFamily="34" charset="0"/>
+              </a:rPr>
+              <a:t>Uri.parse</a:t>
+            </a:r>
+            <a:r>
+              <a:rPr lang="en-US" sz="2400" dirty="0">
+                <a:latin typeface="Arial" panose="020B0604020202020204" pitchFamily="34" charset="0"/>
+                <a:cs typeface="Arial" panose="020B0604020202020204" pitchFamily="34" charset="0"/>
+              </a:rPr>
+              <a:t>("</a:t>
+            </a:r>
+            <a:r>
+              <a:rPr lang="en-US" sz="2400" dirty="0" err="1">
+                <a:latin typeface="Arial" panose="020B0604020202020204" pitchFamily="34" charset="0"/>
+                <a:cs typeface="Arial" panose="020B0604020202020204" pitchFamily="34" charset="0"/>
+              </a:rPr>
+              <a:t>android.resource</a:t>
+            </a:r>
+            <a:r>
+              <a:rPr lang="en-US" sz="2400" dirty="0">
+                <a:latin typeface="Arial" panose="020B0604020202020204" pitchFamily="34" charset="0"/>
+                <a:cs typeface="Arial" panose="020B0604020202020204" pitchFamily="34" charset="0"/>
+              </a:rPr>
+              <a:t>://</a:t>
+            </a:r>
+            <a:r>
+              <a:rPr lang="en-US" sz="2400" dirty="0" err="1">
+                <a:latin typeface="Arial" panose="020B0604020202020204" pitchFamily="34" charset="0"/>
+                <a:cs typeface="Arial" panose="020B0604020202020204" pitchFamily="34" charset="0"/>
+              </a:rPr>
+              <a:t>your.app.package</a:t>
+            </a:r>
+            <a:r>
+              <a:rPr lang="en-US" sz="2400" dirty="0">
+                <a:latin typeface="Arial" panose="020B0604020202020204" pitchFamily="34" charset="0"/>
+                <a:cs typeface="Arial" panose="020B0604020202020204" pitchFamily="34" charset="0"/>
+              </a:rPr>
+              <a:t>/" + </a:t>
+            </a:r>
+            <a:r>
+              <a:rPr lang="en-US" sz="2400" dirty="0" err="1">
+                <a:latin typeface="Arial" panose="020B0604020202020204" pitchFamily="34" charset="0"/>
+                <a:cs typeface="Arial" panose="020B0604020202020204" pitchFamily="34" charset="0"/>
+              </a:rPr>
+              <a:t>R.raw.play</a:t>
+            </a:r>
+            <a:r>
+              <a:rPr lang="en-US" sz="2400" dirty="0">
+                <a:latin typeface="Arial" panose="020B0604020202020204" pitchFamily="34" charset="0"/>
+                <a:cs typeface="Arial" panose="020B0604020202020204" pitchFamily="34" charset="0"/>
+              </a:rPr>
+              <a:t>);</a:t>
+            </a:r>
+            <a:endParaRPr lang="ru-RU" sz="2400" dirty="0">
+              <a:latin typeface="Arial" panose="020B0604020202020204" pitchFamily="34" charset="0"/>
+              <a:cs typeface="Arial" panose="020B0604020202020204" pitchFamily="34" charset="0"/>
+            </a:endParaRPr>
+          </a:p>
+          <a:p>
+            <a:pPr algn="just">
+              <a:lnSpc>
+                <a:spcPct val="150000"/>
+              </a:lnSpc>
+              <a:spcAft>
+                <a:spcPts val="0"/>
+              </a:spcAft>
+            </a:pPr>
+            <a:r>
+              <a:rPr lang="en-US" sz="2400" dirty="0">
+                <a:highlight>
+                  <a:srgbClr val="FFFFFF"/>
+                </a:highlight>
+                <a:latin typeface="Arial" panose="020B0604020202020204" pitchFamily="34" charset="0"/>
+                <a:cs typeface="Arial" panose="020B0604020202020204" pitchFamily="34" charset="0"/>
+              </a:rPr>
+              <a:t>Uri </a:t>
+            </a:r>
+            <a:r>
+              <a:rPr lang="en-US" sz="2400" dirty="0" err="1">
+                <a:highlight>
+                  <a:srgbClr val="FFFFFF"/>
+                </a:highlight>
+                <a:latin typeface="Arial" panose="020B0604020202020204" pitchFamily="34" charset="0"/>
+                <a:cs typeface="Arial" panose="020B0604020202020204" pitchFamily="34" charset="0"/>
+              </a:rPr>
+              <a:t>uri</a:t>
+            </a:r>
+            <a:r>
+              <a:rPr lang="en-US" sz="2400" dirty="0">
+                <a:highlight>
+                  <a:srgbClr val="FFFFFF"/>
+                </a:highlight>
+                <a:latin typeface="Arial" panose="020B0604020202020204" pitchFamily="34" charset="0"/>
+                <a:cs typeface="Arial" panose="020B0604020202020204" pitchFamily="34" charset="0"/>
+              </a:rPr>
+              <a:t> = </a:t>
+            </a:r>
+            <a:r>
+              <a:rPr lang="en-US" sz="2400" dirty="0" err="1">
+                <a:highlight>
+                  <a:srgbClr val="FFFFFF"/>
+                </a:highlight>
+                <a:latin typeface="Arial" panose="020B0604020202020204" pitchFamily="34" charset="0"/>
+                <a:cs typeface="Arial" panose="020B0604020202020204" pitchFamily="34" charset="0"/>
+              </a:rPr>
+              <a:t>Uri.parse</a:t>
+            </a:r>
+            <a:r>
+              <a:rPr lang="en-US" sz="2400" dirty="0">
+                <a:highlight>
+                  <a:srgbClr val="FFFFFF"/>
+                </a:highlight>
+                <a:latin typeface="Arial" panose="020B0604020202020204" pitchFamily="34" charset="0"/>
+                <a:cs typeface="Arial" panose="020B0604020202020204" pitchFamily="34" charset="0"/>
+              </a:rPr>
+              <a:t>("geo:54.354183,37.34011");</a:t>
+            </a:r>
+            <a:endParaRPr lang="ru-RU" sz="2400" dirty="0">
+              <a:highlight>
+                <a:srgbClr val="FFFFFF"/>
+              </a:highlight>
+              <a:latin typeface="Arial" panose="020B0604020202020204" pitchFamily="34" charset="0"/>
+              <a:cs typeface="Arial" panose="020B0604020202020204" pitchFamily="34" charset="0"/>
+            </a:endParaRPr>
+          </a:p>
+          <a:p>
+            <a:pPr>
+              <a:lnSpc>
+                <a:spcPct val="150000"/>
+              </a:lnSpc>
+            </a:pPr>
+            <a:endParaRPr lang="ru-RU" sz="2400" dirty="0">
+              <a:highlight>
+                <a:srgbClr val="FFFFFF"/>
+              </a:highlight>
+              <a:latin typeface="Arial" panose="020B0604020202020204" pitchFamily="34" charset="0"/>
+              <a:cs typeface="Arial" panose="020B0604020202020204" pitchFamily="34" charset="0"/>
+            </a:endParaRPr>
+          </a:p>
+          <a:p>
+            <a:pPr>
+              <a:lnSpc>
+                <a:spcPct val="150000"/>
+              </a:lnSpc>
+            </a:pPr>
+            <a:r>
+              <a:rPr lang="ru-RU" sz="2400" dirty="0" err="1">
+                <a:highlight>
+                  <a:srgbClr val="FFFFFF"/>
+                </a:highlight>
+                <a:latin typeface="Arial" panose="020B0604020202020204" pitchFamily="34" charset="0"/>
+                <a:cs typeface="Arial" panose="020B0604020202020204" pitchFamily="34" charset="0"/>
+              </a:rPr>
+              <a:t>U</a:t>
+            </a:r>
+            <a:r>
+              <a:rPr lang="ru-RU" sz="2400" i="1" dirty="0" err="1">
+                <a:highlight>
+                  <a:srgbClr val="FFFFFF"/>
+                </a:highlight>
+                <a:latin typeface="Arial" panose="020B0604020202020204" pitchFamily="34" charset="0"/>
+                <a:cs typeface="Arial" panose="020B0604020202020204" pitchFamily="34" charset="0"/>
+              </a:rPr>
+              <a:t>ri</a:t>
+            </a:r>
+            <a:r>
+              <a:rPr lang="ru-RU" sz="2400" i="1" dirty="0">
+                <a:highlight>
+                  <a:srgbClr val="FFFFFF"/>
+                </a:highlight>
+                <a:latin typeface="Arial" panose="020B0604020202020204" pitchFamily="34" charset="0"/>
+                <a:cs typeface="Arial" panose="020B0604020202020204" pitchFamily="34" charset="0"/>
+              </a:rPr>
+              <a:t> </a:t>
+            </a:r>
+            <a:r>
+              <a:rPr lang="ru-RU" sz="2400" i="1" dirty="0" err="1">
+                <a:highlight>
+                  <a:srgbClr val="FFFFFF"/>
+                </a:highlight>
+                <a:latin typeface="Arial" panose="020B0604020202020204" pitchFamily="34" charset="0"/>
+                <a:cs typeface="Arial" panose="020B0604020202020204" pitchFamily="34" charset="0"/>
+              </a:rPr>
+              <a:t>uri</a:t>
+            </a:r>
+            <a:r>
+              <a:rPr lang="ru-RU" sz="2400" i="1" dirty="0">
+                <a:highlight>
+                  <a:srgbClr val="FFFFFF"/>
+                </a:highlight>
+                <a:latin typeface="Arial" panose="020B0604020202020204" pitchFamily="34" charset="0"/>
+                <a:cs typeface="Arial" panose="020B0604020202020204" pitchFamily="34" charset="0"/>
+              </a:rPr>
+              <a:t> = </a:t>
+            </a:r>
+            <a:r>
+              <a:rPr lang="ru-RU" sz="2400" i="1" dirty="0" err="1">
+                <a:highlight>
+                  <a:srgbClr val="FFFFFF"/>
+                </a:highlight>
+                <a:latin typeface="Arial" panose="020B0604020202020204" pitchFamily="34" charset="0"/>
+                <a:cs typeface="Arial" panose="020B0604020202020204" pitchFamily="34" charset="0"/>
+              </a:rPr>
+              <a:t>Uri.parse</a:t>
+            </a:r>
+            <a:r>
+              <a:rPr lang="ru-RU" sz="2400" i="1" dirty="0">
+                <a:highlight>
+                  <a:srgbClr val="FFFFFF"/>
+                </a:highlight>
+                <a:latin typeface="Arial" panose="020B0604020202020204" pitchFamily="34" charset="0"/>
+                <a:cs typeface="Arial" panose="020B0604020202020204" pitchFamily="34" charset="0"/>
+              </a:rPr>
+              <a:t>("tel:12345");</a:t>
+            </a:r>
+            <a:endParaRPr lang="ru-RU" sz="2400" dirty="0">
+              <a:highlight>
+                <a:srgbClr val="FFFFFF"/>
+              </a:highlight>
+              <a:latin typeface="Arial" panose="020B0604020202020204" pitchFamily="34" charset="0"/>
+              <a:cs typeface="Arial" panose="020B0604020202020204" pitchFamily="34" charset="0"/>
+            </a:endParaRPr>
+          </a:p>
+          <a:p>
+            <a:pPr>
+              <a:lnSpc>
+                <a:spcPct val="150000"/>
+              </a:lnSpc>
+            </a:pPr>
+            <a:r>
+              <a:rPr lang="en-US" sz="2400" i="1" dirty="0" err="1">
+                <a:highlight>
+                  <a:srgbClr val="FFFFFF"/>
+                </a:highlight>
+                <a:latin typeface="Arial" panose="020B0604020202020204" pitchFamily="34" charset="0"/>
+                <a:cs typeface="Arial" panose="020B0604020202020204" pitchFamily="34" charset="0"/>
+              </a:rPr>
+              <a:t>uri.getScheme</a:t>
+            </a:r>
+            <a:r>
+              <a:rPr lang="en-US" sz="2400" i="1" dirty="0">
+                <a:highlight>
+                  <a:srgbClr val="FFFFFF"/>
+                </a:highlight>
+                <a:latin typeface="Arial" panose="020B0604020202020204" pitchFamily="34" charset="0"/>
+                <a:cs typeface="Arial" panose="020B0604020202020204" pitchFamily="34" charset="0"/>
+              </a:rPr>
+              <a:t>(): </a:t>
+            </a:r>
+            <a:r>
+              <a:rPr lang="en-US" sz="2400" i="1" dirty="0" err="1">
+                <a:solidFill>
+                  <a:srgbClr val="0070C0"/>
+                </a:solidFill>
+                <a:highlight>
+                  <a:srgbClr val="FFFFFF"/>
+                </a:highlight>
+                <a:latin typeface="Arial" panose="020B0604020202020204" pitchFamily="34" charset="0"/>
+                <a:cs typeface="Arial" panose="020B0604020202020204" pitchFamily="34" charset="0"/>
+              </a:rPr>
+              <a:t>tel</a:t>
+            </a:r>
+            <a:br>
+              <a:rPr lang="en-US" sz="2400" i="1" dirty="0">
+                <a:highlight>
+                  <a:srgbClr val="FFFFFF"/>
+                </a:highlight>
+                <a:latin typeface="Arial" panose="020B0604020202020204" pitchFamily="34" charset="0"/>
+                <a:cs typeface="Arial" panose="020B0604020202020204" pitchFamily="34" charset="0"/>
+              </a:rPr>
+            </a:br>
+            <a:r>
+              <a:rPr lang="en-US" sz="2400" i="1" dirty="0" err="1">
+                <a:highlight>
+                  <a:srgbClr val="FFFFFF"/>
+                </a:highlight>
+                <a:latin typeface="Arial" panose="020B0604020202020204" pitchFamily="34" charset="0"/>
+                <a:cs typeface="Arial" panose="020B0604020202020204" pitchFamily="34" charset="0"/>
+              </a:rPr>
+              <a:t>uri.getSchemeSpecificPart</a:t>
+            </a:r>
+            <a:r>
+              <a:rPr lang="en-US" sz="2400" i="1" dirty="0">
+                <a:highlight>
+                  <a:srgbClr val="FFFFFF"/>
+                </a:highlight>
+                <a:latin typeface="Arial" panose="020B0604020202020204" pitchFamily="34" charset="0"/>
+                <a:cs typeface="Arial" panose="020B0604020202020204" pitchFamily="34" charset="0"/>
+              </a:rPr>
+              <a:t>():</a:t>
+            </a:r>
+            <a:r>
+              <a:rPr lang="en-US" sz="2400" i="1" dirty="0">
+                <a:solidFill>
+                  <a:srgbClr val="0070C0"/>
+                </a:solidFill>
+                <a:highlight>
+                  <a:srgbClr val="FFFFFF"/>
+                </a:highlight>
+                <a:latin typeface="Arial" panose="020B0604020202020204" pitchFamily="34" charset="0"/>
+                <a:cs typeface="Arial" panose="020B0604020202020204" pitchFamily="34" charset="0"/>
+              </a:rPr>
+              <a:t>12345</a:t>
+            </a:r>
+            <a:endParaRPr lang="ru-RU" sz="2400" dirty="0">
+              <a:solidFill>
+                <a:srgbClr val="0070C0"/>
+              </a:solidFill>
+              <a:highlight>
+                <a:srgbClr val="FFFFFF"/>
+              </a:highlight>
+              <a:latin typeface="Arial" panose="020B0604020202020204" pitchFamily="34" charset="0"/>
+              <a:cs typeface="Arial" panose="020B0604020202020204" pitchFamily="34" charset="0"/>
+            </a:endParaRPr>
           </a:p>
         </p:txBody>
       </p:sp>
     </p:spTree>
     <p:extLst>
       <p:ext uri="{BB962C8B-B14F-4D97-AF65-F5344CB8AC3E}">
-        <p14:creationId xmlns:p14="http://schemas.microsoft.com/office/powerpoint/2010/main" val="1959243980"/>
+        <p14:creationId xmlns:p14="http://schemas.microsoft.com/office/powerpoint/2010/main" val="1590250184"/>
       </p:ext>
     </p:extLst>
   </p:cSld>
@@ -5623,10 +5975,10 @@
       </p:grpSpPr>
       <p:sp useBgFill="1">
         <p:nvSpPr>
-          <p:cNvPr id="135" name="Rectangle 134">
+          <p:cNvPr id="192" name="Rectangle 191">
             <a:extLst>
               <a:ext uri="{FF2B5EF4-FFF2-40B4-BE49-F238E27FC236}">
-                <a16:creationId xmlns:a16="http://schemas.microsoft.com/office/drawing/2014/main" id="{9203ABB4-7E2A-4248-9FE7-4A419AFF2F17}"/>
+                <a16:creationId xmlns:a16="http://schemas.microsoft.com/office/drawing/2014/main" id="{0864E5C9-52C9-4572-AC75-548B9B9C2648}"/>
               </a:ext>
               <a:ext uri="{C183D7F6-B498-43B3-948B-1728B52AA6E4}">
                 <adec:decorative xmlns:adec="http://schemas.microsoft.com/office/drawing/2017/decorative" val="1"/>
@@ -5676,46 +6028,17 @@
           <a:bodyPr rtlCol="0" anchor="ctr"/>
           <a:lstStyle/>
           <a:p>
-            <a:pPr marL="0" marR="0" lvl="0" indent="0" algn="ctr" defTabSz="457200" rtl="0" eaLnBrk="1" fontAlgn="auto" latinLnBrk="0" hangingPunct="1">
-              <a:lnSpc>
-                <a:spcPct val="100000"/>
-              </a:lnSpc>
-              <a:spcBef>
-                <a:spcPts val="0"/>
-              </a:spcBef>
-              <a:spcAft>
-                <a:spcPts val="0"/>
-              </a:spcAft>
-              <a:buClrTx/>
-              <a:buSzTx/>
-              <a:buFontTx/>
-              <a:buNone/>
-              <a:tabLst/>
-              <a:defRPr/>
-            </a:pPr>
-            <a:endParaRPr kumimoji="0" lang="en-US" sz="1800" b="0" i="0" u="none" strike="noStrike" kern="1200" cap="none" spc="0" normalizeH="0" baseline="0" noProof="0">
-              <a:ln>
-                <a:noFill/>
-              </a:ln>
-              <a:solidFill>
-                <a:srgbClr val="FFFFFF"/>
-              </a:solidFill>
-              <a:effectLst/>
-              <a:uLnTx/>
-              <a:uFillTx/>
-              <a:latin typeface="Corbel" panose="020B0503020204020204"/>
-              <a:ea typeface="+mn-ea"/>
-              <a:cs typeface="+mn-cs"/>
-            </a:endParaRPr>
+            <a:pPr algn="ctr"/>
+            <a:endParaRPr lang="en-US"/>
           </a:p>
         </p:txBody>
       </p:sp>
       <p:sp>
         <p:nvSpPr>
-          <p:cNvPr id="137" name="Rectangle 136">
+          <p:cNvPr id="193" name="Rectangle 192">
             <a:extLst>
               <a:ext uri="{FF2B5EF4-FFF2-40B4-BE49-F238E27FC236}">
-                <a16:creationId xmlns:a16="http://schemas.microsoft.com/office/drawing/2014/main" id="{3126970D-C1E5-4FB1-84E8-86CB9CED1C80}"/>
+                <a16:creationId xmlns:a16="http://schemas.microsoft.com/office/drawing/2014/main" id="{45CC6500-4DBD-4C34-BC14-2387FB483BEB}"/>
               </a:ext>
               <a:ext uri="{C183D7F6-B498-43B3-948B-1728B52AA6E4}">
                 <adec:decorative xmlns:adec="http://schemas.microsoft.com/office/drawing/2017/decorative" val="1"/>
@@ -5735,8 +6058,8 @@
         </p:nvSpPr>
         <p:spPr>
           <a:xfrm>
-            <a:off x="0" y="4367639"/>
-            <a:ext cx="11707367" cy="1852186"/>
+            <a:off x="1" y="761999"/>
+            <a:ext cx="4642228" cy="5334001"/>
           </a:xfrm>
           <a:prstGeom prst="rect">
             <a:avLst/>
@@ -5781,8 +6104,8 @@
         </p:nvSpPr>
         <p:spPr>
           <a:xfrm>
-            <a:off x="274718" y="4690051"/>
-            <a:ext cx="10210862" cy="1293305"/>
+            <a:off x="180474" y="1147528"/>
+            <a:ext cx="4461755" cy="3255264"/>
           </a:xfrm>
           <a:prstGeom prst="rect">
             <a:avLst/>
@@ -5790,7 +6113,7 @@
         </p:spPr>
         <p:txBody>
           <a:bodyPr vert="horz" lIns="91440" tIns="45720" rIns="91440" bIns="45720" rtlCol="0" anchor="b">
-            <a:normAutofit fontScale="92500" lnSpcReduction="10000"/>
+            <a:normAutofit/>
           </a:bodyPr>
           <a:lstStyle>
             <a:lvl1pPr algn="l" defTabSz="914400" rtl="0" eaLnBrk="1" latinLnBrk="0" hangingPunct="1">
@@ -5832,13 +6155,7 @@
               <a:defRPr/>
             </a:pPr>
             <a:r>
-              <a:rPr lang="ru-RU" sz="3200" b="1" dirty="0">
-                <a:latin typeface="Corbel" panose="020B0503020204020204"/>
-              </a:rPr>
-              <a:t>Класс обыкновенной дроби</a:t>
-            </a:r>
-            <a:br>
-              <a:rPr kumimoji="0" lang="en-US" sz="3200" b="1" i="0" u="none" strike="noStrike" kern="1200" cap="none" spc="-100" normalizeH="0" baseline="0" noProof="0" dirty="0">
+              <a:rPr kumimoji="0" lang="ru-RU" sz="4400" b="1" i="0" u="none" strike="noStrike" kern="1200" cap="none" spc="-100" normalizeH="0" baseline="0" noProof="0" dirty="0">
                 <a:ln>
                   <a:noFill/>
                 </a:ln>
@@ -5852,24 +6169,9 @@
                 <a:ea typeface="+mj-ea"/>
                 <a:cs typeface="+mj-cs"/>
               </a:rPr>
-            </a:br>
-            <a:br>
-              <a:rPr kumimoji="0" lang="en-US" sz="3200" b="1" i="0" u="none" strike="noStrike" kern="1200" cap="none" spc="-100" normalizeH="0" baseline="0" noProof="0" dirty="0">
-                <a:ln>
-                  <a:noFill/>
-                </a:ln>
-                <a:solidFill>
-                  <a:srgbClr val="FFFFFF"/>
-                </a:solidFill>
-                <a:effectLst/>
-                <a:uLnTx/>
-                <a:uFillTx/>
-                <a:latin typeface="Corbel" panose="020B0503020204020204"/>
-                <a:ea typeface="+mj-ea"/>
-                <a:cs typeface="+mj-cs"/>
-              </a:rPr>
-            </a:br>
-            <a:endParaRPr kumimoji="0" lang="en-US" sz="3200" b="1" i="0" u="none" strike="noStrike" kern="1200" cap="none" spc="-100" normalizeH="0" baseline="0" noProof="0" dirty="0">
+              <a:t>Явные намерения</a:t>
+            </a:r>
+            <a:endParaRPr kumimoji="0" lang="en-US" sz="4400" b="1" i="0" u="none" strike="noStrike" kern="1200" cap="none" spc="-100" normalizeH="0" baseline="0" noProof="0" dirty="0">
               <a:ln>
                 <a:noFill/>
               </a:ln>
@@ -5888,302 +6190,42 @@
       </p:sp>
       <p:sp>
         <p:nvSpPr>
-          <p:cNvPr id="20" name="TextBox 19">
+          <p:cNvPr id="194" name="Rectangle 193">
             <a:extLst>
               <a:ext uri="{FF2B5EF4-FFF2-40B4-BE49-F238E27FC236}">
-                <a16:creationId xmlns:a16="http://schemas.microsoft.com/office/drawing/2014/main" id="{2D8DE4D1-4C37-414A-81C8-4DAC723C8934}"/>
+                <a16:creationId xmlns:a16="http://schemas.microsoft.com/office/drawing/2014/main" id="{4E34A3B6-BAD2-4156-BDC6-4736248BFDE0}"/>
+              </a:ext>
+              <a:ext uri="{C183D7F6-B498-43B3-948B-1728B52AA6E4}">
+                <adec:decorative xmlns:adec="http://schemas.microsoft.com/office/drawing/2017/decorative" val="1"/>
               </a:ext>
             </a:extLst>
           </p:cNvPr>
-          <p:cNvSpPr txBox="1"/>
-          <p:nvPr/>
+          <p:cNvSpPr>
+            <a:spLocks noGrp="1" noRot="1" noChangeAspect="1" noMove="1" noResize="1" noEditPoints="1" noAdjustHandles="1" noChangeArrowheads="1" noChangeShapeType="1" noTextEdit="1"/>
+          </p:cNvSpPr>
+          <p:nvPr>
+            <p:extLst>
+              <p:ext uri="{386F3935-93C4-4BCD-93E2-E3B085C9AB24}">
+                <p16:designElem xmlns:p16="http://schemas.microsoft.com/office/powerpoint/2015/main" val="1"/>
+              </p:ext>
+            </p:extLst>
+          </p:nvPr>
         </p:nvSpPr>
         <p:spPr>
           <a:xfrm>
-            <a:off x="665519" y="855777"/>
-            <a:ext cx="4922482" cy="2873687"/>
+            <a:off x="11815864" y="758952"/>
+            <a:ext cx="384048" cy="5330952"/>
           </a:xfrm>
           <a:prstGeom prst="rect">
             <a:avLst/>
           </a:prstGeom>
-          <a:noFill/>
-        </p:spPr>
-        <p:txBody>
-          <a:bodyPr wrap="square" rtlCol="0">
-            <a:spAutoFit/>
-          </a:bodyPr>
-          <a:lstStyle/>
-          <a:p>
-            <a:pPr>
-              <a:lnSpc>
-                <a:spcPct val="150000"/>
-              </a:lnSpc>
-            </a:pPr>
-            <a:r>
-              <a:rPr lang="ru-RU" sz="2400" b="0" i="1" dirty="0">
-                <a:solidFill>
-                  <a:srgbClr val="A0A1A7"/>
-                </a:solidFill>
-                <a:effectLst/>
-                <a:latin typeface="SFMono-Regular"/>
-              </a:rPr>
-              <a:t>//Класс «Обыкновенная дробь»</a:t>
-            </a:r>
-            <a:r>
-              <a:rPr lang="ru-RU" sz="2400" b="0" i="0" dirty="0">
-                <a:solidFill>
-                  <a:srgbClr val="383A42"/>
-                </a:solidFill>
-                <a:effectLst/>
-                <a:latin typeface="SFMono-Regular"/>
-              </a:rPr>
-              <a:t> </a:t>
-            </a:r>
-          </a:p>
-          <a:p>
-            <a:pPr>
-              <a:lnSpc>
-                <a:spcPct val="150000"/>
-              </a:lnSpc>
-            </a:pPr>
-            <a:r>
-              <a:rPr lang="en-US" sz="2400" b="0" i="0" dirty="0">
-                <a:solidFill>
-                  <a:srgbClr val="A626A4"/>
-                </a:solidFill>
-                <a:effectLst/>
-                <a:latin typeface="SFMono-Regular"/>
-              </a:rPr>
-              <a:t>public</a:t>
-            </a:r>
-            <a:r>
-              <a:rPr lang="en-US" sz="2400" b="0" i="0" dirty="0">
-                <a:solidFill>
-                  <a:srgbClr val="383A42"/>
-                </a:solidFill>
-                <a:effectLst/>
-                <a:latin typeface="SFMono-Regular"/>
-              </a:rPr>
-              <a:t> </a:t>
-            </a:r>
-            <a:r>
-              <a:rPr lang="en-US" sz="2400" b="0" i="0" dirty="0">
-                <a:solidFill>
-                  <a:srgbClr val="A626A4"/>
-                </a:solidFill>
-                <a:effectLst/>
-                <a:latin typeface="SFMono-Regular"/>
-              </a:rPr>
-              <a:t>class</a:t>
-            </a:r>
-            <a:r>
-              <a:rPr lang="en-US" sz="2400" b="0" i="0" dirty="0">
-                <a:solidFill>
-                  <a:srgbClr val="383A42"/>
-                </a:solidFill>
-                <a:effectLst/>
-                <a:latin typeface="SFMono-Regular"/>
-              </a:rPr>
-              <a:t> </a:t>
-            </a:r>
-            <a:r>
-              <a:rPr lang="en-US" sz="2400" b="0" i="0" dirty="0">
-                <a:solidFill>
-                  <a:srgbClr val="C18401"/>
-                </a:solidFill>
-                <a:effectLst/>
-                <a:latin typeface="SFMono-Regular"/>
-              </a:rPr>
-              <a:t>Fraction</a:t>
-            </a:r>
-            <a:r>
-              <a:rPr lang="en-US" sz="2400" b="0" i="0" dirty="0">
-                <a:solidFill>
-                  <a:srgbClr val="383A42"/>
-                </a:solidFill>
-                <a:effectLst/>
-                <a:latin typeface="SFMono-Regular"/>
-              </a:rPr>
-              <a:t> { </a:t>
-            </a:r>
-            <a:endParaRPr lang="ru-RU" sz="2400" b="0" i="0" dirty="0">
-              <a:solidFill>
-                <a:srgbClr val="383A42"/>
-              </a:solidFill>
-              <a:effectLst/>
-              <a:latin typeface="SFMono-Regular"/>
-            </a:endParaRPr>
-          </a:p>
-          <a:p>
-            <a:pPr>
-              <a:lnSpc>
-                <a:spcPct val="150000"/>
-              </a:lnSpc>
-            </a:pPr>
-            <a:r>
-              <a:rPr lang="en-US" sz="2400" b="0" i="0" dirty="0">
-                <a:solidFill>
-                  <a:srgbClr val="A626A4"/>
-                </a:solidFill>
-                <a:effectLst/>
-                <a:latin typeface="SFMono-Regular"/>
-              </a:rPr>
-              <a:t>int</a:t>
-            </a:r>
-            <a:r>
-              <a:rPr lang="en-US" sz="2400" b="0" i="0" dirty="0">
-                <a:solidFill>
-                  <a:srgbClr val="383A42"/>
-                </a:solidFill>
-                <a:effectLst/>
-                <a:latin typeface="SFMono-Regular"/>
-              </a:rPr>
-              <a:t> numerator; </a:t>
-            </a:r>
-            <a:r>
-              <a:rPr lang="en-US" sz="2400" b="0" i="1" dirty="0">
-                <a:solidFill>
-                  <a:srgbClr val="A0A1A7"/>
-                </a:solidFill>
-                <a:effectLst/>
-                <a:latin typeface="SFMono-Regular"/>
-              </a:rPr>
-              <a:t>// </a:t>
-            </a:r>
-            <a:r>
-              <a:rPr lang="ru-RU" sz="2400" b="0" i="1" dirty="0">
-                <a:solidFill>
-                  <a:srgbClr val="A0A1A7"/>
-                </a:solidFill>
-                <a:effectLst/>
-                <a:latin typeface="SFMono-Regular"/>
-              </a:rPr>
-              <a:t>Числитель</a:t>
-            </a:r>
-          </a:p>
-          <a:p>
-            <a:pPr>
-              <a:lnSpc>
-                <a:spcPct val="150000"/>
-              </a:lnSpc>
-            </a:pPr>
-            <a:r>
-              <a:rPr lang="ru-RU" sz="2400" b="0" i="0" dirty="0">
-                <a:solidFill>
-                  <a:srgbClr val="383A42"/>
-                </a:solidFill>
-                <a:effectLst/>
-                <a:latin typeface="SFMono-Regular"/>
-              </a:rPr>
-              <a:t> </a:t>
-            </a:r>
-            <a:r>
-              <a:rPr lang="en-US" sz="2400" b="0" i="0" dirty="0">
-                <a:solidFill>
-                  <a:srgbClr val="A626A4"/>
-                </a:solidFill>
-                <a:effectLst/>
-                <a:latin typeface="SFMono-Regular"/>
-              </a:rPr>
-              <a:t>int</a:t>
-            </a:r>
-            <a:r>
-              <a:rPr lang="en-US" sz="2400" b="0" i="0" dirty="0">
-                <a:solidFill>
-                  <a:srgbClr val="383A42"/>
-                </a:solidFill>
-                <a:effectLst/>
-                <a:latin typeface="SFMono-Regular"/>
-              </a:rPr>
-              <a:t> denominator; </a:t>
-            </a:r>
-            <a:r>
-              <a:rPr lang="en-US" sz="2400" b="0" i="1" dirty="0">
-                <a:solidFill>
-                  <a:srgbClr val="A0A1A7"/>
-                </a:solidFill>
-                <a:effectLst/>
-                <a:latin typeface="SFMono-Regular"/>
-              </a:rPr>
-              <a:t>// </a:t>
-            </a:r>
-            <a:r>
-              <a:rPr lang="ru-RU" sz="2400" b="0" i="1" dirty="0">
-                <a:solidFill>
-                  <a:srgbClr val="A0A1A7"/>
-                </a:solidFill>
-                <a:effectLst/>
-                <a:latin typeface="SFMono-Regular"/>
-              </a:rPr>
-              <a:t>Знаменатель</a:t>
-            </a:r>
-            <a:r>
-              <a:rPr lang="ru-RU" sz="2400" b="0" i="0" dirty="0">
-                <a:solidFill>
-                  <a:srgbClr val="383A42"/>
-                </a:solidFill>
-                <a:effectLst/>
-                <a:latin typeface="SFMono-Regular"/>
-              </a:rPr>
-              <a:t> </a:t>
-            </a:r>
-          </a:p>
-          <a:p>
-            <a:pPr>
-              <a:lnSpc>
-                <a:spcPct val="150000"/>
-              </a:lnSpc>
-            </a:pPr>
-            <a:r>
-              <a:rPr lang="ru-RU" sz="2400" b="0" i="0" dirty="0">
-                <a:solidFill>
-                  <a:srgbClr val="383A42"/>
-                </a:solidFill>
-                <a:effectLst/>
-                <a:latin typeface="SFMono-Regular"/>
-              </a:rPr>
-              <a:t>}</a:t>
-            </a:r>
-            <a:endParaRPr lang="en-US" sz="2400" dirty="0">
-              <a:solidFill>
-                <a:schemeClr val="accent4">
-                  <a:lumMod val="75000"/>
-                </a:schemeClr>
-              </a:solidFill>
-              <a:latin typeface="Arial" panose="020B0604020202020204" pitchFamily="34" charset="0"/>
-              <a:cs typeface="Arial" panose="020B0604020202020204" pitchFamily="34" charset="0"/>
-            </a:endParaRPr>
-          </a:p>
-        </p:txBody>
-      </p:sp>
-      <p:sp>
-        <p:nvSpPr>
-          <p:cNvPr id="24" name="Прямоугольник 23">
-            <a:extLst>
-              <a:ext uri="{FF2B5EF4-FFF2-40B4-BE49-F238E27FC236}">
-                <a16:creationId xmlns:a16="http://schemas.microsoft.com/office/drawing/2014/main" id="{00279A50-D367-422D-9688-2BF86FEBA1E8}"/>
-              </a:ext>
-            </a:extLst>
-          </p:cNvPr>
-          <p:cNvSpPr/>
-          <p:nvPr/>
-        </p:nvSpPr>
-        <p:spPr>
-          <a:xfrm>
-            <a:off x="343923" y="432977"/>
-            <a:ext cx="5910121" cy="3698193"/>
-          </a:xfrm>
-          <a:prstGeom prst="rect">
-            <a:avLst/>
-          </a:prstGeom>
-          <a:noFill/>
-          <a:ln w="38100">
-            <a:solidFill>
-              <a:schemeClr val="tx1">
-                <a:lumMod val="50000"/>
-                <a:lumOff val="50000"/>
-              </a:schemeClr>
-            </a:solidFill>
+          <a:solidFill>
+            <a:srgbClr val="C8C8C8">
+              <a:alpha val="49804"/>
+            </a:srgbClr>
+          </a:solidFill>
+          <a:ln>
+            <a:noFill/>
           </a:ln>
         </p:spPr>
         <p:style>
@@ -6202,23 +6244,13 @@
             <a:schemeClr val="lt1"/>
           </a:fontRef>
         </p:style>
-        <p:txBody>
-          <a:bodyPr rtlCol="0" anchor="ctr"/>
-          <a:lstStyle/>
-          <a:p>
-            <a:pPr algn="ctr"/>
-            <a:endParaRPr lang="ru-RU">
-              <a:noFill/>
-            </a:endParaRPr>
-          </a:p>
-        </p:txBody>
       </p:sp>
       <p:pic>
         <p:nvPicPr>
-          <p:cNvPr id="1026" name="Picture 2" descr="обыкновенные дроби">
+          <p:cNvPr id="5122" name="Picture 2">
             <a:extLst>
               <a:ext uri="{FF2B5EF4-FFF2-40B4-BE49-F238E27FC236}">
-                <a16:creationId xmlns:a16="http://schemas.microsoft.com/office/drawing/2014/main" id="{B6B29ADC-1941-467B-A676-25E054C1A7E2}"/>
+                <a16:creationId xmlns:a16="http://schemas.microsoft.com/office/drawing/2014/main" id="{5488B2B4-52BD-493B-B4E9-5382E5C258AB}"/>
               </a:ext>
             </a:extLst>
           </p:cNvPr>
@@ -6242,8 +6274,8 @@
         </p:blipFill>
         <p:spPr bwMode="auto">
           <a:xfrm>
-            <a:off x="8366656" y="809278"/>
-            <a:ext cx="1703034" cy="2685993"/>
+            <a:off x="5260724" y="1227311"/>
+            <a:ext cx="5718671" cy="4403377"/>
           </a:xfrm>
           <a:prstGeom prst="rect">
             <a:avLst/>
@@ -6263,7 +6295,7 @@
     </p:spTree>
     <p:extLst>
       <p:ext uri="{BB962C8B-B14F-4D97-AF65-F5344CB8AC3E}">
-        <p14:creationId xmlns:p14="http://schemas.microsoft.com/office/powerpoint/2010/main" val="877715743"/>
+        <p14:creationId xmlns:p14="http://schemas.microsoft.com/office/powerpoint/2010/main" val="2833012232"/>
       </p:ext>
     </p:extLst>
   </p:cSld>
@@ -6300,10 +6332,10 @@
       </p:grpSpPr>
       <p:sp useBgFill="1">
         <p:nvSpPr>
-          <p:cNvPr id="192" name="Rectangle 191">
+          <p:cNvPr id="77" name="Rectangle 76">
             <a:extLst>
               <a:ext uri="{FF2B5EF4-FFF2-40B4-BE49-F238E27FC236}">
-                <a16:creationId xmlns:a16="http://schemas.microsoft.com/office/drawing/2014/main" id="{0864E5C9-52C9-4572-AC75-548B9B9C2648}"/>
+                <a16:creationId xmlns:a16="http://schemas.microsoft.com/office/drawing/2014/main" id="{9203ABB4-7E2A-4248-9FE7-4A419AFF2F17}"/>
               </a:ext>
               <a:ext uri="{C183D7F6-B498-43B3-948B-1728B52AA6E4}">
                 <adec:decorative xmlns:adec="http://schemas.microsoft.com/office/drawing/2017/decorative" val="1"/>
@@ -6360,10 +6392,10 @@
       </p:sp>
       <p:sp>
         <p:nvSpPr>
-          <p:cNvPr id="193" name="Rectangle 192">
+          <p:cNvPr id="79" name="Rectangle 78">
             <a:extLst>
               <a:ext uri="{FF2B5EF4-FFF2-40B4-BE49-F238E27FC236}">
-                <a16:creationId xmlns:a16="http://schemas.microsoft.com/office/drawing/2014/main" id="{45CC6500-4DBD-4C34-BC14-2387FB483BEB}"/>
+                <a16:creationId xmlns:a16="http://schemas.microsoft.com/office/drawing/2014/main" id="{3126970D-C1E5-4FB1-84E8-86CB9CED1C80}"/>
               </a:ext>
               <a:ext uri="{C183D7F6-B498-43B3-948B-1728B52AA6E4}">
                 <adec:decorative xmlns:adec="http://schemas.microsoft.com/office/drawing/2017/decorative" val="1"/>
@@ -6383,8 +6415,8 @@
         </p:nvSpPr>
         <p:spPr>
           <a:xfrm>
-            <a:off x="1" y="761999"/>
-            <a:ext cx="4642228" cy="5334001"/>
+            <a:off x="0" y="4367639"/>
+            <a:ext cx="11707367" cy="1852186"/>
           </a:xfrm>
           <a:prstGeom prst="rect">
             <a:avLst/>
@@ -6429,8 +6461,8 @@
         </p:nvSpPr>
         <p:spPr>
           <a:xfrm>
-            <a:off x="180474" y="1147528"/>
-            <a:ext cx="4461755" cy="3255264"/>
+            <a:off x="639193" y="4842453"/>
+            <a:ext cx="4880378" cy="683704"/>
           </a:xfrm>
           <a:prstGeom prst="rect">
             <a:avLst/>
@@ -6438,7 +6470,7 @@
         </p:spPr>
         <p:txBody>
           <a:bodyPr vert="horz" lIns="91440" tIns="45720" rIns="91440" bIns="45720" rtlCol="0" anchor="b">
-            <a:normAutofit/>
+            <a:normAutofit fontScale="92500"/>
           </a:bodyPr>
           <a:lstStyle>
             <a:lvl1pPr algn="l" defTabSz="914400" rtl="0" eaLnBrk="1" latinLnBrk="0" hangingPunct="1">
@@ -6460,27 +6492,17 @@
             </a:lvl1pPr>
           </a:lstStyle>
           <a:p>
-            <a:pPr marL="0" marR="0" lvl="0" indent="0" algn="l" defTabSz="914400" rtl="0" eaLnBrk="1" fontAlgn="auto" latinLnBrk="0" hangingPunct="1">
-              <a:lnSpc>
-                <a:spcPct val="90000"/>
-              </a:lnSpc>
-              <a:spcBef>
-                <a:spcPct val="0"/>
-              </a:spcBef>
+            <a:pPr>
               <a:spcAft>
                 <a:spcPts val="600"/>
               </a:spcAft>
               <a:buClr>
                 <a:srgbClr val="40BAD2"/>
               </a:buClr>
-              <a:buSzTx/>
-              <a:buFontTx/>
-              <a:buNone/>
-              <a:tabLst/>
               <a:defRPr/>
             </a:pPr>
             <a:r>
-              <a:rPr kumimoji="0" lang="ru-RU" sz="4400" b="1" i="0" u="none" strike="noStrike" kern="1200" cap="none" spc="-100" normalizeH="0" baseline="0" noProof="0" dirty="0">
+              <a:rPr kumimoji="0" lang="ru-RU" sz="3200" b="1" i="0" u="none" strike="noStrike" kern="1200" cap="none" spc="-100" normalizeH="0" baseline="0" noProof="0" dirty="0">
                 <a:ln>
                   <a:noFill/>
                 </a:ln>
@@ -6494,16 +6516,369 @@
                 <a:ea typeface="+mj-ea"/>
                 <a:cs typeface="+mj-cs"/>
               </a:rPr>
-              <a:t>Инициализация по умолчанию </a:t>
-            </a:r>
-            <a:r>
-              <a:rPr lang="ru-RU" sz="4400" b="1" dirty="0">
-                <a:latin typeface="Corbel" panose="020B0503020204020204"/>
-              </a:rPr>
-              <a:t>примитивных</a:t>
-            </a:r>
-            <a:r>
-              <a:rPr kumimoji="0" lang="ru-RU" sz="4400" b="1" i="0" u="none" strike="noStrike" kern="1200" cap="none" spc="-100" normalizeH="0" baseline="0" noProof="0" dirty="0">
+              <a:t>Явные намерения. Случай 1</a:t>
+            </a:r>
+            <a:endParaRPr kumimoji="0" lang="en-US" sz="3200" b="1" i="0" u="none" strike="noStrike" cap="none" normalizeH="0" noProof="0" dirty="0">
+              <a:ln>
+                <a:noFill/>
+              </a:ln>
+              <a:effectLst/>
+              <a:uLnTx/>
+              <a:uFillTx/>
+            </a:endParaRPr>
+          </a:p>
+        </p:txBody>
+      </p:sp>
+      <p:pic>
+        <p:nvPicPr>
+          <p:cNvPr id="2" name="Picture 2">
+            <a:extLst>
+              <a:ext uri="{FF2B5EF4-FFF2-40B4-BE49-F238E27FC236}">
+                <a16:creationId xmlns:a16="http://schemas.microsoft.com/office/drawing/2014/main" id="{6AE72BF7-6DE5-4C4F-888B-504AF4C3B1C2}"/>
+              </a:ext>
+            </a:extLst>
+          </p:cNvPr>
+          <p:cNvPicPr>
+            <a:picLocks noChangeAspect="1" noChangeArrowheads="1"/>
+          </p:cNvPicPr>
+          <p:nvPr/>
+        </p:nvPicPr>
+        <p:blipFill>
+          <a:blip r:embed="rId2">
+            <a:extLst>
+              <a:ext uri="{28A0092B-C50C-407E-A947-70E740481C1C}">
+                <a14:useLocalDpi xmlns:a14="http://schemas.microsoft.com/office/drawing/2010/main" val="0"/>
+              </a:ext>
+            </a:extLst>
+          </a:blip>
+          <a:srcRect/>
+          <a:stretch>
+            <a:fillRect/>
+          </a:stretch>
+        </p:blipFill>
+        <p:spPr bwMode="auto">
+          <a:xfrm>
+            <a:off x="3413494" y="304874"/>
+            <a:ext cx="4880377" cy="3757891"/>
+          </a:xfrm>
+          <a:prstGeom prst="rect">
+            <a:avLst/>
+          </a:prstGeom>
+          <a:noFill/>
+          <a:extLst>
+            <a:ext uri="{909E8E84-426E-40DD-AFC4-6F175D3DCCD1}">
+              <a14:hiddenFill xmlns:a14="http://schemas.microsoft.com/office/drawing/2010/main">
+                <a:solidFill>
+                  <a:srgbClr val="FFFFFF"/>
+                </a:solidFill>
+              </a14:hiddenFill>
+            </a:ext>
+          </a:extLst>
+        </p:spPr>
+      </p:pic>
+    </p:spTree>
+    <p:extLst>
+      <p:ext uri="{BB962C8B-B14F-4D97-AF65-F5344CB8AC3E}">
+        <p14:creationId xmlns:p14="http://schemas.microsoft.com/office/powerpoint/2010/main" val="2144527990"/>
+      </p:ext>
+    </p:extLst>
+  </p:cSld>
+  <p:clrMapOvr>
+    <a:masterClrMapping/>
+  </p:clrMapOvr>
+</p:sld>
+</file>
+
+<file path=ppt/slides/slide16.xml><?xml version="1.0" encoding="utf-8"?>
+<p:sld xmlns:a="http://schemas.openxmlformats.org/drawingml/2006/main" xmlns:r="http://schemas.openxmlformats.org/officeDocument/2006/relationships" xmlns:p="http://schemas.openxmlformats.org/presentationml/2006/main">
+  <p:cSld>
+    <p:spTree>
+      <p:nvGrpSpPr>
+        <p:cNvPr id="1" name=""/>
+        <p:cNvGrpSpPr/>
+        <p:nvPr/>
+      </p:nvGrpSpPr>
+      <p:grpSpPr>
+        <a:xfrm>
+          <a:off x="0" y="0"/>
+          <a:ext cx="0" cy="0"/>
+          <a:chOff x="0" y="0"/>
+          <a:chExt cx="0" cy="0"/>
+        </a:xfrm>
+      </p:grpSpPr>
+      <p:sp>
+        <p:nvSpPr>
+          <p:cNvPr id="2" name="Заголовок 1">
+            <a:extLst>
+              <a:ext uri="{FF2B5EF4-FFF2-40B4-BE49-F238E27FC236}">
+                <a16:creationId xmlns:a16="http://schemas.microsoft.com/office/drawing/2014/main" id="{A0E7CA90-8A3B-4FD4-A945-DB2F267385F6}"/>
+              </a:ext>
+            </a:extLst>
+          </p:cNvPr>
+          <p:cNvSpPr>
+            <a:spLocks noGrp="1"/>
+          </p:cNvSpPr>
+          <p:nvPr>
+            <p:ph type="title"/>
+          </p:nvPr>
+        </p:nvSpPr>
+        <p:spPr>
+          <a:xfrm>
+            <a:off x="252919" y="1123837"/>
+            <a:ext cx="3104878" cy="4601183"/>
+          </a:xfrm>
+        </p:spPr>
+        <p:txBody>
+          <a:bodyPr/>
+          <a:lstStyle/>
+          <a:p>
+            <a:r>
+              <a:rPr lang="ru-RU" sz="4600" b="1" spc="-100" dirty="0"/>
+              <a:t>Неглавные активности</a:t>
+            </a:r>
+          </a:p>
+        </p:txBody>
+      </p:sp>
+      <p:pic>
+        <p:nvPicPr>
+          <p:cNvPr id="4" name="Рисунок 3">
+            <a:extLst>
+              <a:ext uri="{FF2B5EF4-FFF2-40B4-BE49-F238E27FC236}">
+                <a16:creationId xmlns:a16="http://schemas.microsoft.com/office/drawing/2014/main" id="{B98FB7F3-51B1-4DF1-87FD-1D12224F85F6}"/>
+              </a:ext>
+            </a:extLst>
+          </p:cNvPr>
+          <p:cNvPicPr>
+            <a:picLocks noChangeAspect="1"/>
+          </p:cNvPicPr>
+          <p:nvPr/>
+        </p:nvPicPr>
+        <p:blipFill rotWithShape="1">
+          <a:blip r:embed="rId2"/>
+          <a:srcRect l="17213" t="9286" r="28565" b="36307"/>
+          <a:stretch/>
+        </p:blipFill>
+        <p:spPr>
+          <a:xfrm>
+            <a:off x="3583865" y="856224"/>
+            <a:ext cx="8155830" cy="5136407"/>
+          </a:xfrm>
+          <a:prstGeom prst="rect">
+            <a:avLst/>
+          </a:prstGeom>
+        </p:spPr>
+      </p:pic>
+    </p:spTree>
+    <p:extLst>
+      <p:ext uri="{BB962C8B-B14F-4D97-AF65-F5344CB8AC3E}">
+        <p14:creationId xmlns:p14="http://schemas.microsoft.com/office/powerpoint/2010/main" val="4133235668"/>
+      </p:ext>
+    </p:extLst>
+  </p:cSld>
+  <p:clrMapOvr>
+    <a:masterClrMapping/>
+  </p:clrMapOvr>
+</p:sld>
+</file>
+
+<file path=ppt/slides/slide17.xml><?xml version="1.0" encoding="utf-8"?>
+<p:sld xmlns:a="http://schemas.openxmlformats.org/drawingml/2006/main" xmlns:r="http://schemas.openxmlformats.org/officeDocument/2006/relationships" xmlns:p="http://schemas.openxmlformats.org/presentationml/2006/main">
+  <p:cSld>
+    <p:bg>
+      <p:bgPr>
+        <a:solidFill>
+          <a:schemeClr val="bg1"/>
+        </a:solidFill>
+        <a:effectLst/>
+      </p:bgPr>
+    </p:bg>
+    <p:spTree>
+      <p:nvGrpSpPr>
+        <p:cNvPr id="1" name=""/>
+        <p:cNvGrpSpPr/>
+        <p:nvPr/>
+      </p:nvGrpSpPr>
+      <p:grpSpPr>
+        <a:xfrm>
+          <a:off x="0" y="0"/>
+          <a:ext cx="0" cy="0"/>
+          <a:chOff x="0" y="0"/>
+          <a:chExt cx="0" cy="0"/>
+        </a:xfrm>
+      </p:grpSpPr>
+      <p:sp useBgFill="1">
+        <p:nvSpPr>
+          <p:cNvPr id="77" name="Rectangle 76">
+            <a:extLst>
+              <a:ext uri="{FF2B5EF4-FFF2-40B4-BE49-F238E27FC236}">
+                <a16:creationId xmlns:a16="http://schemas.microsoft.com/office/drawing/2014/main" id="{9203ABB4-7E2A-4248-9FE7-4A419AFF2F17}"/>
+              </a:ext>
+              <a:ext uri="{C183D7F6-B498-43B3-948B-1728B52AA6E4}">
+                <adec:decorative xmlns:adec="http://schemas.microsoft.com/office/drawing/2017/decorative" val="1"/>
+              </a:ext>
+            </a:extLst>
+          </p:cNvPr>
+          <p:cNvSpPr>
+            <a:spLocks noGrp="1" noRot="1" noChangeAspect="1" noMove="1" noResize="1" noEditPoints="1" noAdjustHandles="1" noChangeArrowheads="1" noChangeShapeType="1" noTextEdit="1"/>
+          </p:cNvSpPr>
+          <p:nvPr>
+            <p:extLst>
+              <p:ext uri="{386F3935-93C4-4BCD-93E2-E3B085C9AB24}">
+                <p16:designElem xmlns:p16="http://schemas.microsoft.com/office/powerpoint/2015/main" val="1"/>
+              </p:ext>
+            </p:extLst>
+          </p:nvPr>
+        </p:nvSpPr>
+        <p:spPr>
+          <a:xfrm>
+            <a:off x="0" y="0"/>
+            <a:ext cx="12191999" cy="6858000"/>
+          </a:xfrm>
+          <a:prstGeom prst="rect">
+            <a:avLst/>
+          </a:prstGeom>
+          <a:ln>
+            <a:noFill/>
+          </a:ln>
+        </p:spPr>
+        <p:style>
+          <a:lnRef idx="2">
+            <a:schemeClr val="accent1">
+              <a:shade val="50000"/>
+            </a:schemeClr>
+          </a:lnRef>
+          <a:fillRef idx="1">
+            <a:schemeClr val="accent1"/>
+          </a:fillRef>
+          <a:effectRef idx="0">
+            <a:schemeClr val="accent1"/>
+          </a:effectRef>
+          <a:fontRef idx="minor">
+            <a:schemeClr val="lt1"/>
+          </a:fontRef>
+        </p:style>
+        <p:txBody>
+          <a:bodyPr rtlCol="0" anchor="ctr"/>
+          <a:lstStyle/>
+          <a:p>
+            <a:pPr algn="ctr"/>
+            <a:endParaRPr lang="en-US"/>
+          </a:p>
+        </p:txBody>
+      </p:sp>
+      <p:sp>
+        <p:nvSpPr>
+          <p:cNvPr id="79" name="Rectangle 78">
+            <a:extLst>
+              <a:ext uri="{FF2B5EF4-FFF2-40B4-BE49-F238E27FC236}">
+                <a16:creationId xmlns:a16="http://schemas.microsoft.com/office/drawing/2014/main" id="{3126970D-C1E5-4FB1-84E8-86CB9CED1C80}"/>
+              </a:ext>
+              <a:ext uri="{C183D7F6-B498-43B3-948B-1728B52AA6E4}">
+                <adec:decorative xmlns:adec="http://schemas.microsoft.com/office/drawing/2017/decorative" val="1"/>
+              </a:ext>
+            </a:extLst>
+          </p:cNvPr>
+          <p:cNvSpPr>
+            <a:spLocks noGrp="1" noRot="1" noChangeAspect="1" noMove="1" noResize="1" noEditPoints="1" noAdjustHandles="1" noChangeArrowheads="1" noChangeShapeType="1" noTextEdit="1"/>
+          </p:cNvSpPr>
+          <p:nvPr>
+            <p:extLst>
+              <p:ext uri="{386F3935-93C4-4BCD-93E2-E3B085C9AB24}">
+                <p16:designElem xmlns:p16="http://schemas.microsoft.com/office/powerpoint/2015/main" val="1"/>
+              </p:ext>
+            </p:extLst>
+          </p:nvPr>
+        </p:nvSpPr>
+        <p:spPr>
+          <a:xfrm>
+            <a:off x="0" y="4367639"/>
+            <a:ext cx="11707367" cy="1852186"/>
+          </a:xfrm>
+          <a:prstGeom prst="rect">
+            <a:avLst/>
+          </a:prstGeom>
+          <a:solidFill>
+            <a:schemeClr val="accent1"/>
+          </a:solidFill>
+          <a:ln>
+            <a:noFill/>
+          </a:ln>
+        </p:spPr>
+        <p:style>
+          <a:lnRef idx="2">
+            <a:schemeClr val="accent1">
+              <a:shade val="50000"/>
+            </a:schemeClr>
+          </a:lnRef>
+          <a:fillRef idx="1">
+            <a:schemeClr val="accent1"/>
+          </a:fillRef>
+          <a:effectRef idx="0">
+            <a:schemeClr val="accent1"/>
+          </a:effectRef>
+          <a:fontRef idx="minor">
+            <a:schemeClr val="lt1"/>
+          </a:fontRef>
+        </p:style>
+      </p:sp>
+      <p:sp>
+        <p:nvSpPr>
+          <p:cNvPr id="28" name="Заголовок 1">
+            <a:extLst>
+              <a:ext uri="{FF2B5EF4-FFF2-40B4-BE49-F238E27FC236}">
+                <a16:creationId xmlns:a16="http://schemas.microsoft.com/office/drawing/2014/main" id="{A1800B60-BA5D-4BD9-AAE0-43620F882506}"/>
+              </a:ext>
+            </a:extLst>
+          </p:cNvPr>
+          <p:cNvSpPr txBox="1">
+            <a:spLocks/>
+          </p:cNvSpPr>
+          <p:nvPr/>
+        </p:nvSpPr>
+        <p:spPr>
+          <a:xfrm>
+            <a:off x="639193" y="4842453"/>
+            <a:ext cx="4880378" cy="683704"/>
+          </a:xfrm>
+          <a:prstGeom prst="rect">
+            <a:avLst/>
+          </a:prstGeom>
+        </p:spPr>
+        <p:txBody>
+          <a:bodyPr vert="horz" lIns="91440" tIns="45720" rIns="91440" bIns="45720" rtlCol="0" anchor="b">
+            <a:normAutofit fontScale="92500"/>
+          </a:bodyPr>
+          <a:lstStyle>
+            <a:lvl1pPr algn="l" defTabSz="914400" rtl="0" eaLnBrk="1" latinLnBrk="0" hangingPunct="1">
+              <a:lnSpc>
+                <a:spcPct val="90000"/>
+              </a:lnSpc>
+              <a:spcBef>
+                <a:spcPct val="0"/>
+              </a:spcBef>
+              <a:buNone/>
+              <a:defRPr sz="5900" kern="1200" spc="-100" baseline="0">
+                <a:solidFill>
+                  <a:srgbClr val="FFFFFF"/>
+                </a:solidFill>
+                <a:latin typeface="+mj-lt"/>
+                <a:ea typeface="+mj-ea"/>
+                <a:cs typeface="+mj-cs"/>
+              </a:defRPr>
+            </a:lvl1pPr>
+          </a:lstStyle>
+          <a:p>
+            <a:pPr>
+              <a:spcAft>
+                <a:spcPts val="600"/>
+              </a:spcAft>
+              <a:buClr>
+                <a:srgbClr val="40BAD2"/>
+              </a:buClr>
+              <a:defRPr/>
+            </a:pPr>
+            <a:r>
+              <a:rPr kumimoji="0" lang="ru-RU" sz="3200" b="1" i="0" u="none" strike="noStrike" kern="1200" cap="none" spc="-100" normalizeH="0" baseline="0" noProof="0" dirty="0">
                 <a:ln>
                   <a:noFill/>
                 </a:ln>
@@ -6517,31 +6892,93 @@
                 <a:ea typeface="+mj-ea"/>
                 <a:cs typeface="+mj-cs"/>
               </a:rPr>
-              <a:t> типов</a:t>
-            </a:r>
-            <a:endParaRPr kumimoji="0" lang="en-US" sz="4400" b="1" i="0" u="none" strike="noStrike" kern="1200" cap="none" spc="-100" normalizeH="0" baseline="0" noProof="0" dirty="0">
+              <a:t>Явные намерения. Случай 2</a:t>
+            </a:r>
+            <a:endParaRPr kumimoji="0" lang="en-US" sz="3200" b="1" i="0" u="none" strike="noStrike" cap="none" normalizeH="0" noProof="0" dirty="0">
               <a:ln>
                 <a:noFill/>
               </a:ln>
-              <a:solidFill>
-                <a:srgbClr val="FFFFFF"/>
-              </a:solidFill>
               <a:effectLst/>
               <a:uLnTx/>
               <a:uFillTx/>
-              <a:latin typeface="Corbel" panose="020B0503020204020204"/>
-              <a:ea typeface="+mj-ea"/>
-              <a:cs typeface="+mj-cs"/>
             </a:endParaRPr>
           </a:p>
         </p:txBody>
       </p:sp>
-      <p:sp>
-        <p:nvSpPr>
-          <p:cNvPr id="194" name="Rectangle 193">
+      <p:pic>
+        <p:nvPicPr>
+          <p:cNvPr id="10" name="Рисунок 9">
             <a:extLst>
               <a:ext uri="{FF2B5EF4-FFF2-40B4-BE49-F238E27FC236}">
-                <a16:creationId xmlns:a16="http://schemas.microsoft.com/office/drawing/2014/main" id="{4E34A3B6-BAD2-4156-BDC6-4736248BFDE0}"/>
+                <a16:creationId xmlns:a16="http://schemas.microsoft.com/office/drawing/2014/main" id="{7071D635-2F7E-4F2B-B767-7F43C20324CA}"/>
+              </a:ext>
+            </a:extLst>
+          </p:cNvPr>
+          <p:cNvPicPr>
+            <a:picLocks noChangeAspect="1"/>
+          </p:cNvPicPr>
+          <p:nvPr/>
+        </p:nvPicPr>
+        <p:blipFill>
+          <a:blip r:embed="rId2"/>
+          <a:stretch>
+            <a:fillRect/>
+          </a:stretch>
+        </p:blipFill>
+        <p:spPr>
+          <a:xfrm>
+            <a:off x="3265170" y="377246"/>
+            <a:ext cx="5177025" cy="3990393"/>
+          </a:xfrm>
+          <a:prstGeom prst="rect">
+            <a:avLst/>
+          </a:prstGeom>
+        </p:spPr>
+      </p:pic>
+    </p:spTree>
+    <p:extLst>
+      <p:ext uri="{BB962C8B-B14F-4D97-AF65-F5344CB8AC3E}">
+        <p14:creationId xmlns:p14="http://schemas.microsoft.com/office/powerpoint/2010/main" val="3521847794"/>
+      </p:ext>
+    </p:extLst>
+  </p:cSld>
+  <p:clrMapOvr>
+    <a:masterClrMapping/>
+  </p:clrMapOvr>
+</p:sld>
+</file>
+
+<file path=ppt/slides/slide18.xml><?xml version="1.0" encoding="utf-8"?>
+<p:sld xmlns:a="http://schemas.openxmlformats.org/drawingml/2006/main" xmlns:r="http://schemas.openxmlformats.org/officeDocument/2006/relationships" xmlns:p="http://schemas.openxmlformats.org/presentationml/2006/main">
+  <p:cSld>
+    <p:bg>
+      <p:bgPr>
+        <a:solidFill>
+          <a:schemeClr val="bg1"/>
+        </a:solidFill>
+        <a:effectLst/>
+      </p:bgPr>
+    </p:bg>
+    <p:spTree>
+      <p:nvGrpSpPr>
+        <p:cNvPr id="1" name=""/>
+        <p:cNvGrpSpPr/>
+        <p:nvPr/>
+      </p:nvGrpSpPr>
+      <p:grpSpPr>
+        <a:xfrm>
+          <a:off x="0" y="0"/>
+          <a:ext cx="0" cy="0"/>
+          <a:chOff x="0" y="0"/>
+          <a:chExt cx="0" cy="0"/>
+        </a:xfrm>
+      </p:grpSpPr>
+      <p:sp useBgFill="1">
+        <p:nvSpPr>
+          <p:cNvPr id="77" name="Rectangle 76">
+            <a:extLst>
+              <a:ext uri="{FF2B5EF4-FFF2-40B4-BE49-F238E27FC236}">
+                <a16:creationId xmlns:a16="http://schemas.microsoft.com/office/drawing/2014/main" id="{9203ABB4-7E2A-4248-9FE7-4A419AFF2F17}"/>
               </a:ext>
               <a:ext uri="{C183D7F6-B498-43B3-948B-1728B52AA6E4}">
                 <adec:decorative xmlns:adec="http://schemas.microsoft.com/office/drawing/2017/decorative" val="1"/>
@@ -6561,17 +6998,12 @@
         </p:nvSpPr>
         <p:spPr>
           <a:xfrm>
-            <a:off x="11815864" y="758952"/>
-            <a:ext cx="384048" cy="5330952"/>
+            <a:off x="0" y="0"/>
+            <a:ext cx="12191999" cy="6858000"/>
           </a:xfrm>
           <a:prstGeom prst="rect">
             <a:avLst/>
           </a:prstGeom>
-          <a:solidFill>
-            <a:srgbClr val="C8C8C8">
-              <a:alpha val="49804"/>
-            </a:srgbClr>
-          </a:solidFill>
           <a:ln>
             <a:noFill/>
           </a:ln>
@@ -6592,22 +7024,259 @@
             <a:schemeClr val="lt1"/>
           </a:fontRef>
         </p:style>
+        <p:txBody>
+          <a:bodyPr rtlCol="0" anchor="ctr"/>
+          <a:lstStyle/>
+          <a:p>
+            <a:pPr algn="ctr"/>
+            <a:endParaRPr lang="en-US"/>
+          </a:p>
+        </p:txBody>
+      </p:sp>
+      <p:sp>
+        <p:nvSpPr>
+          <p:cNvPr id="79" name="Rectangle 78">
+            <a:extLst>
+              <a:ext uri="{FF2B5EF4-FFF2-40B4-BE49-F238E27FC236}">
+                <a16:creationId xmlns:a16="http://schemas.microsoft.com/office/drawing/2014/main" id="{3126970D-C1E5-4FB1-84E8-86CB9CED1C80}"/>
+              </a:ext>
+              <a:ext uri="{C183D7F6-B498-43B3-948B-1728B52AA6E4}">
+                <adec:decorative xmlns:adec="http://schemas.microsoft.com/office/drawing/2017/decorative" val="1"/>
+              </a:ext>
+            </a:extLst>
+          </p:cNvPr>
+          <p:cNvSpPr>
+            <a:spLocks noGrp="1" noRot="1" noChangeAspect="1" noMove="1" noResize="1" noEditPoints="1" noAdjustHandles="1" noChangeArrowheads="1" noChangeShapeType="1" noTextEdit="1"/>
+          </p:cNvSpPr>
+          <p:nvPr>
+            <p:extLst>
+              <p:ext uri="{386F3935-93C4-4BCD-93E2-E3B085C9AB24}">
+                <p16:designElem xmlns:p16="http://schemas.microsoft.com/office/powerpoint/2015/main" val="1"/>
+              </p:ext>
+            </p:extLst>
+          </p:nvPr>
+        </p:nvSpPr>
+        <p:spPr>
+          <a:xfrm>
+            <a:off x="0" y="4367639"/>
+            <a:ext cx="11707367" cy="1852186"/>
+          </a:xfrm>
+          <a:prstGeom prst="rect">
+            <a:avLst/>
+          </a:prstGeom>
+          <a:solidFill>
+            <a:schemeClr val="accent1"/>
+          </a:solidFill>
+          <a:ln>
+            <a:noFill/>
+          </a:ln>
+        </p:spPr>
+        <p:style>
+          <a:lnRef idx="2">
+            <a:schemeClr val="accent1">
+              <a:shade val="50000"/>
+            </a:schemeClr>
+          </a:lnRef>
+          <a:fillRef idx="1">
+            <a:schemeClr val="accent1"/>
+          </a:fillRef>
+          <a:effectRef idx="0">
+            <a:schemeClr val="accent1"/>
+          </a:effectRef>
+          <a:fontRef idx="minor">
+            <a:schemeClr val="lt1"/>
+          </a:fontRef>
+        </p:style>
+      </p:sp>
+      <p:sp>
+        <p:nvSpPr>
+          <p:cNvPr id="28" name="Заголовок 1">
+            <a:extLst>
+              <a:ext uri="{FF2B5EF4-FFF2-40B4-BE49-F238E27FC236}">
+                <a16:creationId xmlns:a16="http://schemas.microsoft.com/office/drawing/2014/main" id="{A1800B60-BA5D-4BD9-AAE0-43620F882506}"/>
+              </a:ext>
+            </a:extLst>
+          </p:cNvPr>
+          <p:cNvSpPr txBox="1">
+            <a:spLocks/>
+          </p:cNvSpPr>
+          <p:nvPr/>
+        </p:nvSpPr>
+        <p:spPr>
+          <a:xfrm>
+            <a:off x="639193" y="4842453"/>
+            <a:ext cx="4880378" cy="683704"/>
+          </a:xfrm>
+          <a:prstGeom prst="rect">
+            <a:avLst/>
+          </a:prstGeom>
+        </p:spPr>
+        <p:txBody>
+          <a:bodyPr vert="horz" lIns="91440" tIns="45720" rIns="91440" bIns="45720" rtlCol="0" anchor="b">
+            <a:normAutofit fontScale="92500"/>
+          </a:bodyPr>
+          <a:lstStyle>
+            <a:lvl1pPr algn="l" defTabSz="914400" rtl="0" eaLnBrk="1" latinLnBrk="0" hangingPunct="1">
+              <a:lnSpc>
+                <a:spcPct val="90000"/>
+              </a:lnSpc>
+              <a:spcBef>
+                <a:spcPct val="0"/>
+              </a:spcBef>
+              <a:buNone/>
+              <a:defRPr sz="5900" kern="1200" spc="-100" baseline="0">
+                <a:solidFill>
+                  <a:srgbClr val="FFFFFF"/>
+                </a:solidFill>
+                <a:latin typeface="+mj-lt"/>
+                <a:ea typeface="+mj-ea"/>
+                <a:cs typeface="+mj-cs"/>
+              </a:defRPr>
+            </a:lvl1pPr>
+          </a:lstStyle>
+          <a:p>
+            <a:pPr>
+              <a:spcAft>
+                <a:spcPts val="600"/>
+              </a:spcAft>
+              <a:buClr>
+                <a:srgbClr val="40BAD2"/>
+              </a:buClr>
+              <a:defRPr/>
+            </a:pPr>
+            <a:r>
+              <a:rPr kumimoji="0" lang="ru-RU" sz="3200" b="1" i="0" u="none" strike="noStrike" kern="1200" cap="none" spc="-100" normalizeH="0" baseline="0" noProof="0" dirty="0">
+                <a:ln>
+                  <a:noFill/>
+                </a:ln>
+                <a:solidFill>
+                  <a:srgbClr val="FFFFFF"/>
+                </a:solidFill>
+                <a:effectLst/>
+                <a:uLnTx/>
+                <a:uFillTx/>
+                <a:latin typeface="Corbel" panose="020B0503020204020204"/>
+                <a:ea typeface="+mj-ea"/>
+                <a:cs typeface="+mj-cs"/>
+              </a:rPr>
+              <a:t>Явные намерения. Случай 3</a:t>
+            </a:r>
+            <a:endParaRPr kumimoji="0" lang="en-US" sz="3200" b="1" i="0" u="none" strike="noStrike" cap="none" normalizeH="0" noProof="0" dirty="0">
+              <a:ln>
+                <a:noFill/>
+              </a:ln>
+              <a:effectLst/>
+              <a:uLnTx/>
+              <a:uFillTx/>
+            </a:endParaRPr>
+          </a:p>
+        </p:txBody>
       </p:sp>
       <p:pic>
         <p:nvPicPr>
-          <p:cNvPr id="2" name="Picture 4" descr="Java. Типы данных, операторы, литералы - презентация онлайн">
+          <p:cNvPr id="5" name="Рисунок 4">
             <a:extLst>
               <a:ext uri="{FF2B5EF4-FFF2-40B4-BE49-F238E27FC236}">
-                <a16:creationId xmlns:a16="http://schemas.microsoft.com/office/drawing/2014/main" id="{D5A88B9C-3C59-4080-90A4-65365AB322CE}"/>
+                <a16:creationId xmlns:a16="http://schemas.microsoft.com/office/drawing/2014/main" id="{882EE42B-8758-471F-B7AC-D99B4D6AA1C4}"/>
               </a:ext>
             </a:extLst>
           </p:cNvPr>
           <p:cNvPicPr>
-            <a:picLocks noChangeAspect="1" noChangeArrowheads="1"/>
+            <a:picLocks noChangeAspect="1"/>
           </p:cNvPicPr>
           <p:nvPr/>
         </p:nvPicPr>
-        <p:blipFill rotWithShape="1">
+        <p:blipFill>
+          <a:blip r:embed="rId2"/>
+          <a:stretch>
+            <a:fillRect/>
+          </a:stretch>
+        </p:blipFill>
+        <p:spPr>
+          <a:xfrm>
+            <a:off x="3079382" y="90825"/>
+            <a:ext cx="5548619" cy="4276814"/>
+          </a:xfrm>
+          <a:prstGeom prst="rect">
+            <a:avLst/>
+          </a:prstGeom>
+        </p:spPr>
+      </p:pic>
+    </p:spTree>
+    <p:extLst>
+      <p:ext uri="{BB962C8B-B14F-4D97-AF65-F5344CB8AC3E}">
+        <p14:creationId xmlns:p14="http://schemas.microsoft.com/office/powerpoint/2010/main" val="605851588"/>
+      </p:ext>
+    </p:extLst>
+  </p:cSld>
+  <p:clrMapOvr>
+    <a:masterClrMapping/>
+  </p:clrMapOvr>
+</p:sld>
+</file>
+
+<file path=ppt/slides/slide19.xml><?xml version="1.0" encoding="utf-8"?>
+<p:sld xmlns:a="http://schemas.openxmlformats.org/drawingml/2006/main" xmlns:r="http://schemas.openxmlformats.org/officeDocument/2006/relationships" xmlns:p="http://schemas.openxmlformats.org/presentationml/2006/main">
+  <p:cSld>
+    <p:spTree>
+      <p:nvGrpSpPr>
+        <p:cNvPr id="1" name=""/>
+        <p:cNvGrpSpPr/>
+        <p:nvPr/>
+      </p:nvGrpSpPr>
+      <p:grpSpPr>
+        <a:xfrm>
+          <a:off x="0" y="0"/>
+          <a:ext cx="0" cy="0"/>
+          <a:chOff x="0" y="0"/>
+          <a:chExt cx="0" cy="0"/>
+        </a:xfrm>
+      </p:grpSpPr>
+      <p:sp>
+        <p:nvSpPr>
+          <p:cNvPr id="2" name="Заголовок 1">
+            <a:extLst>
+              <a:ext uri="{FF2B5EF4-FFF2-40B4-BE49-F238E27FC236}">
+                <a16:creationId xmlns:a16="http://schemas.microsoft.com/office/drawing/2014/main" id="{A0E7CA90-8A3B-4FD4-A945-DB2F267385F6}"/>
+              </a:ext>
+            </a:extLst>
+          </p:cNvPr>
+          <p:cNvSpPr>
+            <a:spLocks noGrp="1"/>
+          </p:cNvSpPr>
+          <p:nvPr>
+            <p:ph type="title"/>
+          </p:nvPr>
+        </p:nvSpPr>
+        <p:spPr/>
+        <p:txBody>
+          <a:bodyPr/>
+          <a:lstStyle/>
+          <a:p>
+            <a:r>
+              <a:rPr lang="ru-RU" sz="4600" b="1" spc="-100" dirty="0"/>
+              <a:t>Неявные намерения</a:t>
+            </a:r>
+          </a:p>
+        </p:txBody>
+      </p:sp>
+      <p:pic>
+        <p:nvPicPr>
+          <p:cNvPr id="4098" name="Picture 2">
+            <a:extLst>
+              <a:ext uri="{FF2B5EF4-FFF2-40B4-BE49-F238E27FC236}">
+                <a16:creationId xmlns:a16="http://schemas.microsoft.com/office/drawing/2014/main" id="{BE7D7156-57F5-468A-9905-E61B3098E041}"/>
+              </a:ext>
+            </a:extLst>
+          </p:cNvPr>
+          <p:cNvPicPr>
+            <a:picLocks noGrp="1" noChangeAspect="1" noChangeArrowheads="1"/>
+          </p:cNvPicPr>
+          <p:nvPr>
+            <p:ph idx="1"/>
+          </p:nvPr>
+        </p:nvPicPr>
+        <p:blipFill>
           <a:blip r:embed="rId2">
             <a:extLst>
               <a:ext uri="{28A0092B-C50C-407E-A947-70E740481C1C}">
@@ -6615,13 +7284,15 @@
               </a:ext>
             </a:extLst>
           </a:blip>
-          <a:srcRect l="24650" t="27307" r="24167" b="21816"/>
-          <a:stretch/>
+          <a:srcRect/>
+          <a:stretch>
+            <a:fillRect/>
+          </a:stretch>
         </p:blipFill>
         <p:spPr bwMode="auto">
           <a:xfrm>
-            <a:off x="4915924" y="758952"/>
-            <a:ext cx="4384488" cy="3268642"/>
+            <a:off x="3813271" y="1373259"/>
+            <a:ext cx="7618304" cy="3874602"/>
           </a:xfrm>
           <a:prstGeom prst="rect">
             <a:avLst/>
@@ -6638,375 +7309,10 @@
           </a:extLst>
         </p:spPr>
       </p:pic>
-      <p:sp>
-        <p:nvSpPr>
-          <p:cNvPr id="3" name="TextBox 2">
-            <a:extLst>
-              <a:ext uri="{FF2B5EF4-FFF2-40B4-BE49-F238E27FC236}">
-                <a16:creationId xmlns:a16="http://schemas.microsoft.com/office/drawing/2014/main" id="{B8BC0A0A-16F4-496C-85F1-779C3FD294C4}"/>
-              </a:ext>
-            </a:extLst>
-          </p:cNvPr>
-          <p:cNvSpPr txBox="1"/>
-          <p:nvPr/>
-        </p:nvSpPr>
-        <p:spPr>
-          <a:xfrm>
-            <a:off x="4915924" y="4473300"/>
-            <a:ext cx="9593867" cy="872034"/>
-          </a:xfrm>
-          <a:prstGeom prst="rect">
-            <a:avLst/>
-          </a:prstGeom>
-          <a:noFill/>
-        </p:spPr>
-        <p:txBody>
-          <a:bodyPr wrap="square">
-            <a:spAutoFit/>
-          </a:bodyPr>
-          <a:lstStyle/>
-          <a:p>
-            <a:pPr marL="0" marR="0" lvl="0" indent="0" algn="l" defTabSz="914400" rtl="0" eaLnBrk="0" fontAlgn="base" latinLnBrk="0" hangingPunct="0">
-              <a:lnSpc>
-                <a:spcPct val="150000"/>
-              </a:lnSpc>
-              <a:spcBef>
-                <a:spcPct val="0"/>
-              </a:spcBef>
-              <a:spcAft>
-                <a:spcPct val="0"/>
-              </a:spcAft>
-              <a:buClrTx/>
-              <a:buSzTx/>
-              <a:buFontTx/>
-              <a:buNone/>
-              <a:tabLst/>
-            </a:pPr>
-            <a:r>
-              <a:rPr kumimoji="0" lang="ru-RU" altLang="ru-RU" b="0" i="0" u="none" strike="noStrike" cap="none" normalizeH="0" baseline="0" dirty="0" err="1">
-                <a:ln>
-                  <a:noFill/>
-                </a:ln>
-                <a:solidFill>
-                  <a:srgbClr val="000000"/>
-                </a:solidFill>
-                <a:effectLst/>
-                <a:latin typeface="Arial" panose="020B0604020202020204" pitchFamily="34" charset="0"/>
-                <a:cs typeface="Arial" panose="020B0604020202020204" pitchFamily="34" charset="0"/>
-              </a:rPr>
-              <a:t>Fraction</a:t>
-            </a:r>
-            <a:r>
-              <a:rPr kumimoji="0" lang="ru-RU" altLang="ru-RU" b="0" i="0" u="none" strike="noStrike" cap="none" normalizeH="0" baseline="0" dirty="0">
-                <a:ln>
-                  <a:noFill/>
-                </a:ln>
-                <a:solidFill>
-                  <a:srgbClr val="000000"/>
-                </a:solidFill>
-                <a:effectLst/>
-                <a:latin typeface="Arial" panose="020B0604020202020204" pitchFamily="34" charset="0"/>
-                <a:cs typeface="Arial" panose="020B0604020202020204" pitchFamily="34" charset="0"/>
-              </a:rPr>
-              <a:t> </a:t>
-            </a:r>
-            <a:r>
-              <a:rPr kumimoji="0" lang="ru-RU" altLang="ru-RU" b="0" i="0" u="none" strike="noStrike" cap="none" normalizeH="0" baseline="0" dirty="0" err="1">
-                <a:ln>
-                  <a:noFill/>
-                </a:ln>
-                <a:solidFill>
-                  <a:srgbClr val="000000"/>
-                </a:solidFill>
-                <a:effectLst/>
-                <a:latin typeface="Arial" panose="020B0604020202020204" pitchFamily="34" charset="0"/>
-                <a:cs typeface="Arial" panose="020B0604020202020204" pitchFamily="34" charset="0"/>
-              </a:rPr>
-              <a:t>fr</a:t>
-            </a:r>
-            <a:r>
-              <a:rPr kumimoji="0" lang="ru-RU" altLang="ru-RU" b="0" i="0" u="none" strike="noStrike" cap="none" normalizeH="0" baseline="0" dirty="0">
-                <a:ln>
-                  <a:noFill/>
-                </a:ln>
-                <a:solidFill>
-                  <a:srgbClr val="000000"/>
-                </a:solidFill>
-                <a:effectLst/>
-                <a:latin typeface="Arial" panose="020B0604020202020204" pitchFamily="34" charset="0"/>
-                <a:cs typeface="Arial" panose="020B0604020202020204" pitchFamily="34" charset="0"/>
-              </a:rPr>
-              <a:t> = </a:t>
-            </a:r>
-            <a:r>
-              <a:rPr kumimoji="0" lang="ru-RU" altLang="ru-RU" b="1" i="0" u="none" strike="noStrike" cap="none" normalizeH="0" baseline="0" dirty="0" err="1">
-                <a:ln>
-                  <a:noFill/>
-                </a:ln>
-                <a:solidFill>
-                  <a:srgbClr val="000080"/>
-                </a:solidFill>
-                <a:effectLst/>
-                <a:latin typeface="Arial" panose="020B0604020202020204" pitchFamily="34" charset="0"/>
-                <a:cs typeface="Arial" panose="020B0604020202020204" pitchFamily="34" charset="0"/>
-              </a:rPr>
-              <a:t>new</a:t>
-            </a:r>
-            <a:r>
-              <a:rPr kumimoji="0" lang="ru-RU" altLang="ru-RU" b="1" i="0" u="none" strike="noStrike" cap="none" normalizeH="0" baseline="0" dirty="0">
-                <a:ln>
-                  <a:noFill/>
-                </a:ln>
-                <a:solidFill>
-                  <a:srgbClr val="000080"/>
-                </a:solidFill>
-                <a:effectLst/>
-                <a:latin typeface="Arial" panose="020B0604020202020204" pitchFamily="34" charset="0"/>
-                <a:cs typeface="Arial" panose="020B0604020202020204" pitchFamily="34" charset="0"/>
-              </a:rPr>
-              <a:t> </a:t>
-            </a:r>
-            <a:r>
-              <a:rPr kumimoji="0" lang="ru-RU" altLang="ru-RU" b="0" i="0" u="none" strike="noStrike" cap="none" normalizeH="0" baseline="0" dirty="0" err="1">
-                <a:ln>
-                  <a:noFill/>
-                </a:ln>
-                <a:solidFill>
-                  <a:srgbClr val="000000"/>
-                </a:solidFill>
-                <a:effectLst/>
-                <a:latin typeface="Arial" panose="020B0604020202020204" pitchFamily="34" charset="0"/>
-                <a:cs typeface="Arial" panose="020B0604020202020204" pitchFamily="34" charset="0"/>
-              </a:rPr>
-              <a:t>Fraction</a:t>
-            </a:r>
-            <a:r>
-              <a:rPr kumimoji="0" lang="ru-RU" altLang="ru-RU" b="0" i="0" u="none" strike="noStrike" cap="none" normalizeH="0" baseline="0" dirty="0">
-                <a:ln>
-                  <a:noFill/>
-                </a:ln>
-                <a:solidFill>
-                  <a:srgbClr val="000000"/>
-                </a:solidFill>
-                <a:effectLst/>
-                <a:latin typeface="Arial" panose="020B0604020202020204" pitchFamily="34" charset="0"/>
-                <a:cs typeface="Arial" panose="020B0604020202020204" pitchFamily="34" charset="0"/>
-              </a:rPr>
-              <a:t>();</a:t>
-            </a:r>
-            <a:br>
-              <a:rPr kumimoji="0" lang="ru-RU" altLang="ru-RU" b="0" i="0" u="none" strike="noStrike" cap="none" normalizeH="0" baseline="0" dirty="0">
-                <a:ln>
-                  <a:noFill/>
-                </a:ln>
-                <a:solidFill>
-                  <a:srgbClr val="000000"/>
-                </a:solidFill>
-                <a:effectLst/>
-                <a:latin typeface="Arial" panose="020B0604020202020204" pitchFamily="34" charset="0"/>
-                <a:cs typeface="Arial" panose="020B0604020202020204" pitchFamily="34" charset="0"/>
-              </a:rPr>
-            </a:br>
-            <a:r>
-              <a:rPr kumimoji="0" lang="ru-RU" altLang="ru-RU" b="0" i="0" u="none" strike="noStrike" cap="none" normalizeH="0" baseline="0" dirty="0" err="1">
-                <a:ln>
-                  <a:noFill/>
-                </a:ln>
-                <a:solidFill>
-                  <a:srgbClr val="000000"/>
-                </a:solidFill>
-                <a:effectLst/>
-                <a:latin typeface="Arial" panose="020B0604020202020204" pitchFamily="34" charset="0"/>
-                <a:cs typeface="Arial" panose="020B0604020202020204" pitchFamily="34" charset="0"/>
-              </a:rPr>
-              <a:t>System.</a:t>
-            </a:r>
-            <a:r>
-              <a:rPr kumimoji="0" lang="ru-RU" altLang="ru-RU" b="1" i="1" u="none" strike="noStrike" cap="none" normalizeH="0" baseline="0" dirty="0" err="1">
-                <a:ln>
-                  <a:noFill/>
-                </a:ln>
-                <a:solidFill>
-                  <a:srgbClr val="660E7A"/>
-                </a:solidFill>
-                <a:effectLst/>
-                <a:latin typeface="Arial" panose="020B0604020202020204" pitchFamily="34" charset="0"/>
-                <a:cs typeface="Arial" panose="020B0604020202020204" pitchFamily="34" charset="0"/>
-              </a:rPr>
-              <a:t>out</a:t>
-            </a:r>
-            <a:r>
-              <a:rPr kumimoji="0" lang="ru-RU" altLang="ru-RU" b="0" i="0" u="none" strike="noStrike" cap="none" normalizeH="0" baseline="0" dirty="0" err="1">
-                <a:ln>
-                  <a:noFill/>
-                </a:ln>
-                <a:solidFill>
-                  <a:srgbClr val="000000"/>
-                </a:solidFill>
-                <a:effectLst/>
-                <a:latin typeface="Arial" panose="020B0604020202020204" pitchFamily="34" charset="0"/>
-                <a:cs typeface="Arial" panose="020B0604020202020204" pitchFamily="34" charset="0"/>
-              </a:rPr>
-              <a:t>.println</a:t>
-            </a:r>
-            <a:r>
-              <a:rPr kumimoji="0" lang="ru-RU" altLang="ru-RU" b="0" i="0" u="none" strike="noStrike" cap="none" normalizeH="0" baseline="0" dirty="0">
-                <a:ln>
-                  <a:noFill/>
-                </a:ln>
-                <a:solidFill>
-                  <a:srgbClr val="000000"/>
-                </a:solidFill>
-                <a:effectLst/>
-                <a:latin typeface="Arial" panose="020B0604020202020204" pitchFamily="34" charset="0"/>
-                <a:cs typeface="Arial" panose="020B0604020202020204" pitchFamily="34" charset="0"/>
-              </a:rPr>
-              <a:t>(</a:t>
-            </a:r>
-            <a:r>
-              <a:rPr kumimoji="0" lang="ru-RU" altLang="ru-RU" b="0" i="0" u="none" strike="noStrike" cap="none" normalizeH="0" baseline="0" dirty="0" err="1">
-                <a:ln>
-                  <a:noFill/>
-                </a:ln>
-                <a:solidFill>
-                  <a:srgbClr val="000000"/>
-                </a:solidFill>
-                <a:effectLst/>
-                <a:latin typeface="Arial" panose="020B0604020202020204" pitchFamily="34" charset="0"/>
-                <a:cs typeface="Arial" panose="020B0604020202020204" pitchFamily="34" charset="0"/>
-              </a:rPr>
-              <a:t>fr.</a:t>
-            </a:r>
-            <a:r>
-              <a:rPr kumimoji="0" lang="ru-RU" altLang="ru-RU" b="1" i="0" u="none" strike="noStrike" cap="none" normalizeH="0" baseline="0" dirty="0" err="1">
-                <a:ln>
-                  <a:noFill/>
-                </a:ln>
-                <a:solidFill>
-                  <a:srgbClr val="660E7A"/>
-                </a:solidFill>
-                <a:effectLst/>
-                <a:latin typeface="Arial" panose="020B0604020202020204" pitchFamily="34" charset="0"/>
-                <a:cs typeface="Arial" panose="020B0604020202020204" pitchFamily="34" charset="0"/>
-              </a:rPr>
-              <a:t>numerator</a:t>
-            </a:r>
-            <a:r>
-              <a:rPr kumimoji="0" lang="ru-RU" altLang="ru-RU" b="1" i="0" u="none" strike="noStrike" cap="none" normalizeH="0" baseline="0" dirty="0">
-                <a:ln>
-                  <a:noFill/>
-                </a:ln>
-                <a:solidFill>
-                  <a:srgbClr val="660E7A"/>
-                </a:solidFill>
-                <a:effectLst/>
-                <a:latin typeface="Arial" panose="020B0604020202020204" pitchFamily="34" charset="0"/>
-                <a:cs typeface="Arial" panose="020B0604020202020204" pitchFamily="34" charset="0"/>
-              </a:rPr>
-              <a:t> </a:t>
-            </a:r>
-            <a:r>
-              <a:rPr kumimoji="0" lang="ru-RU" altLang="ru-RU" b="0" i="0" u="none" strike="noStrike" cap="none" normalizeH="0" baseline="0" dirty="0">
-                <a:ln>
-                  <a:noFill/>
-                </a:ln>
-                <a:solidFill>
-                  <a:srgbClr val="000000"/>
-                </a:solidFill>
-                <a:effectLst/>
-                <a:latin typeface="Arial" panose="020B0604020202020204" pitchFamily="34" charset="0"/>
-                <a:cs typeface="Arial" panose="020B0604020202020204" pitchFamily="34" charset="0"/>
-              </a:rPr>
-              <a:t>+ </a:t>
-            </a:r>
-            <a:r>
-              <a:rPr kumimoji="0" lang="ru-RU" altLang="ru-RU" b="1" i="0" u="none" strike="noStrike" cap="none" normalizeH="0" baseline="0" dirty="0">
-                <a:ln>
-                  <a:noFill/>
-                </a:ln>
-                <a:solidFill>
-                  <a:srgbClr val="008000"/>
-                </a:solidFill>
-                <a:effectLst/>
-                <a:latin typeface="Arial" panose="020B0604020202020204" pitchFamily="34" charset="0"/>
-                <a:cs typeface="Arial" panose="020B0604020202020204" pitchFamily="34" charset="0"/>
-              </a:rPr>
-              <a:t>" " </a:t>
-            </a:r>
-            <a:r>
-              <a:rPr kumimoji="0" lang="ru-RU" altLang="ru-RU" b="0" i="0" u="none" strike="noStrike" cap="none" normalizeH="0" baseline="0" dirty="0">
-                <a:ln>
-                  <a:noFill/>
-                </a:ln>
-                <a:solidFill>
-                  <a:srgbClr val="000000"/>
-                </a:solidFill>
-                <a:effectLst/>
-                <a:latin typeface="Arial" panose="020B0604020202020204" pitchFamily="34" charset="0"/>
-                <a:cs typeface="Arial" panose="020B0604020202020204" pitchFamily="34" charset="0"/>
-              </a:rPr>
-              <a:t>+ </a:t>
-            </a:r>
-            <a:r>
-              <a:rPr kumimoji="0" lang="ru-RU" altLang="ru-RU" b="0" i="0" u="none" strike="noStrike" cap="none" normalizeH="0" baseline="0" dirty="0" err="1">
-                <a:ln>
-                  <a:noFill/>
-                </a:ln>
-                <a:solidFill>
-                  <a:srgbClr val="000000"/>
-                </a:solidFill>
-                <a:effectLst/>
-                <a:latin typeface="Arial" panose="020B0604020202020204" pitchFamily="34" charset="0"/>
-                <a:cs typeface="Arial" panose="020B0604020202020204" pitchFamily="34" charset="0"/>
-              </a:rPr>
-              <a:t>fr.</a:t>
-            </a:r>
-            <a:r>
-              <a:rPr kumimoji="0" lang="ru-RU" altLang="ru-RU" b="1" i="0" u="none" strike="noStrike" cap="none" normalizeH="0" baseline="0" dirty="0" err="1">
-                <a:ln>
-                  <a:noFill/>
-                </a:ln>
-                <a:solidFill>
-                  <a:srgbClr val="660E7A"/>
-                </a:solidFill>
-                <a:effectLst/>
-                <a:latin typeface="Arial" panose="020B0604020202020204" pitchFamily="34" charset="0"/>
-                <a:cs typeface="Arial" panose="020B0604020202020204" pitchFamily="34" charset="0"/>
-              </a:rPr>
-              <a:t>denominator</a:t>
-            </a:r>
-            <a:r>
-              <a:rPr kumimoji="0" lang="ru-RU" altLang="ru-RU" b="0" i="0" u="none" strike="noStrike" cap="none" normalizeH="0" baseline="0" dirty="0">
-                <a:ln>
-                  <a:noFill/>
-                </a:ln>
-                <a:solidFill>
-                  <a:srgbClr val="000000"/>
-                </a:solidFill>
-                <a:effectLst/>
-                <a:latin typeface="Arial" panose="020B0604020202020204" pitchFamily="34" charset="0"/>
-                <a:cs typeface="Arial" panose="020B0604020202020204" pitchFamily="34" charset="0"/>
-              </a:rPr>
-              <a:t>);</a:t>
-            </a:r>
-            <a:endParaRPr kumimoji="0" lang="ru-RU" altLang="ru-RU" b="0" i="0" u="none" strike="noStrike" cap="none" normalizeH="0" baseline="0" dirty="0">
-              <a:ln>
-                <a:noFill/>
-              </a:ln>
-              <a:solidFill>
-                <a:schemeClr val="tx1"/>
-              </a:solidFill>
-              <a:effectLst/>
-              <a:latin typeface="Arial" panose="020B0604020202020204" pitchFamily="34" charset="0"/>
-              <a:cs typeface="Arial" panose="020B0604020202020204" pitchFamily="34" charset="0"/>
-            </a:endParaRPr>
-          </a:p>
-        </p:txBody>
-      </p:sp>
     </p:spTree>
     <p:extLst>
       <p:ext uri="{BB962C8B-B14F-4D97-AF65-F5344CB8AC3E}">
-        <p14:creationId xmlns:p14="http://schemas.microsoft.com/office/powerpoint/2010/main" val="2833012232"/>
+        <p14:creationId xmlns:p14="http://schemas.microsoft.com/office/powerpoint/2010/main" val="2945578066"/>
       </p:ext>
     </p:extLst>
   </p:cSld>
@@ -7041,121 +7347,9 @@
           <a:chExt cx="0" cy="0"/>
         </a:xfrm>
       </p:grpSpPr>
-      <p:sp>
-        <p:nvSpPr>
-          <p:cNvPr id="71" name="Rectangle 70">
-            <a:extLst>
-              <a:ext uri="{FF2B5EF4-FFF2-40B4-BE49-F238E27FC236}">
-                <a16:creationId xmlns:a16="http://schemas.microsoft.com/office/drawing/2014/main" id="{DB8424AB-D56B-4256-866A-5B54DE93C20F}"/>
-              </a:ext>
-              <a:ext uri="{C183D7F6-B498-43B3-948B-1728B52AA6E4}">
-                <adec:decorative xmlns:adec="http://schemas.microsoft.com/office/drawing/2017/decorative" val="1"/>
-              </a:ext>
-            </a:extLst>
-          </p:cNvPr>
-          <p:cNvSpPr>
-            <a:spLocks noGrp="1" noRot="1" noChangeAspect="1" noMove="1" noResize="1" noEditPoints="1" noAdjustHandles="1" noChangeArrowheads="1" noChangeShapeType="1" noTextEdit="1"/>
-          </p:cNvSpPr>
-          <p:nvPr>
-            <p:extLst>
-              <p:ext uri="{386F3935-93C4-4BCD-93E2-E3B085C9AB24}">
-                <p16:designElem xmlns:p16="http://schemas.microsoft.com/office/powerpoint/2015/main" val="1"/>
-              </p:ext>
-            </p:extLst>
-          </p:nvPr>
-        </p:nvSpPr>
-        <p:spPr>
-          <a:xfrm>
-            <a:off x="0" y="761999"/>
-            <a:ext cx="9141619" cy="5334001"/>
-          </a:xfrm>
-          <a:prstGeom prst="rect">
-            <a:avLst/>
-          </a:prstGeom>
-          <a:solidFill>
-            <a:schemeClr val="accent1"/>
-          </a:solidFill>
-          <a:ln>
-            <a:noFill/>
-          </a:ln>
-        </p:spPr>
-        <p:style>
-          <a:lnRef idx="2">
-            <a:schemeClr val="accent1">
-              <a:shade val="50000"/>
-            </a:schemeClr>
-          </a:lnRef>
-          <a:fillRef idx="1">
-            <a:schemeClr val="accent1"/>
-          </a:fillRef>
-          <a:effectRef idx="0">
-            <a:schemeClr val="accent1"/>
-          </a:effectRef>
-          <a:fontRef idx="minor">
-            <a:schemeClr val="lt1"/>
-          </a:fontRef>
-        </p:style>
-      </p:sp>
-      <p:sp>
-        <p:nvSpPr>
-          <p:cNvPr id="73" name="Rectangle 72">
-            <a:extLst>
-              <a:ext uri="{FF2B5EF4-FFF2-40B4-BE49-F238E27FC236}">
-                <a16:creationId xmlns:a16="http://schemas.microsoft.com/office/drawing/2014/main" id="{FC999C28-AD33-4EB7-A5F1-C06D10A5FDF7}"/>
-              </a:ext>
-              <a:ext uri="{C183D7F6-B498-43B3-948B-1728B52AA6E4}">
-                <adec:decorative xmlns:adec="http://schemas.microsoft.com/office/drawing/2017/decorative" val="1"/>
-              </a:ext>
-            </a:extLst>
-          </p:cNvPr>
-          <p:cNvSpPr>
-            <a:spLocks noGrp="1" noRot="1" noChangeAspect="1" noMove="1" noResize="1" noEditPoints="1" noAdjustHandles="1" noChangeArrowheads="1" noChangeShapeType="1" noTextEdit="1"/>
-          </p:cNvSpPr>
-          <p:nvPr>
-            <p:extLst>
-              <p:ext uri="{386F3935-93C4-4BCD-93E2-E3B085C9AB24}">
-                <p16:designElem xmlns:p16="http://schemas.microsoft.com/office/powerpoint/2015/main" val="1"/>
-              </p:ext>
-            </p:extLst>
-          </p:nvPr>
-        </p:nvSpPr>
-        <p:spPr>
-          <a:xfrm>
-            <a:off x="9270263" y="761999"/>
-            <a:ext cx="2925318" cy="5334001"/>
-          </a:xfrm>
-          <a:prstGeom prst="rect">
-            <a:avLst/>
-          </a:prstGeom>
-          <a:solidFill>
-            <a:srgbClr val="C8C8C8">
-              <a:alpha val="49804"/>
-            </a:srgbClr>
-          </a:solidFill>
-          <a:ln>
-            <a:noFill/>
-          </a:ln>
-        </p:spPr>
-        <p:style>
-          <a:lnRef idx="2">
-            <a:schemeClr val="accent1">
-              <a:shade val="50000"/>
-            </a:schemeClr>
-          </a:lnRef>
-          <a:fillRef idx="1">
-            <a:schemeClr val="accent1"/>
-          </a:fillRef>
-          <a:effectRef idx="0">
-            <a:schemeClr val="accent1"/>
-          </a:effectRef>
-          <a:fontRef idx="minor">
-            <a:schemeClr val="lt1"/>
-          </a:fontRef>
-        </p:style>
-      </p:sp>
       <p:sp useBgFill="1">
         <p:nvSpPr>
-          <p:cNvPr id="75" name="Rectangle 74">
+          <p:cNvPr id="77" name="Rectangle 76">
             <a:extLst>
               <a:ext uri="{FF2B5EF4-FFF2-40B4-BE49-F238E27FC236}">
                 <a16:creationId xmlns:a16="http://schemas.microsoft.com/office/drawing/2014/main" id="{9203ABB4-7E2A-4248-9FE7-4A419AFF2F17}"/>
@@ -7215,7 +7409,7 @@
       </p:sp>
       <p:sp>
         <p:nvSpPr>
-          <p:cNvPr id="77" name="Rectangle 76">
+          <p:cNvPr id="79" name="Rectangle 78">
             <a:extLst>
               <a:ext uri="{FF2B5EF4-FFF2-40B4-BE49-F238E27FC236}">
                 <a16:creationId xmlns:a16="http://schemas.microsoft.com/office/drawing/2014/main" id="{3126970D-C1E5-4FB1-84E8-86CB9CED1C80}"/>
@@ -7270,46 +7464,138 @@
       </p:sp>
       <p:sp>
         <p:nvSpPr>
-          <p:cNvPr id="5" name="Заголовок 1">
+          <p:cNvPr id="28" name="Заголовок 1">
             <a:extLst>
               <a:ext uri="{FF2B5EF4-FFF2-40B4-BE49-F238E27FC236}">
-                <a16:creationId xmlns:a16="http://schemas.microsoft.com/office/drawing/2014/main" id="{0AE9A5B2-4DA6-4505-916C-20351ECFD07D}"/>
+                <a16:creationId xmlns:a16="http://schemas.microsoft.com/office/drawing/2014/main" id="{A1800B60-BA5D-4BD9-AAE0-43620F882506}"/>
               </a:ext>
             </a:extLst>
           </p:cNvPr>
-          <p:cNvSpPr>
-            <a:spLocks noGrp="1"/>
-          </p:cNvSpPr>
-          <p:nvPr>
-            <p:ph type="title"/>
-          </p:nvPr>
+          <p:cNvSpPr txBox="1">
+            <a:spLocks/>
+          </p:cNvSpPr>
+          <p:nvPr/>
         </p:nvSpPr>
         <p:spPr>
           <a:xfrm>
             <a:off x="1069848" y="4590661"/>
             <a:ext cx="10210862" cy="1065690"/>
           </a:xfrm>
+          <a:prstGeom prst="rect">
+            <a:avLst/>
+          </a:prstGeom>
         </p:spPr>
         <p:txBody>
           <a:bodyPr vert="horz" lIns="91440" tIns="45720" rIns="91440" bIns="45720" rtlCol="0" anchor="b">
             <a:normAutofit/>
           </a:bodyPr>
+          <a:lstStyle>
+            <a:lvl1pPr algn="l" defTabSz="914400" rtl="0" eaLnBrk="1" latinLnBrk="0" hangingPunct="1">
+              <a:lnSpc>
+                <a:spcPct val="90000"/>
+              </a:lnSpc>
+              <a:spcBef>
+                <a:spcPct val="0"/>
+              </a:spcBef>
+              <a:buNone/>
+              <a:defRPr sz="5900" kern="1200" spc="-100" baseline="0">
+                <a:solidFill>
+                  <a:srgbClr val="FFFFFF"/>
+                </a:solidFill>
+                <a:latin typeface="+mj-lt"/>
+                <a:ea typeface="+mj-ea"/>
+                <a:cs typeface="+mj-cs"/>
+              </a:defRPr>
+            </a:lvl1pPr>
+          </a:lstStyle>
+          <a:p>
+            <a:pPr marL="0" marR="0" lvl="0" indent="0" fontAlgn="auto">
+              <a:spcAft>
+                <a:spcPts val="600"/>
+              </a:spcAft>
+              <a:buClr>
+                <a:srgbClr val="40BAD2"/>
+              </a:buClr>
+              <a:buSzTx/>
+              <a:tabLst/>
+              <a:defRPr/>
+            </a:pPr>
+            <a:r>
+              <a:rPr lang="en-US" sz="3200" b="1"/>
+              <a:t>Контекст</a:t>
+            </a:r>
+            <a:br>
+              <a:rPr kumimoji="0" lang="en-US" sz="3200" b="1" i="0" u="none" strike="noStrike" cap="none" normalizeH="0" noProof="0">
+                <a:ln>
+                  <a:noFill/>
+                </a:ln>
+                <a:effectLst/>
+                <a:uLnTx/>
+                <a:uFillTx/>
+              </a:rPr>
+            </a:br>
+            <a:endParaRPr kumimoji="0" lang="en-US" sz="3200" b="1" i="0" u="none" strike="noStrike" cap="none" normalizeH="0" noProof="0">
+              <a:ln>
+                <a:noFill/>
+              </a:ln>
+              <a:effectLst/>
+              <a:uLnTx/>
+              <a:uFillTx/>
+            </a:endParaRPr>
+          </a:p>
+        </p:txBody>
+      </p:sp>
+      <p:sp>
+        <p:nvSpPr>
+          <p:cNvPr id="2" name="AutoShape 2" descr="android context inheritance tree">
+            <a:extLst>
+              <a:ext uri="{FF2B5EF4-FFF2-40B4-BE49-F238E27FC236}">
+                <a16:creationId xmlns:a16="http://schemas.microsoft.com/office/drawing/2014/main" id="{8057DD19-48B4-4E70-B7DB-06F13DE1C1CB}"/>
+              </a:ext>
+            </a:extLst>
+          </p:cNvPr>
+          <p:cNvSpPr>
+            <a:spLocks noChangeAspect="1" noChangeArrowheads="1"/>
+          </p:cNvSpPr>
+          <p:nvPr/>
+        </p:nvSpPr>
+        <p:spPr bwMode="auto">
+          <a:xfrm>
+            <a:off x="5943600" y="3276600"/>
+            <a:ext cx="304800" cy="304800"/>
+          </a:xfrm>
+          <a:prstGeom prst="rect">
+            <a:avLst/>
+          </a:prstGeom>
+          <a:noFill/>
+          <a:extLst>
+            <a:ext uri="{909E8E84-426E-40DD-AFC4-6F175D3DCCD1}">
+              <a14:hiddenFill xmlns:a14="http://schemas.microsoft.com/office/drawing/2010/main">
+                <a:solidFill>
+                  <a:srgbClr val="FFFFFF"/>
+                </a:solidFill>
+              </a14:hiddenFill>
+            </a:ext>
+          </a:extLst>
+        </p:spPr>
+        <p:txBody>
+          <a:bodyPr vert="horz" wrap="square" lIns="91440" tIns="45720" rIns="91440" bIns="45720" numCol="1" anchor="t" anchorCtr="0" compatLnSpc="1">
+            <a:prstTxWarp prst="textNoShape">
+              <a:avLst/>
+            </a:prstTxWarp>
+          </a:bodyPr>
           <a:lstStyle/>
           <a:p>
-            <a:r>
-              <a:rPr lang="ru-RU" sz="5900" b="1" spc="-100" dirty="0"/>
-              <a:t>Намерения</a:t>
-            </a:r>
-            <a:endParaRPr lang="en-US" sz="5900" b="1" spc="-100" dirty="0"/>
+            <a:endParaRPr lang="ru-RU"/>
           </a:p>
         </p:txBody>
       </p:sp>
       <p:pic>
         <p:nvPicPr>
-          <p:cNvPr id="4" name="Рисунок 3">
+          <p:cNvPr id="7" name="Рисунок 6">
             <a:extLst>
               <a:ext uri="{FF2B5EF4-FFF2-40B4-BE49-F238E27FC236}">
-                <a16:creationId xmlns:a16="http://schemas.microsoft.com/office/drawing/2014/main" id="{5F8C7EB8-80AA-4407-913D-0286B4253193}"/>
+                <a16:creationId xmlns:a16="http://schemas.microsoft.com/office/drawing/2014/main" id="{5032B93A-1CBB-4595-8516-86B834C840F4}"/>
               </a:ext>
             </a:extLst>
           </p:cNvPr>
@@ -7318,16 +7604,15 @@
           </p:cNvPicPr>
           <p:nvPr/>
         </p:nvPicPr>
-        <p:blipFill>
+        <p:blipFill rotWithShape="1">
           <a:blip r:embed="rId2"/>
-          <a:stretch>
-            <a:fillRect/>
-          </a:stretch>
+          <a:srcRect t="13122" r="63913" b="62132"/>
+          <a:stretch/>
         </p:blipFill>
         <p:spPr>
           <a:xfrm>
-            <a:off x="3731775" y="540550"/>
-            <a:ext cx="4887007" cy="3486637"/>
+            <a:off x="2142506" y="638175"/>
+            <a:ext cx="8211788" cy="3165990"/>
           </a:xfrm>
           <a:prstGeom prst="rect">
             <a:avLst/>
@@ -7337,7 +7622,7 @@
     </p:spTree>
     <p:extLst>
       <p:ext uri="{BB962C8B-B14F-4D97-AF65-F5344CB8AC3E}">
-        <p14:creationId xmlns:p14="http://schemas.microsoft.com/office/powerpoint/2010/main" val="952940763"/>
+        <p14:creationId xmlns:p14="http://schemas.microsoft.com/office/powerpoint/2010/main" val="1990769840"/>
       </p:ext>
     </p:extLst>
   </p:cSld>
@@ -7347,7 +7632,7 @@
 </p:sld>
 </file>
 
-<file path=ppt/slides/slide3.xml><?xml version="1.0" encoding="utf-8"?>
+<file path=ppt/slides/slide20.xml><?xml version="1.0" encoding="utf-8"?>
 <p:sld xmlns:a="http://schemas.openxmlformats.org/drawingml/2006/main" xmlns:r="http://schemas.openxmlformats.org/officeDocument/2006/relationships" xmlns:p="http://schemas.openxmlformats.org/presentationml/2006/main">
   <p:cSld>
     <p:bg>
@@ -7374,7 +7659,7 @@
       </p:grpSpPr>
       <p:sp>
         <p:nvSpPr>
-          <p:cNvPr id="71" name="Rectangle 70">
+          <p:cNvPr id="82" name="Rectangle 81">
             <a:extLst>
               <a:ext uri="{FF2B5EF4-FFF2-40B4-BE49-F238E27FC236}">
                 <a16:creationId xmlns:a16="http://schemas.microsoft.com/office/drawing/2014/main" id="{DB8424AB-D56B-4256-866A-5B54DE93C20F}"/>
@@ -7429,7 +7714,7 @@
       </p:sp>
       <p:sp>
         <p:nvSpPr>
-          <p:cNvPr id="73" name="Rectangle 72">
+          <p:cNvPr id="84" name="Rectangle 83">
             <a:extLst>
               <a:ext uri="{FF2B5EF4-FFF2-40B4-BE49-F238E27FC236}">
                 <a16:creationId xmlns:a16="http://schemas.microsoft.com/office/drawing/2014/main" id="{FC999C28-AD33-4EB7-A5F1-C06D10A5FDF7}"/>
@@ -7486,10 +7771,10 @@
       </p:sp>
       <p:sp useBgFill="1">
         <p:nvSpPr>
-          <p:cNvPr id="75" name="Rectangle 74">
+          <p:cNvPr id="86" name="Rectangle 85">
             <a:extLst>
               <a:ext uri="{FF2B5EF4-FFF2-40B4-BE49-F238E27FC236}">
-                <a16:creationId xmlns:a16="http://schemas.microsoft.com/office/drawing/2014/main" id="{9203ABB4-7E2A-4248-9FE7-4A419AFF2F17}"/>
+                <a16:creationId xmlns:a16="http://schemas.microsoft.com/office/drawing/2014/main" id="{0864E5C9-52C9-4572-AC75-548B9B9C2648}"/>
               </a:ext>
               <a:ext uri="{C183D7F6-B498-43B3-948B-1728B52AA6E4}">
                 <adec:decorative xmlns:adec="http://schemas.microsoft.com/office/drawing/2017/decorative" val="1"/>
@@ -7546,10 +7831,10 @@
       </p:sp>
       <p:sp>
         <p:nvSpPr>
-          <p:cNvPr id="77" name="Rectangle 76">
+          <p:cNvPr id="88" name="Rectangle 87">
             <a:extLst>
               <a:ext uri="{FF2B5EF4-FFF2-40B4-BE49-F238E27FC236}">
-                <a16:creationId xmlns:a16="http://schemas.microsoft.com/office/drawing/2014/main" id="{3126970D-C1E5-4FB1-84E8-86CB9CED1C80}"/>
+                <a16:creationId xmlns:a16="http://schemas.microsoft.com/office/drawing/2014/main" id="{45CC6500-4DBD-4C34-BC14-2387FB483BEB}"/>
               </a:ext>
               <a:ext uri="{C183D7F6-B498-43B3-948B-1728B52AA6E4}">
                 <adec:decorative xmlns:adec="http://schemas.microsoft.com/office/drawing/2017/decorative" val="1"/>
@@ -7569,8 +7854,8 @@
         </p:nvSpPr>
         <p:spPr>
           <a:xfrm>
-            <a:off x="0" y="4367639"/>
-            <a:ext cx="11707367" cy="1852186"/>
+            <a:off x="1" y="761999"/>
+            <a:ext cx="4642228" cy="5334001"/>
           </a:xfrm>
           <a:prstGeom prst="rect">
             <a:avLst/>
@@ -7617,1363 +7902,7 @@
         </p:nvSpPr>
         <p:spPr>
           <a:xfrm>
-            <a:off x="1069848" y="4590661"/>
-            <a:ext cx="10210862" cy="1065690"/>
-          </a:xfrm>
-        </p:spPr>
-        <p:txBody>
-          <a:bodyPr vert="horz" lIns="91440" tIns="45720" rIns="91440" bIns="45720" rtlCol="0" anchor="b">
-            <a:normAutofit/>
-          </a:bodyPr>
-          <a:lstStyle/>
-          <a:p>
-            <a:r>
-              <a:rPr lang="ru-RU" sz="5900" b="1" spc="-100" dirty="0"/>
-              <a:t>Намерения</a:t>
-            </a:r>
-            <a:endParaRPr lang="en-US" sz="5900" b="1" spc="-100" dirty="0"/>
-          </a:p>
-        </p:txBody>
-      </p:sp>
-      <p:pic>
-        <p:nvPicPr>
-          <p:cNvPr id="1026" name="Picture 2" descr="Look @ Android Intent 📱. Understanding The Basic's of Android… | by  Ramkumar N | Medium">
-            <a:extLst>
-              <a:ext uri="{FF2B5EF4-FFF2-40B4-BE49-F238E27FC236}">
-                <a16:creationId xmlns:a16="http://schemas.microsoft.com/office/drawing/2014/main" id="{6C37903D-8E8B-45A4-937F-7C4220B902DD}"/>
-              </a:ext>
-            </a:extLst>
-          </p:cNvPr>
-          <p:cNvPicPr>
-            <a:picLocks noChangeAspect="1" noChangeArrowheads="1"/>
-          </p:cNvPicPr>
-          <p:nvPr/>
-        </p:nvPicPr>
-        <p:blipFill rotWithShape="1">
-          <a:blip r:embed="rId2">
-            <a:extLst>
-              <a:ext uri="{28A0092B-C50C-407E-A947-70E740481C1C}">
-                <a14:useLocalDpi xmlns:a14="http://schemas.microsoft.com/office/drawing/2010/main" val="0"/>
-              </a:ext>
-            </a:extLst>
-          </a:blip>
-          <a:srcRect b="28589"/>
-          <a:stretch/>
-        </p:blipFill>
-        <p:spPr bwMode="auto">
-          <a:xfrm>
-            <a:off x="1069848" y="240329"/>
-            <a:ext cx="9431772" cy="3786858"/>
-          </a:xfrm>
-          <a:prstGeom prst="rect">
-            <a:avLst/>
-          </a:prstGeom>
-          <a:noFill/>
-          <a:extLst>
-            <a:ext uri="{909E8E84-426E-40DD-AFC4-6F175D3DCCD1}">
-              <a14:hiddenFill xmlns:a14="http://schemas.microsoft.com/office/drawing/2010/main">
-                <a:solidFill>
-                  <a:srgbClr val="FFFFFF"/>
-                </a:solidFill>
-              </a14:hiddenFill>
-            </a:ext>
-          </a:extLst>
-        </p:spPr>
-      </p:pic>
-    </p:spTree>
-    <p:extLst>
-      <p:ext uri="{BB962C8B-B14F-4D97-AF65-F5344CB8AC3E}">
-        <p14:creationId xmlns:p14="http://schemas.microsoft.com/office/powerpoint/2010/main" val="2312929080"/>
-      </p:ext>
-    </p:extLst>
-  </p:cSld>
-  <p:clrMapOvr>
-    <a:masterClrMapping/>
-  </p:clrMapOvr>
-</p:sld>
-</file>
-
-<file path=ppt/slides/slide4.xml><?xml version="1.0" encoding="utf-8"?>
-<p:sld xmlns:a="http://schemas.openxmlformats.org/drawingml/2006/main" xmlns:r="http://schemas.openxmlformats.org/officeDocument/2006/relationships" xmlns:p="http://schemas.openxmlformats.org/presentationml/2006/main">
-  <p:cSld>
-    <p:bg>
-      <p:bgPr>
-        <a:solidFill>
-          <a:schemeClr val="bg1"/>
-        </a:solidFill>
-        <a:effectLst/>
-      </p:bgPr>
-    </p:bg>
-    <p:spTree>
-      <p:nvGrpSpPr>
-        <p:cNvPr id="1" name=""/>
-        <p:cNvGrpSpPr/>
-        <p:nvPr/>
-      </p:nvGrpSpPr>
-      <p:grpSpPr>
-        <a:xfrm>
-          <a:off x="0" y="0"/>
-          <a:ext cx="0" cy="0"/>
-          <a:chOff x="0" y="0"/>
-          <a:chExt cx="0" cy="0"/>
-        </a:xfrm>
-      </p:grpSpPr>
-      <p:sp>
-        <p:nvSpPr>
-          <p:cNvPr id="71" name="Rectangle 70">
-            <a:extLst>
-              <a:ext uri="{FF2B5EF4-FFF2-40B4-BE49-F238E27FC236}">
-                <a16:creationId xmlns:a16="http://schemas.microsoft.com/office/drawing/2014/main" id="{DB8424AB-D56B-4256-866A-5B54DE93C20F}"/>
-              </a:ext>
-              <a:ext uri="{C183D7F6-B498-43B3-948B-1728B52AA6E4}">
-                <adec:decorative xmlns:adec="http://schemas.microsoft.com/office/drawing/2017/decorative" val="1"/>
-              </a:ext>
-            </a:extLst>
-          </p:cNvPr>
-          <p:cNvSpPr>
-            <a:spLocks noGrp="1" noRot="1" noChangeAspect="1" noMove="1" noResize="1" noEditPoints="1" noAdjustHandles="1" noChangeArrowheads="1" noChangeShapeType="1" noTextEdit="1"/>
-          </p:cNvSpPr>
-          <p:nvPr>
-            <p:extLst>
-              <p:ext uri="{386F3935-93C4-4BCD-93E2-E3B085C9AB24}">
-                <p16:designElem xmlns:p16="http://schemas.microsoft.com/office/powerpoint/2015/main" val="1"/>
-              </p:ext>
-            </p:extLst>
-          </p:nvPr>
-        </p:nvSpPr>
-        <p:spPr>
-          <a:xfrm>
-            <a:off x="0" y="761999"/>
-            <a:ext cx="9141619" cy="5334001"/>
-          </a:xfrm>
-          <a:prstGeom prst="rect">
-            <a:avLst/>
-          </a:prstGeom>
-          <a:solidFill>
-            <a:schemeClr val="accent1"/>
-          </a:solidFill>
-          <a:ln>
-            <a:noFill/>
-          </a:ln>
-        </p:spPr>
-        <p:style>
-          <a:lnRef idx="2">
-            <a:schemeClr val="accent1">
-              <a:shade val="50000"/>
-            </a:schemeClr>
-          </a:lnRef>
-          <a:fillRef idx="1">
-            <a:schemeClr val="accent1"/>
-          </a:fillRef>
-          <a:effectRef idx="0">
-            <a:schemeClr val="accent1"/>
-          </a:effectRef>
-          <a:fontRef idx="minor">
-            <a:schemeClr val="lt1"/>
-          </a:fontRef>
-        </p:style>
-      </p:sp>
-      <p:sp>
-        <p:nvSpPr>
-          <p:cNvPr id="73" name="Rectangle 72">
-            <a:extLst>
-              <a:ext uri="{FF2B5EF4-FFF2-40B4-BE49-F238E27FC236}">
-                <a16:creationId xmlns:a16="http://schemas.microsoft.com/office/drawing/2014/main" id="{FC999C28-AD33-4EB7-A5F1-C06D10A5FDF7}"/>
-              </a:ext>
-              <a:ext uri="{C183D7F6-B498-43B3-948B-1728B52AA6E4}">
-                <adec:decorative xmlns:adec="http://schemas.microsoft.com/office/drawing/2017/decorative" val="1"/>
-              </a:ext>
-            </a:extLst>
-          </p:cNvPr>
-          <p:cNvSpPr>
-            <a:spLocks noGrp="1" noRot="1" noChangeAspect="1" noMove="1" noResize="1" noEditPoints="1" noAdjustHandles="1" noChangeArrowheads="1" noChangeShapeType="1" noTextEdit="1"/>
-          </p:cNvSpPr>
-          <p:nvPr>
-            <p:extLst>
-              <p:ext uri="{386F3935-93C4-4BCD-93E2-E3B085C9AB24}">
-                <p16:designElem xmlns:p16="http://schemas.microsoft.com/office/powerpoint/2015/main" val="1"/>
-              </p:ext>
-            </p:extLst>
-          </p:nvPr>
-        </p:nvSpPr>
-        <p:spPr>
-          <a:xfrm>
-            <a:off x="9270263" y="761999"/>
-            <a:ext cx="2925318" cy="5334001"/>
-          </a:xfrm>
-          <a:prstGeom prst="rect">
-            <a:avLst/>
-          </a:prstGeom>
-          <a:solidFill>
-            <a:srgbClr val="C8C8C8">
-              <a:alpha val="49804"/>
-            </a:srgbClr>
-          </a:solidFill>
-          <a:ln>
-            <a:noFill/>
-          </a:ln>
-        </p:spPr>
-        <p:style>
-          <a:lnRef idx="2">
-            <a:schemeClr val="accent1">
-              <a:shade val="50000"/>
-            </a:schemeClr>
-          </a:lnRef>
-          <a:fillRef idx="1">
-            <a:schemeClr val="accent1"/>
-          </a:fillRef>
-          <a:effectRef idx="0">
-            <a:schemeClr val="accent1"/>
-          </a:effectRef>
-          <a:fontRef idx="minor">
-            <a:schemeClr val="lt1"/>
-          </a:fontRef>
-        </p:style>
-      </p:sp>
-      <p:sp useBgFill="1">
-        <p:nvSpPr>
-          <p:cNvPr id="75" name="Rectangle 74">
-            <a:extLst>
-              <a:ext uri="{FF2B5EF4-FFF2-40B4-BE49-F238E27FC236}">
-                <a16:creationId xmlns:a16="http://schemas.microsoft.com/office/drawing/2014/main" id="{9203ABB4-7E2A-4248-9FE7-4A419AFF2F17}"/>
-              </a:ext>
-              <a:ext uri="{C183D7F6-B498-43B3-948B-1728B52AA6E4}">
-                <adec:decorative xmlns:adec="http://schemas.microsoft.com/office/drawing/2017/decorative" val="1"/>
-              </a:ext>
-            </a:extLst>
-          </p:cNvPr>
-          <p:cNvSpPr>
-            <a:spLocks noGrp="1" noRot="1" noChangeAspect="1" noMove="1" noResize="1" noEditPoints="1" noAdjustHandles="1" noChangeArrowheads="1" noChangeShapeType="1" noTextEdit="1"/>
-          </p:cNvSpPr>
-          <p:nvPr>
-            <p:extLst>
-              <p:ext uri="{386F3935-93C4-4BCD-93E2-E3B085C9AB24}">
-                <p16:designElem xmlns:p16="http://schemas.microsoft.com/office/powerpoint/2015/main" val="1"/>
-              </p:ext>
-            </p:extLst>
-          </p:nvPr>
-        </p:nvSpPr>
-        <p:spPr>
-          <a:xfrm>
-            <a:off x="0" y="0"/>
-            <a:ext cx="12191999" cy="6858000"/>
-          </a:xfrm>
-          <a:prstGeom prst="rect">
-            <a:avLst/>
-          </a:prstGeom>
-          <a:ln>
-            <a:noFill/>
-          </a:ln>
-        </p:spPr>
-        <p:style>
-          <a:lnRef idx="2">
-            <a:schemeClr val="accent1">
-              <a:shade val="50000"/>
-            </a:schemeClr>
-          </a:lnRef>
-          <a:fillRef idx="1">
-            <a:schemeClr val="accent1"/>
-          </a:fillRef>
-          <a:effectRef idx="0">
-            <a:schemeClr val="accent1"/>
-          </a:effectRef>
-          <a:fontRef idx="minor">
-            <a:schemeClr val="lt1"/>
-          </a:fontRef>
-        </p:style>
-        <p:txBody>
-          <a:bodyPr rtlCol="0" anchor="ctr"/>
-          <a:lstStyle/>
-          <a:p>
-            <a:pPr algn="ctr"/>
-            <a:endParaRPr lang="en-US"/>
-          </a:p>
-        </p:txBody>
-      </p:sp>
-      <p:sp>
-        <p:nvSpPr>
-          <p:cNvPr id="77" name="Rectangle 76">
-            <a:extLst>
-              <a:ext uri="{FF2B5EF4-FFF2-40B4-BE49-F238E27FC236}">
-                <a16:creationId xmlns:a16="http://schemas.microsoft.com/office/drawing/2014/main" id="{3126970D-C1E5-4FB1-84E8-86CB9CED1C80}"/>
-              </a:ext>
-              <a:ext uri="{C183D7F6-B498-43B3-948B-1728B52AA6E4}">
-                <adec:decorative xmlns:adec="http://schemas.microsoft.com/office/drawing/2017/decorative" val="1"/>
-              </a:ext>
-            </a:extLst>
-          </p:cNvPr>
-          <p:cNvSpPr>
-            <a:spLocks noGrp="1" noRot="1" noChangeAspect="1" noMove="1" noResize="1" noEditPoints="1" noAdjustHandles="1" noChangeArrowheads="1" noChangeShapeType="1" noTextEdit="1"/>
-          </p:cNvSpPr>
-          <p:nvPr>
-            <p:extLst>
-              <p:ext uri="{386F3935-93C4-4BCD-93E2-E3B085C9AB24}">
-                <p16:designElem xmlns:p16="http://schemas.microsoft.com/office/powerpoint/2015/main" val="1"/>
-              </p:ext>
-            </p:extLst>
-          </p:nvPr>
-        </p:nvSpPr>
-        <p:spPr>
-          <a:xfrm>
-            <a:off x="0" y="4367639"/>
-            <a:ext cx="11707367" cy="1852186"/>
-          </a:xfrm>
-          <a:prstGeom prst="rect">
-            <a:avLst/>
-          </a:prstGeom>
-          <a:solidFill>
-            <a:schemeClr val="accent1"/>
-          </a:solidFill>
-          <a:ln>
-            <a:noFill/>
-          </a:ln>
-        </p:spPr>
-        <p:style>
-          <a:lnRef idx="2">
-            <a:schemeClr val="accent1">
-              <a:shade val="50000"/>
-            </a:schemeClr>
-          </a:lnRef>
-          <a:fillRef idx="1">
-            <a:schemeClr val="accent1"/>
-          </a:fillRef>
-          <a:effectRef idx="0">
-            <a:schemeClr val="accent1"/>
-          </a:effectRef>
-          <a:fontRef idx="minor">
-            <a:schemeClr val="lt1"/>
-          </a:fontRef>
-        </p:style>
-      </p:sp>
-      <p:sp>
-        <p:nvSpPr>
-          <p:cNvPr id="5" name="Заголовок 1">
-            <a:extLst>
-              <a:ext uri="{FF2B5EF4-FFF2-40B4-BE49-F238E27FC236}">
-                <a16:creationId xmlns:a16="http://schemas.microsoft.com/office/drawing/2014/main" id="{0AE9A5B2-4DA6-4505-916C-20351ECFD07D}"/>
-              </a:ext>
-            </a:extLst>
-          </p:cNvPr>
-          <p:cNvSpPr>
-            <a:spLocks noGrp="1"/>
-          </p:cNvSpPr>
-          <p:nvPr>
-            <p:ph type="title"/>
-          </p:nvPr>
-        </p:nvSpPr>
-        <p:spPr>
-          <a:xfrm>
-            <a:off x="1069848" y="4590661"/>
-            <a:ext cx="10210862" cy="1065690"/>
-          </a:xfrm>
-        </p:spPr>
-        <p:txBody>
-          <a:bodyPr vert="horz" lIns="91440" tIns="45720" rIns="91440" bIns="45720" rtlCol="0" anchor="b">
-            <a:normAutofit/>
-          </a:bodyPr>
-          <a:lstStyle/>
-          <a:p>
-            <a:r>
-              <a:rPr lang="ru-RU" sz="5900" b="1" spc="-100" dirty="0"/>
-              <a:t>Намерения</a:t>
-            </a:r>
-            <a:endParaRPr lang="en-US" sz="5900" b="1" spc="-100" dirty="0"/>
-          </a:p>
-        </p:txBody>
-      </p:sp>
-      <p:pic>
-        <p:nvPicPr>
-          <p:cNvPr id="2" name="Рисунок 1">
-            <a:extLst>
-              <a:ext uri="{FF2B5EF4-FFF2-40B4-BE49-F238E27FC236}">
-                <a16:creationId xmlns:a16="http://schemas.microsoft.com/office/drawing/2014/main" id="{DDE9E76D-3458-41DD-A3A4-B819AC626552}"/>
-              </a:ext>
-            </a:extLst>
-          </p:cNvPr>
-          <p:cNvPicPr>
-            <a:picLocks noChangeAspect="1"/>
-          </p:cNvPicPr>
-          <p:nvPr/>
-        </p:nvPicPr>
-        <p:blipFill>
-          <a:blip r:embed="rId2"/>
-          <a:stretch>
-            <a:fillRect/>
-          </a:stretch>
-        </p:blipFill>
-        <p:spPr>
-          <a:xfrm>
-            <a:off x="2036626" y="-152199"/>
-            <a:ext cx="7104993" cy="4460741"/>
-          </a:xfrm>
-          <a:prstGeom prst="rect">
-            <a:avLst/>
-          </a:prstGeom>
-        </p:spPr>
-      </p:pic>
-    </p:spTree>
-    <p:extLst>
-      <p:ext uri="{BB962C8B-B14F-4D97-AF65-F5344CB8AC3E}">
-        <p14:creationId xmlns:p14="http://schemas.microsoft.com/office/powerpoint/2010/main" val="1759459749"/>
-      </p:ext>
-    </p:extLst>
-  </p:cSld>
-  <p:clrMapOvr>
-    <a:masterClrMapping/>
-  </p:clrMapOvr>
-</p:sld>
-</file>
-
-<file path=ppt/slides/slide5.xml><?xml version="1.0" encoding="utf-8"?>
-<p:sld xmlns:a="http://schemas.openxmlformats.org/drawingml/2006/main" xmlns:r="http://schemas.openxmlformats.org/officeDocument/2006/relationships" xmlns:p="http://schemas.openxmlformats.org/presentationml/2006/main">
-  <p:cSld>
-    <p:bg>
-      <p:bgPr>
-        <a:solidFill>
-          <a:schemeClr val="bg1"/>
-        </a:solidFill>
-        <a:effectLst/>
-      </p:bgPr>
-    </p:bg>
-    <p:spTree>
-      <p:nvGrpSpPr>
-        <p:cNvPr id="1" name=""/>
-        <p:cNvGrpSpPr/>
-        <p:nvPr/>
-      </p:nvGrpSpPr>
-      <p:grpSpPr>
-        <a:xfrm>
-          <a:off x="0" y="0"/>
-          <a:ext cx="0" cy="0"/>
-          <a:chOff x="0" y="0"/>
-          <a:chExt cx="0" cy="0"/>
-        </a:xfrm>
-      </p:grpSpPr>
-      <p:sp>
-        <p:nvSpPr>
-          <p:cNvPr id="71" name="Rectangle 70">
-            <a:extLst>
-              <a:ext uri="{FF2B5EF4-FFF2-40B4-BE49-F238E27FC236}">
-                <a16:creationId xmlns:a16="http://schemas.microsoft.com/office/drawing/2014/main" id="{DB8424AB-D56B-4256-866A-5B54DE93C20F}"/>
-              </a:ext>
-              <a:ext uri="{C183D7F6-B498-43B3-948B-1728B52AA6E4}">
-                <adec:decorative xmlns:adec="http://schemas.microsoft.com/office/drawing/2017/decorative" val="1"/>
-              </a:ext>
-            </a:extLst>
-          </p:cNvPr>
-          <p:cNvSpPr>
-            <a:spLocks noGrp="1" noRot="1" noChangeAspect="1" noMove="1" noResize="1" noEditPoints="1" noAdjustHandles="1" noChangeArrowheads="1" noChangeShapeType="1" noTextEdit="1"/>
-          </p:cNvSpPr>
-          <p:nvPr>
-            <p:extLst>
-              <p:ext uri="{386F3935-93C4-4BCD-93E2-E3B085C9AB24}">
-                <p16:designElem xmlns:p16="http://schemas.microsoft.com/office/powerpoint/2015/main" val="1"/>
-              </p:ext>
-            </p:extLst>
-          </p:nvPr>
-        </p:nvSpPr>
-        <p:spPr>
-          <a:xfrm>
-            <a:off x="0" y="761999"/>
-            <a:ext cx="9141619" cy="5334001"/>
-          </a:xfrm>
-          <a:prstGeom prst="rect">
-            <a:avLst/>
-          </a:prstGeom>
-          <a:solidFill>
-            <a:schemeClr val="accent1"/>
-          </a:solidFill>
-          <a:ln>
-            <a:noFill/>
-          </a:ln>
-        </p:spPr>
-        <p:style>
-          <a:lnRef idx="2">
-            <a:schemeClr val="accent1">
-              <a:shade val="50000"/>
-            </a:schemeClr>
-          </a:lnRef>
-          <a:fillRef idx="1">
-            <a:schemeClr val="accent1"/>
-          </a:fillRef>
-          <a:effectRef idx="0">
-            <a:schemeClr val="accent1"/>
-          </a:effectRef>
-          <a:fontRef idx="minor">
-            <a:schemeClr val="lt1"/>
-          </a:fontRef>
-        </p:style>
-      </p:sp>
-      <p:sp>
-        <p:nvSpPr>
-          <p:cNvPr id="73" name="Rectangle 72">
-            <a:extLst>
-              <a:ext uri="{FF2B5EF4-FFF2-40B4-BE49-F238E27FC236}">
-                <a16:creationId xmlns:a16="http://schemas.microsoft.com/office/drawing/2014/main" id="{FC999C28-AD33-4EB7-A5F1-C06D10A5FDF7}"/>
-              </a:ext>
-              <a:ext uri="{C183D7F6-B498-43B3-948B-1728B52AA6E4}">
-                <adec:decorative xmlns:adec="http://schemas.microsoft.com/office/drawing/2017/decorative" val="1"/>
-              </a:ext>
-            </a:extLst>
-          </p:cNvPr>
-          <p:cNvSpPr>
-            <a:spLocks noGrp="1" noRot="1" noChangeAspect="1" noMove="1" noResize="1" noEditPoints="1" noAdjustHandles="1" noChangeArrowheads="1" noChangeShapeType="1" noTextEdit="1"/>
-          </p:cNvSpPr>
-          <p:nvPr>
-            <p:extLst>
-              <p:ext uri="{386F3935-93C4-4BCD-93E2-E3B085C9AB24}">
-                <p16:designElem xmlns:p16="http://schemas.microsoft.com/office/powerpoint/2015/main" val="1"/>
-              </p:ext>
-            </p:extLst>
-          </p:nvPr>
-        </p:nvSpPr>
-        <p:spPr>
-          <a:xfrm>
-            <a:off x="9270263" y="761999"/>
-            <a:ext cx="2925318" cy="5334001"/>
-          </a:xfrm>
-          <a:prstGeom prst="rect">
-            <a:avLst/>
-          </a:prstGeom>
-          <a:solidFill>
-            <a:srgbClr val="C8C8C8">
-              <a:alpha val="49804"/>
-            </a:srgbClr>
-          </a:solidFill>
-          <a:ln>
-            <a:noFill/>
-          </a:ln>
-        </p:spPr>
-        <p:style>
-          <a:lnRef idx="2">
-            <a:schemeClr val="accent1">
-              <a:shade val="50000"/>
-            </a:schemeClr>
-          </a:lnRef>
-          <a:fillRef idx="1">
-            <a:schemeClr val="accent1"/>
-          </a:fillRef>
-          <a:effectRef idx="0">
-            <a:schemeClr val="accent1"/>
-          </a:effectRef>
-          <a:fontRef idx="minor">
-            <a:schemeClr val="lt1"/>
-          </a:fontRef>
-        </p:style>
-      </p:sp>
-      <p:sp useBgFill="1">
-        <p:nvSpPr>
-          <p:cNvPr id="75" name="Rectangle 74">
-            <a:extLst>
-              <a:ext uri="{FF2B5EF4-FFF2-40B4-BE49-F238E27FC236}">
-                <a16:creationId xmlns:a16="http://schemas.microsoft.com/office/drawing/2014/main" id="{9203ABB4-7E2A-4248-9FE7-4A419AFF2F17}"/>
-              </a:ext>
-              <a:ext uri="{C183D7F6-B498-43B3-948B-1728B52AA6E4}">
-                <adec:decorative xmlns:adec="http://schemas.microsoft.com/office/drawing/2017/decorative" val="1"/>
-              </a:ext>
-            </a:extLst>
-          </p:cNvPr>
-          <p:cNvSpPr>
-            <a:spLocks noGrp="1" noRot="1" noChangeAspect="1" noMove="1" noResize="1" noEditPoints="1" noAdjustHandles="1" noChangeArrowheads="1" noChangeShapeType="1" noTextEdit="1"/>
-          </p:cNvSpPr>
-          <p:nvPr>
-            <p:extLst>
-              <p:ext uri="{386F3935-93C4-4BCD-93E2-E3B085C9AB24}">
-                <p16:designElem xmlns:p16="http://schemas.microsoft.com/office/powerpoint/2015/main" val="1"/>
-              </p:ext>
-            </p:extLst>
-          </p:nvPr>
-        </p:nvSpPr>
-        <p:spPr>
-          <a:xfrm>
-            <a:off x="0" y="0"/>
-            <a:ext cx="12191999" cy="6858000"/>
-          </a:xfrm>
-          <a:prstGeom prst="rect">
-            <a:avLst/>
-          </a:prstGeom>
-          <a:ln>
-            <a:noFill/>
-          </a:ln>
-        </p:spPr>
-        <p:style>
-          <a:lnRef idx="2">
-            <a:schemeClr val="accent1">
-              <a:shade val="50000"/>
-            </a:schemeClr>
-          </a:lnRef>
-          <a:fillRef idx="1">
-            <a:schemeClr val="accent1"/>
-          </a:fillRef>
-          <a:effectRef idx="0">
-            <a:schemeClr val="accent1"/>
-          </a:effectRef>
-          <a:fontRef idx="minor">
-            <a:schemeClr val="lt1"/>
-          </a:fontRef>
-        </p:style>
-        <p:txBody>
-          <a:bodyPr rtlCol="0" anchor="ctr"/>
-          <a:lstStyle/>
-          <a:p>
-            <a:pPr algn="ctr"/>
-            <a:endParaRPr lang="en-US"/>
-          </a:p>
-        </p:txBody>
-      </p:sp>
-      <p:sp>
-        <p:nvSpPr>
-          <p:cNvPr id="77" name="Rectangle 76">
-            <a:extLst>
-              <a:ext uri="{FF2B5EF4-FFF2-40B4-BE49-F238E27FC236}">
-                <a16:creationId xmlns:a16="http://schemas.microsoft.com/office/drawing/2014/main" id="{3126970D-C1E5-4FB1-84E8-86CB9CED1C80}"/>
-              </a:ext>
-              <a:ext uri="{C183D7F6-B498-43B3-948B-1728B52AA6E4}">
-                <adec:decorative xmlns:adec="http://schemas.microsoft.com/office/drawing/2017/decorative" val="1"/>
-              </a:ext>
-            </a:extLst>
-          </p:cNvPr>
-          <p:cNvSpPr>
-            <a:spLocks noGrp="1" noRot="1" noChangeAspect="1" noMove="1" noResize="1" noEditPoints="1" noAdjustHandles="1" noChangeArrowheads="1" noChangeShapeType="1" noTextEdit="1"/>
-          </p:cNvSpPr>
-          <p:nvPr>
-            <p:extLst>
-              <p:ext uri="{386F3935-93C4-4BCD-93E2-E3B085C9AB24}">
-                <p16:designElem xmlns:p16="http://schemas.microsoft.com/office/powerpoint/2015/main" val="1"/>
-              </p:ext>
-            </p:extLst>
-          </p:nvPr>
-        </p:nvSpPr>
-        <p:spPr>
-          <a:xfrm>
-            <a:off x="0" y="4367639"/>
-            <a:ext cx="11707367" cy="1852186"/>
-          </a:xfrm>
-          <a:prstGeom prst="rect">
-            <a:avLst/>
-          </a:prstGeom>
-          <a:solidFill>
-            <a:schemeClr val="accent1"/>
-          </a:solidFill>
-          <a:ln>
-            <a:noFill/>
-          </a:ln>
-        </p:spPr>
-        <p:style>
-          <a:lnRef idx="2">
-            <a:schemeClr val="accent1">
-              <a:shade val="50000"/>
-            </a:schemeClr>
-          </a:lnRef>
-          <a:fillRef idx="1">
-            <a:schemeClr val="accent1"/>
-          </a:fillRef>
-          <a:effectRef idx="0">
-            <a:schemeClr val="accent1"/>
-          </a:effectRef>
-          <a:fontRef idx="minor">
-            <a:schemeClr val="lt1"/>
-          </a:fontRef>
-        </p:style>
-      </p:sp>
-      <p:sp>
-        <p:nvSpPr>
-          <p:cNvPr id="5" name="Заголовок 1">
-            <a:extLst>
-              <a:ext uri="{FF2B5EF4-FFF2-40B4-BE49-F238E27FC236}">
-                <a16:creationId xmlns:a16="http://schemas.microsoft.com/office/drawing/2014/main" id="{0AE9A5B2-4DA6-4505-916C-20351ECFD07D}"/>
-              </a:ext>
-            </a:extLst>
-          </p:cNvPr>
-          <p:cNvSpPr>
-            <a:spLocks noGrp="1"/>
-          </p:cNvSpPr>
-          <p:nvPr>
-            <p:ph type="title"/>
-          </p:nvPr>
-        </p:nvSpPr>
-        <p:spPr>
-          <a:xfrm>
-            <a:off x="1069848" y="4590661"/>
-            <a:ext cx="10210862" cy="1065690"/>
-          </a:xfrm>
-        </p:spPr>
-        <p:txBody>
-          <a:bodyPr vert="horz" lIns="91440" tIns="45720" rIns="91440" bIns="45720" rtlCol="0" anchor="b">
-            <a:normAutofit/>
-          </a:bodyPr>
-          <a:lstStyle/>
-          <a:p>
-            <a:r>
-              <a:rPr lang="ru-RU" sz="5900" b="1" spc="-100" dirty="0"/>
-              <a:t>Намерения</a:t>
-            </a:r>
-            <a:endParaRPr lang="en-US" sz="5900" b="1" spc="-100" dirty="0"/>
-          </a:p>
-        </p:txBody>
-      </p:sp>
-      <p:pic>
-        <p:nvPicPr>
-          <p:cNvPr id="3" name="Рисунок 2">
-            <a:extLst>
-              <a:ext uri="{FF2B5EF4-FFF2-40B4-BE49-F238E27FC236}">
-                <a16:creationId xmlns:a16="http://schemas.microsoft.com/office/drawing/2014/main" id="{4E594754-F21E-4A31-887C-4C7F90FDBCC3}"/>
-              </a:ext>
-            </a:extLst>
-          </p:cNvPr>
-          <p:cNvPicPr>
-            <a:picLocks noChangeAspect="1"/>
-          </p:cNvPicPr>
-          <p:nvPr/>
-        </p:nvPicPr>
-        <p:blipFill>
-          <a:blip r:embed="rId2"/>
-          <a:stretch>
-            <a:fillRect/>
-          </a:stretch>
-        </p:blipFill>
-        <p:spPr>
-          <a:xfrm>
-            <a:off x="3391127" y="502445"/>
-            <a:ext cx="4925112" cy="3524742"/>
-          </a:xfrm>
-          <a:prstGeom prst="rect">
-            <a:avLst/>
-          </a:prstGeom>
-        </p:spPr>
-      </p:pic>
-    </p:spTree>
-    <p:extLst>
-      <p:ext uri="{BB962C8B-B14F-4D97-AF65-F5344CB8AC3E}">
-        <p14:creationId xmlns:p14="http://schemas.microsoft.com/office/powerpoint/2010/main" val="1740255578"/>
-      </p:ext>
-    </p:extLst>
-  </p:cSld>
-  <p:clrMapOvr>
-    <a:masterClrMapping/>
-  </p:clrMapOvr>
-</p:sld>
-</file>
-
-<file path=ppt/slides/slide6.xml><?xml version="1.0" encoding="utf-8"?>
-<p:sld xmlns:a="http://schemas.openxmlformats.org/drawingml/2006/main" xmlns:r="http://schemas.openxmlformats.org/officeDocument/2006/relationships" xmlns:p="http://schemas.openxmlformats.org/presentationml/2006/main">
-  <p:cSld>
-    <p:bg>
-      <p:bgPr>
-        <a:solidFill>
-          <a:schemeClr val="bg1"/>
-        </a:solidFill>
-        <a:effectLst/>
-      </p:bgPr>
-    </p:bg>
-    <p:spTree>
-      <p:nvGrpSpPr>
-        <p:cNvPr id="1" name=""/>
-        <p:cNvGrpSpPr/>
-        <p:nvPr/>
-      </p:nvGrpSpPr>
-      <p:grpSpPr>
-        <a:xfrm>
-          <a:off x="0" y="0"/>
-          <a:ext cx="0" cy="0"/>
-          <a:chOff x="0" y="0"/>
-          <a:chExt cx="0" cy="0"/>
-        </a:xfrm>
-      </p:grpSpPr>
-      <p:sp>
-        <p:nvSpPr>
-          <p:cNvPr id="71" name="Rectangle 70">
-            <a:extLst>
-              <a:ext uri="{FF2B5EF4-FFF2-40B4-BE49-F238E27FC236}">
-                <a16:creationId xmlns:a16="http://schemas.microsoft.com/office/drawing/2014/main" id="{DB8424AB-D56B-4256-866A-5B54DE93C20F}"/>
-              </a:ext>
-              <a:ext uri="{C183D7F6-B498-43B3-948B-1728B52AA6E4}">
-                <adec:decorative xmlns:adec="http://schemas.microsoft.com/office/drawing/2017/decorative" val="1"/>
-              </a:ext>
-            </a:extLst>
-          </p:cNvPr>
-          <p:cNvSpPr>
-            <a:spLocks noGrp="1" noRot="1" noChangeAspect="1" noMove="1" noResize="1" noEditPoints="1" noAdjustHandles="1" noChangeArrowheads="1" noChangeShapeType="1" noTextEdit="1"/>
-          </p:cNvSpPr>
-          <p:nvPr>
-            <p:extLst>
-              <p:ext uri="{386F3935-93C4-4BCD-93E2-E3B085C9AB24}">
-                <p16:designElem xmlns:p16="http://schemas.microsoft.com/office/powerpoint/2015/main" val="1"/>
-              </p:ext>
-            </p:extLst>
-          </p:nvPr>
-        </p:nvSpPr>
-        <p:spPr>
-          <a:xfrm>
-            <a:off x="0" y="761999"/>
-            <a:ext cx="9141619" cy="5334001"/>
-          </a:xfrm>
-          <a:prstGeom prst="rect">
-            <a:avLst/>
-          </a:prstGeom>
-          <a:solidFill>
-            <a:schemeClr val="accent1"/>
-          </a:solidFill>
-          <a:ln>
-            <a:noFill/>
-          </a:ln>
-        </p:spPr>
-        <p:style>
-          <a:lnRef idx="2">
-            <a:schemeClr val="accent1">
-              <a:shade val="50000"/>
-            </a:schemeClr>
-          </a:lnRef>
-          <a:fillRef idx="1">
-            <a:schemeClr val="accent1"/>
-          </a:fillRef>
-          <a:effectRef idx="0">
-            <a:schemeClr val="accent1"/>
-          </a:effectRef>
-          <a:fontRef idx="minor">
-            <a:schemeClr val="lt1"/>
-          </a:fontRef>
-        </p:style>
-      </p:sp>
-      <p:sp>
-        <p:nvSpPr>
-          <p:cNvPr id="73" name="Rectangle 72">
-            <a:extLst>
-              <a:ext uri="{FF2B5EF4-FFF2-40B4-BE49-F238E27FC236}">
-                <a16:creationId xmlns:a16="http://schemas.microsoft.com/office/drawing/2014/main" id="{FC999C28-AD33-4EB7-A5F1-C06D10A5FDF7}"/>
-              </a:ext>
-              <a:ext uri="{C183D7F6-B498-43B3-948B-1728B52AA6E4}">
-                <adec:decorative xmlns:adec="http://schemas.microsoft.com/office/drawing/2017/decorative" val="1"/>
-              </a:ext>
-            </a:extLst>
-          </p:cNvPr>
-          <p:cNvSpPr>
-            <a:spLocks noGrp="1" noRot="1" noChangeAspect="1" noMove="1" noResize="1" noEditPoints="1" noAdjustHandles="1" noChangeArrowheads="1" noChangeShapeType="1" noTextEdit="1"/>
-          </p:cNvSpPr>
-          <p:nvPr>
-            <p:extLst>
-              <p:ext uri="{386F3935-93C4-4BCD-93E2-E3B085C9AB24}">
-                <p16:designElem xmlns:p16="http://schemas.microsoft.com/office/powerpoint/2015/main" val="1"/>
-              </p:ext>
-            </p:extLst>
-          </p:nvPr>
-        </p:nvSpPr>
-        <p:spPr>
-          <a:xfrm>
-            <a:off x="9270263" y="761999"/>
-            <a:ext cx="2925318" cy="5334001"/>
-          </a:xfrm>
-          <a:prstGeom prst="rect">
-            <a:avLst/>
-          </a:prstGeom>
-          <a:solidFill>
-            <a:srgbClr val="C8C8C8">
-              <a:alpha val="49804"/>
-            </a:srgbClr>
-          </a:solidFill>
-          <a:ln>
-            <a:noFill/>
-          </a:ln>
-        </p:spPr>
-        <p:style>
-          <a:lnRef idx="2">
-            <a:schemeClr val="accent1">
-              <a:shade val="50000"/>
-            </a:schemeClr>
-          </a:lnRef>
-          <a:fillRef idx="1">
-            <a:schemeClr val="accent1"/>
-          </a:fillRef>
-          <a:effectRef idx="0">
-            <a:schemeClr val="accent1"/>
-          </a:effectRef>
-          <a:fontRef idx="minor">
-            <a:schemeClr val="lt1"/>
-          </a:fontRef>
-        </p:style>
-      </p:sp>
-      <p:sp useBgFill="1">
-        <p:nvSpPr>
-          <p:cNvPr id="75" name="Rectangle 74">
-            <a:extLst>
-              <a:ext uri="{FF2B5EF4-FFF2-40B4-BE49-F238E27FC236}">
-                <a16:creationId xmlns:a16="http://schemas.microsoft.com/office/drawing/2014/main" id="{9203ABB4-7E2A-4248-9FE7-4A419AFF2F17}"/>
-              </a:ext>
-              <a:ext uri="{C183D7F6-B498-43B3-948B-1728B52AA6E4}">
-                <adec:decorative xmlns:adec="http://schemas.microsoft.com/office/drawing/2017/decorative" val="1"/>
-              </a:ext>
-            </a:extLst>
-          </p:cNvPr>
-          <p:cNvSpPr>
-            <a:spLocks noGrp="1" noRot="1" noChangeAspect="1" noMove="1" noResize="1" noEditPoints="1" noAdjustHandles="1" noChangeArrowheads="1" noChangeShapeType="1" noTextEdit="1"/>
-          </p:cNvSpPr>
-          <p:nvPr>
-            <p:extLst>
-              <p:ext uri="{386F3935-93C4-4BCD-93E2-E3B085C9AB24}">
-                <p16:designElem xmlns:p16="http://schemas.microsoft.com/office/powerpoint/2015/main" val="1"/>
-              </p:ext>
-            </p:extLst>
-          </p:nvPr>
-        </p:nvSpPr>
-        <p:spPr>
-          <a:xfrm>
-            <a:off x="0" y="0"/>
-            <a:ext cx="12191999" cy="6858000"/>
-          </a:xfrm>
-          <a:prstGeom prst="rect">
-            <a:avLst/>
-          </a:prstGeom>
-          <a:ln>
-            <a:noFill/>
-          </a:ln>
-        </p:spPr>
-        <p:style>
-          <a:lnRef idx="2">
-            <a:schemeClr val="accent1">
-              <a:shade val="50000"/>
-            </a:schemeClr>
-          </a:lnRef>
-          <a:fillRef idx="1">
-            <a:schemeClr val="accent1"/>
-          </a:fillRef>
-          <a:effectRef idx="0">
-            <a:schemeClr val="accent1"/>
-          </a:effectRef>
-          <a:fontRef idx="minor">
-            <a:schemeClr val="lt1"/>
-          </a:fontRef>
-        </p:style>
-        <p:txBody>
-          <a:bodyPr rtlCol="0" anchor="ctr"/>
-          <a:lstStyle/>
-          <a:p>
-            <a:pPr algn="ctr"/>
-            <a:endParaRPr lang="en-US"/>
-          </a:p>
-        </p:txBody>
-      </p:sp>
-      <p:sp>
-        <p:nvSpPr>
-          <p:cNvPr id="77" name="Rectangle 76">
-            <a:extLst>
-              <a:ext uri="{FF2B5EF4-FFF2-40B4-BE49-F238E27FC236}">
-                <a16:creationId xmlns:a16="http://schemas.microsoft.com/office/drawing/2014/main" id="{3126970D-C1E5-4FB1-84E8-86CB9CED1C80}"/>
-              </a:ext>
-              <a:ext uri="{C183D7F6-B498-43B3-948B-1728B52AA6E4}">
-                <adec:decorative xmlns:adec="http://schemas.microsoft.com/office/drawing/2017/decorative" val="1"/>
-              </a:ext>
-            </a:extLst>
-          </p:cNvPr>
-          <p:cNvSpPr>
-            <a:spLocks noGrp="1" noRot="1" noChangeAspect="1" noMove="1" noResize="1" noEditPoints="1" noAdjustHandles="1" noChangeArrowheads="1" noChangeShapeType="1" noTextEdit="1"/>
-          </p:cNvSpPr>
-          <p:nvPr>
-            <p:extLst>
-              <p:ext uri="{386F3935-93C4-4BCD-93E2-E3B085C9AB24}">
-                <p16:designElem xmlns:p16="http://schemas.microsoft.com/office/powerpoint/2015/main" val="1"/>
-              </p:ext>
-            </p:extLst>
-          </p:nvPr>
-        </p:nvSpPr>
-        <p:spPr>
-          <a:xfrm>
-            <a:off x="0" y="4367639"/>
-            <a:ext cx="11707367" cy="1852186"/>
-          </a:xfrm>
-          <a:prstGeom prst="rect">
-            <a:avLst/>
-          </a:prstGeom>
-          <a:solidFill>
-            <a:schemeClr val="accent1"/>
-          </a:solidFill>
-          <a:ln>
-            <a:noFill/>
-          </a:ln>
-        </p:spPr>
-        <p:style>
-          <a:lnRef idx="2">
-            <a:schemeClr val="accent1">
-              <a:shade val="50000"/>
-            </a:schemeClr>
-          </a:lnRef>
-          <a:fillRef idx="1">
-            <a:schemeClr val="accent1"/>
-          </a:fillRef>
-          <a:effectRef idx="0">
-            <a:schemeClr val="accent1"/>
-          </a:effectRef>
-          <a:fontRef idx="minor">
-            <a:schemeClr val="lt1"/>
-          </a:fontRef>
-        </p:style>
-      </p:sp>
-      <p:sp>
-        <p:nvSpPr>
-          <p:cNvPr id="5" name="Заголовок 1">
-            <a:extLst>
-              <a:ext uri="{FF2B5EF4-FFF2-40B4-BE49-F238E27FC236}">
-                <a16:creationId xmlns:a16="http://schemas.microsoft.com/office/drawing/2014/main" id="{0AE9A5B2-4DA6-4505-916C-20351ECFD07D}"/>
-              </a:ext>
-            </a:extLst>
-          </p:cNvPr>
-          <p:cNvSpPr>
-            <a:spLocks noGrp="1"/>
-          </p:cNvSpPr>
-          <p:nvPr>
-            <p:ph type="title"/>
-          </p:nvPr>
-        </p:nvSpPr>
-        <p:spPr>
-          <a:xfrm>
-            <a:off x="1069848" y="4590661"/>
-            <a:ext cx="10210862" cy="1065690"/>
-          </a:xfrm>
-        </p:spPr>
-        <p:txBody>
-          <a:bodyPr vert="horz" lIns="91440" tIns="45720" rIns="91440" bIns="45720" rtlCol="0" anchor="b">
-            <a:normAutofit/>
-          </a:bodyPr>
-          <a:lstStyle/>
-          <a:p>
-            <a:r>
-              <a:rPr lang="ru-RU" sz="5900" b="1" spc="-100" dirty="0"/>
-              <a:t>Неявные намерения</a:t>
-            </a:r>
-            <a:endParaRPr lang="en-US" sz="5900" b="1" spc="-100" dirty="0"/>
-          </a:p>
-        </p:txBody>
-      </p:sp>
-      <p:pic>
-        <p:nvPicPr>
-          <p:cNvPr id="3074" name="Picture 2" descr="Намерения (Intents) | Android Tools">
-            <a:extLst>
-              <a:ext uri="{FF2B5EF4-FFF2-40B4-BE49-F238E27FC236}">
-                <a16:creationId xmlns:a16="http://schemas.microsoft.com/office/drawing/2014/main" id="{64A29B26-2A03-45C9-A8B9-E867A05EDAC2}"/>
-              </a:ext>
-            </a:extLst>
-          </p:cNvPr>
-          <p:cNvPicPr>
-            <a:picLocks noChangeAspect="1" noChangeArrowheads="1"/>
-          </p:cNvPicPr>
-          <p:nvPr/>
-        </p:nvPicPr>
-        <p:blipFill>
-          <a:blip r:embed="rId2">
-            <a:extLst>
-              <a:ext uri="{28A0092B-C50C-407E-A947-70E740481C1C}">
-                <a14:useLocalDpi xmlns:a14="http://schemas.microsoft.com/office/drawing/2010/main" val="0"/>
-              </a:ext>
-            </a:extLst>
-          </a:blip>
-          <a:srcRect/>
-          <a:stretch>
-            <a:fillRect/>
-          </a:stretch>
-        </p:blipFill>
-        <p:spPr bwMode="auto">
-          <a:xfrm>
-            <a:off x="3898939" y="510843"/>
-            <a:ext cx="3732971" cy="3732971"/>
-          </a:xfrm>
-          <a:prstGeom prst="rect">
-            <a:avLst/>
-          </a:prstGeom>
-          <a:noFill/>
-          <a:extLst>
-            <a:ext uri="{909E8E84-426E-40DD-AFC4-6F175D3DCCD1}">
-              <a14:hiddenFill xmlns:a14="http://schemas.microsoft.com/office/drawing/2010/main">
-                <a:solidFill>
-                  <a:srgbClr val="FFFFFF"/>
-                </a:solidFill>
-              </a14:hiddenFill>
-            </a:ext>
-          </a:extLst>
-        </p:spPr>
-      </p:pic>
-    </p:spTree>
-    <p:extLst>
-      <p:ext uri="{BB962C8B-B14F-4D97-AF65-F5344CB8AC3E}">
-        <p14:creationId xmlns:p14="http://schemas.microsoft.com/office/powerpoint/2010/main" val="1709299481"/>
-      </p:ext>
-    </p:extLst>
-  </p:cSld>
-  <p:clrMapOvr>
-    <a:masterClrMapping/>
-  </p:clrMapOvr>
-</p:sld>
-</file>
-
-<file path=ppt/slides/slide7.xml><?xml version="1.0" encoding="utf-8"?>
-<p:sld xmlns:a="http://schemas.openxmlformats.org/drawingml/2006/main" xmlns:r="http://schemas.openxmlformats.org/officeDocument/2006/relationships" xmlns:p="http://schemas.openxmlformats.org/presentationml/2006/main">
-  <p:cSld>
-    <p:bg>
-      <p:bgPr>
-        <a:solidFill>
-          <a:schemeClr val="bg1"/>
-        </a:solidFill>
-        <a:effectLst/>
-      </p:bgPr>
-    </p:bg>
-    <p:spTree>
-      <p:nvGrpSpPr>
-        <p:cNvPr id="1" name=""/>
-        <p:cNvGrpSpPr/>
-        <p:nvPr/>
-      </p:nvGrpSpPr>
-      <p:grpSpPr>
-        <a:xfrm>
-          <a:off x="0" y="0"/>
-          <a:ext cx="0" cy="0"/>
-          <a:chOff x="0" y="0"/>
-          <a:chExt cx="0" cy="0"/>
-        </a:xfrm>
-      </p:grpSpPr>
-      <p:sp>
-        <p:nvSpPr>
-          <p:cNvPr id="82" name="Rectangle 81">
-            <a:extLst>
-              <a:ext uri="{FF2B5EF4-FFF2-40B4-BE49-F238E27FC236}">
-                <a16:creationId xmlns:a16="http://schemas.microsoft.com/office/drawing/2014/main" id="{DB8424AB-D56B-4256-866A-5B54DE93C20F}"/>
-              </a:ext>
-              <a:ext uri="{C183D7F6-B498-43B3-948B-1728B52AA6E4}">
-                <adec:decorative xmlns:adec="http://schemas.microsoft.com/office/drawing/2017/decorative" val="1"/>
-              </a:ext>
-            </a:extLst>
-          </p:cNvPr>
-          <p:cNvSpPr>
-            <a:spLocks noGrp="1" noRot="1" noChangeAspect="1" noMove="1" noResize="1" noEditPoints="1" noAdjustHandles="1" noChangeArrowheads="1" noChangeShapeType="1" noTextEdit="1"/>
-          </p:cNvSpPr>
-          <p:nvPr>
-            <p:extLst>
-              <p:ext uri="{386F3935-93C4-4BCD-93E2-E3B085C9AB24}">
-                <p16:designElem xmlns:p16="http://schemas.microsoft.com/office/powerpoint/2015/main" val="1"/>
-              </p:ext>
-            </p:extLst>
-          </p:nvPr>
-        </p:nvSpPr>
-        <p:spPr>
-          <a:xfrm>
-            <a:off x="0" y="761999"/>
-            <a:ext cx="9141619" cy="5334001"/>
-          </a:xfrm>
-          <a:prstGeom prst="rect">
-            <a:avLst/>
-          </a:prstGeom>
-          <a:solidFill>
-            <a:schemeClr val="accent1"/>
-          </a:solidFill>
-          <a:ln>
-            <a:noFill/>
-          </a:ln>
-        </p:spPr>
-        <p:style>
-          <a:lnRef idx="2">
-            <a:schemeClr val="accent1">
-              <a:shade val="50000"/>
-            </a:schemeClr>
-          </a:lnRef>
-          <a:fillRef idx="1">
-            <a:schemeClr val="accent1"/>
-          </a:fillRef>
-          <a:effectRef idx="0">
-            <a:schemeClr val="accent1"/>
-          </a:effectRef>
-          <a:fontRef idx="minor">
-            <a:schemeClr val="lt1"/>
-          </a:fontRef>
-        </p:style>
-      </p:sp>
-      <p:sp>
-        <p:nvSpPr>
-          <p:cNvPr id="84" name="Rectangle 83">
-            <a:extLst>
-              <a:ext uri="{FF2B5EF4-FFF2-40B4-BE49-F238E27FC236}">
-                <a16:creationId xmlns:a16="http://schemas.microsoft.com/office/drawing/2014/main" id="{FC999C28-AD33-4EB7-A5F1-C06D10A5FDF7}"/>
-              </a:ext>
-              <a:ext uri="{C183D7F6-B498-43B3-948B-1728B52AA6E4}">
-                <adec:decorative xmlns:adec="http://schemas.microsoft.com/office/drawing/2017/decorative" val="1"/>
-              </a:ext>
-            </a:extLst>
-          </p:cNvPr>
-          <p:cNvSpPr>
-            <a:spLocks noGrp="1" noRot="1" noChangeAspect="1" noMove="1" noResize="1" noEditPoints="1" noAdjustHandles="1" noChangeArrowheads="1" noChangeShapeType="1" noTextEdit="1"/>
-          </p:cNvSpPr>
-          <p:nvPr>
-            <p:extLst>
-              <p:ext uri="{386F3935-93C4-4BCD-93E2-E3B085C9AB24}">
-                <p16:designElem xmlns:p16="http://schemas.microsoft.com/office/powerpoint/2015/main" val="1"/>
-              </p:ext>
-            </p:extLst>
-          </p:nvPr>
-        </p:nvSpPr>
-        <p:spPr>
-          <a:xfrm>
-            <a:off x="9270263" y="761999"/>
-            <a:ext cx="2925318" cy="5334001"/>
-          </a:xfrm>
-          <a:prstGeom prst="rect">
-            <a:avLst/>
-          </a:prstGeom>
-          <a:solidFill>
-            <a:srgbClr val="C8C8C8">
-              <a:alpha val="49804"/>
-            </a:srgbClr>
-          </a:solidFill>
-          <a:ln>
-            <a:noFill/>
-          </a:ln>
-        </p:spPr>
-        <p:style>
-          <a:lnRef idx="2">
-            <a:schemeClr val="accent1">
-              <a:shade val="50000"/>
-            </a:schemeClr>
-          </a:lnRef>
-          <a:fillRef idx="1">
-            <a:schemeClr val="accent1"/>
-          </a:fillRef>
-          <a:effectRef idx="0">
-            <a:schemeClr val="accent1"/>
-          </a:effectRef>
-          <a:fontRef idx="minor">
-            <a:schemeClr val="lt1"/>
-          </a:fontRef>
-        </p:style>
-      </p:sp>
-      <p:sp useBgFill="1">
-        <p:nvSpPr>
-          <p:cNvPr id="86" name="Rectangle 85">
-            <a:extLst>
-              <a:ext uri="{FF2B5EF4-FFF2-40B4-BE49-F238E27FC236}">
-                <a16:creationId xmlns:a16="http://schemas.microsoft.com/office/drawing/2014/main" id="{0864E5C9-52C9-4572-AC75-548B9B9C2648}"/>
-              </a:ext>
-              <a:ext uri="{C183D7F6-B498-43B3-948B-1728B52AA6E4}">
-                <adec:decorative xmlns:adec="http://schemas.microsoft.com/office/drawing/2017/decorative" val="1"/>
-              </a:ext>
-            </a:extLst>
-          </p:cNvPr>
-          <p:cNvSpPr>
-            <a:spLocks noGrp="1" noRot="1" noChangeAspect="1" noMove="1" noResize="1" noEditPoints="1" noAdjustHandles="1" noChangeArrowheads="1" noChangeShapeType="1" noTextEdit="1"/>
-          </p:cNvSpPr>
-          <p:nvPr>
-            <p:extLst>
-              <p:ext uri="{386F3935-93C4-4BCD-93E2-E3B085C9AB24}">
-                <p16:designElem xmlns:p16="http://schemas.microsoft.com/office/powerpoint/2015/main" val="1"/>
-              </p:ext>
-            </p:extLst>
-          </p:nvPr>
-        </p:nvSpPr>
-        <p:spPr>
-          <a:xfrm>
-            <a:off x="0" y="0"/>
-            <a:ext cx="12191999" cy="6858000"/>
-          </a:xfrm>
-          <a:prstGeom prst="rect">
-            <a:avLst/>
-          </a:prstGeom>
-          <a:ln>
-            <a:noFill/>
-          </a:ln>
-        </p:spPr>
-        <p:style>
-          <a:lnRef idx="2">
-            <a:schemeClr val="accent1">
-              <a:shade val="50000"/>
-            </a:schemeClr>
-          </a:lnRef>
-          <a:fillRef idx="1">
-            <a:schemeClr val="accent1"/>
-          </a:fillRef>
-          <a:effectRef idx="0">
-            <a:schemeClr val="accent1"/>
-          </a:effectRef>
-          <a:fontRef idx="minor">
-            <a:schemeClr val="lt1"/>
-          </a:fontRef>
-        </p:style>
-        <p:txBody>
-          <a:bodyPr rtlCol="0" anchor="ctr"/>
-          <a:lstStyle/>
-          <a:p>
-            <a:pPr algn="ctr"/>
-            <a:endParaRPr lang="en-US"/>
-          </a:p>
-        </p:txBody>
-      </p:sp>
-      <p:sp>
-        <p:nvSpPr>
-          <p:cNvPr id="88" name="Rectangle 87">
-            <a:extLst>
-              <a:ext uri="{FF2B5EF4-FFF2-40B4-BE49-F238E27FC236}">
-                <a16:creationId xmlns:a16="http://schemas.microsoft.com/office/drawing/2014/main" id="{45CC6500-4DBD-4C34-BC14-2387FB483BEB}"/>
-              </a:ext>
-              <a:ext uri="{C183D7F6-B498-43B3-948B-1728B52AA6E4}">
-                <adec:decorative xmlns:adec="http://schemas.microsoft.com/office/drawing/2017/decorative" val="1"/>
-              </a:ext>
-            </a:extLst>
-          </p:cNvPr>
-          <p:cNvSpPr>
-            <a:spLocks noGrp="1" noRot="1" noChangeAspect="1" noMove="1" noResize="1" noEditPoints="1" noAdjustHandles="1" noChangeArrowheads="1" noChangeShapeType="1" noTextEdit="1"/>
-          </p:cNvSpPr>
-          <p:nvPr>
-            <p:extLst>
-              <p:ext uri="{386F3935-93C4-4BCD-93E2-E3B085C9AB24}">
-                <p16:designElem xmlns:p16="http://schemas.microsoft.com/office/powerpoint/2015/main" val="1"/>
-              </p:ext>
-            </p:extLst>
-          </p:nvPr>
-        </p:nvSpPr>
-        <p:spPr>
-          <a:xfrm>
-            <a:off x="1" y="761999"/>
-            <a:ext cx="4642228" cy="5334001"/>
-          </a:xfrm>
-          <a:prstGeom prst="rect">
-            <a:avLst/>
-          </a:prstGeom>
-          <a:solidFill>
-            <a:schemeClr val="accent1"/>
-          </a:solidFill>
-          <a:ln>
-            <a:noFill/>
-          </a:ln>
-        </p:spPr>
-        <p:style>
-          <a:lnRef idx="2">
-            <a:schemeClr val="accent1">
-              <a:shade val="50000"/>
-            </a:schemeClr>
-          </a:lnRef>
-          <a:fillRef idx="1">
-            <a:schemeClr val="accent1"/>
-          </a:fillRef>
-          <a:effectRef idx="0">
-            <a:schemeClr val="accent1"/>
-          </a:effectRef>
-          <a:fontRef idx="minor">
-            <a:schemeClr val="lt1"/>
-          </a:fontRef>
-        </p:style>
-      </p:sp>
-      <p:sp>
-        <p:nvSpPr>
-          <p:cNvPr id="5" name="Заголовок 1">
-            <a:extLst>
-              <a:ext uri="{FF2B5EF4-FFF2-40B4-BE49-F238E27FC236}">
-                <a16:creationId xmlns:a16="http://schemas.microsoft.com/office/drawing/2014/main" id="{0AE9A5B2-4DA6-4505-916C-20351ECFD07D}"/>
-              </a:ext>
-            </a:extLst>
-          </p:cNvPr>
-          <p:cNvSpPr>
-            <a:spLocks noGrp="1"/>
-          </p:cNvSpPr>
-          <p:nvPr>
-            <p:ph type="title"/>
-          </p:nvPr>
-        </p:nvSpPr>
-        <p:spPr>
-          <a:xfrm>
-            <a:off x="1069849" y="1298448"/>
+            <a:off x="795414" y="1046657"/>
             <a:ext cx="3258688" cy="3255264"/>
           </a:xfrm>
         </p:spPr>
@@ -10436,6 +9365,2099 @@
 </p:sld>
 </file>
 
+<file path=ppt/slides/slide3.xml><?xml version="1.0" encoding="utf-8"?>
+<p:sld xmlns:a="http://schemas.openxmlformats.org/drawingml/2006/main" xmlns:r="http://schemas.openxmlformats.org/officeDocument/2006/relationships" xmlns:p="http://schemas.openxmlformats.org/presentationml/2006/main">
+  <p:cSld>
+    <p:bg>
+      <p:bgPr>
+        <a:solidFill>
+          <a:schemeClr val="bg1"/>
+        </a:solidFill>
+        <a:effectLst/>
+      </p:bgPr>
+    </p:bg>
+    <p:spTree>
+      <p:nvGrpSpPr>
+        <p:cNvPr id="1" name=""/>
+        <p:cNvGrpSpPr/>
+        <p:nvPr/>
+      </p:nvGrpSpPr>
+      <p:grpSpPr>
+        <a:xfrm>
+          <a:off x="0" y="0"/>
+          <a:ext cx="0" cy="0"/>
+          <a:chOff x="0" y="0"/>
+          <a:chExt cx="0" cy="0"/>
+        </a:xfrm>
+      </p:grpSpPr>
+      <p:sp useBgFill="1">
+        <p:nvSpPr>
+          <p:cNvPr id="77" name="Rectangle 76">
+            <a:extLst>
+              <a:ext uri="{FF2B5EF4-FFF2-40B4-BE49-F238E27FC236}">
+                <a16:creationId xmlns:a16="http://schemas.microsoft.com/office/drawing/2014/main" id="{9203ABB4-7E2A-4248-9FE7-4A419AFF2F17}"/>
+              </a:ext>
+              <a:ext uri="{C183D7F6-B498-43B3-948B-1728B52AA6E4}">
+                <adec:decorative xmlns:adec="http://schemas.microsoft.com/office/drawing/2017/decorative" val="1"/>
+              </a:ext>
+            </a:extLst>
+          </p:cNvPr>
+          <p:cNvSpPr>
+            <a:spLocks noGrp="1" noRot="1" noChangeAspect="1" noMove="1" noResize="1" noEditPoints="1" noAdjustHandles="1" noChangeArrowheads="1" noChangeShapeType="1" noTextEdit="1"/>
+          </p:cNvSpPr>
+          <p:nvPr>
+            <p:extLst>
+              <p:ext uri="{386F3935-93C4-4BCD-93E2-E3B085C9AB24}">
+                <p16:designElem xmlns:p16="http://schemas.microsoft.com/office/powerpoint/2015/main" val="1"/>
+              </p:ext>
+            </p:extLst>
+          </p:nvPr>
+        </p:nvSpPr>
+        <p:spPr>
+          <a:xfrm>
+            <a:off x="0" y="0"/>
+            <a:ext cx="12191999" cy="6858000"/>
+          </a:xfrm>
+          <a:prstGeom prst="rect">
+            <a:avLst/>
+          </a:prstGeom>
+          <a:ln>
+            <a:noFill/>
+          </a:ln>
+        </p:spPr>
+        <p:style>
+          <a:lnRef idx="2">
+            <a:schemeClr val="accent1">
+              <a:shade val="50000"/>
+            </a:schemeClr>
+          </a:lnRef>
+          <a:fillRef idx="1">
+            <a:schemeClr val="accent1"/>
+          </a:fillRef>
+          <a:effectRef idx="0">
+            <a:schemeClr val="accent1"/>
+          </a:effectRef>
+          <a:fontRef idx="minor">
+            <a:schemeClr val="lt1"/>
+          </a:fontRef>
+        </p:style>
+        <p:txBody>
+          <a:bodyPr rtlCol="0" anchor="ctr"/>
+          <a:lstStyle/>
+          <a:p>
+            <a:pPr algn="ctr"/>
+            <a:endParaRPr lang="en-US"/>
+          </a:p>
+        </p:txBody>
+      </p:sp>
+      <p:sp>
+        <p:nvSpPr>
+          <p:cNvPr id="79" name="Rectangle 78">
+            <a:extLst>
+              <a:ext uri="{FF2B5EF4-FFF2-40B4-BE49-F238E27FC236}">
+                <a16:creationId xmlns:a16="http://schemas.microsoft.com/office/drawing/2014/main" id="{3126970D-C1E5-4FB1-84E8-86CB9CED1C80}"/>
+              </a:ext>
+              <a:ext uri="{C183D7F6-B498-43B3-948B-1728B52AA6E4}">
+                <adec:decorative xmlns:adec="http://schemas.microsoft.com/office/drawing/2017/decorative" val="1"/>
+              </a:ext>
+            </a:extLst>
+          </p:cNvPr>
+          <p:cNvSpPr>
+            <a:spLocks noGrp="1" noRot="1" noChangeAspect="1" noMove="1" noResize="1" noEditPoints="1" noAdjustHandles="1" noChangeArrowheads="1" noChangeShapeType="1" noTextEdit="1"/>
+          </p:cNvSpPr>
+          <p:nvPr>
+            <p:extLst>
+              <p:ext uri="{386F3935-93C4-4BCD-93E2-E3B085C9AB24}">
+                <p16:designElem xmlns:p16="http://schemas.microsoft.com/office/powerpoint/2015/main" val="1"/>
+              </p:ext>
+            </p:extLst>
+          </p:nvPr>
+        </p:nvSpPr>
+        <p:spPr>
+          <a:xfrm>
+            <a:off x="0" y="4367639"/>
+            <a:ext cx="11707367" cy="1852186"/>
+          </a:xfrm>
+          <a:prstGeom prst="rect">
+            <a:avLst/>
+          </a:prstGeom>
+          <a:solidFill>
+            <a:schemeClr val="accent1"/>
+          </a:solidFill>
+          <a:ln>
+            <a:noFill/>
+          </a:ln>
+        </p:spPr>
+        <p:style>
+          <a:lnRef idx="2">
+            <a:schemeClr val="accent1">
+              <a:shade val="50000"/>
+            </a:schemeClr>
+          </a:lnRef>
+          <a:fillRef idx="1">
+            <a:schemeClr val="accent1"/>
+          </a:fillRef>
+          <a:effectRef idx="0">
+            <a:schemeClr val="accent1"/>
+          </a:effectRef>
+          <a:fontRef idx="minor">
+            <a:schemeClr val="lt1"/>
+          </a:fontRef>
+        </p:style>
+      </p:sp>
+      <p:sp>
+        <p:nvSpPr>
+          <p:cNvPr id="28" name="Заголовок 1">
+            <a:extLst>
+              <a:ext uri="{FF2B5EF4-FFF2-40B4-BE49-F238E27FC236}">
+                <a16:creationId xmlns:a16="http://schemas.microsoft.com/office/drawing/2014/main" id="{A1800B60-BA5D-4BD9-AAE0-43620F882506}"/>
+              </a:ext>
+            </a:extLst>
+          </p:cNvPr>
+          <p:cNvSpPr txBox="1">
+            <a:spLocks/>
+          </p:cNvSpPr>
+          <p:nvPr/>
+        </p:nvSpPr>
+        <p:spPr>
+          <a:xfrm>
+            <a:off x="1069848" y="4590661"/>
+            <a:ext cx="10210862" cy="1065690"/>
+          </a:xfrm>
+          <a:prstGeom prst="rect">
+            <a:avLst/>
+          </a:prstGeom>
+        </p:spPr>
+        <p:txBody>
+          <a:bodyPr vert="horz" lIns="91440" tIns="45720" rIns="91440" bIns="45720" rtlCol="0" anchor="b">
+            <a:normAutofit/>
+          </a:bodyPr>
+          <a:lstStyle>
+            <a:lvl1pPr algn="l" defTabSz="914400" rtl="0" eaLnBrk="1" latinLnBrk="0" hangingPunct="1">
+              <a:lnSpc>
+                <a:spcPct val="90000"/>
+              </a:lnSpc>
+              <a:spcBef>
+                <a:spcPct val="0"/>
+              </a:spcBef>
+              <a:buNone/>
+              <a:defRPr sz="5900" kern="1200" spc="-100" baseline="0">
+                <a:solidFill>
+                  <a:srgbClr val="FFFFFF"/>
+                </a:solidFill>
+                <a:latin typeface="+mj-lt"/>
+                <a:ea typeface="+mj-ea"/>
+                <a:cs typeface="+mj-cs"/>
+              </a:defRPr>
+            </a:lvl1pPr>
+          </a:lstStyle>
+          <a:p>
+            <a:pPr marL="0" marR="0" lvl="0" indent="0" fontAlgn="auto">
+              <a:spcAft>
+                <a:spcPts val="600"/>
+              </a:spcAft>
+              <a:buClr>
+                <a:srgbClr val="40BAD2"/>
+              </a:buClr>
+              <a:buSzTx/>
+              <a:tabLst/>
+              <a:defRPr/>
+            </a:pPr>
+            <a:r>
+              <a:rPr lang="en-US" sz="3200" b="1"/>
+              <a:t>Контекст</a:t>
+            </a:r>
+            <a:br>
+              <a:rPr kumimoji="0" lang="en-US" sz="3200" b="1" i="0" u="none" strike="noStrike" cap="none" normalizeH="0" noProof="0">
+                <a:ln>
+                  <a:noFill/>
+                </a:ln>
+                <a:effectLst/>
+                <a:uLnTx/>
+                <a:uFillTx/>
+              </a:rPr>
+            </a:br>
+            <a:endParaRPr kumimoji="0" lang="en-US" sz="3200" b="1" i="0" u="none" strike="noStrike" cap="none" normalizeH="0" noProof="0">
+              <a:ln>
+                <a:noFill/>
+              </a:ln>
+              <a:effectLst/>
+              <a:uLnTx/>
+              <a:uFillTx/>
+            </a:endParaRPr>
+          </a:p>
+        </p:txBody>
+      </p:sp>
+      <p:pic>
+        <p:nvPicPr>
+          <p:cNvPr id="3" name="Рисунок 2">
+            <a:extLst>
+              <a:ext uri="{FF2B5EF4-FFF2-40B4-BE49-F238E27FC236}">
+                <a16:creationId xmlns:a16="http://schemas.microsoft.com/office/drawing/2014/main" id="{F8C589EA-2F9A-424E-AE75-447A3086D9A5}"/>
+              </a:ext>
+            </a:extLst>
+          </p:cNvPr>
+          <p:cNvPicPr>
+            <a:picLocks noChangeAspect="1"/>
+          </p:cNvPicPr>
+          <p:nvPr/>
+        </p:nvPicPr>
+        <p:blipFill>
+          <a:blip r:embed="rId2"/>
+          <a:stretch>
+            <a:fillRect/>
+          </a:stretch>
+        </p:blipFill>
+        <p:spPr>
+          <a:xfrm>
+            <a:off x="1379093" y="484632"/>
+            <a:ext cx="10019027" cy="3556755"/>
+          </a:xfrm>
+          <a:prstGeom prst="rect">
+            <a:avLst/>
+          </a:prstGeom>
+        </p:spPr>
+      </p:pic>
+      <p:sp>
+        <p:nvSpPr>
+          <p:cNvPr id="4" name="Стрелка: влево 3">
+            <a:extLst>
+              <a:ext uri="{FF2B5EF4-FFF2-40B4-BE49-F238E27FC236}">
+                <a16:creationId xmlns:a16="http://schemas.microsoft.com/office/drawing/2014/main" id="{2FD59C6F-AB91-4624-9387-646579184E9C}"/>
+              </a:ext>
+            </a:extLst>
+          </p:cNvPr>
+          <p:cNvSpPr/>
+          <p:nvPr/>
+        </p:nvSpPr>
+        <p:spPr>
+          <a:xfrm>
+            <a:off x="7131637" y="1139424"/>
+            <a:ext cx="1595113" cy="502416"/>
+          </a:xfrm>
+          <a:prstGeom prst="leftArrow">
+            <a:avLst/>
+          </a:prstGeom>
+        </p:spPr>
+        <p:style>
+          <a:lnRef idx="2">
+            <a:schemeClr val="accent1">
+              <a:shade val="50000"/>
+            </a:schemeClr>
+          </a:lnRef>
+          <a:fillRef idx="1">
+            <a:schemeClr val="accent1"/>
+          </a:fillRef>
+          <a:effectRef idx="0">
+            <a:schemeClr val="accent1"/>
+          </a:effectRef>
+          <a:fontRef idx="minor">
+            <a:schemeClr val="lt1"/>
+          </a:fontRef>
+        </p:style>
+        <p:txBody>
+          <a:bodyPr rtlCol="0" anchor="ctr"/>
+          <a:lstStyle/>
+          <a:p>
+            <a:pPr algn="ctr"/>
+            <a:endParaRPr lang="ru-RU"/>
+          </a:p>
+        </p:txBody>
+      </p:sp>
+      <p:sp>
+        <p:nvSpPr>
+          <p:cNvPr id="5" name="TextBox 4">
+            <a:extLst>
+              <a:ext uri="{FF2B5EF4-FFF2-40B4-BE49-F238E27FC236}">
+                <a16:creationId xmlns:a16="http://schemas.microsoft.com/office/drawing/2014/main" id="{9244A9E1-84B2-4FD0-9AD2-1352288983CA}"/>
+              </a:ext>
+            </a:extLst>
+          </p:cNvPr>
+          <p:cNvSpPr txBox="1"/>
+          <p:nvPr/>
+        </p:nvSpPr>
+        <p:spPr>
+          <a:xfrm>
+            <a:off x="7403015" y="1180649"/>
+            <a:ext cx="1171283" cy="369332"/>
+          </a:xfrm>
+          <a:prstGeom prst="rect">
+            <a:avLst/>
+          </a:prstGeom>
+          <a:noFill/>
+        </p:spPr>
+        <p:txBody>
+          <a:bodyPr wrap="none" rtlCol="0">
+            <a:spAutoFit/>
+          </a:bodyPr>
+          <a:lstStyle/>
+          <a:p>
+            <a:r>
+              <a:rPr lang="ru-RU" b="1" dirty="0"/>
+              <a:t>Создание</a:t>
+            </a:r>
+          </a:p>
+        </p:txBody>
+      </p:sp>
+    </p:spTree>
+    <p:extLst>
+      <p:ext uri="{BB962C8B-B14F-4D97-AF65-F5344CB8AC3E}">
+        <p14:creationId xmlns:p14="http://schemas.microsoft.com/office/powerpoint/2010/main" val="1959243980"/>
+      </p:ext>
+    </p:extLst>
+  </p:cSld>
+  <p:clrMapOvr>
+    <a:masterClrMapping/>
+  </p:clrMapOvr>
+</p:sld>
+</file>
+
+<file path=ppt/slides/slide4.xml><?xml version="1.0" encoding="utf-8"?>
+<p:sld xmlns:a="http://schemas.openxmlformats.org/drawingml/2006/main" xmlns:r="http://schemas.openxmlformats.org/officeDocument/2006/relationships" xmlns:p="http://schemas.openxmlformats.org/presentationml/2006/main">
+  <p:cSld>
+    <p:bg>
+      <p:bgPr>
+        <a:solidFill>
+          <a:schemeClr val="bg1"/>
+        </a:solidFill>
+        <a:effectLst/>
+      </p:bgPr>
+    </p:bg>
+    <p:spTree>
+      <p:nvGrpSpPr>
+        <p:cNvPr id="1" name=""/>
+        <p:cNvGrpSpPr/>
+        <p:nvPr/>
+      </p:nvGrpSpPr>
+      <p:grpSpPr>
+        <a:xfrm>
+          <a:off x="0" y="0"/>
+          <a:ext cx="0" cy="0"/>
+          <a:chOff x="0" y="0"/>
+          <a:chExt cx="0" cy="0"/>
+        </a:xfrm>
+      </p:grpSpPr>
+      <p:sp useBgFill="1">
+        <p:nvSpPr>
+          <p:cNvPr id="135" name="Rectangle 134">
+            <a:extLst>
+              <a:ext uri="{FF2B5EF4-FFF2-40B4-BE49-F238E27FC236}">
+                <a16:creationId xmlns:a16="http://schemas.microsoft.com/office/drawing/2014/main" id="{9203ABB4-7E2A-4248-9FE7-4A419AFF2F17}"/>
+              </a:ext>
+              <a:ext uri="{C183D7F6-B498-43B3-948B-1728B52AA6E4}">
+                <adec:decorative xmlns:adec="http://schemas.microsoft.com/office/drawing/2017/decorative" val="1"/>
+              </a:ext>
+            </a:extLst>
+          </p:cNvPr>
+          <p:cNvSpPr>
+            <a:spLocks noGrp="1" noRot="1" noChangeAspect="1" noMove="1" noResize="1" noEditPoints="1" noAdjustHandles="1" noChangeArrowheads="1" noChangeShapeType="1" noTextEdit="1"/>
+          </p:cNvSpPr>
+          <p:nvPr>
+            <p:extLst>
+              <p:ext uri="{386F3935-93C4-4BCD-93E2-E3B085C9AB24}">
+                <p16:designElem xmlns:p16="http://schemas.microsoft.com/office/powerpoint/2015/main" val="1"/>
+              </p:ext>
+            </p:extLst>
+          </p:nvPr>
+        </p:nvSpPr>
+        <p:spPr>
+          <a:xfrm>
+            <a:off x="0" y="0"/>
+            <a:ext cx="12191999" cy="6858000"/>
+          </a:xfrm>
+          <a:prstGeom prst="rect">
+            <a:avLst/>
+          </a:prstGeom>
+          <a:ln>
+            <a:noFill/>
+          </a:ln>
+        </p:spPr>
+        <p:style>
+          <a:lnRef idx="2">
+            <a:schemeClr val="accent1">
+              <a:shade val="50000"/>
+            </a:schemeClr>
+          </a:lnRef>
+          <a:fillRef idx="1">
+            <a:schemeClr val="accent1"/>
+          </a:fillRef>
+          <a:effectRef idx="0">
+            <a:schemeClr val="accent1"/>
+          </a:effectRef>
+          <a:fontRef idx="minor">
+            <a:schemeClr val="lt1"/>
+          </a:fontRef>
+        </p:style>
+        <p:txBody>
+          <a:bodyPr rtlCol="0" anchor="ctr"/>
+          <a:lstStyle/>
+          <a:p>
+            <a:pPr marL="0" marR="0" lvl="0" indent="0" algn="ctr" defTabSz="457200" rtl="0" eaLnBrk="1" fontAlgn="auto" latinLnBrk="0" hangingPunct="1">
+              <a:lnSpc>
+                <a:spcPct val="100000"/>
+              </a:lnSpc>
+              <a:spcBef>
+                <a:spcPts val="0"/>
+              </a:spcBef>
+              <a:spcAft>
+                <a:spcPts val="0"/>
+              </a:spcAft>
+              <a:buClrTx/>
+              <a:buSzTx/>
+              <a:buFontTx/>
+              <a:buNone/>
+              <a:tabLst/>
+              <a:defRPr/>
+            </a:pPr>
+            <a:endParaRPr kumimoji="0" lang="en-US" sz="1800" b="0" i="0" u="none" strike="noStrike" kern="1200" cap="none" spc="0" normalizeH="0" baseline="0" noProof="0">
+              <a:ln>
+                <a:noFill/>
+              </a:ln>
+              <a:solidFill>
+                <a:srgbClr val="FFFFFF"/>
+              </a:solidFill>
+              <a:effectLst/>
+              <a:uLnTx/>
+              <a:uFillTx/>
+              <a:latin typeface="Corbel" panose="020B0503020204020204"/>
+              <a:ea typeface="+mn-ea"/>
+              <a:cs typeface="+mn-cs"/>
+            </a:endParaRPr>
+          </a:p>
+        </p:txBody>
+      </p:sp>
+      <p:sp>
+        <p:nvSpPr>
+          <p:cNvPr id="137" name="Rectangle 136">
+            <a:extLst>
+              <a:ext uri="{FF2B5EF4-FFF2-40B4-BE49-F238E27FC236}">
+                <a16:creationId xmlns:a16="http://schemas.microsoft.com/office/drawing/2014/main" id="{3126970D-C1E5-4FB1-84E8-86CB9CED1C80}"/>
+              </a:ext>
+              <a:ext uri="{C183D7F6-B498-43B3-948B-1728B52AA6E4}">
+                <adec:decorative xmlns:adec="http://schemas.microsoft.com/office/drawing/2017/decorative" val="1"/>
+              </a:ext>
+            </a:extLst>
+          </p:cNvPr>
+          <p:cNvSpPr>
+            <a:spLocks noGrp="1" noRot="1" noChangeAspect="1" noMove="1" noResize="1" noEditPoints="1" noAdjustHandles="1" noChangeArrowheads="1" noChangeShapeType="1" noTextEdit="1"/>
+          </p:cNvSpPr>
+          <p:nvPr>
+            <p:extLst>
+              <p:ext uri="{386F3935-93C4-4BCD-93E2-E3B085C9AB24}">
+                <p16:designElem xmlns:p16="http://schemas.microsoft.com/office/powerpoint/2015/main" val="1"/>
+              </p:ext>
+            </p:extLst>
+          </p:nvPr>
+        </p:nvSpPr>
+        <p:spPr>
+          <a:xfrm>
+            <a:off x="0" y="4367639"/>
+            <a:ext cx="11707367" cy="1852186"/>
+          </a:xfrm>
+          <a:prstGeom prst="rect">
+            <a:avLst/>
+          </a:prstGeom>
+          <a:solidFill>
+            <a:schemeClr val="accent1"/>
+          </a:solidFill>
+          <a:ln>
+            <a:noFill/>
+          </a:ln>
+        </p:spPr>
+        <p:style>
+          <a:lnRef idx="2">
+            <a:schemeClr val="accent1">
+              <a:shade val="50000"/>
+            </a:schemeClr>
+          </a:lnRef>
+          <a:fillRef idx="1">
+            <a:schemeClr val="accent1"/>
+          </a:fillRef>
+          <a:effectRef idx="0">
+            <a:schemeClr val="accent1"/>
+          </a:effectRef>
+          <a:fontRef idx="minor">
+            <a:schemeClr val="lt1"/>
+          </a:fontRef>
+        </p:style>
+      </p:sp>
+      <p:sp>
+        <p:nvSpPr>
+          <p:cNvPr id="28" name="Заголовок 1">
+            <a:extLst>
+              <a:ext uri="{FF2B5EF4-FFF2-40B4-BE49-F238E27FC236}">
+                <a16:creationId xmlns:a16="http://schemas.microsoft.com/office/drawing/2014/main" id="{A1800B60-BA5D-4BD9-AAE0-43620F882506}"/>
+              </a:ext>
+            </a:extLst>
+          </p:cNvPr>
+          <p:cNvSpPr txBox="1">
+            <a:spLocks/>
+          </p:cNvSpPr>
+          <p:nvPr/>
+        </p:nvSpPr>
+        <p:spPr>
+          <a:xfrm>
+            <a:off x="274718" y="4690051"/>
+            <a:ext cx="10210862" cy="1293305"/>
+          </a:xfrm>
+          <a:prstGeom prst="rect">
+            <a:avLst/>
+          </a:prstGeom>
+        </p:spPr>
+        <p:txBody>
+          <a:bodyPr vert="horz" lIns="91440" tIns="45720" rIns="91440" bIns="45720" rtlCol="0" anchor="b">
+            <a:normAutofit fontScale="92500" lnSpcReduction="10000"/>
+          </a:bodyPr>
+          <a:lstStyle>
+            <a:lvl1pPr algn="l" defTabSz="914400" rtl="0" eaLnBrk="1" latinLnBrk="0" hangingPunct="1">
+              <a:lnSpc>
+                <a:spcPct val="90000"/>
+              </a:lnSpc>
+              <a:spcBef>
+                <a:spcPct val="0"/>
+              </a:spcBef>
+              <a:buNone/>
+              <a:defRPr sz="5900" kern="1200" spc="-100" baseline="0">
+                <a:solidFill>
+                  <a:srgbClr val="FFFFFF"/>
+                </a:solidFill>
+                <a:latin typeface="+mj-lt"/>
+                <a:ea typeface="+mj-ea"/>
+                <a:cs typeface="+mj-cs"/>
+              </a:defRPr>
+            </a:lvl1pPr>
+          </a:lstStyle>
+          <a:p>
+            <a:pPr marL="0" marR="0" lvl="0" indent="0" algn="l" defTabSz="914400" rtl="0" eaLnBrk="1" fontAlgn="auto" latinLnBrk="0" hangingPunct="1">
+              <a:lnSpc>
+                <a:spcPct val="90000"/>
+              </a:lnSpc>
+              <a:spcBef>
+                <a:spcPct val="0"/>
+              </a:spcBef>
+              <a:spcAft>
+                <a:spcPts val="600"/>
+              </a:spcAft>
+              <a:buClr>
+                <a:srgbClr val="40BAD2"/>
+              </a:buClr>
+              <a:buSzTx/>
+              <a:buFontTx/>
+              <a:buNone/>
+              <a:tabLst/>
+              <a:defRPr/>
+            </a:pPr>
+            <a:r>
+              <a:rPr lang="ru-RU" sz="3200" b="1" dirty="0">
+                <a:latin typeface="Corbel" panose="020B0503020204020204"/>
+              </a:rPr>
+              <a:t>Возможные способы получения контекста</a:t>
+            </a:r>
+            <a:br>
+              <a:rPr kumimoji="0" lang="en-US" sz="3200" b="1" i="0" u="none" strike="noStrike" kern="1200" cap="none" spc="-100" normalizeH="0" baseline="0" noProof="0" dirty="0">
+                <a:ln>
+                  <a:noFill/>
+                </a:ln>
+                <a:solidFill>
+                  <a:srgbClr val="FFFFFF"/>
+                </a:solidFill>
+                <a:effectLst/>
+                <a:uLnTx/>
+                <a:uFillTx/>
+                <a:latin typeface="Corbel" panose="020B0503020204020204"/>
+                <a:ea typeface="+mj-ea"/>
+                <a:cs typeface="+mj-cs"/>
+              </a:rPr>
+            </a:br>
+            <a:br>
+              <a:rPr kumimoji="0" lang="en-US" sz="3200" b="1" i="0" u="none" strike="noStrike" kern="1200" cap="none" spc="-100" normalizeH="0" baseline="0" noProof="0" dirty="0">
+                <a:ln>
+                  <a:noFill/>
+                </a:ln>
+                <a:solidFill>
+                  <a:srgbClr val="FFFFFF"/>
+                </a:solidFill>
+                <a:effectLst/>
+                <a:uLnTx/>
+                <a:uFillTx/>
+                <a:latin typeface="Corbel" panose="020B0503020204020204"/>
+                <a:ea typeface="+mj-ea"/>
+                <a:cs typeface="+mj-cs"/>
+              </a:rPr>
+            </a:br>
+            <a:endParaRPr kumimoji="0" lang="en-US" sz="3200" b="1" i="0" u="none" strike="noStrike" kern="1200" cap="none" spc="-100" normalizeH="0" baseline="0" noProof="0" dirty="0">
+              <a:ln>
+                <a:noFill/>
+              </a:ln>
+              <a:solidFill>
+                <a:srgbClr val="FFFFFF"/>
+              </a:solidFill>
+              <a:effectLst/>
+              <a:uLnTx/>
+              <a:uFillTx/>
+              <a:latin typeface="Corbel" panose="020B0503020204020204"/>
+              <a:ea typeface="+mj-ea"/>
+              <a:cs typeface="+mj-cs"/>
+            </a:endParaRPr>
+          </a:p>
+        </p:txBody>
+      </p:sp>
+      <p:sp>
+        <p:nvSpPr>
+          <p:cNvPr id="20" name="TextBox 19">
+            <a:extLst>
+              <a:ext uri="{FF2B5EF4-FFF2-40B4-BE49-F238E27FC236}">
+                <a16:creationId xmlns:a16="http://schemas.microsoft.com/office/drawing/2014/main" id="{2D8DE4D1-4C37-414A-81C8-4DAC723C8934}"/>
+              </a:ext>
+            </a:extLst>
+          </p:cNvPr>
+          <p:cNvSpPr txBox="1"/>
+          <p:nvPr/>
+        </p:nvSpPr>
+        <p:spPr>
+          <a:xfrm>
+            <a:off x="574147" y="509900"/>
+            <a:ext cx="10559072" cy="3347840"/>
+          </a:xfrm>
+          <a:prstGeom prst="rect">
+            <a:avLst/>
+          </a:prstGeom>
+          <a:noFill/>
+        </p:spPr>
+        <p:txBody>
+          <a:bodyPr wrap="square" rtlCol="0">
+            <a:spAutoFit/>
+          </a:bodyPr>
+          <a:lstStyle/>
+          <a:p>
+            <a:pPr algn="l">
+              <a:lnSpc>
+                <a:spcPct val="150000"/>
+              </a:lnSpc>
+              <a:buFont typeface="Arial" panose="020B0604020202020204" pitchFamily="34" charset="0"/>
+              <a:buChar char="•"/>
+            </a:pPr>
+            <a:r>
+              <a:rPr lang="en-US" sz="2400" b="1" i="1" dirty="0">
+                <a:solidFill>
+                  <a:srgbClr val="333333"/>
+                </a:solidFill>
+                <a:effectLst/>
+                <a:latin typeface="Arial" panose="020B0604020202020204" pitchFamily="34" charset="0"/>
+              </a:rPr>
+              <a:t>g</a:t>
+            </a:r>
+            <a:r>
+              <a:rPr lang="ru-RU" sz="2400" b="1" i="1" dirty="0" err="1">
+                <a:solidFill>
+                  <a:srgbClr val="333333"/>
+                </a:solidFill>
+                <a:effectLst/>
+                <a:latin typeface="Arial" panose="020B0604020202020204" pitchFamily="34" charset="0"/>
+              </a:rPr>
+              <a:t>etBaseContext</a:t>
+            </a:r>
+            <a:r>
+              <a:rPr lang="ru-RU" sz="2400" b="0" i="1" dirty="0">
+                <a:solidFill>
+                  <a:srgbClr val="333333"/>
+                </a:solidFill>
+                <a:effectLst/>
+                <a:latin typeface="Arial" panose="020B0604020202020204" pitchFamily="34" charset="0"/>
+              </a:rPr>
+              <a:t> </a:t>
+            </a:r>
+            <a:r>
+              <a:rPr lang="en-US" sz="2400" b="0" i="0" dirty="0">
+                <a:solidFill>
+                  <a:srgbClr val="333333"/>
+                </a:solidFill>
+                <a:effectLst/>
+                <a:latin typeface="Arial" panose="020B0604020202020204" pitchFamily="34" charset="0"/>
+              </a:rPr>
+              <a:t> - </a:t>
+            </a:r>
+            <a:r>
+              <a:rPr lang="ru-RU" sz="2400" b="0" i="0" dirty="0">
+                <a:solidFill>
+                  <a:srgbClr val="333333"/>
+                </a:solidFill>
+                <a:effectLst/>
+                <a:latin typeface="Arial" panose="020B0604020202020204" pitchFamily="34" charset="0"/>
+              </a:rPr>
+              <a:t>базовый контекст</a:t>
+            </a:r>
+          </a:p>
+          <a:p>
+            <a:pPr algn="l">
+              <a:lnSpc>
+                <a:spcPct val="150000"/>
+              </a:lnSpc>
+              <a:buFont typeface="Arial" panose="020B0604020202020204" pitchFamily="34" charset="0"/>
+              <a:buChar char="•"/>
+            </a:pPr>
+            <a:r>
+              <a:rPr lang="ru-RU" sz="2400" b="1" i="1" dirty="0" err="1">
+                <a:solidFill>
+                  <a:srgbClr val="333333"/>
+                </a:solidFill>
+                <a:effectLst/>
+                <a:latin typeface="Arial" panose="020B0604020202020204" pitchFamily="34" charset="0"/>
+              </a:rPr>
+              <a:t>getApplicationContext</a:t>
+            </a:r>
+            <a:r>
+              <a:rPr lang="ru-RU" sz="2400" b="0" i="1" dirty="0">
+                <a:solidFill>
+                  <a:srgbClr val="333333"/>
+                </a:solidFill>
+                <a:effectLst/>
+                <a:latin typeface="Arial" panose="020B0604020202020204" pitchFamily="34" charset="0"/>
+              </a:rPr>
+              <a:t> </a:t>
+            </a:r>
+            <a:r>
+              <a:rPr lang="en-US" sz="2400" dirty="0">
+                <a:solidFill>
+                  <a:srgbClr val="333333"/>
+                </a:solidFill>
+                <a:latin typeface="Arial" panose="020B0604020202020204" pitchFamily="34" charset="0"/>
+              </a:rPr>
+              <a:t>- </a:t>
+            </a:r>
+            <a:r>
+              <a:rPr lang="ru-RU" sz="2400" dirty="0">
+                <a:solidFill>
+                  <a:srgbClr val="333333"/>
+                </a:solidFill>
+                <a:latin typeface="Arial" panose="020B0604020202020204" pitchFamily="34" charset="0"/>
+              </a:rPr>
+              <a:t>контекст всего приложения (ссылка)</a:t>
+            </a:r>
+            <a:endParaRPr lang="ru-RU" sz="2400" b="0" i="0" dirty="0">
+              <a:solidFill>
+                <a:srgbClr val="333333"/>
+              </a:solidFill>
+              <a:effectLst/>
+              <a:latin typeface="Arial" panose="020B0604020202020204" pitchFamily="34" charset="0"/>
+            </a:endParaRPr>
+          </a:p>
+          <a:p>
+            <a:pPr algn="l">
+              <a:lnSpc>
+                <a:spcPct val="150000"/>
+              </a:lnSpc>
+              <a:buFont typeface="Arial" panose="020B0604020202020204" pitchFamily="34" charset="0"/>
+              <a:buChar char="•"/>
+            </a:pPr>
+            <a:r>
+              <a:rPr lang="ru-RU" sz="2400" b="1" i="0" dirty="0" err="1">
+                <a:solidFill>
+                  <a:srgbClr val="333333"/>
+                </a:solidFill>
+                <a:effectLst/>
+                <a:latin typeface="Arial" panose="020B0604020202020204" pitchFamily="34" charset="0"/>
+              </a:rPr>
+              <a:t>getContext</a:t>
+            </a:r>
+            <a:r>
+              <a:rPr lang="ru-RU" sz="2400" b="1" i="0" dirty="0">
+                <a:solidFill>
+                  <a:srgbClr val="333333"/>
+                </a:solidFill>
+                <a:effectLst/>
+                <a:latin typeface="Arial" panose="020B0604020202020204" pitchFamily="34" charset="0"/>
+              </a:rPr>
+              <a:t> - </a:t>
+            </a:r>
+            <a:r>
+              <a:rPr lang="ru-RU" sz="2400" b="0" i="0" dirty="0">
+                <a:solidFill>
+                  <a:srgbClr val="333333"/>
+                </a:solidFill>
+                <a:effectLst/>
+                <a:latin typeface="Arial" panose="020B0604020202020204" pitchFamily="34" charset="0"/>
+              </a:rPr>
+              <a:t>ссылка на текущий объект (активность или сервис)</a:t>
+            </a:r>
+          </a:p>
+          <a:p>
+            <a:pPr algn="l">
+              <a:lnSpc>
+                <a:spcPct val="150000"/>
+              </a:lnSpc>
+              <a:buFont typeface="Arial" panose="020B0604020202020204" pitchFamily="34" charset="0"/>
+              <a:buChar char="•"/>
+            </a:pPr>
+            <a:r>
+              <a:rPr lang="ru-RU" sz="2400" b="1" i="1" dirty="0" err="1">
+                <a:solidFill>
+                  <a:srgbClr val="333333"/>
+                </a:solidFill>
+                <a:effectLst/>
+                <a:latin typeface="Arial" panose="020B0604020202020204" pitchFamily="34" charset="0"/>
+              </a:rPr>
+              <a:t>this</a:t>
+            </a:r>
+            <a:r>
+              <a:rPr lang="ru-RU" sz="2400" b="0" i="1" dirty="0">
+                <a:solidFill>
+                  <a:srgbClr val="333333"/>
+                </a:solidFill>
+                <a:effectLst/>
+                <a:latin typeface="Arial" panose="020B0604020202020204" pitchFamily="34" charset="0"/>
+              </a:rPr>
+              <a:t> - </a:t>
+            </a:r>
+            <a:r>
+              <a:rPr lang="ru-RU" sz="2400" b="0" i="0" dirty="0">
+                <a:solidFill>
+                  <a:srgbClr val="333333"/>
+                </a:solidFill>
+                <a:effectLst/>
+                <a:latin typeface="Arial" panose="020B0604020202020204" pitchFamily="34" charset="0"/>
+              </a:rPr>
+              <a:t>то же, что и </a:t>
+            </a:r>
+            <a:r>
+              <a:rPr lang="ru-RU" sz="2400" b="0" i="0" dirty="0" err="1">
+                <a:solidFill>
+                  <a:srgbClr val="333333"/>
+                </a:solidFill>
+                <a:effectLst/>
+                <a:latin typeface="Arial" panose="020B0604020202020204" pitchFamily="34" charset="0"/>
+              </a:rPr>
+              <a:t>getContext</a:t>
+            </a:r>
+            <a:endParaRPr lang="ru-RU" sz="2400" b="0" i="0" dirty="0">
+              <a:solidFill>
+                <a:srgbClr val="333333"/>
+              </a:solidFill>
+              <a:effectLst/>
+              <a:latin typeface="Arial" panose="020B0604020202020204" pitchFamily="34" charset="0"/>
+            </a:endParaRPr>
+          </a:p>
+          <a:p>
+            <a:pPr algn="l">
+              <a:lnSpc>
+                <a:spcPct val="150000"/>
+              </a:lnSpc>
+              <a:buFont typeface="Arial" panose="020B0604020202020204" pitchFamily="34" charset="0"/>
+              <a:buChar char="•"/>
+            </a:pPr>
+            <a:r>
+              <a:rPr lang="ru-RU" sz="2400" b="1" i="1" dirty="0" err="1">
+                <a:solidFill>
+                  <a:srgbClr val="333333"/>
+                </a:solidFill>
+                <a:effectLst/>
+                <a:latin typeface="Arial" panose="020B0604020202020204" pitchFamily="34" charset="0"/>
+              </a:rPr>
+              <a:t>MainActivity.this</a:t>
+            </a:r>
+            <a:r>
+              <a:rPr lang="ru-RU" sz="2400" b="0" i="0" dirty="0">
+                <a:solidFill>
+                  <a:srgbClr val="333333"/>
+                </a:solidFill>
+                <a:effectLst/>
+                <a:latin typeface="Arial" panose="020B0604020202020204" pitchFamily="34" charset="0"/>
+              </a:rPr>
+              <a:t> - ссылку на объект </a:t>
+            </a:r>
+            <a:r>
+              <a:rPr lang="ru-RU" sz="2400" b="0" i="0" dirty="0" err="1">
+                <a:solidFill>
+                  <a:srgbClr val="333333"/>
+                </a:solidFill>
+                <a:effectLst/>
+                <a:latin typeface="Arial" panose="020B0604020202020204" pitchFamily="34" charset="0"/>
+              </a:rPr>
+              <a:t>MainActivity</a:t>
+            </a:r>
+            <a:endParaRPr lang="ru-RU" sz="2400" b="0" i="0" dirty="0">
+              <a:solidFill>
+                <a:srgbClr val="333333"/>
+              </a:solidFill>
+              <a:effectLst/>
+              <a:latin typeface="Arial" panose="020B0604020202020204" pitchFamily="34" charset="0"/>
+            </a:endParaRPr>
+          </a:p>
+          <a:p>
+            <a:pPr algn="l">
+              <a:lnSpc>
+                <a:spcPct val="150000"/>
+              </a:lnSpc>
+              <a:buFont typeface="Arial" panose="020B0604020202020204" pitchFamily="34" charset="0"/>
+              <a:buChar char="•"/>
+            </a:pPr>
+            <a:r>
+              <a:rPr lang="ru-RU" sz="2400" b="1" i="1" dirty="0" err="1">
+                <a:solidFill>
+                  <a:srgbClr val="333333"/>
+                </a:solidFill>
+                <a:effectLst/>
+                <a:latin typeface="Arial" panose="020B0604020202020204" pitchFamily="34" charset="0"/>
+              </a:rPr>
+              <a:t>getActivity</a:t>
+            </a:r>
+            <a:r>
+              <a:rPr lang="ru-RU" sz="2400" b="0" i="1" dirty="0">
+                <a:solidFill>
+                  <a:srgbClr val="333333"/>
+                </a:solidFill>
+                <a:effectLst/>
+                <a:latin typeface="Arial" panose="020B0604020202020204" pitchFamily="34" charset="0"/>
+              </a:rPr>
+              <a:t> - </a:t>
+            </a:r>
+            <a:r>
+              <a:rPr lang="ru-RU" sz="2400" b="0" i="0" dirty="0">
+                <a:solidFill>
+                  <a:srgbClr val="333333"/>
+                </a:solidFill>
+                <a:effectLst/>
+                <a:latin typeface="Arial" panose="020B0604020202020204" pitchFamily="34" charset="0"/>
+              </a:rPr>
+              <a:t>объект родительской активности внутри объекта</a:t>
+            </a:r>
+          </a:p>
+        </p:txBody>
+      </p:sp>
+      <p:sp>
+        <p:nvSpPr>
+          <p:cNvPr id="24" name="Прямоугольник 23">
+            <a:extLst>
+              <a:ext uri="{FF2B5EF4-FFF2-40B4-BE49-F238E27FC236}">
+                <a16:creationId xmlns:a16="http://schemas.microsoft.com/office/drawing/2014/main" id="{00279A50-D367-422D-9688-2BF86FEBA1E8}"/>
+              </a:ext>
+            </a:extLst>
+          </p:cNvPr>
+          <p:cNvSpPr/>
+          <p:nvPr/>
+        </p:nvSpPr>
+        <p:spPr>
+          <a:xfrm>
+            <a:off x="463193" y="334723"/>
+            <a:ext cx="11244174" cy="3937374"/>
+          </a:xfrm>
+          <a:prstGeom prst="rect">
+            <a:avLst/>
+          </a:prstGeom>
+          <a:noFill/>
+          <a:ln w="38100">
+            <a:solidFill>
+              <a:schemeClr val="tx1">
+                <a:lumMod val="50000"/>
+                <a:lumOff val="50000"/>
+              </a:schemeClr>
+            </a:solidFill>
+          </a:ln>
+        </p:spPr>
+        <p:style>
+          <a:lnRef idx="2">
+            <a:schemeClr val="accent1">
+              <a:shade val="50000"/>
+            </a:schemeClr>
+          </a:lnRef>
+          <a:fillRef idx="1">
+            <a:schemeClr val="accent1"/>
+          </a:fillRef>
+          <a:effectRef idx="0">
+            <a:schemeClr val="accent1"/>
+          </a:effectRef>
+          <a:fontRef idx="minor">
+            <a:schemeClr val="lt1"/>
+          </a:fontRef>
+        </p:style>
+        <p:txBody>
+          <a:bodyPr rtlCol="0" anchor="ctr"/>
+          <a:lstStyle/>
+          <a:p>
+            <a:pPr algn="ctr"/>
+            <a:endParaRPr lang="ru-RU">
+              <a:noFill/>
+            </a:endParaRPr>
+          </a:p>
+        </p:txBody>
+      </p:sp>
+    </p:spTree>
+    <p:extLst>
+      <p:ext uri="{BB962C8B-B14F-4D97-AF65-F5344CB8AC3E}">
+        <p14:creationId xmlns:p14="http://schemas.microsoft.com/office/powerpoint/2010/main" val="877715743"/>
+      </p:ext>
+    </p:extLst>
+  </p:cSld>
+  <p:clrMapOvr>
+    <a:masterClrMapping/>
+  </p:clrMapOvr>
+</p:sld>
+</file>
+
+<file path=ppt/slides/slide5.xml><?xml version="1.0" encoding="utf-8"?>
+<p:sld xmlns:a="http://schemas.openxmlformats.org/drawingml/2006/main" xmlns:r="http://schemas.openxmlformats.org/officeDocument/2006/relationships" xmlns:p="http://schemas.openxmlformats.org/presentationml/2006/main">
+  <p:cSld>
+    <p:bg>
+      <p:bgPr>
+        <a:solidFill>
+          <a:schemeClr val="bg1"/>
+        </a:solidFill>
+        <a:effectLst/>
+      </p:bgPr>
+    </p:bg>
+    <p:spTree>
+      <p:nvGrpSpPr>
+        <p:cNvPr id="1" name=""/>
+        <p:cNvGrpSpPr/>
+        <p:nvPr/>
+      </p:nvGrpSpPr>
+      <p:grpSpPr>
+        <a:xfrm>
+          <a:off x="0" y="0"/>
+          <a:ext cx="0" cy="0"/>
+          <a:chOff x="0" y="0"/>
+          <a:chExt cx="0" cy="0"/>
+        </a:xfrm>
+      </p:grpSpPr>
+      <p:sp>
+        <p:nvSpPr>
+          <p:cNvPr id="71" name="Rectangle 70">
+            <a:extLst>
+              <a:ext uri="{FF2B5EF4-FFF2-40B4-BE49-F238E27FC236}">
+                <a16:creationId xmlns:a16="http://schemas.microsoft.com/office/drawing/2014/main" id="{DB8424AB-D56B-4256-866A-5B54DE93C20F}"/>
+              </a:ext>
+              <a:ext uri="{C183D7F6-B498-43B3-948B-1728B52AA6E4}">
+                <adec:decorative xmlns:adec="http://schemas.microsoft.com/office/drawing/2017/decorative" val="1"/>
+              </a:ext>
+            </a:extLst>
+          </p:cNvPr>
+          <p:cNvSpPr>
+            <a:spLocks noGrp="1" noRot="1" noChangeAspect="1" noMove="1" noResize="1" noEditPoints="1" noAdjustHandles="1" noChangeArrowheads="1" noChangeShapeType="1" noTextEdit="1"/>
+          </p:cNvSpPr>
+          <p:nvPr>
+            <p:extLst>
+              <p:ext uri="{386F3935-93C4-4BCD-93E2-E3B085C9AB24}">
+                <p16:designElem xmlns:p16="http://schemas.microsoft.com/office/powerpoint/2015/main" val="1"/>
+              </p:ext>
+            </p:extLst>
+          </p:nvPr>
+        </p:nvSpPr>
+        <p:spPr>
+          <a:xfrm>
+            <a:off x="0" y="761999"/>
+            <a:ext cx="9141619" cy="5334001"/>
+          </a:xfrm>
+          <a:prstGeom prst="rect">
+            <a:avLst/>
+          </a:prstGeom>
+          <a:solidFill>
+            <a:schemeClr val="accent1"/>
+          </a:solidFill>
+          <a:ln>
+            <a:noFill/>
+          </a:ln>
+        </p:spPr>
+        <p:style>
+          <a:lnRef idx="2">
+            <a:schemeClr val="accent1">
+              <a:shade val="50000"/>
+            </a:schemeClr>
+          </a:lnRef>
+          <a:fillRef idx="1">
+            <a:schemeClr val="accent1"/>
+          </a:fillRef>
+          <a:effectRef idx="0">
+            <a:schemeClr val="accent1"/>
+          </a:effectRef>
+          <a:fontRef idx="minor">
+            <a:schemeClr val="lt1"/>
+          </a:fontRef>
+        </p:style>
+      </p:sp>
+      <p:sp>
+        <p:nvSpPr>
+          <p:cNvPr id="73" name="Rectangle 72">
+            <a:extLst>
+              <a:ext uri="{FF2B5EF4-FFF2-40B4-BE49-F238E27FC236}">
+                <a16:creationId xmlns:a16="http://schemas.microsoft.com/office/drawing/2014/main" id="{FC999C28-AD33-4EB7-A5F1-C06D10A5FDF7}"/>
+              </a:ext>
+              <a:ext uri="{C183D7F6-B498-43B3-948B-1728B52AA6E4}">
+                <adec:decorative xmlns:adec="http://schemas.microsoft.com/office/drawing/2017/decorative" val="1"/>
+              </a:ext>
+            </a:extLst>
+          </p:cNvPr>
+          <p:cNvSpPr>
+            <a:spLocks noGrp="1" noRot="1" noChangeAspect="1" noMove="1" noResize="1" noEditPoints="1" noAdjustHandles="1" noChangeArrowheads="1" noChangeShapeType="1" noTextEdit="1"/>
+          </p:cNvSpPr>
+          <p:nvPr>
+            <p:extLst>
+              <p:ext uri="{386F3935-93C4-4BCD-93E2-E3B085C9AB24}">
+                <p16:designElem xmlns:p16="http://schemas.microsoft.com/office/powerpoint/2015/main" val="1"/>
+              </p:ext>
+            </p:extLst>
+          </p:nvPr>
+        </p:nvSpPr>
+        <p:spPr>
+          <a:xfrm>
+            <a:off x="9270263" y="761999"/>
+            <a:ext cx="2925318" cy="5334001"/>
+          </a:xfrm>
+          <a:prstGeom prst="rect">
+            <a:avLst/>
+          </a:prstGeom>
+          <a:solidFill>
+            <a:srgbClr val="C8C8C8">
+              <a:alpha val="49804"/>
+            </a:srgbClr>
+          </a:solidFill>
+          <a:ln>
+            <a:noFill/>
+          </a:ln>
+        </p:spPr>
+        <p:style>
+          <a:lnRef idx="2">
+            <a:schemeClr val="accent1">
+              <a:shade val="50000"/>
+            </a:schemeClr>
+          </a:lnRef>
+          <a:fillRef idx="1">
+            <a:schemeClr val="accent1"/>
+          </a:fillRef>
+          <a:effectRef idx="0">
+            <a:schemeClr val="accent1"/>
+          </a:effectRef>
+          <a:fontRef idx="minor">
+            <a:schemeClr val="lt1"/>
+          </a:fontRef>
+        </p:style>
+      </p:sp>
+      <p:sp useBgFill="1">
+        <p:nvSpPr>
+          <p:cNvPr id="75" name="Rectangle 74">
+            <a:extLst>
+              <a:ext uri="{FF2B5EF4-FFF2-40B4-BE49-F238E27FC236}">
+                <a16:creationId xmlns:a16="http://schemas.microsoft.com/office/drawing/2014/main" id="{9203ABB4-7E2A-4248-9FE7-4A419AFF2F17}"/>
+              </a:ext>
+              <a:ext uri="{C183D7F6-B498-43B3-948B-1728B52AA6E4}">
+                <adec:decorative xmlns:adec="http://schemas.microsoft.com/office/drawing/2017/decorative" val="1"/>
+              </a:ext>
+            </a:extLst>
+          </p:cNvPr>
+          <p:cNvSpPr>
+            <a:spLocks noGrp="1" noRot="1" noChangeAspect="1" noMove="1" noResize="1" noEditPoints="1" noAdjustHandles="1" noChangeArrowheads="1" noChangeShapeType="1" noTextEdit="1"/>
+          </p:cNvSpPr>
+          <p:nvPr>
+            <p:extLst>
+              <p:ext uri="{386F3935-93C4-4BCD-93E2-E3B085C9AB24}">
+                <p16:designElem xmlns:p16="http://schemas.microsoft.com/office/powerpoint/2015/main" val="1"/>
+              </p:ext>
+            </p:extLst>
+          </p:nvPr>
+        </p:nvSpPr>
+        <p:spPr>
+          <a:xfrm>
+            <a:off x="0" y="0"/>
+            <a:ext cx="12191999" cy="6858000"/>
+          </a:xfrm>
+          <a:prstGeom prst="rect">
+            <a:avLst/>
+          </a:prstGeom>
+          <a:ln>
+            <a:noFill/>
+          </a:ln>
+        </p:spPr>
+        <p:style>
+          <a:lnRef idx="2">
+            <a:schemeClr val="accent1">
+              <a:shade val="50000"/>
+            </a:schemeClr>
+          </a:lnRef>
+          <a:fillRef idx="1">
+            <a:schemeClr val="accent1"/>
+          </a:fillRef>
+          <a:effectRef idx="0">
+            <a:schemeClr val="accent1"/>
+          </a:effectRef>
+          <a:fontRef idx="minor">
+            <a:schemeClr val="lt1"/>
+          </a:fontRef>
+        </p:style>
+        <p:txBody>
+          <a:bodyPr rtlCol="0" anchor="ctr"/>
+          <a:lstStyle/>
+          <a:p>
+            <a:pPr algn="ctr"/>
+            <a:endParaRPr lang="en-US"/>
+          </a:p>
+        </p:txBody>
+      </p:sp>
+      <p:sp>
+        <p:nvSpPr>
+          <p:cNvPr id="77" name="Rectangle 76">
+            <a:extLst>
+              <a:ext uri="{FF2B5EF4-FFF2-40B4-BE49-F238E27FC236}">
+                <a16:creationId xmlns:a16="http://schemas.microsoft.com/office/drawing/2014/main" id="{3126970D-C1E5-4FB1-84E8-86CB9CED1C80}"/>
+              </a:ext>
+              <a:ext uri="{C183D7F6-B498-43B3-948B-1728B52AA6E4}">
+                <adec:decorative xmlns:adec="http://schemas.microsoft.com/office/drawing/2017/decorative" val="1"/>
+              </a:ext>
+            </a:extLst>
+          </p:cNvPr>
+          <p:cNvSpPr>
+            <a:spLocks noGrp="1" noRot="1" noChangeAspect="1" noMove="1" noResize="1" noEditPoints="1" noAdjustHandles="1" noChangeArrowheads="1" noChangeShapeType="1" noTextEdit="1"/>
+          </p:cNvSpPr>
+          <p:nvPr>
+            <p:extLst>
+              <p:ext uri="{386F3935-93C4-4BCD-93E2-E3B085C9AB24}">
+                <p16:designElem xmlns:p16="http://schemas.microsoft.com/office/powerpoint/2015/main" val="1"/>
+              </p:ext>
+            </p:extLst>
+          </p:nvPr>
+        </p:nvSpPr>
+        <p:spPr>
+          <a:xfrm>
+            <a:off x="0" y="4367639"/>
+            <a:ext cx="11707367" cy="1852186"/>
+          </a:xfrm>
+          <a:prstGeom prst="rect">
+            <a:avLst/>
+          </a:prstGeom>
+          <a:solidFill>
+            <a:schemeClr val="accent1"/>
+          </a:solidFill>
+          <a:ln>
+            <a:noFill/>
+          </a:ln>
+        </p:spPr>
+        <p:style>
+          <a:lnRef idx="2">
+            <a:schemeClr val="accent1">
+              <a:shade val="50000"/>
+            </a:schemeClr>
+          </a:lnRef>
+          <a:fillRef idx="1">
+            <a:schemeClr val="accent1"/>
+          </a:fillRef>
+          <a:effectRef idx="0">
+            <a:schemeClr val="accent1"/>
+          </a:effectRef>
+          <a:fontRef idx="minor">
+            <a:schemeClr val="lt1"/>
+          </a:fontRef>
+        </p:style>
+      </p:sp>
+      <p:sp>
+        <p:nvSpPr>
+          <p:cNvPr id="5" name="Заголовок 1">
+            <a:extLst>
+              <a:ext uri="{FF2B5EF4-FFF2-40B4-BE49-F238E27FC236}">
+                <a16:creationId xmlns:a16="http://schemas.microsoft.com/office/drawing/2014/main" id="{0AE9A5B2-4DA6-4505-916C-20351ECFD07D}"/>
+              </a:ext>
+            </a:extLst>
+          </p:cNvPr>
+          <p:cNvSpPr>
+            <a:spLocks noGrp="1"/>
+          </p:cNvSpPr>
+          <p:nvPr>
+            <p:ph type="title"/>
+          </p:nvPr>
+        </p:nvSpPr>
+        <p:spPr>
+          <a:xfrm>
+            <a:off x="1069848" y="4590661"/>
+            <a:ext cx="10210862" cy="1065690"/>
+          </a:xfrm>
+        </p:spPr>
+        <p:txBody>
+          <a:bodyPr vert="horz" lIns="91440" tIns="45720" rIns="91440" bIns="45720" rtlCol="0" anchor="b">
+            <a:normAutofit/>
+          </a:bodyPr>
+          <a:lstStyle/>
+          <a:p>
+            <a:r>
+              <a:rPr lang="ru-RU" sz="5900" b="1" spc="-100" dirty="0"/>
+              <a:t>Намерения</a:t>
+            </a:r>
+            <a:endParaRPr lang="en-US" sz="5900" b="1" spc="-100" dirty="0"/>
+          </a:p>
+        </p:txBody>
+      </p:sp>
+      <p:pic>
+        <p:nvPicPr>
+          <p:cNvPr id="4" name="Рисунок 3">
+            <a:extLst>
+              <a:ext uri="{FF2B5EF4-FFF2-40B4-BE49-F238E27FC236}">
+                <a16:creationId xmlns:a16="http://schemas.microsoft.com/office/drawing/2014/main" id="{5F8C7EB8-80AA-4407-913D-0286B4253193}"/>
+              </a:ext>
+            </a:extLst>
+          </p:cNvPr>
+          <p:cNvPicPr>
+            <a:picLocks noChangeAspect="1"/>
+          </p:cNvPicPr>
+          <p:nvPr/>
+        </p:nvPicPr>
+        <p:blipFill>
+          <a:blip r:embed="rId2"/>
+          <a:stretch>
+            <a:fillRect/>
+          </a:stretch>
+        </p:blipFill>
+        <p:spPr>
+          <a:xfrm>
+            <a:off x="3731775" y="540550"/>
+            <a:ext cx="4887007" cy="3486637"/>
+          </a:xfrm>
+          <a:prstGeom prst="rect">
+            <a:avLst/>
+          </a:prstGeom>
+        </p:spPr>
+      </p:pic>
+    </p:spTree>
+    <p:extLst>
+      <p:ext uri="{BB962C8B-B14F-4D97-AF65-F5344CB8AC3E}">
+        <p14:creationId xmlns:p14="http://schemas.microsoft.com/office/powerpoint/2010/main" val="952940763"/>
+      </p:ext>
+    </p:extLst>
+  </p:cSld>
+  <p:clrMapOvr>
+    <a:masterClrMapping/>
+  </p:clrMapOvr>
+</p:sld>
+</file>
+
+<file path=ppt/slides/slide6.xml><?xml version="1.0" encoding="utf-8"?>
+<p:sld xmlns:a="http://schemas.openxmlformats.org/drawingml/2006/main" xmlns:r="http://schemas.openxmlformats.org/officeDocument/2006/relationships" xmlns:p="http://schemas.openxmlformats.org/presentationml/2006/main">
+  <p:cSld>
+    <p:bg>
+      <p:bgPr>
+        <a:solidFill>
+          <a:schemeClr val="bg1"/>
+        </a:solidFill>
+        <a:effectLst/>
+      </p:bgPr>
+    </p:bg>
+    <p:spTree>
+      <p:nvGrpSpPr>
+        <p:cNvPr id="1" name=""/>
+        <p:cNvGrpSpPr/>
+        <p:nvPr/>
+      </p:nvGrpSpPr>
+      <p:grpSpPr>
+        <a:xfrm>
+          <a:off x="0" y="0"/>
+          <a:ext cx="0" cy="0"/>
+          <a:chOff x="0" y="0"/>
+          <a:chExt cx="0" cy="0"/>
+        </a:xfrm>
+      </p:grpSpPr>
+      <p:sp useBgFill="1">
+        <p:nvSpPr>
+          <p:cNvPr id="192" name="Rectangle 191">
+            <a:extLst>
+              <a:ext uri="{FF2B5EF4-FFF2-40B4-BE49-F238E27FC236}">
+                <a16:creationId xmlns:a16="http://schemas.microsoft.com/office/drawing/2014/main" id="{0864E5C9-52C9-4572-AC75-548B9B9C2648}"/>
+              </a:ext>
+              <a:ext uri="{C183D7F6-B498-43B3-948B-1728B52AA6E4}">
+                <adec:decorative xmlns:adec="http://schemas.microsoft.com/office/drawing/2017/decorative" val="1"/>
+              </a:ext>
+            </a:extLst>
+          </p:cNvPr>
+          <p:cNvSpPr>
+            <a:spLocks noGrp="1" noRot="1" noChangeAspect="1" noMove="1" noResize="1" noEditPoints="1" noAdjustHandles="1" noChangeArrowheads="1" noChangeShapeType="1" noTextEdit="1"/>
+          </p:cNvSpPr>
+          <p:nvPr>
+            <p:extLst>
+              <p:ext uri="{386F3935-93C4-4BCD-93E2-E3B085C9AB24}">
+                <p16:designElem xmlns:p16="http://schemas.microsoft.com/office/powerpoint/2015/main" val="1"/>
+              </p:ext>
+            </p:extLst>
+          </p:nvPr>
+        </p:nvSpPr>
+        <p:spPr>
+          <a:xfrm>
+            <a:off x="0" y="0"/>
+            <a:ext cx="12191999" cy="6858000"/>
+          </a:xfrm>
+          <a:prstGeom prst="rect">
+            <a:avLst/>
+          </a:prstGeom>
+          <a:ln>
+            <a:noFill/>
+          </a:ln>
+        </p:spPr>
+        <p:style>
+          <a:lnRef idx="2">
+            <a:schemeClr val="accent1">
+              <a:shade val="50000"/>
+            </a:schemeClr>
+          </a:lnRef>
+          <a:fillRef idx="1">
+            <a:schemeClr val="accent1"/>
+          </a:fillRef>
+          <a:effectRef idx="0">
+            <a:schemeClr val="accent1"/>
+          </a:effectRef>
+          <a:fontRef idx="minor">
+            <a:schemeClr val="lt1"/>
+          </a:fontRef>
+        </p:style>
+        <p:txBody>
+          <a:bodyPr rtlCol="0" anchor="ctr"/>
+          <a:lstStyle/>
+          <a:p>
+            <a:pPr algn="ctr"/>
+            <a:endParaRPr lang="en-US"/>
+          </a:p>
+        </p:txBody>
+      </p:sp>
+      <p:sp>
+        <p:nvSpPr>
+          <p:cNvPr id="193" name="Rectangle 192">
+            <a:extLst>
+              <a:ext uri="{FF2B5EF4-FFF2-40B4-BE49-F238E27FC236}">
+                <a16:creationId xmlns:a16="http://schemas.microsoft.com/office/drawing/2014/main" id="{45CC6500-4DBD-4C34-BC14-2387FB483BEB}"/>
+              </a:ext>
+              <a:ext uri="{C183D7F6-B498-43B3-948B-1728B52AA6E4}">
+                <adec:decorative xmlns:adec="http://schemas.microsoft.com/office/drawing/2017/decorative" val="1"/>
+              </a:ext>
+            </a:extLst>
+          </p:cNvPr>
+          <p:cNvSpPr>
+            <a:spLocks noGrp="1" noRot="1" noChangeAspect="1" noMove="1" noResize="1" noEditPoints="1" noAdjustHandles="1" noChangeArrowheads="1" noChangeShapeType="1" noTextEdit="1"/>
+          </p:cNvSpPr>
+          <p:nvPr>
+            <p:extLst>
+              <p:ext uri="{386F3935-93C4-4BCD-93E2-E3B085C9AB24}">
+                <p16:designElem xmlns:p16="http://schemas.microsoft.com/office/powerpoint/2015/main" val="1"/>
+              </p:ext>
+            </p:extLst>
+          </p:nvPr>
+        </p:nvSpPr>
+        <p:spPr>
+          <a:xfrm>
+            <a:off x="1" y="761999"/>
+            <a:ext cx="4642228" cy="5334001"/>
+          </a:xfrm>
+          <a:prstGeom prst="rect">
+            <a:avLst/>
+          </a:prstGeom>
+          <a:solidFill>
+            <a:schemeClr val="accent1"/>
+          </a:solidFill>
+          <a:ln>
+            <a:noFill/>
+          </a:ln>
+        </p:spPr>
+        <p:style>
+          <a:lnRef idx="2">
+            <a:schemeClr val="accent1">
+              <a:shade val="50000"/>
+            </a:schemeClr>
+          </a:lnRef>
+          <a:fillRef idx="1">
+            <a:schemeClr val="accent1"/>
+          </a:fillRef>
+          <a:effectRef idx="0">
+            <a:schemeClr val="accent1"/>
+          </a:effectRef>
+          <a:fontRef idx="minor">
+            <a:schemeClr val="lt1"/>
+          </a:fontRef>
+        </p:style>
+      </p:sp>
+      <p:sp>
+        <p:nvSpPr>
+          <p:cNvPr id="28" name="Заголовок 1">
+            <a:extLst>
+              <a:ext uri="{FF2B5EF4-FFF2-40B4-BE49-F238E27FC236}">
+                <a16:creationId xmlns:a16="http://schemas.microsoft.com/office/drawing/2014/main" id="{A1800B60-BA5D-4BD9-AAE0-43620F882506}"/>
+              </a:ext>
+            </a:extLst>
+          </p:cNvPr>
+          <p:cNvSpPr txBox="1">
+            <a:spLocks/>
+          </p:cNvSpPr>
+          <p:nvPr/>
+        </p:nvSpPr>
+        <p:spPr>
+          <a:xfrm>
+            <a:off x="180474" y="1147528"/>
+            <a:ext cx="4461755" cy="3255264"/>
+          </a:xfrm>
+          <a:prstGeom prst="rect">
+            <a:avLst/>
+          </a:prstGeom>
+        </p:spPr>
+        <p:txBody>
+          <a:bodyPr vert="horz" lIns="91440" tIns="45720" rIns="91440" bIns="45720" rtlCol="0" anchor="b">
+            <a:normAutofit/>
+          </a:bodyPr>
+          <a:lstStyle>
+            <a:lvl1pPr algn="l" defTabSz="914400" rtl="0" eaLnBrk="1" latinLnBrk="0" hangingPunct="1">
+              <a:lnSpc>
+                <a:spcPct val="90000"/>
+              </a:lnSpc>
+              <a:spcBef>
+                <a:spcPct val="0"/>
+              </a:spcBef>
+              <a:buNone/>
+              <a:defRPr sz="5900" kern="1200" spc="-100" baseline="0">
+                <a:solidFill>
+                  <a:srgbClr val="FFFFFF"/>
+                </a:solidFill>
+                <a:latin typeface="+mj-lt"/>
+                <a:ea typeface="+mj-ea"/>
+                <a:cs typeface="+mj-cs"/>
+              </a:defRPr>
+            </a:lvl1pPr>
+          </a:lstStyle>
+          <a:p>
+            <a:pPr marL="0" marR="0" lvl="0" indent="0" algn="l" defTabSz="914400" rtl="0" eaLnBrk="1" fontAlgn="auto" latinLnBrk="0" hangingPunct="1">
+              <a:lnSpc>
+                <a:spcPct val="90000"/>
+              </a:lnSpc>
+              <a:spcBef>
+                <a:spcPct val="0"/>
+              </a:spcBef>
+              <a:spcAft>
+                <a:spcPts val="600"/>
+              </a:spcAft>
+              <a:buClr>
+                <a:srgbClr val="40BAD2"/>
+              </a:buClr>
+              <a:buSzTx/>
+              <a:buFontTx/>
+              <a:buNone/>
+              <a:tabLst/>
+              <a:defRPr/>
+            </a:pPr>
+            <a:r>
+              <a:rPr kumimoji="0" lang="ru-RU" sz="4400" b="1" i="0" u="none" strike="noStrike" kern="1200" cap="none" spc="-100" normalizeH="0" baseline="0" noProof="0" dirty="0">
+                <a:ln>
+                  <a:noFill/>
+                </a:ln>
+                <a:solidFill>
+                  <a:srgbClr val="FFFFFF"/>
+                </a:solidFill>
+                <a:effectLst/>
+                <a:uLnTx/>
+                <a:uFillTx/>
+                <a:latin typeface="Corbel" panose="020B0503020204020204"/>
+                <a:ea typeface="+mj-ea"/>
+                <a:cs typeface="+mj-cs"/>
+              </a:rPr>
+              <a:t>Явные намерения</a:t>
+            </a:r>
+            <a:endParaRPr kumimoji="0" lang="en-US" sz="4400" b="1" i="0" u="none" strike="noStrike" kern="1200" cap="none" spc="-100" normalizeH="0" baseline="0" noProof="0" dirty="0">
+              <a:ln>
+                <a:noFill/>
+              </a:ln>
+              <a:solidFill>
+                <a:srgbClr val="FFFFFF"/>
+              </a:solidFill>
+              <a:effectLst/>
+              <a:uLnTx/>
+              <a:uFillTx/>
+              <a:latin typeface="Corbel" panose="020B0503020204020204"/>
+              <a:ea typeface="+mj-ea"/>
+              <a:cs typeface="+mj-cs"/>
+            </a:endParaRPr>
+          </a:p>
+        </p:txBody>
+      </p:sp>
+      <p:sp>
+        <p:nvSpPr>
+          <p:cNvPr id="194" name="Rectangle 193">
+            <a:extLst>
+              <a:ext uri="{FF2B5EF4-FFF2-40B4-BE49-F238E27FC236}">
+                <a16:creationId xmlns:a16="http://schemas.microsoft.com/office/drawing/2014/main" id="{4E34A3B6-BAD2-4156-BDC6-4736248BFDE0}"/>
+              </a:ext>
+              <a:ext uri="{C183D7F6-B498-43B3-948B-1728B52AA6E4}">
+                <adec:decorative xmlns:adec="http://schemas.microsoft.com/office/drawing/2017/decorative" val="1"/>
+              </a:ext>
+            </a:extLst>
+          </p:cNvPr>
+          <p:cNvSpPr>
+            <a:spLocks noGrp="1" noRot="1" noChangeAspect="1" noMove="1" noResize="1" noEditPoints="1" noAdjustHandles="1" noChangeArrowheads="1" noChangeShapeType="1" noTextEdit="1"/>
+          </p:cNvSpPr>
+          <p:nvPr>
+            <p:extLst>
+              <p:ext uri="{386F3935-93C4-4BCD-93E2-E3B085C9AB24}">
+                <p16:designElem xmlns:p16="http://schemas.microsoft.com/office/powerpoint/2015/main" val="1"/>
+              </p:ext>
+            </p:extLst>
+          </p:nvPr>
+        </p:nvSpPr>
+        <p:spPr>
+          <a:xfrm>
+            <a:off x="11815864" y="758952"/>
+            <a:ext cx="384048" cy="5330952"/>
+          </a:xfrm>
+          <a:prstGeom prst="rect">
+            <a:avLst/>
+          </a:prstGeom>
+          <a:solidFill>
+            <a:srgbClr val="C8C8C8">
+              <a:alpha val="49804"/>
+            </a:srgbClr>
+          </a:solidFill>
+          <a:ln>
+            <a:noFill/>
+          </a:ln>
+        </p:spPr>
+        <p:style>
+          <a:lnRef idx="2">
+            <a:schemeClr val="accent1">
+              <a:shade val="50000"/>
+            </a:schemeClr>
+          </a:lnRef>
+          <a:fillRef idx="1">
+            <a:schemeClr val="accent1"/>
+          </a:fillRef>
+          <a:effectRef idx="0">
+            <a:schemeClr val="accent1"/>
+          </a:effectRef>
+          <a:fontRef idx="minor">
+            <a:schemeClr val="lt1"/>
+          </a:fontRef>
+        </p:style>
+      </p:sp>
+      <p:pic>
+        <p:nvPicPr>
+          <p:cNvPr id="5122" name="Picture 2">
+            <a:extLst>
+              <a:ext uri="{FF2B5EF4-FFF2-40B4-BE49-F238E27FC236}">
+                <a16:creationId xmlns:a16="http://schemas.microsoft.com/office/drawing/2014/main" id="{5488B2B4-52BD-493B-B4E9-5382E5C258AB}"/>
+              </a:ext>
+            </a:extLst>
+          </p:cNvPr>
+          <p:cNvPicPr>
+            <a:picLocks noChangeAspect="1" noChangeArrowheads="1"/>
+          </p:cNvPicPr>
+          <p:nvPr/>
+        </p:nvPicPr>
+        <p:blipFill>
+          <a:blip r:embed="rId2">
+            <a:extLst>
+              <a:ext uri="{28A0092B-C50C-407E-A947-70E740481C1C}">
+                <a14:useLocalDpi xmlns:a14="http://schemas.microsoft.com/office/drawing/2010/main" val="0"/>
+              </a:ext>
+            </a:extLst>
+          </a:blip>
+          <a:srcRect/>
+          <a:stretch>
+            <a:fillRect/>
+          </a:stretch>
+        </p:blipFill>
+        <p:spPr bwMode="auto">
+          <a:xfrm>
+            <a:off x="5260724" y="1227311"/>
+            <a:ext cx="5718671" cy="4403377"/>
+          </a:xfrm>
+          <a:prstGeom prst="rect">
+            <a:avLst/>
+          </a:prstGeom>
+          <a:noFill/>
+          <a:extLst>
+            <a:ext uri="{909E8E84-426E-40DD-AFC4-6F175D3DCCD1}">
+              <a14:hiddenFill xmlns:a14="http://schemas.microsoft.com/office/drawing/2010/main">
+                <a:solidFill>
+                  <a:srgbClr val="FFFFFF"/>
+                </a:solidFill>
+              </a14:hiddenFill>
+            </a:ext>
+          </a:extLst>
+        </p:spPr>
+      </p:pic>
+    </p:spTree>
+    <p:extLst>
+      <p:ext uri="{BB962C8B-B14F-4D97-AF65-F5344CB8AC3E}">
+        <p14:creationId xmlns:p14="http://schemas.microsoft.com/office/powerpoint/2010/main" val="3125679700"/>
+      </p:ext>
+    </p:extLst>
+  </p:cSld>
+  <p:clrMapOvr>
+    <a:masterClrMapping/>
+  </p:clrMapOvr>
+</p:sld>
+</file>
+
+<file path=ppt/slides/slide7.xml><?xml version="1.0" encoding="utf-8"?>
+<p:sld xmlns:a="http://schemas.openxmlformats.org/drawingml/2006/main" xmlns:r="http://schemas.openxmlformats.org/officeDocument/2006/relationships" xmlns:p="http://schemas.openxmlformats.org/presentationml/2006/main">
+  <p:cSld>
+    <p:bg>
+      <p:bgPr>
+        <a:solidFill>
+          <a:schemeClr val="bg1"/>
+        </a:solidFill>
+        <a:effectLst/>
+      </p:bgPr>
+    </p:bg>
+    <p:spTree>
+      <p:nvGrpSpPr>
+        <p:cNvPr id="1" name=""/>
+        <p:cNvGrpSpPr/>
+        <p:nvPr/>
+      </p:nvGrpSpPr>
+      <p:grpSpPr>
+        <a:xfrm>
+          <a:off x="0" y="0"/>
+          <a:ext cx="0" cy="0"/>
+          <a:chOff x="0" y="0"/>
+          <a:chExt cx="0" cy="0"/>
+        </a:xfrm>
+      </p:grpSpPr>
+      <p:sp>
+        <p:nvSpPr>
+          <p:cNvPr id="71" name="Rectangle 70">
+            <a:extLst>
+              <a:ext uri="{FF2B5EF4-FFF2-40B4-BE49-F238E27FC236}">
+                <a16:creationId xmlns:a16="http://schemas.microsoft.com/office/drawing/2014/main" id="{DB8424AB-D56B-4256-866A-5B54DE93C20F}"/>
+              </a:ext>
+              <a:ext uri="{C183D7F6-B498-43B3-948B-1728B52AA6E4}">
+                <adec:decorative xmlns:adec="http://schemas.microsoft.com/office/drawing/2017/decorative" val="1"/>
+              </a:ext>
+            </a:extLst>
+          </p:cNvPr>
+          <p:cNvSpPr>
+            <a:spLocks noGrp="1" noRot="1" noChangeAspect="1" noMove="1" noResize="1" noEditPoints="1" noAdjustHandles="1" noChangeArrowheads="1" noChangeShapeType="1" noTextEdit="1"/>
+          </p:cNvSpPr>
+          <p:nvPr>
+            <p:extLst>
+              <p:ext uri="{386F3935-93C4-4BCD-93E2-E3B085C9AB24}">
+                <p16:designElem xmlns:p16="http://schemas.microsoft.com/office/powerpoint/2015/main" val="1"/>
+              </p:ext>
+            </p:extLst>
+          </p:nvPr>
+        </p:nvSpPr>
+        <p:spPr>
+          <a:xfrm>
+            <a:off x="0" y="761999"/>
+            <a:ext cx="9141619" cy="5334001"/>
+          </a:xfrm>
+          <a:prstGeom prst="rect">
+            <a:avLst/>
+          </a:prstGeom>
+          <a:solidFill>
+            <a:schemeClr val="accent1"/>
+          </a:solidFill>
+          <a:ln>
+            <a:noFill/>
+          </a:ln>
+        </p:spPr>
+        <p:style>
+          <a:lnRef idx="2">
+            <a:schemeClr val="accent1">
+              <a:shade val="50000"/>
+            </a:schemeClr>
+          </a:lnRef>
+          <a:fillRef idx="1">
+            <a:schemeClr val="accent1"/>
+          </a:fillRef>
+          <a:effectRef idx="0">
+            <a:schemeClr val="accent1"/>
+          </a:effectRef>
+          <a:fontRef idx="minor">
+            <a:schemeClr val="lt1"/>
+          </a:fontRef>
+        </p:style>
+      </p:sp>
+      <p:sp>
+        <p:nvSpPr>
+          <p:cNvPr id="73" name="Rectangle 72">
+            <a:extLst>
+              <a:ext uri="{FF2B5EF4-FFF2-40B4-BE49-F238E27FC236}">
+                <a16:creationId xmlns:a16="http://schemas.microsoft.com/office/drawing/2014/main" id="{FC999C28-AD33-4EB7-A5F1-C06D10A5FDF7}"/>
+              </a:ext>
+              <a:ext uri="{C183D7F6-B498-43B3-948B-1728B52AA6E4}">
+                <adec:decorative xmlns:adec="http://schemas.microsoft.com/office/drawing/2017/decorative" val="1"/>
+              </a:ext>
+            </a:extLst>
+          </p:cNvPr>
+          <p:cNvSpPr>
+            <a:spLocks noGrp="1" noRot="1" noChangeAspect="1" noMove="1" noResize="1" noEditPoints="1" noAdjustHandles="1" noChangeArrowheads="1" noChangeShapeType="1" noTextEdit="1"/>
+          </p:cNvSpPr>
+          <p:nvPr>
+            <p:extLst>
+              <p:ext uri="{386F3935-93C4-4BCD-93E2-E3B085C9AB24}">
+                <p16:designElem xmlns:p16="http://schemas.microsoft.com/office/powerpoint/2015/main" val="1"/>
+              </p:ext>
+            </p:extLst>
+          </p:nvPr>
+        </p:nvSpPr>
+        <p:spPr>
+          <a:xfrm>
+            <a:off x="9270263" y="761999"/>
+            <a:ext cx="2925318" cy="5334001"/>
+          </a:xfrm>
+          <a:prstGeom prst="rect">
+            <a:avLst/>
+          </a:prstGeom>
+          <a:solidFill>
+            <a:srgbClr val="C8C8C8">
+              <a:alpha val="49804"/>
+            </a:srgbClr>
+          </a:solidFill>
+          <a:ln>
+            <a:noFill/>
+          </a:ln>
+        </p:spPr>
+        <p:style>
+          <a:lnRef idx="2">
+            <a:schemeClr val="accent1">
+              <a:shade val="50000"/>
+            </a:schemeClr>
+          </a:lnRef>
+          <a:fillRef idx="1">
+            <a:schemeClr val="accent1"/>
+          </a:fillRef>
+          <a:effectRef idx="0">
+            <a:schemeClr val="accent1"/>
+          </a:effectRef>
+          <a:fontRef idx="minor">
+            <a:schemeClr val="lt1"/>
+          </a:fontRef>
+        </p:style>
+      </p:sp>
+      <p:sp useBgFill="1">
+        <p:nvSpPr>
+          <p:cNvPr id="75" name="Rectangle 74">
+            <a:extLst>
+              <a:ext uri="{FF2B5EF4-FFF2-40B4-BE49-F238E27FC236}">
+                <a16:creationId xmlns:a16="http://schemas.microsoft.com/office/drawing/2014/main" id="{9203ABB4-7E2A-4248-9FE7-4A419AFF2F17}"/>
+              </a:ext>
+              <a:ext uri="{C183D7F6-B498-43B3-948B-1728B52AA6E4}">
+                <adec:decorative xmlns:adec="http://schemas.microsoft.com/office/drawing/2017/decorative" val="1"/>
+              </a:ext>
+            </a:extLst>
+          </p:cNvPr>
+          <p:cNvSpPr>
+            <a:spLocks noGrp="1" noRot="1" noChangeAspect="1" noMove="1" noResize="1" noEditPoints="1" noAdjustHandles="1" noChangeArrowheads="1" noChangeShapeType="1" noTextEdit="1"/>
+          </p:cNvSpPr>
+          <p:nvPr>
+            <p:extLst>
+              <p:ext uri="{386F3935-93C4-4BCD-93E2-E3B085C9AB24}">
+                <p16:designElem xmlns:p16="http://schemas.microsoft.com/office/powerpoint/2015/main" val="1"/>
+              </p:ext>
+            </p:extLst>
+          </p:nvPr>
+        </p:nvSpPr>
+        <p:spPr>
+          <a:xfrm>
+            <a:off x="0" y="0"/>
+            <a:ext cx="12191999" cy="6858000"/>
+          </a:xfrm>
+          <a:prstGeom prst="rect">
+            <a:avLst/>
+          </a:prstGeom>
+          <a:ln>
+            <a:noFill/>
+          </a:ln>
+        </p:spPr>
+        <p:style>
+          <a:lnRef idx="2">
+            <a:schemeClr val="accent1">
+              <a:shade val="50000"/>
+            </a:schemeClr>
+          </a:lnRef>
+          <a:fillRef idx="1">
+            <a:schemeClr val="accent1"/>
+          </a:fillRef>
+          <a:effectRef idx="0">
+            <a:schemeClr val="accent1"/>
+          </a:effectRef>
+          <a:fontRef idx="minor">
+            <a:schemeClr val="lt1"/>
+          </a:fontRef>
+        </p:style>
+        <p:txBody>
+          <a:bodyPr rtlCol="0" anchor="ctr"/>
+          <a:lstStyle/>
+          <a:p>
+            <a:pPr algn="ctr"/>
+            <a:endParaRPr lang="en-US"/>
+          </a:p>
+        </p:txBody>
+      </p:sp>
+      <p:sp>
+        <p:nvSpPr>
+          <p:cNvPr id="77" name="Rectangle 76">
+            <a:extLst>
+              <a:ext uri="{FF2B5EF4-FFF2-40B4-BE49-F238E27FC236}">
+                <a16:creationId xmlns:a16="http://schemas.microsoft.com/office/drawing/2014/main" id="{3126970D-C1E5-4FB1-84E8-86CB9CED1C80}"/>
+              </a:ext>
+              <a:ext uri="{C183D7F6-B498-43B3-948B-1728B52AA6E4}">
+                <adec:decorative xmlns:adec="http://schemas.microsoft.com/office/drawing/2017/decorative" val="1"/>
+              </a:ext>
+            </a:extLst>
+          </p:cNvPr>
+          <p:cNvSpPr>
+            <a:spLocks noGrp="1" noRot="1" noChangeAspect="1" noMove="1" noResize="1" noEditPoints="1" noAdjustHandles="1" noChangeArrowheads="1" noChangeShapeType="1" noTextEdit="1"/>
+          </p:cNvSpPr>
+          <p:nvPr>
+            <p:extLst>
+              <p:ext uri="{386F3935-93C4-4BCD-93E2-E3B085C9AB24}">
+                <p16:designElem xmlns:p16="http://schemas.microsoft.com/office/powerpoint/2015/main" val="1"/>
+              </p:ext>
+            </p:extLst>
+          </p:nvPr>
+        </p:nvSpPr>
+        <p:spPr>
+          <a:xfrm>
+            <a:off x="0" y="4367639"/>
+            <a:ext cx="11707367" cy="1852186"/>
+          </a:xfrm>
+          <a:prstGeom prst="rect">
+            <a:avLst/>
+          </a:prstGeom>
+          <a:solidFill>
+            <a:schemeClr val="accent1"/>
+          </a:solidFill>
+          <a:ln>
+            <a:noFill/>
+          </a:ln>
+        </p:spPr>
+        <p:style>
+          <a:lnRef idx="2">
+            <a:schemeClr val="accent1">
+              <a:shade val="50000"/>
+            </a:schemeClr>
+          </a:lnRef>
+          <a:fillRef idx="1">
+            <a:schemeClr val="accent1"/>
+          </a:fillRef>
+          <a:effectRef idx="0">
+            <a:schemeClr val="accent1"/>
+          </a:effectRef>
+          <a:fontRef idx="minor">
+            <a:schemeClr val="lt1"/>
+          </a:fontRef>
+        </p:style>
+      </p:sp>
+      <p:sp>
+        <p:nvSpPr>
+          <p:cNvPr id="5" name="Заголовок 1">
+            <a:extLst>
+              <a:ext uri="{FF2B5EF4-FFF2-40B4-BE49-F238E27FC236}">
+                <a16:creationId xmlns:a16="http://schemas.microsoft.com/office/drawing/2014/main" id="{0AE9A5B2-4DA6-4505-916C-20351ECFD07D}"/>
+              </a:ext>
+            </a:extLst>
+          </p:cNvPr>
+          <p:cNvSpPr>
+            <a:spLocks noGrp="1"/>
+          </p:cNvSpPr>
+          <p:nvPr>
+            <p:ph type="title"/>
+          </p:nvPr>
+        </p:nvSpPr>
+        <p:spPr>
+          <a:xfrm>
+            <a:off x="1069848" y="4590661"/>
+            <a:ext cx="10210862" cy="1065690"/>
+          </a:xfrm>
+        </p:spPr>
+        <p:txBody>
+          <a:bodyPr vert="horz" lIns="91440" tIns="45720" rIns="91440" bIns="45720" rtlCol="0" anchor="b">
+            <a:normAutofit/>
+          </a:bodyPr>
+          <a:lstStyle/>
+          <a:p>
+            <a:r>
+              <a:rPr lang="ru-RU" sz="5900" b="1" spc="-100" dirty="0"/>
+              <a:t>Явные намерения</a:t>
+            </a:r>
+            <a:endParaRPr lang="en-US" sz="5900" b="1" spc="-100" dirty="0"/>
+          </a:p>
+        </p:txBody>
+      </p:sp>
+      <p:sp>
+        <p:nvSpPr>
+          <p:cNvPr id="2" name="AutoShape 2">
+            <a:extLst>
+              <a:ext uri="{FF2B5EF4-FFF2-40B4-BE49-F238E27FC236}">
+                <a16:creationId xmlns:a16="http://schemas.microsoft.com/office/drawing/2014/main" id="{769E56C4-256D-4352-9ED5-86602C95E0A5}"/>
+              </a:ext>
+            </a:extLst>
+          </p:cNvPr>
+          <p:cNvSpPr>
+            <a:spLocks noChangeAspect="1" noChangeArrowheads="1"/>
+          </p:cNvSpPr>
+          <p:nvPr/>
+        </p:nvSpPr>
+        <p:spPr bwMode="auto">
+          <a:xfrm>
+            <a:off x="5943600" y="-546652"/>
+            <a:ext cx="4128052" cy="4128052"/>
+          </a:xfrm>
+          <a:prstGeom prst="rect">
+            <a:avLst/>
+          </a:prstGeom>
+          <a:noFill/>
+          <a:extLst>
+            <a:ext uri="{909E8E84-426E-40DD-AFC4-6F175D3DCCD1}">
+              <a14:hiddenFill xmlns:a14="http://schemas.microsoft.com/office/drawing/2010/main">
+                <a:solidFill>
+                  <a:srgbClr val="FFFFFF"/>
+                </a:solidFill>
+              </a14:hiddenFill>
+            </a:ext>
+          </a:extLst>
+        </p:spPr>
+        <p:txBody>
+          <a:bodyPr vert="horz" wrap="square" lIns="91440" tIns="45720" rIns="91440" bIns="45720" numCol="1" anchor="t" anchorCtr="0" compatLnSpc="1">
+            <a:prstTxWarp prst="textNoShape">
+              <a:avLst/>
+            </a:prstTxWarp>
+          </a:bodyPr>
+          <a:lstStyle/>
+          <a:p>
+            <a:endParaRPr lang="ru-RU"/>
+          </a:p>
+        </p:txBody>
+      </p:sp>
+      <p:pic>
+        <p:nvPicPr>
+          <p:cNvPr id="6" name="Рисунок 5">
+            <a:extLst>
+              <a:ext uri="{FF2B5EF4-FFF2-40B4-BE49-F238E27FC236}">
+                <a16:creationId xmlns:a16="http://schemas.microsoft.com/office/drawing/2014/main" id="{8BF04E56-1EEC-412E-8595-B369C775FB8A}"/>
+              </a:ext>
+            </a:extLst>
+          </p:cNvPr>
+          <p:cNvPicPr>
+            <a:picLocks noChangeAspect="1"/>
+          </p:cNvPicPr>
+          <p:nvPr/>
+        </p:nvPicPr>
+        <p:blipFill>
+          <a:blip r:embed="rId2"/>
+          <a:stretch>
+            <a:fillRect/>
+          </a:stretch>
+        </p:blipFill>
+        <p:spPr>
+          <a:xfrm>
+            <a:off x="2736083" y="502929"/>
+            <a:ext cx="6719831" cy="3226535"/>
+          </a:xfrm>
+          <a:prstGeom prst="rect">
+            <a:avLst/>
+          </a:prstGeom>
+        </p:spPr>
+      </p:pic>
+    </p:spTree>
+    <p:extLst>
+      <p:ext uri="{BB962C8B-B14F-4D97-AF65-F5344CB8AC3E}">
+        <p14:creationId xmlns:p14="http://schemas.microsoft.com/office/powerpoint/2010/main" val="3493177617"/>
+      </p:ext>
+    </p:extLst>
+  </p:cSld>
+  <p:clrMapOvr>
+    <a:masterClrMapping/>
+  </p:clrMapOvr>
+</p:sld>
+</file>
+
 <file path=ppt/slides/slide8.xml><?xml version="1.0" encoding="utf-8"?>
 <p:sld xmlns:a="http://schemas.openxmlformats.org/drawingml/2006/main" xmlns:r="http://schemas.openxmlformats.org/officeDocument/2006/relationships" xmlns:p="http://schemas.openxmlformats.org/presentationml/2006/main">
   <p:cSld>
@@ -10463,7 +11485,7 @@
       </p:grpSpPr>
       <p:sp>
         <p:nvSpPr>
-          <p:cNvPr id="82" name="Rectangle 81">
+          <p:cNvPr id="71" name="Rectangle 70">
             <a:extLst>
               <a:ext uri="{FF2B5EF4-FFF2-40B4-BE49-F238E27FC236}">
                 <a16:creationId xmlns:a16="http://schemas.microsoft.com/office/drawing/2014/main" id="{DB8424AB-D56B-4256-866A-5B54DE93C20F}"/>
@@ -10518,7 +11540,7 @@
       </p:sp>
       <p:sp>
         <p:nvSpPr>
-          <p:cNvPr id="84" name="Rectangle 83">
+          <p:cNvPr id="73" name="Rectangle 72">
             <a:extLst>
               <a:ext uri="{FF2B5EF4-FFF2-40B4-BE49-F238E27FC236}">
                 <a16:creationId xmlns:a16="http://schemas.microsoft.com/office/drawing/2014/main" id="{FC999C28-AD33-4EB7-A5F1-C06D10A5FDF7}"/>
@@ -10575,10 +11597,10 @@
       </p:sp>
       <p:sp useBgFill="1">
         <p:nvSpPr>
-          <p:cNvPr id="86" name="Rectangle 85">
+          <p:cNvPr id="75" name="Rectangle 74">
             <a:extLst>
               <a:ext uri="{FF2B5EF4-FFF2-40B4-BE49-F238E27FC236}">
-                <a16:creationId xmlns:a16="http://schemas.microsoft.com/office/drawing/2014/main" id="{0864E5C9-52C9-4572-AC75-548B9B9C2648}"/>
+                <a16:creationId xmlns:a16="http://schemas.microsoft.com/office/drawing/2014/main" id="{9203ABB4-7E2A-4248-9FE7-4A419AFF2F17}"/>
               </a:ext>
               <a:ext uri="{C183D7F6-B498-43B3-948B-1728B52AA6E4}">
                 <adec:decorative xmlns:adec="http://schemas.microsoft.com/office/drawing/2017/decorative" val="1"/>
@@ -10635,10 +11657,10 @@
       </p:sp>
       <p:sp>
         <p:nvSpPr>
-          <p:cNvPr id="88" name="Rectangle 87">
+          <p:cNvPr id="77" name="Rectangle 76">
             <a:extLst>
               <a:ext uri="{FF2B5EF4-FFF2-40B4-BE49-F238E27FC236}">
-                <a16:creationId xmlns:a16="http://schemas.microsoft.com/office/drawing/2014/main" id="{45CC6500-4DBD-4C34-BC14-2387FB483BEB}"/>
+                <a16:creationId xmlns:a16="http://schemas.microsoft.com/office/drawing/2014/main" id="{3126970D-C1E5-4FB1-84E8-86CB9CED1C80}"/>
               </a:ext>
               <a:ext uri="{C183D7F6-B498-43B3-948B-1728B52AA6E4}">
                 <adec:decorative xmlns:adec="http://schemas.microsoft.com/office/drawing/2017/decorative" val="1"/>
@@ -10658,8 +11680,8 @@
         </p:nvSpPr>
         <p:spPr>
           <a:xfrm>
-            <a:off x="1" y="761999"/>
-            <a:ext cx="4642228" cy="5334001"/>
+            <a:off x="0" y="4367639"/>
+            <a:ext cx="11707367" cy="1852186"/>
           </a:xfrm>
           <a:prstGeom prst="rect">
             <a:avLst/>
@@ -10706,8 +11728,8 @@
         </p:nvSpPr>
         <p:spPr>
           <a:xfrm>
-            <a:off x="1069849" y="1298448"/>
-            <a:ext cx="3258688" cy="3255264"/>
+            <a:off x="1069848" y="4590661"/>
+            <a:ext cx="10210862" cy="1065690"/>
           </a:xfrm>
         </p:spPr>
         <p:txBody>
@@ -10717,83 +11739,28 @@
           <a:lstStyle/>
           <a:p>
             <a:r>
-              <a:rPr lang="ru-RU" sz="4600" b="1" spc="-100" dirty="0"/>
-              <a:t>Ссылки</a:t>
-            </a:r>
-            <a:endParaRPr lang="en-US" sz="4600" b="1" spc="-100" dirty="0"/>
+              <a:rPr lang="ru-RU" sz="5900" b="1" spc="-100" dirty="0"/>
+              <a:t>Неявные намерения</a:t>
+            </a:r>
+            <a:endParaRPr lang="en-US" sz="5900" b="1" spc="-100" dirty="0"/>
           </a:p>
         </p:txBody>
       </p:sp>
-      <p:sp>
-        <p:nvSpPr>
-          <p:cNvPr id="90" name="Rectangle 89">
+      <p:pic>
+        <p:nvPicPr>
+          <p:cNvPr id="8" name="Picture 2">
             <a:extLst>
               <a:ext uri="{FF2B5EF4-FFF2-40B4-BE49-F238E27FC236}">
-                <a16:creationId xmlns:a16="http://schemas.microsoft.com/office/drawing/2014/main" id="{4E34A3B6-BAD2-4156-BDC6-4736248BFDE0}"/>
-              </a:ext>
-              <a:ext uri="{C183D7F6-B498-43B3-948B-1728B52AA6E4}">
-                <adec:decorative xmlns:adec="http://schemas.microsoft.com/office/drawing/2017/decorative" val="1"/>
-              </a:ext>
-            </a:extLst>
-          </p:cNvPr>
-          <p:cNvSpPr>
-            <a:spLocks noGrp="1" noRot="1" noChangeAspect="1" noMove="1" noResize="1" noEditPoints="1" noAdjustHandles="1" noChangeArrowheads="1" noChangeShapeType="1" noTextEdit="1"/>
-          </p:cNvSpPr>
-          <p:nvPr>
-            <p:extLst>
-              <p:ext uri="{386F3935-93C4-4BCD-93E2-E3B085C9AB24}">
-                <p16:designElem xmlns:p16="http://schemas.microsoft.com/office/powerpoint/2015/main" val="1"/>
-              </p:ext>
-            </p:extLst>
-          </p:nvPr>
-        </p:nvSpPr>
-        <p:spPr>
-          <a:xfrm>
-            <a:off x="11815864" y="758952"/>
-            <a:ext cx="384048" cy="5330952"/>
-          </a:xfrm>
-          <a:prstGeom prst="rect">
-            <a:avLst/>
-          </a:prstGeom>
-          <a:solidFill>
-            <a:srgbClr val="C8C8C8">
-              <a:alpha val="49804"/>
-            </a:srgbClr>
-          </a:solidFill>
-          <a:ln>
-            <a:noFill/>
-          </a:ln>
-        </p:spPr>
-        <p:style>
-          <a:lnRef idx="2">
-            <a:schemeClr val="accent1">
-              <a:shade val="50000"/>
-            </a:schemeClr>
-          </a:lnRef>
-          <a:fillRef idx="1">
-            <a:schemeClr val="accent1"/>
-          </a:fillRef>
-          <a:effectRef idx="0">
-            <a:schemeClr val="accent1"/>
-          </a:effectRef>
-          <a:fontRef idx="minor">
-            <a:schemeClr val="lt1"/>
-          </a:fontRef>
-        </p:style>
-      </p:sp>
-      <p:pic>
-        <p:nvPicPr>
-          <p:cNvPr id="4098" name="Picture 2" descr="TechnoEG: Difference between URI,URN and URL">
-            <a:extLst>
-              <a:ext uri="{FF2B5EF4-FFF2-40B4-BE49-F238E27FC236}">
-                <a16:creationId xmlns:a16="http://schemas.microsoft.com/office/drawing/2014/main" id="{D81DB47F-1B20-47C0-B5CA-A55E4A17C7D5}"/>
+                <a16:creationId xmlns:a16="http://schemas.microsoft.com/office/drawing/2014/main" id="{007D42FC-8ACB-4801-96BA-C07F2B7D85EF}"/>
               </a:ext>
             </a:extLst>
           </p:cNvPr>
           <p:cNvPicPr>
-            <a:picLocks noChangeAspect="1" noChangeArrowheads="1"/>
+            <a:picLocks noGrp="1" noChangeAspect="1" noChangeArrowheads="1"/>
           </p:cNvPicPr>
-          <p:nvPr/>
+          <p:nvPr>
+            <p:ph idx="1"/>
+          </p:nvPr>
         </p:nvPicPr>
         <p:blipFill>
           <a:blip r:embed="rId2">
@@ -10810,8 +11777,8 @@
         </p:blipFill>
         <p:spPr bwMode="auto">
           <a:xfrm>
-            <a:off x="4866721" y="926400"/>
-            <a:ext cx="6724650" cy="2686050"/>
+            <a:off x="2366127" y="381526"/>
+            <a:ext cx="7618304" cy="3874602"/>
           </a:xfrm>
           <a:prstGeom prst="rect">
             <a:avLst/>
@@ -10828,85 +11795,10 @@
           </a:extLst>
         </p:spPr>
       </p:pic>
-      <p:pic>
-        <p:nvPicPr>
-          <p:cNvPr id="1026" name="Picture 2" descr="Pin on working">
-            <a:extLst>
-              <a:ext uri="{FF2B5EF4-FFF2-40B4-BE49-F238E27FC236}">
-                <a16:creationId xmlns:a16="http://schemas.microsoft.com/office/drawing/2014/main" id="{76957B5A-8BC6-4575-AB85-008CF76AC2C1}"/>
-              </a:ext>
-            </a:extLst>
-          </p:cNvPr>
-          <p:cNvPicPr>
-            <a:picLocks noChangeAspect="1" noChangeArrowheads="1"/>
-          </p:cNvPicPr>
-          <p:nvPr/>
-        </p:nvPicPr>
-        <p:blipFill rotWithShape="1">
-          <a:blip r:embed="rId3">
-            <a:extLst>
-              <a:ext uri="{28A0092B-C50C-407E-A947-70E740481C1C}">
-                <a14:useLocalDpi xmlns:a14="http://schemas.microsoft.com/office/drawing/2010/main" val="0"/>
-              </a:ext>
-            </a:extLst>
-          </a:blip>
-          <a:srcRect t="71119"/>
-          <a:stretch/>
-        </p:blipFill>
-        <p:spPr bwMode="auto">
-          <a:xfrm>
-            <a:off x="4866721" y="5362575"/>
-            <a:ext cx="6291234" cy="1114425"/>
-          </a:xfrm>
-          <a:prstGeom prst="rect">
-            <a:avLst/>
-          </a:prstGeom>
-          <a:noFill/>
-          <a:extLst>
-            <a:ext uri="{909E8E84-426E-40DD-AFC4-6F175D3DCCD1}">
-              <a14:hiddenFill xmlns:a14="http://schemas.microsoft.com/office/drawing/2010/main">
-                <a:solidFill>
-                  <a:srgbClr val="FFFFFF"/>
-                </a:solidFill>
-              </a14:hiddenFill>
-            </a:ext>
-          </a:extLst>
-        </p:spPr>
-      </p:pic>
-      <p:pic>
-        <p:nvPicPr>
-          <p:cNvPr id="2" name="Рисунок 1">
-            <a:extLst>
-              <a:ext uri="{FF2B5EF4-FFF2-40B4-BE49-F238E27FC236}">
-                <a16:creationId xmlns:a16="http://schemas.microsoft.com/office/drawing/2014/main" id="{632EA999-232D-490D-AD9D-DCCC38AC24E2}"/>
-              </a:ext>
-            </a:extLst>
-          </p:cNvPr>
-          <p:cNvPicPr>
-            <a:picLocks noChangeAspect="1"/>
-          </p:cNvPicPr>
-          <p:nvPr/>
-        </p:nvPicPr>
-        <p:blipFill>
-          <a:blip r:embed="rId4"/>
-          <a:stretch>
-            <a:fillRect/>
-          </a:stretch>
-        </p:blipFill>
-        <p:spPr>
-          <a:xfrm>
-            <a:off x="4454349" y="4538850"/>
-            <a:ext cx="7549395" cy="249725"/>
-          </a:xfrm>
-          <a:prstGeom prst="rect">
-            <a:avLst/>
-          </a:prstGeom>
-        </p:spPr>
-      </p:pic>
     </p:spTree>
     <p:extLst>
       <p:ext uri="{BB962C8B-B14F-4D97-AF65-F5344CB8AC3E}">
-        <p14:creationId xmlns:p14="http://schemas.microsoft.com/office/powerpoint/2010/main" val="3020221342"/>
+        <p14:creationId xmlns:p14="http://schemas.microsoft.com/office/powerpoint/2010/main" val="1759459749"/>
       </p:ext>
     </p:extLst>
   </p:cSld>
@@ -10941,9 +11833,121 @@
           <a:chExt cx="0" cy="0"/>
         </a:xfrm>
       </p:grpSpPr>
+      <p:sp>
+        <p:nvSpPr>
+          <p:cNvPr id="71" name="Rectangle 70">
+            <a:extLst>
+              <a:ext uri="{FF2B5EF4-FFF2-40B4-BE49-F238E27FC236}">
+                <a16:creationId xmlns:a16="http://schemas.microsoft.com/office/drawing/2014/main" id="{DB8424AB-D56B-4256-866A-5B54DE93C20F}"/>
+              </a:ext>
+              <a:ext uri="{C183D7F6-B498-43B3-948B-1728B52AA6E4}">
+                <adec:decorative xmlns:adec="http://schemas.microsoft.com/office/drawing/2017/decorative" val="1"/>
+              </a:ext>
+            </a:extLst>
+          </p:cNvPr>
+          <p:cNvSpPr>
+            <a:spLocks noGrp="1" noRot="1" noChangeAspect="1" noMove="1" noResize="1" noEditPoints="1" noAdjustHandles="1" noChangeArrowheads="1" noChangeShapeType="1" noTextEdit="1"/>
+          </p:cNvSpPr>
+          <p:nvPr>
+            <p:extLst>
+              <p:ext uri="{386F3935-93C4-4BCD-93E2-E3B085C9AB24}">
+                <p16:designElem xmlns:p16="http://schemas.microsoft.com/office/powerpoint/2015/main" val="1"/>
+              </p:ext>
+            </p:extLst>
+          </p:nvPr>
+        </p:nvSpPr>
+        <p:spPr>
+          <a:xfrm>
+            <a:off x="0" y="761999"/>
+            <a:ext cx="9141619" cy="5334001"/>
+          </a:xfrm>
+          <a:prstGeom prst="rect">
+            <a:avLst/>
+          </a:prstGeom>
+          <a:solidFill>
+            <a:schemeClr val="accent1"/>
+          </a:solidFill>
+          <a:ln>
+            <a:noFill/>
+          </a:ln>
+        </p:spPr>
+        <p:style>
+          <a:lnRef idx="2">
+            <a:schemeClr val="accent1">
+              <a:shade val="50000"/>
+            </a:schemeClr>
+          </a:lnRef>
+          <a:fillRef idx="1">
+            <a:schemeClr val="accent1"/>
+          </a:fillRef>
+          <a:effectRef idx="0">
+            <a:schemeClr val="accent1"/>
+          </a:effectRef>
+          <a:fontRef idx="minor">
+            <a:schemeClr val="lt1"/>
+          </a:fontRef>
+        </p:style>
+      </p:sp>
+      <p:sp>
+        <p:nvSpPr>
+          <p:cNvPr id="73" name="Rectangle 72">
+            <a:extLst>
+              <a:ext uri="{FF2B5EF4-FFF2-40B4-BE49-F238E27FC236}">
+                <a16:creationId xmlns:a16="http://schemas.microsoft.com/office/drawing/2014/main" id="{FC999C28-AD33-4EB7-A5F1-C06D10A5FDF7}"/>
+              </a:ext>
+              <a:ext uri="{C183D7F6-B498-43B3-948B-1728B52AA6E4}">
+                <adec:decorative xmlns:adec="http://schemas.microsoft.com/office/drawing/2017/decorative" val="1"/>
+              </a:ext>
+            </a:extLst>
+          </p:cNvPr>
+          <p:cNvSpPr>
+            <a:spLocks noGrp="1" noRot="1" noChangeAspect="1" noMove="1" noResize="1" noEditPoints="1" noAdjustHandles="1" noChangeArrowheads="1" noChangeShapeType="1" noTextEdit="1"/>
+          </p:cNvSpPr>
+          <p:nvPr>
+            <p:extLst>
+              <p:ext uri="{386F3935-93C4-4BCD-93E2-E3B085C9AB24}">
+                <p16:designElem xmlns:p16="http://schemas.microsoft.com/office/powerpoint/2015/main" val="1"/>
+              </p:ext>
+            </p:extLst>
+          </p:nvPr>
+        </p:nvSpPr>
+        <p:spPr>
+          <a:xfrm>
+            <a:off x="9270263" y="761999"/>
+            <a:ext cx="2925318" cy="5334001"/>
+          </a:xfrm>
+          <a:prstGeom prst="rect">
+            <a:avLst/>
+          </a:prstGeom>
+          <a:solidFill>
+            <a:srgbClr val="C8C8C8">
+              <a:alpha val="49804"/>
+            </a:srgbClr>
+          </a:solidFill>
+          <a:ln>
+            <a:noFill/>
+          </a:ln>
+        </p:spPr>
+        <p:style>
+          <a:lnRef idx="2">
+            <a:schemeClr val="accent1">
+              <a:shade val="50000"/>
+            </a:schemeClr>
+          </a:lnRef>
+          <a:fillRef idx="1">
+            <a:schemeClr val="accent1"/>
+          </a:fillRef>
+          <a:effectRef idx="0">
+            <a:schemeClr val="accent1"/>
+          </a:effectRef>
+          <a:fontRef idx="minor">
+            <a:schemeClr val="lt1"/>
+          </a:fontRef>
+        </p:style>
+      </p:sp>
       <p:sp useBgFill="1">
         <p:nvSpPr>
-          <p:cNvPr id="77" name="Rectangle 76">
+          <p:cNvPr id="75" name="Rectangle 74">
             <a:extLst>
               <a:ext uri="{FF2B5EF4-FFF2-40B4-BE49-F238E27FC236}">
                 <a16:creationId xmlns:a16="http://schemas.microsoft.com/office/drawing/2014/main" id="{9203ABB4-7E2A-4248-9FE7-4A419AFF2F17}"/>
@@ -11003,7 +12007,7 @@
       </p:sp>
       <p:sp>
         <p:nvSpPr>
-          <p:cNvPr id="79" name="Rectangle 78">
+          <p:cNvPr id="77" name="Rectangle 76">
             <a:extLst>
               <a:ext uri="{FF2B5EF4-FFF2-40B4-BE49-F238E27FC236}">
                 <a16:creationId xmlns:a16="http://schemas.microsoft.com/office/drawing/2014/main" id="{3126970D-C1E5-4FB1-84E8-86CB9CED1C80}"/>
@@ -11058,589 +12062,74 @@
       </p:sp>
       <p:sp>
         <p:nvSpPr>
-          <p:cNvPr id="28" name="Заголовок 1">
+          <p:cNvPr id="5" name="Заголовок 1">
             <a:extLst>
               <a:ext uri="{FF2B5EF4-FFF2-40B4-BE49-F238E27FC236}">
-                <a16:creationId xmlns:a16="http://schemas.microsoft.com/office/drawing/2014/main" id="{A1800B60-BA5D-4BD9-AAE0-43620F882506}"/>
+                <a16:creationId xmlns:a16="http://schemas.microsoft.com/office/drawing/2014/main" id="{0AE9A5B2-4DA6-4505-916C-20351ECFD07D}"/>
               </a:ext>
             </a:extLst>
           </p:cNvPr>
-          <p:cNvSpPr txBox="1">
-            <a:spLocks/>
-          </p:cNvSpPr>
-          <p:nvPr/>
+          <p:cNvSpPr>
+            <a:spLocks noGrp="1"/>
+          </p:cNvSpPr>
+          <p:nvPr>
+            <p:ph type="title"/>
+          </p:nvPr>
         </p:nvSpPr>
         <p:spPr>
           <a:xfrm>
             <a:off x="1069848" y="4590661"/>
             <a:ext cx="10210862" cy="1065690"/>
           </a:xfrm>
-          <a:prstGeom prst="rect">
-            <a:avLst/>
-          </a:prstGeom>
         </p:spPr>
         <p:txBody>
           <a:bodyPr vert="horz" lIns="91440" tIns="45720" rIns="91440" bIns="45720" rtlCol="0" anchor="b">
             <a:normAutofit/>
           </a:bodyPr>
-          <a:lstStyle>
-            <a:lvl1pPr algn="l" defTabSz="914400" rtl="0" eaLnBrk="1" latinLnBrk="0" hangingPunct="1">
-              <a:lnSpc>
-                <a:spcPct val="90000"/>
-              </a:lnSpc>
-              <a:spcBef>
-                <a:spcPct val="0"/>
-              </a:spcBef>
-              <a:buNone/>
-              <a:defRPr sz="5900" kern="1200" spc="-100" baseline="0">
-                <a:solidFill>
-                  <a:srgbClr val="FFFFFF"/>
-                </a:solidFill>
-                <a:latin typeface="+mj-lt"/>
-                <a:ea typeface="+mj-ea"/>
-                <a:cs typeface="+mj-cs"/>
-              </a:defRPr>
-            </a:lvl1pPr>
-          </a:lstStyle>
-          <a:p>
-            <a:pPr lvl="0">
-              <a:spcAft>
-                <a:spcPts val="600"/>
-              </a:spcAft>
-              <a:buClr>
-                <a:srgbClr val="40BAD2"/>
-              </a:buClr>
-              <a:defRPr/>
-            </a:pPr>
-            <a:r>
-              <a:rPr lang="ru-RU" sz="3200" b="1" dirty="0"/>
-              <a:t>Ссылки</a:t>
-            </a:r>
-            <a:br>
-              <a:rPr kumimoji="0" lang="en-US" sz="3200" b="1" i="0" u="none" strike="noStrike" cap="none" normalizeH="0" noProof="0" dirty="0">
-                <a:ln>
-                  <a:noFill/>
-                </a:ln>
-                <a:effectLst/>
-                <a:uLnTx/>
-                <a:uFillTx/>
-              </a:rPr>
-            </a:br>
-            <a:endParaRPr kumimoji="0" lang="en-US" sz="3200" b="1" i="0" u="none" strike="noStrike" cap="none" normalizeH="0" noProof="0" dirty="0">
-              <a:ln>
-                <a:noFill/>
-              </a:ln>
-              <a:effectLst/>
-              <a:uLnTx/>
-              <a:uFillTx/>
-            </a:endParaRPr>
+          <a:lstStyle/>
+          <a:p>
+            <a:r>
+              <a:rPr lang="ru-RU" sz="5900" b="1" spc="-100" dirty="0"/>
+              <a:t>Неявные намерения</a:t>
+            </a:r>
+            <a:endParaRPr lang="en-US" sz="5900" b="1" spc="-100" dirty="0"/>
           </a:p>
         </p:txBody>
       </p:sp>
-      <p:sp>
-        <p:nvSpPr>
-          <p:cNvPr id="8" name="Прямоугольник 7">
+      <p:pic>
+        <p:nvPicPr>
+          <p:cNvPr id="4" name="Рисунок 3">
             <a:extLst>
               <a:ext uri="{FF2B5EF4-FFF2-40B4-BE49-F238E27FC236}">
-                <a16:creationId xmlns:a16="http://schemas.microsoft.com/office/drawing/2014/main" id="{D4AE6460-2CC3-4E6F-9D94-31D86E5BA982}"/>
+                <a16:creationId xmlns:a16="http://schemas.microsoft.com/office/drawing/2014/main" id="{C3EE56E5-2A98-4C4C-9394-D407F37EDD8F}"/>
               </a:ext>
             </a:extLst>
           </p:cNvPr>
-          <p:cNvSpPr/>
+          <p:cNvPicPr>
+            <a:picLocks noChangeAspect="1"/>
+          </p:cNvPicPr>
           <p:nvPr/>
-        </p:nvSpPr>
+        </p:nvPicPr>
+        <p:blipFill>
+          <a:blip r:embed="rId2"/>
+          <a:stretch>
+            <a:fillRect/>
+          </a:stretch>
+        </p:blipFill>
         <p:spPr>
           <a:xfrm>
-            <a:off x="648071" y="314760"/>
-            <a:ext cx="10528916" cy="3513206"/>
+            <a:off x="646457" y="638174"/>
+            <a:ext cx="10899083" cy="3226535"/>
           </a:xfrm>
           <a:prstGeom prst="rect">
             <a:avLst/>
           </a:prstGeom>
         </p:spPr>
-        <p:txBody>
-          <a:bodyPr wrap="square">
-            <a:spAutoFit/>
-          </a:bodyPr>
-          <a:lstStyle/>
-          <a:p>
-            <a:pPr>
-              <a:lnSpc>
-                <a:spcPct val="115000"/>
-              </a:lnSpc>
-              <a:spcAft>
-                <a:spcPts val="0"/>
-              </a:spcAft>
-            </a:pPr>
-            <a:r>
-              <a:rPr lang="ru-RU" sz="2000" kern="100" dirty="0" err="1">
-                <a:solidFill>
-                  <a:srgbClr val="444444"/>
-                </a:solidFill>
-                <a:latin typeface="Arial" panose="020B0604020202020204" pitchFamily="34" charset="0"/>
-                <a:ea typeface="Liberation Mono"/>
-                <a:cs typeface="Arial" panose="020B0604020202020204" pitchFamily="34" charset="0"/>
-              </a:rPr>
-              <a:t>U</a:t>
-            </a:r>
-            <a:r>
-              <a:rPr lang="ru-RU" sz="2000" kern="100" dirty="0" err="1">
-                <a:solidFill>
-                  <a:srgbClr val="000000"/>
-                </a:solidFill>
-                <a:highlight>
-                  <a:srgbClr val="FFFFFF"/>
-                </a:highlight>
-                <a:latin typeface="Arial" panose="020B0604020202020204" pitchFamily="34" charset="0"/>
-                <a:ea typeface="Liberation Mono"/>
-                <a:cs typeface="Arial" panose="020B0604020202020204" pitchFamily="34" charset="0"/>
-              </a:rPr>
-              <a:t>ri</a:t>
-            </a:r>
-            <a:r>
-              <a:rPr lang="ru-RU" sz="2000" kern="100" dirty="0">
-                <a:solidFill>
-                  <a:srgbClr val="000000"/>
-                </a:solidFill>
-                <a:highlight>
-                  <a:srgbClr val="FFFFFF"/>
-                </a:highlight>
-                <a:latin typeface="Arial" panose="020B0604020202020204" pitchFamily="34" charset="0"/>
-                <a:ea typeface="Liberation Mono"/>
-                <a:cs typeface="Arial" panose="020B0604020202020204" pitchFamily="34" charset="0"/>
-              </a:rPr>
-              <a:t> </a:t>
-            </a:r>
-            <a:r>
-              <a:rPr lang="ru-RU" sz="2000" kern="100" dirty="0" err="1">
-                <a:solidFill>
-                  <a:srgbClr val="000000"/>
-                </a:solidFill>
-                <a:highlight>
-                  <a:srgbClr val="FFFFFF"/>
-                </a:highlight>
-                <a:latin typeface="Arial" panose="020B0604020202020204" pitchFamily="34" charset="0"/>
-                <a:ea typeface="Liberation Mono"/>
-                <a:cs typeface="Arial" panose="020B0604020202020204" pitchFamily="34" charset="0"/>
-              </a:rPr>
-              <a:t>uri</a:t>
-            </a:r>
-            <a:r>
-              <a:rPr lang="ru-RU" sz="2000" kern="100" dirty="0">
-                <a:solidFill>
-                  <a:srgbClr val="000000"/>
-                </a:solidFill>
-                <a:highlight>
-                  <a:srgbClr val="FFFFFF"/>
-                </a:highlight>
-                <a:latin typeface="Arial" panose="020B0604020202020204" pitchFamily="34" charset="0"/>
-                <a:ea typeface="Liberation Mono"/>
-                <a:cs typeface="Arial" panose="020B0604020202020204" pitchFamily="34" charset="0"/>
-              </a:rPr>
-              <a:t> = </a:t>
-            </a:r>
-            <a:r>
-              <a:rPr lang="ru-RU" sz="2000" kern="100" dirty="0" err="1">
-                <a:solidFill>
-                  <a:srgbClr val="000000"/>
-                </a:solidFill>
-                <a:highlight>
-                  <a:srgbClr val="FFFFFF"/>
-                </a:highlight>
-                <a:latin typeface="Arial" panose="020B0604020202020204" pitchFamily="34" charset="0"/>
-                <a:ea typeface="Liberation Mono"/>
-                <a:cs typeface="Arial" panose="020B0604020202020204" pitchFamily="34" charset="0"/>
-              </a:rPr>
-              <a:t>Uri.parse</a:t>
-            </a:r>
-            <a:r>
-              <a:rPr lang="ru-RU" sz="2000" kern="100" dirty="0">
-                <a:solidFill>
-                  <a:srgbClr val="000000"/>
-                </a:solidFill>
-                <a:highlight>
-                  <a:srgbClr val="FFFFFF"/>
-                </a:highlight>
-                <a:latin typeface="Arial" panose="020B0604020202020204" pitchFamily="34" charset="0"/>
-                <a:ea typeface="Liberation Mono"/>
-                <a:cs typeface="Arial" panose="020B0604020202020204" pitchFamily="34" charset="0"/>
-              </a:rPr>
-              <a:t>("http://developer.android.com/reference/android/net/Uri.html");</a:t>
-            </a:r>
-            <a:endParaRPr lang="ru-RU" sz="2000" kern="100" dirty="0">
-              <a:latin typeface="Arial" panose="020B0604020202020204" pitchFamily="34" charset="0"/>
-              <a:ea typeface="Arial Unicode MS"/>
-              <a:cs typeface="Arial" panose="020B0604020202020204" pitchFamily="34" charset="0"/>
-            </a:endParaRPr>
-          </a:p>
-          <a:p>
-            <a:pPr algn="just">
-              <a:lnSpc>
-                <a:spcPct val="115000"/>
-              </a:lnSpc>
-              <a:spcAft>
-                <a:spcPts val="0"/>
-              </a:spcAft>
-            </a:pPr>
-            <a:r>
-              <a:rPr lang="ru-RU" sz="2000" kern="100" dirty="0">
-                <a:solidFill>
-                  <a:srgbClr val="000000"/>
-                </a:solidFill>
-                <a:highlight>
-                  <a:srgbClr val="FFFFFF"/>
-                </a:highlight>
-                <a:latin typeface="Arial" panose="020B0604020202020204" pitchFamily="34" charset="0"/>
-                <a:ea typeface="Arial Unicode MS"/>
-                <a:cs typeface="Arial" panose="020B0604020202020204" pitchFamily="34" charset="0"/>
-              </a:rPr>
-              <a:t> </a:t>
-            </a:r>
-            <a:endParaRPr lang="ru-RU" sz="2000" kern="100" dirty="0">
-              <a:latin typeface="Arial" panose="020B0604020202020204" pitchFamily="34" charset="0"/>
-              <a:ea typeface="Arial Unicode MS"/>
-              <a:cs typeface="Arial" panose="020B0604020202020204" pitchFamily="34" charset="0"/>
-            </a:endParaRPr>
-          </a:p>
-          <a:p>
-            <a:pPr>
-              <a:lnSpc>
-                <a:spcPct val="150000"/>
-              </a:lnSpc>
-              <a:spcAft>
-                <a:spcPts val="750"/>
-              </a:spcAft>
-            </a:pPr>
-            <a:r>
-              <a:rPr lang="en-US" sz="2000" i="1" kern="100" dirty="0" err="1">
-                <a:solidFill>
-                  <a:srgbClr val="000000"/>
-                </a:solidFill>
-                <a:highlight>
-                  <a:srgbClr val="FFFFFF"/>
-                </a:highlight>
-                <a:latin typeface="Arial" panose="020B0604020202020204" pitchFamily="34" charset="0"/>
-                <a:ea typeface="Arial Unicode MS"/>
-                <a:cs typeface="Arial" panose="020B0604020202020204" pitchFamily="34" charset="0"/>
-              </a:rPr>
-              <a:t>uri.getScheme</a:t>
-            </a:r>
-            <a:r>
-              <a:rPr lang="en-US" sz="2000" i="1" kern="100" dirty="0">
-                <a:solidFill>
-                  <a:srgbClr val="000000"/>
-                </a:solidFill>
-                <a:highlight>
-                  <a:srgbClr val="FFFFFF"/>
-                </a:highlight>
-                <a:latin typeface="Arial" panose="020B0604020202020204" pitchFamily="34" charset="0"/>
-                <a:ea typeface="Arial Unicode MS"/>
-                <a:cs typeface="Arial" panose="020B0604020202020204" pitchFamily="34" charset="0"/>
-              </a:rPr>
-              <a:t>() - </a:t>
-            </a:r>
-            <a:r>
-              <a:rPr lang="en-US" sz="2000" i="1" kern="100" dirty="0">
-                <a:solidFill>
-                  <a:srgbClr val="0070C0"/>
-                </a:solidFill>
-                <a:highlight>
-                  <a:srgbClr val="FFFFFF"/>
-                </a:highlight>
-                <a:latin typeface="Arial" panose="020B0604020202020204" pitchFamily="34" charset="0"/>
-                <a:ea typeface="Arial Unicode MS"/>
-                <a:cs typeface="Arial" panose="020B0604020202020204" pitchFamily="34" charset="0"/>
-              </a:rPr>
-              <a:t>http</a:t>
-            </a:r>
-            <a:br>
-              <a:rPr lang="en-US" sz="2000" i="1" kern="100" dirty="0">
-                <a:solidFill>
-                  <a:srgbClr val="000000"/>
-                </a:solidFill>
-                <a:highlight>
-                  <a:srgbClr val="FFFFFF"/>
-                </a:highlight>
-                <a:latin typeface="Arial" panose="020B0604020202020204" pitchFamily="34" charset="0"/>
-                <a:ea typeface="Arial Unicode MS"/>
-                <a:cs typeface="Arial" panose="020B0604020202020204" pitchFamily="34" charset="0"/>
-              </a:rPr>
-            </a:br>
-            <a:r>
-              <a:rPr lang="en-US" sz="2000" i="1" kern="100" dirty="0" err="1">
-                <a:solidFill>
-                  <a:srgbClr val="000000"/>
-                </a:solidFill>
-                <a:highlight>
-                  <a:srgbClr val="FFFFFF"/>
-                </a:highlight>
-                <a:latin typeface="Arial" panose="020B0604020202020204" pitchFamily="34" charset="0"/>
-                <a:ea typeface="Arial Unicode MS"/>
-                <a:cs typeface="Arial" panose="020B0604020202020204" pitchFamily="34" charset="0"/>
-              </a:rPr>
-              <a:t>uri.getSchemeSpecificPart</a:t>
-            </a:r>
-            <a:r>
-              <a:rPr lang="en-US" sz="2000" i="1" kern="100" dirty="0">
-                <a:solidFill>
-                  <a:srgbClr val="000000"/>
-                </a:solidFill>
-                <a:highlight>
-                  <a:srgbClr val="FFFFFF"/>
-                </a:highlight>
-                <a:latin typeface="Arial" panose="020B0604020202020204" pitchFamily="34" charset="0"/>
-                <a:ea typeface="Arial Unicode MS"/>
-                <a:cs typeface="Arial" panose="020B0604020202020204" pitchFamily="34" charset="0"/>
-              </a:rPr>
-              <a:t>() - </a:t>
-            </a:r>
-            <a:r>
-              <a:rPr lang="en-US" sz="2000" i="1" kern="100" dirty="0">
-                <a:solidFill>
-                  <a:srgbClr val="0070C0"/>
-                </a:solidFill>
-                <a:highlight>
-                  <a:srgbClr val="FFFFFF"/>
-                </a:highlight>
-                <a:latin typeface="Arial" panose="020B0604020202020204" pitchFamily="34" charset="0"/>
-                <a:cs typeface="Arial" panose="020B0604020202020204" pitchFamily="34" charset="0"/>
-              </a:rPr>
-              <a:t>//developer.android.com/reference/android/net/Uri.html</a:t>
-            </a:r>
-            <a:br>
-              <a:rPr lang="en-US" sz="2000" i="1" kern="100" dirty="0">
-                <a:solidFill>
-                  <a:srgbClr val="0070C0"/>
-                </a:solidFill>
-                <a:highlight>
-                  <a:srgbClr val="FFFFFF"/>
-                </a:highlight>
-                <a:latin typeface="Arial" panose="020B0604020202020204" pitchFamily="34" charset="0"/>
-                <a:cs typeface="Arial" panose="020B0604020202020204" pitchFamily="34" charset="0"/>
-              </a:rPr>
-            </a:br>
-            <a:r>
-              <a:rPr lang="en-US" sz="2000" i="1" kern="100" dirty="0" err="1">
-                <a:solidFill>
-                  <a:srgbClr val="000000"/>
-                </a:solidFill>
-                <a:highlight>
-                  <a:srgbClr val="FFFFFF"/>
-                </a:highlight>
-                <a:latin typeface="Arial" panose="020B0604020202020204" pitchFamily="34" charset="0"/>
-                <a:ea typeface="Arial Unicode MS"/>
-                <a:cs typeface="Arial" panose="020B0604020202020204" pitchFamily="34" charset="0"/>
-              </a:rPr>
-              <a:t>uri.getAuthority</a:t>
-            </a:r>
-            <a:r>
-              <a:rPr lang="en-US" sz="2000" i="1" kern="100" dirty="0">
-                <a:solidFill>
-                  <a:srgbClr val="000000"/>
-                </a:solidFill>
-                <a:highlight>
-                  <a:srgbClr val="FFFFFF"/>
-                </a:highlight>
-                <a:latin typeface="Arial" panose="020B0604020202020204" pitchFamily="34" charset="0"/>
-                <a:ea typeface="Arial Unicode MS"/>
-                <a:cs typeface="Arial" panose="020B0604020202020204" pitchFamily="34" charset="0"/>
-              </a:rPr>
-              <a:t>() - </a:t>
-            </a:r>
-            <a:r>
-              <a:rPr lang="en-US" sz="2000" i="1" kern="100" dirty="0">
-                <a:solidFill>
-                  <a:srgbClr val="0070C0"/>
-                </a:solidFill>
-                <a:highlight>
-                  <a:srgbClr val="FFFFFF"/>
-                </a:highlight>
-                <a:latin typeface="Arial" panose="020B0604020202020204" pitchFamily="34" charset="0"/>
-                <a:ea typeface="Arial Unicode MS"/>
-                <a:cs typeface="Arial" panose="020B0604020202020204" pitchFamily="34" charset="0"/>
-              </a:rPr>
-              <a:t>developer.android.com</a:t>
-            </a:r>
-            <a:br>
-              <a:rPr lang="en-US" sz="2000" i="1" kern="100" dirty="0">
-                <a:solidFill>
-                  <a:srgbClr val="0070C0"/>
-                </a:solidFill>
-                <a:highlight>
-                  <a:srgbClr val="FFFFFF"/>
-                </a:highlight>
-                <a:latin typeface="Arial" panose="020B0604020202020204" pitchFamily="34" charset="0"/>
-                <a:ea typeface="Arial Unicode MS"/>
-                <a:cs typeface="Arial" panose="020B0604020202020204" pitchFamily="34" charset="0"/>
-              </a:rPr>
-            </a:br>
-            <a:r>
-              <a:rPr lang="en-US" sz="2000" i="1" kern="100" dirty="0" err="1">
-                <a:solidFill>
-                  <a:srgbClr val="000000"/>
-                </a:solidFill>
-                <a:highlight>
-                  <a:srgbClr val="FFFFFF"/>
-                </a:highlight>
-                <a:latin typeface="Arial" panose="020B0604020202020204" pitchFamily="34" charset="0"/>
-                <a:ea typeface="Arial Unicode MS"/>
-                <a:cs typeface="Arial" panose="020B0604020202020204" pitchFamily="34" charset="0"/>
-              </a:rPr>
-              <a:t>uri.getHost</a:t>
-            </a:r>
-            <a:r>
-              <a:rPr lang="en-US" sz="2000" i="1" kern="100" dirty="0">
-                <a:solidFill>
-                  <a:srgbClr val="000000"/>
-                </a:solidFill>
-                <a:highlight>
-                  <a:srgbClr val="FFFFFF"/>
-                </a:highlight>
-                <a:latin typeface="Arial" panose="020B0604020202020204" pitchFamily="34" charset="0"/>
-                <a:ea typeface="Arial Unicode MS"/>
-                <a:cs typeface="Arial" panose="020B0604020202020204" pitchFamily="34" charset="0"/>
-              </a:rPr>
-              <a:t>() - </a:t>
-            </a:r>
-            <a:r>
-              <a:rPr lang="en-US" sz="2000" i="1" kern="100" dirty="0">
-                <a:solidFill>
-                  <a:srgbClr val="0070C0"/>
-                </a:solidFill>
-                <a:highlight>
-                  <a:srgbClr val="FFFFFF"/>
-                </a:highlight>
-                <a:latin typeface="Arial" panose="020B0604020202020204" pitchFamily="34" charset="0"/>
-                <a:ea typeface="Arial Unicode MS"/>
-                <a:cs typeface="Arial" panose="020B0604020202020204" pitchFamily="34" charset="0"/>
-              </a:rPr>
-              <a:t>developer.android.com</a:t>
-            </a:r>
-            <a:br>
-              <a:rPr lang="en-US" sz="2000" i="1" kern="100" dirty="0">
-                <a:solidFill>
-                  <a:srgbClr val="000000"/>
-                </a:solidFill>
-                <a:highlight>
-                  <a:srgbClr val="FFFFFF"/>
-                </a:highlight>
-                <a:latin typeface="Arial" panose="020B0604020202020204" pitchFamily="34" charset="0"/>
-                <a:ea typeface="Arial Unicode MS"/>
-                <a:cs typeface="Arial" panose="020B0604020202020204" pitchFamily="34" charset="0"/>
-              </a:rPr>
-            </a:br>
-            <a:r>
-              <a:rPr lang="en-US" sz="2000" i="1" kern="100" dirty="0" err="1">
-                <a:solidFill>
-                  <a:srgbClr val="000000"/>
-                </a:solidFill>
-                <a:highlight>
-                  <a:srgbClr val="FFFFFF"/>
-                </a:highlight>
-                <a:latin typeface="Arial" panose="020B0604020202020204" pitchFamily="34" charset="0"/>
-                <a:ea typeface="Arial Unicode MS"/>
-                <a:cs typeface="Arial" panose="020B0604020202020204" pitchFamily="34" charset="0"/>
-              </a:rPr>
-              <a:t>uri.getPath</a:t>
-            </a:r>
-            <a:r>
-              <a:rPr lang="en-US" sz="2000" i="1" kern="100" dirty="0">
-                <a:solidFill>
-                  <a:srgbClr val="000000"/>
-                </a:solidFill>
-                <a:highlight>
-                  <a:srgbClr val="FFFFFF"/>
-                </a:highlight>
-                <a:latin typeface="Arial" panose="020B0604020202020204" pitchFamily="34" charset="0"/>
-                <a:ea typeface="Arial Unicode MS"/>
-                <a:cs typeface="Arial" panose="020B0604020202020204" pitchFamily="34" charset="0"/>
-              </a:rPr>
-              <a:t>() - </a:t>
-            </a:r>
-            <a:r>
-              <a:rPr lang="en-US" sz="2000" i="1" kern="100" dirty="0">
-                <a:solidFill>
-                  <a:srgbClr val="0070C0"/>
-                </a:solidFill>
-                <a:highlight>
-                  <a:srgbClr val="FFFFFF"/>
-                </a:highlight>
-                <a:latin typeface="Arial" panose="020B0604020202020204" pitchFamily="34" charset="0"/>
-                <a:ea typeface="Arial Unicode MS"/>
-                <a:cs typeface="Arial" panose="020B0604020202020204" pitchFamily="34" charset="0"/>
-              </a:rPr>
-              <a:t>reference/android/net/Uri.html</a:t>
-            </a:r>
-            <a:br>
-              <a:rPr lang="en-US" sz="2000" i="1" kern="100" dirty="0">
-                <a:solidFill>
-                  <a:srgbClr val="000000"/>
-                </a:solidFill>
-                <a:highlight>
-                  <a:srgbClr val="FFFFFF"/>
-                </a:highlight>
-                <a:latin typeface="Arial" panose="020B0604020202020204" pitchFamily="34" charset="0"/>
-                <a:ea typeface="Arial Unicode MS"/>
-                <a:cs typeface="Arial" panose="020B0604020202020204" pitchFamily="34" charset="0"/>
-              </a:rPr>
-            </a:br>
-            <a:r>
-              <a:rPr lang="en-US" sz="2000" i="1" kern="100" dirty="0" err="1">
-                <a:solidFill>
-                  <a:srgbClr val="000000"/>
-                </a:solidFill>
-                <a:highlight>
-                  <a:srgbClr val="FFFFFF"/>
-                </a:highlight>
-                <a:latin typeface="Arial" panose="020B0604020202020204" pitchFamily="34" charset="0"/>
-                <a:ea typeface="Arial Unicode MS"/>
-                <a:cs typeface="Arial" panose="020B0604020202020204" pitchFamily="34" charset="0"/>
-              </a:rPr>
-              <a:t>uri.getLastPathSegment</a:t>
-            </a:r>
-            <a:r>
-              <a:rPr lang="en-US" sz="2000" i="1" kern="100" dirty="0">
-                <a:solidFill>
-                  <a:srgbClr val="000000"/>
-                </a:solidFill>
-                <a:highlight>
-                  <a:srgbClr val="FFFFFF"/>
-                </a:highlight>
-                <a:latin typeface="Arial" panose="020B0604020202020204" pitchFamily="34" charset="0"/>
-                <a:ea typeface="Arial Unicode MS"/>
-                <a:cs typeface="Arial" panose="020B0604020202020204" pitchFamily="34" charset="0"/>
-              </a:rPr>
-              <a:t>() - </a:t>
-            </a:r>
-            <a:r>
-              <a:rPr lang="en-US" sz="2000" i="1" kern="100" dirty="0">
-                <a:solidFill>
-                  <a:srgbClr val="0070C0"/>
-                </a:solidFill>
-                <a:highlight>
-                  <a:srgbClr val="FFFFFF"/>
-                </a:highlight>
-                <a:latin typeface="Arial" panose="020B0604020202020204" pitchFamily="34" charset="0"/>
-                <a:ea typeface="Arial Unicode MS"/>
-                <a:cs typeface="Arial" panose="020B0604020202020204" pitchFamily="34" charset="0"/>
-              </a:rPr>
-              <a:t>Uri.html</a:t>
-            </a:r>
-            <a:endParaRPr lang="ru-RU" sz="2000" kern="100" dirty="0">
-              <a:solidFill>
-                <a:srgbClr val="0070C0"/>
-              </a:solidFill>
-              <a:latin typeface="Arial" panose="020B0604020202020204" pitchFamily="34" charset="0"/>
-              <a:ea typeface="Arial Unicode MS"/>
-              <a:cs typeface="Arial" panose="020B0604020202020204" pitchFamily="34" charset="0"/>
-            </a:endParaRPr>
-          </a:p>
-        </p:txBody>
-      </p:sp>
+      </p:pic>
     </p:spTree>
     <p:extLst>
       <p:ext uri="{BB962C8B-B14F-4D97-AF65-F5344CB8AC3E}">
-        <p14:creationId xmlns:p14="http://schemas.microsoft.com/office/powerpoint/2010/main" val="2905839063"/>
+        <p14:creationId xmlns:p14="http://schemas.microsoft.com/office/powerpoint/2010/main" val="1709299481"/>
       </p:ext>
     </p:extLst>
   </p:cSld>
